--- a/PTEX/gazo/pendulum.pptx
+++ b/PTEX/gazo/pendulum.pptx
@@ -5,7 +5,7 @@
     <p:sldMasterId id="2147483648" r:id="rId1"/>
   </p:sldMasterIdLst>
   <p:notesMasterIdLst>
-    <p:notesMasterId r:id="rId7"/>
+    <p:notesMasterId r:id="rId10"/>
   </p:notesMasterIdLst>
   <p:sldIdLst>
     <p:sldId id="256" r:id="rId2"/>
@@ -13,6 +13,9 @@
     <p:sldId id="258" r:id="rId4"/>
     <p:sldId id="259" r:id="rId5"/>
     <p:sldId id="260" r:id="rId6"/>
+    <p:sldId id="261" r:id="rId7"/>
+    <p:sldId id="262" r:id="rId8"/>
+    <p:sldId id="263" r:id="rId9"/>
   </p:sldIdLst>
   <p:sldSz cx="12192000" cy="6858000"/>
   <p:notesSz cx="6858000" cy="9144000"/>
@@ -212,7 +215,7 @@
           <a:p>
             <a:fld id="{0C8F862B-F027-4730-9EBE-C9BCA7AB9D91}" type="datetimeFigureOut">
               <a:rPr kumimoji="1" lang="ja-JP" altLang="en-US" smtClean="0"/>
-              <a:t>2018/7/5</a:t>
+              <a:t>2018/7/9</a:t>
             </a:fld>
             <a:endParaRPr kumimoji="1" lang="ja-JP" altLang="en-US"/>
           </a:p>
@@ -643,7 +646,7 @@
           <a:p>
             <a:fld id="{5D155995-8E0F-480C-8293-EE02BAE5E804}" type="datetimeFigureOut">
               <a:rPr kumimoji="1" lang="ja-JP" altLang="en-US" smtClean="0"/>
-              <a:t>2018/7/5</a:t>
+              <a:t>2018/7/9</a:t>
             </a:fld>
             <a:endParaRPr kumimoji="1" lang="ja-JP" altLang="en-US"/>
           </a:p>
@@ -845,7 +848,7 @@
           <a:p>
             <a:fld id="{5D155995-8E0F-480C-8293-EE02BAE5E804}" type="datetimeFigureOut">
               <a:rPr kumimoji="1" lang="ja-JP" altLang="en-US" smtClean="0"/>
-              <a:t>2018/7/5</a:t>
+              <a:t>2018/7/9</a:t>
             </a:fld>
             <a:endParaRPr kumimoji="1" lang="ja-JP" altLang="en-US"/>
           </a:p>
@@ -1057,7 +1060,7 @@
           <a:p>
             <a:fld id="{5D155995-8E0F-480C-8293-EE02BAE5E804}" type="datetimeFigureOut">
               <a:rPr kumimoji="1" lang="ja-JP" altLang="en-US" smtClean="0"/>
-              <a:t>2018/7/5</a:t>
+              <a:t>2018/7/9</a:t>
             </a:fld>
             <a:endParaRPr kumimoji="1" lang="ja-JP" altLang="en-US"/>
           </a:p>
@@ -1259,7 +1262,7 @@
           <a:p>
             <a:fld id="{5D155995-8E0F-480C-8293-EE02BAE5E804}" type="datetimeFigureOut">
               <a:rPr kumimoji="1" lang="ja-JP" altLang="en-US" smtClean="0"/>
-              <a:t>2018/7/5</a:t>
+              <a:t>2018/7/9</a:t>
             </a:fld>
             <a:endParaRPr kumimoji="1" lang="ja-JP" altLang="en-US"/>
           </a:p>
@@ -1505,7 +1508,7 @@
           <a:p>
             <a:fld id="{5D155995-8E0F-480C-8293-EE02BAE5E804}" type="datetimeFigureOut">
               <a:rPr kumimoji="1" lang="ja-JP" altLang="en-US" smtClean="0"/>
-              <a:t>2018/7/5</a:t>
+              <a:t>2018/7/9</a:t>
             </a:fld>
             <a:endParaRPr kumimoji="1" lang="ja-JP" altLang="en-US"/>
           </a:p>
@@ -1801,7 +1804,7 @@
           <a:p>
             <a:fld id="{5D155995-8E0F-480C-8293-EE02BAE5E804}" type="datetimeFigureOut">
               <a:rPr kumimoji="1" lang="ja-JP" altLang="en-US" smtClean="0"/>
-              <a:t>2018/7/5</a:t>
+              <a:t>2018/7/9</a:t>
             </a:fld>
             <a:endParaRPr kumimoji="1" lang="ja-JP" altLang="en-US"/>
           </a:p>
@@ -2232,7 +2235,7 @@
           <a:p>
             <a:fld id="{5D155995-8E0F-480C-8293-EE02BAE5E804}" type="datetimeFigureOut">
               <a:rPr kumimoji="1" lang="ja-JP" altLang="en-US" smtClean="0"/>
-              <a:t>2018/7/5</a:t>
+              <a:t>2018/7/9</a:t>
             </a:fld>
             <a:endParaRPr kumimoji="1" lang="ja-JP" altLang="en-US"/>
           </a:p>
@@ -2350,7 +2353,7 @@
           <a:p>
             <a:fld id="{5D155995-8E0F-480C-8293-EE02BAE5E804}" type="datetimeFigureOut">
               <a:rPr kumimoji="1" lang="ja-JP" altLang="en-US" smtClean="0"/>
-              <a:t>2018/7/5</a:t>
+              <a:t>2018/7/9</a:t>
             </a:fld>
             <a:endParaRPr kumimoji="1" lang="ja-JP" altLang="en-US"/>
           </a:p>
@@ -2445,7 +2448,7 @@
           <a:p>
             <a:fld id="{5D155995-8E0F-480C-8293-EE02BAE5E804}" type="datetimeFigureOut">
               <a:rPr kumimoji="1" lang="ja-JP" altLang="en-US" smtClean="0"/>
-              <a:t>2018/7/5</a:t>
+              <a:t>2018/7/9</a:t>
             </a:fld>
             <a:endParaRPr kumimoji="1" lang="ja-JP" altLang="en-US"/>
           </a:p>
@@ -2754,7 +2757,7 @@
           <a:p>
             <a:fld id="{5D155995-8E0F-480C-8293-EE02BAE5E804}" type="datetimeFigureOut">
               <a:rPr kumimoji="1" lang="ja-JP" altLang="en-US" smtClean="0"/>
-              <a:t>2018/7/5</a:t>
+              <a:t>2018/7/9</a:t>
             </a:fld>
             <a:endParaRPr kumimoji="1" lang="ja-JP" altLang="en-US"/>
           </a:p>
@@ -3007,7 +3010,7 @@
           <a:p>
             <a:fld id="{5D155995-8E0F-480C-8293-EE02BAE5E804}" type="datetimeFigureOut">
               <a:rPr kumimoji="1" lang="ja-JP" altLang="en-US" smtClean="0"/>
-              <a:t>2018/7/5</a:t>
+              <a:t>2018/7/9</a:t>
             </a:fld>
             <a:endParaRPr kumimoji="1" lang="ja-JP" altLang="en-US"/>
           </a:p>
@@ -3252,7 +3255,7 @@
           <a:p>
             <a:fld id="{5D155995-8E0F-480C-8293-EE02BAE5E804}" type="datetimeFigureOut">
               <a:rPr kumimoji="1" lang="ja-JP" altLang="en-US" smtClean="0"/>
-              <a:t>2018/7/5</a:t>
+              <a:t>2018/7/9</a:t>
             </a:fld>
             <a:endParaRPr kumimoji="1" lang="ja-JP" altLang="en-US"/>
           </a:p>
@@ -3739,8 +3742,8 @@
             <a:chExt cx="4383402" cy="2947528"/>
           </a:xfrm>
         </p:grpSpPr>
-        <mc:AlternateContent xmlns:mc="http://schemas.openxmlformats.org/markup-compatibility/2006">
-          <mc:Choice xmlns:a14="http://schemas.microsoft.com/office/drawing/2010/main" Requires="a14">
+        <mc:AlternateContent xmlns:mc="http://schemas.openxmlformats.org/markup-compatibility/2006" xmlns:a14="http://schemas.microsoft.com/office/drawing/2010/main">
+          <mc:Choice Requires="a14">
             <p:sp>
               <p:nvSpPr>
                 <p:cNvPr id="104" name="テキスト ボックス 103"/>
@@ -3763,6 +3766,7 @@
                 </a:bodyPr>
                 <a:lstStyle/>
                 <a:p>
+                  <a:pPr/>
                   <a14:m>
                     <m:oMathPara xmlns:m="http://schemas.openxmlformats.org/officeDocument/2006/math">
                       <m:oMathParaPr>
@@ -3783,7 +3787,7 @@
               </p:txBody>
             </p:sp>
           </mc:Choice>
-          <mc:Fallback>
+          <mc:Fallback xmlns="">
             <p:sp>
               <p:nvSpPr>
                 <p:cNvPr id="104" name="テキスト ボックス 103"/>
@@ -6124,8 +6128,8 @@
           </a:p>
         </p:txBody>
       </p:sp>
-      <mc:AlternateContent xmlns:mc="http://schemas.openxmlformats.org/markup-compatibility/2006">
-        <mc:Choice xmlns:a14="http://schemas.microsoft.com/office/drawing/2010/main" Requires="a14">
+      <mc:AlternateContent xmlns:mc="http://schemas.openxmlformats.org/markup-compatibility/2006" xmlns:a14="http://schemas.microsoft.com/office/drawing/2010/main">
+        <mc:Choice Requires="a14">
           <p:sp>
             <p:nvSpPr>
               <p:cNvPr id="33" name="テキスト ボックス 32"/>
@@ -6148,6 +6152,7 @@
               </a:bodyPr>
               <a:lstStyle/>
               <a:p>
+                <a:pPr/>
                 <a14:m>
                   <m:oMathPara xmlns:m="http://schemas.openxmlformats.org/officeDocument/2006/math">
                     <m:oMathParaPr>
@@ -6190,7 +6195,7 @@
             </p:txBody>
           </p:sp>
         </mc:Choice>
-        <mc:Fallback>
+        <mc:Fallback xmlns="">
           <p:sp>
             <p:nvSpPr>
               <p:cNvPr id="33" name="テキスト ボックス 32"/>
@@ -6229,8 +6234,8 @@
           </p:sp>
         </mc:Fallback>
       </mc:AlternateContent>
-      <mc:AlternateContent xmlns:mc="http://schemas.openxmlformats.org/markup-compatibility/2006">
-        <mc:Choice xmlns:a14="http://schemas.microsoft.com/office/drawing/2010/main" Requires="a14">
+      <mc:AlternateContent xmlns:mc="http://schemas.openxmlformats.org/markup-compatibility/2006" xmlns:a14="http://schemas.microsoft.com/office/drawing/2010/main">
+        <mc:Choice Requires="a14">
           <p:sp>
             <p:nvSpPr>
               <p:cNvPr id="34" name="テキスト ボックス 33"/>
@@ -6253,6 +6258,7 @@
               </a:bodyPr>
               <a:lstStyle/>
               <a:p>
+                <a:pPr/>
                 <a14:m>
                   <m:oMathPara xmlns:m="http://schemas.openxmlformats.org/officeDocument/2006/math">
                     <m:oMathParaPr>
@@ -6294,7 +6300,7 @@
             </p:txBody>
           </p:sp>
         </mc:Choice>
-        <mc:Fallback>
+        <mc:Fallback xmlns="">
           <p:sp>
             <p:nvSpPr>
               <p:cNvPr id="34" name="テキスト ボックス 33"/>
@@ -7035,8 +7041,8 @@
           </a:p>
         </p:txBody>
       </p:sp>
-      <mc:AlternateContent xmlns:mc="http://schemas.openxmlformats.org/markup-compatibility/2006">
-        <mc:Choice xmlns:a14="http://schemas.microsoft.com/office/drawing/2010/main" Requires="a14">
+      <mc:AlternateContent xmlns:mc="http://schemas.openxmlformats.org/markup-compatibility/2006" xmlns:a14="http://schemas.microsoft.com/office/drawing/2010/main">
+        <mc:Choice Requires="a14">
           <p:sp>
             <p:nvSpPr>
               <p:cNvPr id="36" name="テキスト ボックス 35"/>
@@ -7059,6 +7065,7 @@
               </a:bodyPr>
               <a:lstStyle/>
               <a:p>
+                <a:pPr/>
                 <a14:m>
                   <m:oMathPara xmlns:m="http://schemas.openxmlformats.org/officeDocument/2006/math">
                     <m:oMathParaPr>
@@ -7085,7 +7092,7 @@
             </p:txBody>
           </p:sp>
         </mc:Choice>
-        <mc:Fallback>
+        <mc:Fallback xmlns="">
           <p:sp>
             <p:nvSpPr>
               <p:cNvPr id="36" name="テキスト ボックス 35"/>
@@ -7124,8 +7131,8 @@
           </p:sp>
         </mc:Fallback>
       </mc:AlternateContent>
-      <mc:AlternateContent xmlns:mc="http://schemas.openxmlformats.org/markup-compatibility/2006">
-        <mc:Choice xmlns:a14="http://schemas.microsoft.com/office/drawing/2010/main" Requires="a14">
+      <mc:AlternateContent xmlns:mc="http://schemas.openxmlformats.org/markup-compatibility/2006" xmlns:a14="http://schemas.microsoft.com/office/drawing/2010/main">
+        <mc:Choice Requires="a14">
           <p:sp>
             <p:nvSpPr>
               <p:cNvPr id="37" name="テキスト ボックス 36"/>
@@ -7148,6 +7155,7 @@
               </a:bodyPr>
               <a:lstStyle/>
               <a:p>
+                <a:pPr/>
                 <a14:m>
                   <m:oMathPara xmlns:m="http://schemas.openxmlformats.org/officeDocument/2006/math">
                     <m:oMathParaPr>
@@ -7190,7 +7198,7 @@
             </p:txBody>
           </p:sp>
         </mc:Choice>
-        <mc:Fallback>
+        <mc:Fallback xmlns="">
           <p:sp>
             <p:nvSpPr>
               <p:cNvPr id="37" name="テキスト ボックス 36"/>
@@ -7229,8 +7237,8 @@
           </p:sp>
         </mc:Fallback>
       </mc:AlternateContent>
-      <mc:AlternateContent xmlns:mc="http://schemas.openxmlformats.org/markup-compatibility/2006">
-        <mc:Choice xmlns:a14="http://schemas.microsoft.com/office/drawing/2010/main" Requires="a14">
+      <mc:AlternateContent xmlns:mc="http://schemas.openxmlformats.org/markup-compatibility/2006" xmlns:a14="http://schemas.microsoft.com/office/drawing/2010/main">
+        <mc:Choice Requires="a14">
           <p:sp>
             <p:nvSpPr>
               <p:cNvPr id="38" name="テキスト ボックス 37"/>
@@ -7253,6 +7261,7 @@
               </a:bodyPr>
               <a:lstStyle/>
               <a:p>
+                <a:pPr/>
                 <a14:m>
                   <m:oMathPara xmlns:m="http://schemas.openxmlformats.org/officeDocument/2006/math">
                     <m:oMathParaPr>
@@ -7294,7 +7303,7 @@
             </p:txBody>
           </p:sp>
         </mc:Choice>
-        <mc:Fallback>
+        <mc:Fallback xmlns="">
           <p:sp>
             <p:nvSpPr>
               <p:cNvPr id="38" name="テキスト ボックス 37"/>
@@ -7333,8 +7342,8 @@
           </p:sp>
         </mc:Fallback>
       </mc:AlternateContent>
-      <mc:AlternateContent xmlns:mc="http://schemas.openxmlformats.org/markup-compatibility/2006">
-        <mc:Choice xmlns:a14="http://schemas.microsoft.com/office/drawing/2010/main" Requires="a14">
+      <mc:AlternateContent xmlns:mc="http://schemas.openxmlformats.org/markup-compatibility/2006" xmlns:a14="http://schemas.microsoft.com/office/drawing/2010/main">
+        <mc:Choice Requires="a14">
           <p:sp>
             <p:nvSpPr>
               <p:cNvPr id="39" name="テキスト ボックス 38"/>
@@ -7357,6 +7366,7 @@
               </a:bodyPr>
               <a:lstStyle/>
               <a:p>
+                <a:pPr/>
                 <a14:m>
                   <m:oMathPara xmlns:m="http://schemas.openxmlformats.org/officeDocument/2006/math">
                     <m:oMathParaPr>
@@ -7399,7 +7409,7 @@
             </p:txBody>
           </p:sp>
         </mc:Choice>
-        <mc:Fallback>
+        <mc:Fallback xmlns="">
           <p:sp>
             <p:nvSpPr>
               <p:cNvPr id="39" name="テキスト ボックス 38"/>
@@ -8115,8 +8125,8 @@
           </a:fontRef>
         </p:style>
       </p:cxnSp>
-      <mc:AlternateContent xmlns:mc="http://schemas.openxmlformats.org/markup-compatibility/2006">
-        <mc:Choice xmlns:a14="http://schemas.microsoft.com/office/drawing/2010/main" Requires="a14">
+      <mc:AlternateContent xmlns:mc="http://schemas.openxmlformats.org/markup-compatibility/2006" xmlns:a14="http://schemas.microsoft.com/office/drawing/2010/main">
+        <mc:Choice Requires="a14">
           <p:sp>
             <p:nvSpPr>
               <p:cNvPr id="29" name="テキスト ボックス 28"/>
@@ -8139,6 +8149,7 @@
               </a:bodyPr>
               <a:lstStyle/>
               <a:p>
+                <a:pPr/>
                 <a14:m>
                   <m:oMathPara xmlns:m="http://schemas.openxmlformats.org/officeDocument/2006/math">
                     <m:oMathParaPr>
@@ -8181,7 +8192,7 @@
             </p:txBody>
           </p:sp>
         </mc:Choice>
-        <mc:Fallback>
+        <mc:Fallback xmlns="">
           <p:sp>
             <p:nvSpPr>
               <p:cNvPr id="29" name="テキスト ボックス 28"/>
@@ -8220,8 +8231,8 @@
           </p:sp>
         </mc:Fallback>
       </mc:AlternateContent>
-      <mc:AlternateContent xmlns:mc="http://schemas.openxmlformats.org/markup-compatibility/2006">
-        <mc:Choice xmlns:a14="http://schemas.microsoft.com/office/drawing/2010/main" Requires="a14">
+      <mc:AlternateContent xmlns:mc="http://schemas.openxmlformats.org/markup-compatibility/2006" xmlns:a14="http://schemas.microsoft.com/office/drawing/2010/main">
+        <mc:Choice Requires="a14">
           <p:sp>
             <p:nvSpPr>
               <p:cNvPr id="49" name="テキスト ボックス 48"/>
@@ -8244,6 +8255,7 @@
               </a:bodyPr>
               <a:lstStyle/>
               <a:p>
+                <a:pPr/>
                 <a14:m>
                   <m:oMathPara xmlns:m="http://schemas.openxmlformats.org/officeDocument/2006/math">
                     <m:oMathParaPr>
@@ -8286,7 +8298,7 @@
             </p:txBody>
           </p:sp>
         </mc:Choice>
-        <mc:Fallback>
+        <mc:Fallback xmlns="">
           <p:sp>
             <p:nvSpPr>
               <p:cNvPr id="49" name="テキスト ボックス 48"/>
@@ -8411,8 +8423,8 @@
           </a:p>
         </p:txBody>
       </p:sp>
-      <mc:AlternateContent xmlns:mc="http://schemas.openxmlformats.org/markup-compatibility/2006">
-        <mc:Choice xmlns:a14="http://schemas.microsoft.com/office/drawing/2010/main" Requires="a14">
+      <mc:AlternateContent xmlns:mc="http://schemas.openxmlformats.org/markup-compatibility/2006" xmlns:a14="http://schemas.microsoft.com/office/drawing/2010/main">
+        <mc:Choice Requires="a14">
           <p:sp>
             <p:nvSpPr>
               <p:cNvPr id="37" name="テキスト ボックス 36"/>
@@ -8435,6 +8447,7 @@
               </a:bodyPr>
               <a:lstStyle/>
               <a:p>
+                <a:pPr/>
                 <a14:m>
                   <m:oMathPara xmlns:m="http://schemas.openxmlformats.org/officeDocument/2006/math">
                     <m:oMathParaPr>
@@ -8455,7 +8468,7 @@
             </p:txBody>
           </p:sp>
         </mc:Choice>
-        <mc:Fallback>
+        <mc:Fallback xmlns="">
           <p:sp>
             <p:nvSpPr>
               <p:cNvPr id="37" name="テキスト ボックス 36"/>
@@ -8494,8 +8507,8 @@
           </p:sp>
         </mc:Fallback>
       </mc:AlternateContent>
-      <mc:AlternateContent xmlns:mc="http://schemas.openxmlformats.org/markup-compatibility/2006">
-        <mc:Choice xmlns:a14="http://schemas.microsoft.com/office/drawing/2010/main" Requires="a14">
+      <mc:AlternateContent xmlns:mc="http://schemas.openxmlformats.org/markup-compatibility/2006" xmlns:a14="http://schemas.microsoft.com/office/drawing/2010/main">
+        <mc:Choice Requires="a14">
           <p:sp>
             <p:nvSpPr>
               <p:cNvPr id="54" name="テキスト ボックス 53"/>
@@ -8518,6 +8531,7 @@
               </a:bodyPr>
               <a:lstStyle/>
               <a:p>
+                <a:pPr/>
                 <a14:m>
                   <m:oMathPara xmlns:m="http://schemas.openxmlformats.org/officeDocument/2006/math">
                     <m:oMathParaPr>
@@ -8538,7 +8552,7 @@
             </p:txBody>
           </p:sp>
         </mc:Choice>
-        <mc:Fallback>
+        <mc:Fallback xmlns="">
           <p:sp>
             <p:nvSpPr>
               <p:cNvPr id="54" name="テキスト ボックス 53"/>
@@ -8577,8 +8591,8 @@
           </p:sp>
         </mc:Fallback>
       </mc:AlternateContent>
-      <mc:AlternateContent xmlns:mc="http://schemas.openxmlformats.org/markup-compatibility/2006">
-        <mc:Choice xmlns:a14="http://schemas.microsoft.com/office/drawing/2010/main" Requires="a14">
+      <mc:AlternateContent xmlns:mc="http://schemas.openxmlformats.org/markup-compatibility/2006" xmlns:a14="http://schemas.microsoft.com/office/drawing/2010/main">
+        <mc:Choice Requires="a14">
           <p:sp>
             <p:nvSpPr>
               <p:cNvPr id="55" name="テキスト ボックス 54"/>
@@ -8601,6 +8615,7 @@
               </a:bodyPr>
               <a:lstStyle/>
               <a:p>
+                <a:pPr/>
                 <a14:m>
                   <m:oMathPara xmlns:m="http://schemas.openxmlformats.org/officeDocument/2006/math">
                     <m:oMathParaPr>
@@ -8643,7 +8658,7 @@
             </p:txBody>
           </p:sp>
         </mc:Choice>
-        <mc:Fallback>
+        <mc:Fallback xmlns="">
           <p:sp>
             <p:nvSpPr>
               <p:cNvPr id="55" name="テキスト ボックス 54"/>
@@ -8682,8 +8697,8 @@
           </p:sp>
         </mc:Fallback>
       </mc:AlternateContent>
-      <mc:AlternateContent xmlns:mc="http://schemas.openxmlformats.org/markup-compatibility/2006">
-        <mc:Choice xmlns:a14="http://schemas.microsoft.com/office/drawing/2010/main" Requires="a14">
+      <mc:AlternateContent xmlns:mc="http://schemas.openxmlformats.org/markup-compatibility/2006" xmlns:a14="http://schemas.microsoft.com/office/drawing/2010/main">
+        <mc:Choice Requires="a14">
           <p:sp>
             <p:nvSpPr>
               <p:cNvPr id="57" name="テキスト ボックス 56"/>
@@ -8706,6 +8721,7 @@
               </a:bodyPr>
               <a:lstStyle/>
               <a:p>
+                <a:pPr/>
                 <a14:m>
                   <m:oMathPara xmlns:m="http://schemas.openxmlformats.org/officeDocument/2006/math">
                     <m:oMathParaPr>
@@ -8748,7 +8764,7 @@
             </p:txBody>
           </p:sp>
         </mc:Choice>
-        <mc:Fallback>
+        <mc:Fallback xmlns="">
           <p:sp>
             <p:nvSpPr>
               <p:cNvPr id="57" name="テキスト ボックス 56"/>
@@ -8787,8 +8803,8 @@
           </p:sp>
         </mc:Fallback>
       </mc:AlternateContent>
-      <mc:AlternateContent xmlns:mc="http://schemas.openxmlformats.org/markup-compatibility/2006">
-        <mc:Choice xmlns:a14="http://schemas.microsoft.com/office/drawing/2010/main" Requires="a14">
+      <mc:AlternateContent xmlns:mc="http://schemas.openxmlformats.org/markup-compatibility/2006" xmlns:a14="http://schemas.microsoft.com/office/drawing/2010/main">
+        <mc:Choice Requires="a14">
           <p:sp>
             <p:nvSpPr>
               <p:cNvPr id="60" name="テキスト ボックス 59"/>
@@ -8811,6 +8827,7 @@
               </a:bodyPr>
               <a:lstStyle/>
               <a:p>
+                <a:pPr/>
                 <a14:m>
                   <m:oMathPara xmlns:m="http://schemas.openxmlformats.org/officeDocument/2006/math">
                     <m:oMathParaPr>
@@ -8831,7 +8848,7 @@
             </p:txBody>
           </p:sp>
         </mc:Choice>
-        <mc:Fallback>
+        <mc:Fallback xmlns="">
           <p:sp>
             <p:nvSpPr>
               <p:cNvPr id="60" name="テキスト ボックス 59"/>
@@ -8870,8 +8887,8 @@
           </p:sp>
         </mc:Fallback>
       </mc:AlternateContent>
-      <mc:AlternateContent xmlns:mc="http://schemas.openxmlformats.org/markup-compatibility/2006">
-        <mc:Choice xmlns:a14="http://schemas.microsoft.com/office/drawing/2010/main" Requires="a14">
+      <mc:AlternateContent xmlns:mc="http://schemas.openxmlformats.org/markup-compatibility/2006" xmlns:a14="http://schemas.microsoft.com/office/drawing/2010/main">
+        <mc:Choice Requires="a14">
           <p:sp>
             <p:nvSpPr>
               <p:cNvPr id="61" name="テキスト ボックス 60"/>
@@ -8894,6 +8911,7 @@
               </a:bodyPr>
               <a:lstStyle/>
               <a:p>
+                <a:pPr/>
                 <a14:m>
                   <m:oMathPara xmlns:m="http://schemas.openxmlformats.org/officeDocument/2006/math">
                     <m:oMathParaPr>
@@ -8914,7 +8932,7 @@
             </p:txBody>
           </p:sp>
         </mc:Choice>
-        <mc:Fallback>
+        <mc:Fallback xmlns="">
           <p:sp>
             <p:nvSpPr>
               <p:cNvPr id="61" name="テキスト ボックス 60"/>
@@ -8953,8 +8971,8 @@
           </p:sp>
         </mc:Fallback>
       </mc:AlternateContent>
-      <mc:AlternateContent xmlns:mc="http://schemas.openxmlformats.org/markup-compatibility/2006">
-        <mc:Choice xmlns:a14="http://schemas.microsoft.com/office/drawing/2010/main" Requires="a14">
+      <mc:AlternateContent xmlns:mc="http://schemas.openxmlformats.org/markup-compatibility/2006" xmlns:a14="http://schemas.microsoft.com/office/drawing/2010/main">
+        <mc:Choice Requires="a14">
           <p:sp>
             <p:nvSpPr>
               <p:cNvPr id="62" name="テキスト ボックス 61"/>
@@ -8977,6 +8995,7 @@
               </a:bodyPr>
               <a:lstStyle/>
               <a:p>
+                <a:pPr/>
                 <a14:m>
                   <m:oMathPara xmlns:m="http://schemas.openxmlformats.org/officeDocument/2006/math">
                     <m:oMathParaPr>
@@ -8997,7 +9016,7 @@
             </p:txBody>
           </p:sp>
         </mc:Choice>
-        <mc:Fallback>
+        <mc:Fallback xmlns="">
           <p:sp>
             <p:nvSpPr>
               <p:cNvPr id="62" name="テキスト ボックス 61"/>
@@ -9036,8 +9055,8 @@
           </p:sp>
         </mc:Fallback>
       </mc:AlternateContent>
-      <mc:AlternateContent xmlns:mc="http://schemas.openxmlformats.org/markup-compatibility/2006">
-        <mc:Choice xmlns:a14="http://schemas.microsoft.com/office/drawing/2010/main" Requires="a14">
+      <mc:AlternateContent xmlns:mc="http://schemas.openxmlformats.org/markup-compatibility/2006" xmlns:a14="http://schemas.microsoft.com/office/drawing/2010/main">
+        <mc:Choice Requires="a14">
           <p:sp>
             <p:nvSpPr>
               <p:cNvPr id="64" name="テキスト ボックス 63"/>
@@ -9060,6 +9079,7 @@
               </a:bodyPr>
               <a:lstStyle/>
               <a:p>
+                <a:pPr/>
                 <a14:m>
                   <m:oMathPara xmlns:m="http://schemas.openxmlformats.org/officeDocument/2006/math">
                     <m:oMathParaPr>
@@ -9080,7 +9100,7 @@
             </p:txBody>
           </p:sp>
         </mc:Choice>
-        <mc:Fallback>
+        <mc:Fallback xmlns="">
           <p:sp>
             <p:nvSpPr>
               <p:cNvPr id="64" name="テキスト ボックス 63"/>
@@ -9489,8 +9509,8 @@
           </a:p>
         </p:txBody>
       </p:sp>
-      <mc:AlternateContent xmlns:mc="http://schemas.openxmlformats.org/markup-compatibility/2006">
-        <mc:Choice xmlns:a14="http://schemas.microsoft.com/office/drawing/2010/main" Requires="a14">
+      <mc:AlternateContent xmlns:mc="http://schemas.openxmlformats.org/markup-compatibility/2006" xmlns:a14="http://schemas.microsoft.com/office/drawing/2010/main">
+        <mc:Choice Requires="a14">
           <p:sp>
             <p:nvSpPr>
               <p:cNvPr id="16" name="テキスト ボックス 15"/>
@@ -9513,6 +9533,7 @@
               </a:bodyPr>
               <a:lstStyle/>
               <a:p>
+                <a:pPr/>
                 <a14:m>
                   <m:oMathPara xmlns:m="http://schemas.openxmlformats.org/officeDocument/2006/math">
                     <m:oMathParaPr>
@@ -9533,7 +9554,7 @@
             </p:txBody>
           </p:sp>
         </mc:Choice>
-        <mc:Fallback>
+        <mc:Fallback xmlns="">
           <p:sp>
             <p:nvSpPr>
               <p:cNvPr id="16" name="テキスト ボックス 15"/>
@@ -9572,8 +9593,8 @@
           </p:sp>
         </mc:Fallback>
       </mc:AlternateContent>
-      <mc:AlternateContent xmlns:mc="http://schemas.openxmlformats.org/markup-compatibility/2006">
-        <mc:Choice xmlns:a14="http://schemas.microsoft.com/office/drawing/2010/main" Requires="a14">
+      <mc:AlternateContent xmlns:mc="http://schemas.openxmlformats.org/markup-compatibility/2006" xmlns:a14="http://schemas.microsoft.com/office/drawing/2010/main">
+        <mc:Choice Requires="a14">
           <p:sp>
             <p:nvSpPr>
               <p:cNvPr id="17" name="テキスト ボックス 16"/>
@@ -9596,6 +9617,7 @@
               </a:bodyPr>
               <a:lstStyle/>
               <a:p>
+                <a:pPr/>
                 <a14:m>
                   <m:oMathPara xmlns:m="http://schemas.openxmlformats.org/officeDocument/2006/math">
                     <m:oMathParaPr>
@@ -9616,7 +9638,7 @@
             </p:txBody>
           </p:sp>
         </mc:Choice>
-        <mc:Fallback>
+        <mc:Fallback xmlns="">
           <p:sp>
             <p:nvSpPr>
               <p:cNvPr id="17" name="テキスト ボックス 16"/>
@@ -9655,8 +9677,8 @@
           </p:sp>
         </mc:Fallback>
       </mc:AlternateContent>
-      <mc:AlternateContent xmlns:mc="http://schemas.openxmlformats.org/markup-compatibility/2006">
-        <mc:Choice xmlns:a14="http://schemas.microsoft.com/office/drawing/2010/main" Requires="a14">
+      <mc:AlternateContent xmlns:mc="http://schemas.openxmlformats.org/markup-compatibility/2006" xmlns:a14="http://schemas.microsoft.com/office/drawing/2010/main">
+        <mc:Choice Requires="a14">
           <p:sp>
             <p:nvSpPr>
               <p:cNvPr id="18" name="テキスト ボックス 17"/>
@@ -9679,6 +9701,7 @@
               </a:bodyPr>
               <a:lstStyle/>
               <a:p>
+                <a:pPr/>
                 <a14:m>
                   <m:oMathPara xmlns:m="http://schemas.openxmlformats.org/officeDocument/2006/math">
                     <m:oMathParaPr>
@@ -9702,7 +9725,7 @@
             </p:txBody>
           </p:sp>
         </mc:Choice>
-        <mc:Fallback>
+        <mc:Fallback xmlns="">
           <p:sp>
             <p:nvSpPr>
               <p:cNvPr id="18" name="テキスト ボックス 17"/>
@@ -9949,8 +9972,8 @@
           </a:p>
         </p:txBody>
       </p:sp>
-      <mc:AlternateContent xmlns:mc="http://schemas.openxmlformats.org/markup-compatibility/2006">
-        <mc:Choice xmlns:a14="http://schemas.microsoft.com/office/drawing/2010/main" Requires="a14">
+      <mc:AlternateContent xmlns:mc="http://schemas.openxmlformats.org/markup-compatibility/2006" xmlns:a14="http://schemas.microsoft.com/office/drawing/2010/main">
+        <mc:Choice Requires="a14">
           <p:sp>
             <p:nvSpPr>
               <p:cNvPr id="33" name="テキスト ボックス 32"/>
@@ -9973,6 +9996,7 @@
               </a:bodyPr>
               <a:lstStyle/>
               <a:p>
+                <a:pPr/>
                 <a14:m>
                   <m:oMathPara xmlns:m="http://schemas.openxmlformats.org/officeDocument/2006/math">
                     <m:oMathParaPr>
@@ -9996,7 +10020,7 @@
             </p:txBody>
           </p:sp>
         </mc:Choice>
-        <mc:Fallback>
+        <mc:Fallback xmlns="">
           <p:sp>
             <p:nvSpPr>
               <p:cNvPr id="33" name="テキスト ボックス 32"/>
@@ -10109,8 +10133,8 @@
           </a:fontRef>
         </p:style>
       </p:cxnSp>
-      <mc:AlternateContent xmlns:mc="http://schemas.openxmlformats.org/markup-compatibility/2006">
-        <mc:Choice xmlns:a14="http://schemas.microsoft.com/office/drawing/2010/main" Requires="a14">
+      <mc:AlternateContent xmlns:mc="http://schemas.openxmlformats.org/markup-compatibility/2006" xmlns:a14="http://schemas.microsoft.com/office/drawing/2010/main">
+        <mc:Choice Requires="a14">
           <p:sp>
             <p:nvSpPr>
               <p:cNvPr id="45" name="テキスト ボックス 44"/>
@@ -10133,6 +10157,7 @@
               </a:bodyPr>
               <a:lstStyle/>
               <a:p>
+                <a:pPr/>
                 <a14:m>
                   <m:oMathPara xmlns:m="http://schemas.openxmlformats.org/officeDocument/2006/math">
                     <m:oMathParaPr>
@@ -10153,7 +10178,7 @@
             </p:txBody>
           </p:sp>
         </mc:Choice>
-        <mc:Fallback>
+        <mc:Fallback xmlns="">
           <p:sp>
             <p:nvSpPr>
               <p:cNvPr id="45" name="テキスト ボックス 44"/>
@@ -10262,8 +10287,8 @@
           </a:fontRef>
         </p:style>
       </p:cxnSp>
-      <mc:AlternateContent xmlns:mc="http://schemas.openxmlformats.org/markup-compatibility/2006">
-        <mc:Choice xmlns:a14="http://schemas.microsoft.com/office/drawing/2010/main" Requires="a14">
+      <mc:AlternateContent xmlns:mc="http://schemas.openxmlformats.org/markup-compatibility/2006" xmlns:a14="http://schemas.microsoft.com/office/drawing/2010/main">
+        <mc:Choice Requires="a14">
           <p:sp>
             <p:nvSpPr>
               <p:cNvPr id="50" name="テキスト ボックス 49"/>
@@ -10286,6 +10311,7 @@
               </a:bodyPr>
               <a:lstStyle/>
               <a:p>
+                <a:pPr/>
                 <a14:m>
                   <m:oMathPara xmlns:m="http://schemas.openxmlformats.org/officeDocument/2006/math">
                     <m:oMathParaPr>
@@ -10306,7 +10332,7 @@
             </p:txBody>
           </p:sp>
         </mc:Choice>
-        <mc:Fallback>
+        <mc:Fallback xmlns="">
           <p:sp>
             <p:nvSpPr>
               <p:cNvPr id="50" name="テキスト ボックス 49"/>
@@ -10345,8 +10371,8 @@
           </p:sp>
         </mc:Fallback>
       </mc:AlternateContent>
-      <mc:AlternateContent xmlns:mc="http://schemas.openxmlformats.org/markup-compatibility/2006">
-        <mc:Choice xmlns:a14="http://schemas.microsoft.com/office/drawing/2010/main" Requires="a14">
+      <mc:AlternateContent xmlns:mc="http://schemas.openxmlformats.org/markup-compatibility/2006" xmlns:a14="http://schemas.microsoft.com/office/drawing/2010/main">
+        <mc:Choice Requires="a14">
           <p:sp>
             <p:nvSpPr>
               <p:cNvPr id="51" name="テキスト ボックス 50"/>
@@ -10369,6 +10395,7 @@
               </a:bodyPr>
               <a:lstStyle/>
               <a:p>
+                <a:pPr/>
                 <a14:m>
                   <m:oMathPara xmlns:m="http://schemas.openxmlformats.org/officeDocument/2006/math">
                     <m:oMathParaPr>
@@ -10389,7 +10416,7 @@
             </p:txBody>
           </p:sp>
         </mc:Choice>
-        <mc:Fallback>
+        <mc:Fallback xmlns="">
           <p:sp>
             <p:nvSpPr>
               <p:cNvPr id="51" name="テキスト ボックス 50"/>
@@ -10428,8 +10455,8 @@
           </p:sp>
         </mc:Fallback>
       </mc:AlternateContent>
-      <mc:AlternateContent xmlns:mc="http://schemas.openxmlformats.org/markup-compatibility/2006">
-        <mc:Choice xmlns:a14="http://schemas.microsoft.com/office/drawing/2010/main" Requires="a14">
+      <mc:AlternateContent xmlns:mc="http://schemas.openxmlformats.org/markup-compatibility/2006" xmlns:a14="http://schemas.microsoft.com/office/drawing/2010/main">
+        <mc:Choice Requires="a14">
           <p:sp>
             <p:nvSpPr>
               <p:cNvPr id="52" name="テキスト ボックス 51"/>
@@ -10452,6 +10479,7 @@
               </a:bodyPr>
               <a:lstStyle/>
               <a:p>
+                <a:pPr/>
                 <a14:m>
                   <m:oMathPara xmlns:m="http://schemas.openxmlformats.org/officeDocument/2006/math">
                     <m:oMathParaPr>
@@ -10472,7 +10500,7 @@
             </p:txBody>
           </p:sp>
         </mc:Choice>
-        <mc:Fallback>
+        <mc:Fallback xmlns="">
           <p:sp>
             <p:nvSpPr>
               <p:cNvPr id="52" name="テキスト ボックス 51"/>
@@ -10618,8 +10646,8 @@
           </a:fontRef>
         </p:style>
       </p:cxnSp>
-      <mc:AlternateContent xmlns:mc="http://schemas.openxmlformats.org/markup-compatibility/2006">
-        <mc:Choice xmlns:a14="http://schemas.microsoft.com/office/drawing/2010/main" Requires="a14">
+      <mc:AlternateContent xmlns:mc="http://schemas.openxmlformats.org/markup-compatibility/2006" xmlns:a14="http://schemas.microsoft.com/office/drawing/2010/main">
+        <mc:Choice Requires="a14">
           <p:sp>
             <p:nvSpPr>
               <p:cNvPr id="58" name="テキスト ボックス 57"/>
@@ -10642,6 +10670,2346 @@
               </a:bodyPr>
               <a:lstStyle/>
               <a:p>
+                <a:pPr/>
+                <a14:m>
+                  <m:oMathPara xmlns:m="http://schemas.openxmlformats.org/officeDocument/2006/math">
+                    <m:oMathParaPr>
+                      <m:jc m:val="centerGroup"/>
+                    </m:oMathParaPr>
+                    <m:oMath xmlns:m="http://schemas.openxmlformats.org/officeDocument/2006/math">
+                      <m:sSub>
+                        <m:sSubPr>
+                          <m:ctrlPr>
+                            <a:rPr kumimoji="1" lang="en-US" altLang="ja-JP" b="0" i="1" smtClean="0">
+                              <a:latin typeface="Cambria Math" panose="02040503050406030204" pitchFamily="18" charset="0"/>
+                            </a:rPr>
+                          </m:ctrlPr>
+                        </m:sSubPr>
+                        <m:e>
+                          <m:r>
+                            <a:rPr kumimoji="1" lang="en-US" altLang="ja-JP" b="0" i="1" smtClean="0">
+                              <a:latin typeface="Cambria Math" panose="02040503050406030204" pitchFamily="18" charset="0"/>
+                            </a:rPr>
+                            <m:t>𝑇</m:t>
+                          </m:r>
+                        </m:e>
+                        <m:sub>
+                          <m:r>
+                            <a:rPr kumimoji="1" lang="en-US" altLang="ja-JP" b="0" i="1" smtClean="0">
+                              <a:latin typeface="Cambria Math" panose="02040503050406030204" pitchFamily="18" charset="0"/>
+                            </a:rPr>
+                            <m:t>2</m:t>
+                          </m:r>
+                        </m:sub>
+                      </m:sSub>
+                    </m:oMath>
+                  </m:oMathPara>
+                </a14:m>
+                <a:endParaRPr kumimoji="1" lang="en-US" altLang="ja-JP" b="0" dirty="0" smtClean="0"/>
+              </a:p>
+              <a:p>
+                <a:endParaRPr kumimoji="1" lang="ja-JP" altLang="en-US" dirty="0"/>
+              </a:p>
+            </p:txBody>
+          </p:sp>
+        </mc:Choice>
+        <mc:Fallback xmlns="">
+          <p:sp>
+            <p:nvSpPr>
+              <p:cNvPr id="58" name="テキスト ボックス 57"/>
+              <p:cNvSpPr txBox="1">
+                <a:spLocks noRot="1" noChangeAspect="1" noMove="1" noResize="1" noEditPoints="1" noAdjustHandles="1" noChangeArrowheads="1" noChangeShapeType="1" noTextEdit="1"/>
+              </p:cNvSpPr>
+              <p:nvPr/>
+            </p:nvSpPr>
+            <p:spPr>
+              <a:xfrm>
+                <a:off x="6998596" y="4610100"/>
+                <a:ext cx="388311" cy="553998"/>
+              </a:xfrm>
+              <a:prstGeom prst="rect">
+                <a:avLst/>
+              </a:prstGeom>
+              <a:blipFill>
+                <a:blip r:embed="rId10"/>
+                <a:stretch>
+                  <a:fillRect/>
+                </a:stretch>
+              </a:blipFill>
+            </p:spPr>
+            <p:txBody>
+              <a:bodyPr/>
+              <a:lstStyle/>
+              <a:p>
+                <a:r>
+                  <a:rPr lang="ja-JP" altLang="en-US">
+                    <a:noFill/>
+                  </a:rPr>
+                  <a:t> </a:t>
+                </a:r>
+              </a:p>
+            </p:txBody>
+          </p:sp>
+        </mc:Fallback>
+      </mc:AlternateContent>
+    </p:spTree>
+    <p:extLst>
+      <p:ext uri="{BB962C8B-B14F-4D97-AF65-F5344CB8AC3E}">
+        <p14:creationId xmlns:p14="http://schemas.microsoft.com/office/powerpoint/2010/main" val="662189268"/>
+      </p:ext>
+    </p:extLst>
+  </p:cSld>
+  <p:clrMapOvr>
+    <a:masterClrMapping/>
+  </p:clrMapOvr>
+</p:sld>
+</file>
+
+<file path=ppt/slides/slide6.xml><?xml version="1.0" encoding="utf-8"?>
+<p:sld xmlns:a="http://schemas.openxmlformats.org/drawingml/2006/main" xmlns:r="http://schemas.openxmlformats.org/officeDocument/2006/relationships" xmlns:p="http://schemas.openxmlformats.org/presentationml/2006/main">
+  <p:cSld>
+    <p:spTree>
+      <p:nvGrpSpPr>
+        <p:cNvPr id="1" name=""/>
+        <p:cNvGrpSpPr/>
+        <p:nvPr/>
+      </p:nvGrpSpPr>
+      <p:grpSpPr>
+        <a:xfrm>
+          <a:off x="0" y="0"/>
+          <a:ext cx="0" cy="0"/>
+          <a:chOff x="0" y="0"/>
+          <a:chExt cx="0" cy="0"/>
+        </a:xfrm>
+      </p:grpSpPr>
+      <p:cxnSp>
+        <p:nvCxnSpPr>
+          <p:cNvPr id="5" name="直線矢印コネクタ 4"/>
+          <p:cNvCxnSpPr/>
+          <p:nvPr/>
+        </p:nvCxnSpPr>
+        <p:spPr>
+          <a:xfrm flipV="1">
+            <a:off x="2603351" y="882127"/>
+            <a:ext cx="10757" cy="4173967"/>
+          </a:xfrm>
+          <a:prstGeom prst="straightConnector1">
+            <a:avLst/>
+          </a:prstGeom>
+          <a:ln w="38100">
+            <a:solidFill>
+              <a:schemeClr val="tx1"/>
+            </a:solidFill>
+            <a:tailEnd type="triangle"/>
+          </a:ln>
+        </p:spPr>
+        <p:style>
+          <a:lnRef idx="1">
+            <a:schemeClr val="accent1"/>
+          </a:lnRef>
+          <a:fillRef idx="0">
+            <a:schemeClr val="accent1"/>
+          </a:fillRef>
+          <a:effectRef idx="0">
+            <a:schemeClr val="accent1"/>
+          </a:effectRef>
+          <a:fontRef idx="minor">
+            <a:schemeClr val="tx1"/>
+          </a:fontRef>
+        </p:style>
+      </p:cxnSp>
+      <p:cxnSp>
+        <p:nvCxnSpPr>
+          <p:cNvPr id="6" name="直線矢印コネクタ 5"/>
+          <p:cNvCxnSpPr/>
+          <p:nvPr/>
+        </p:nvCxnSpPr>
+        <p:spPr>
+          <a:xfrm flipV="1">
+            <a:off x="2603351" y="5033233"/>
+            <a:ext cx="4582309" cy="19275"/>
+          </a:xfrm>
+          <a:prstGeom prst="straightConnector1">
+            <a:avLst/>
+          </a:prstGeom>
+          <a:ln w="38100">
+            <a:solidFill>
+              <a:schemeClr val="tx1"/>
+            </a:solidFill>
+            <a:tailEnd type="triangle"/>
+          </a:ln>
+        </p:spPr>
+        <p:style>
+          <a:lnRef idx="1">
+            <a:schemeClr val="accent1"/>
+          </a:lnRef>
+          <a:fillRef idx="0">
+            <a:schemeClr val="accent1"/>
+          </a:fillRef>
+          <a:effectRef idx="0">
+            <a:schemeClr val="accent1"/>
+          </a:effectRef>
+          <a:fontRef idx="minor">
+            <a:schemeClr val="tx1"/>
+          </a:fontRef>
+        </p:style>
+      </p:cxnSp>
+      <p:sp>
+        <p:nvSpPr>
+          <p:cNvPr id="16" name="フリーフォーム 15"/>
+          <p:cNvSpPr/>
+          <p:nvPr/>
+        </p:nvSpPr>
+        <p:spPr>
+          <a:xfrm>
+            <a:off x="2590801" y="962024"/>
+            <a:ext cx="4286250" cy="4070705"/>
+          </a:xfrm>
+          <a:custGeom>
+            <a:avLst/>
+            <a:gdLst>
+              <a:gd name="connsiteX0" fmla="*/ 0 w 4470505"/>
+              <a:gd name="connsiteY0" fmla="*/ 4294476 h 4298006"/>
+              <a:gd name="connsiteX1" fmla="*/ 1104900 w 4470505"/>
+              <a:gd name="connsiteY1" fmla="*/ 3675351 h 4298006"/>
+              <a:gd name="connsiteX2" fmla="*/ 4076700 w 4470505"/>
+              <a:gd name="connsiteY2" fmla="*/ 427326 h 4298006"/>
+              <a:gd name="connsiteX3" fmla="*/ 4352925 w 4470505"/>
+              <a:gd name="connsiteY3" fmla="*/ 132051 h 4298006"/>
+            </a:gdLst>
+            <a:ahLst/>
+            <a:cxnLst>
+              <a:cxn ang="0">
+                <a:pos x="connsiteX0" y="connsiteY0"/>
+              </a:cxn>
+              <a:cxn ang="0">
+                <a:pos x="connsiteX1" y="connsiteY1"/>
+              </a:cxn>
+              <a:cxn ang="0">
+                <a:pos x="connsiteX2" y="connsiteY2"/>
+              </a:cxn>
+              <a:cxn ang="0">
+                <a:pos x="connsiteX3" y="connsiteY3"/>
+              </a:cxn>
+            </a:cxnLst>
+            <a:rect l="l" t="t" r="r" b="b"/>
+            <a:pathLst>
+              <a:path w="4470505" h="4298006">
+                <a:moveTo>
+                  <a:pt x="0" y="4294476"/>
+                </a:moveTo>
+                <a:cubicBezTo>
+                  <a:pt x="212725" y="4307176"/>
+                  <a:pt x="425450" y="4319876"/>
+                  <a:pt x="1104900" y="3675351"/>
+                </a:cubicBezTo>
+                <a:cubicBezTo>
+                  <a:pt x="1784350" y="3030826"/>
+                  <a:pt x="3535362" y="1017876"/>
+                  <a:pt x="4076700" y="427326"/>
+                </a:cubicBezTo>
+                <a:cubicBezTo>
+                  <a:pt x="4618038" y="-163224"/>
+                  <a:pt x="4485481" y="-15587"/>
+                  <a:pt x="4352925" y="132051"/>
+                </a:cubicBezTo>
+              </a:path>
+            </a:pathLst>
+          </a:custGeom>
+          <a:noFill/>
+          <a:ln w="25400">
+            <a:solidFill>
+              <a:schemeClr val="tx1"/>
+            </a:solidFill>
+          </a:ln>
+        </p:spPr>
+        <p:style>
+          <a:lnRef idx="2">
+            <a:schemeClr val="accent1">
+              <a:shade val="50000"/>
+            </a:schemeClr>
+          </a:lnRef>
+          <a:fillRef idx="1">
+            <a:schemeClr val="accent1"/>
+          </a:fillRef>
+          <a:effectRef idx="0">
+            <a:schemeClr val="accent1"/>
+          </a:effectRef>
+          <a:fontRef idx="minor">
+            <a:schemeClr val="lt1"/>
+          </a:fontRef>
+        </p:style>
+        <p:txBody>
+          <a:bodyPr rtlCol="0" anchor="ctr"/>
+          <a:lstStyle/>
+          <a:p>
+            <a:pPr algn="ctr"/>
+            <a:endParaRPr kumimoji="1" lang="ja-JP" altLang="en-US"/>
+          </a:p>
+        </p:txBody>
+      </p:sp>
+      <p:cxnSp>
+        <p:nvCxnSpPr>
+          <p:cNvPr id="18" name="直線コネクタ 17"/>
+          <p:cNvCxnSpPr>
+            <a:stCxn id="16" idx="3"/>
+          </p:cNvCxnSpPr>
+          <p:nvPr/>
+        </p:nvCxnSpPr>
+        <p:spPr>
+          <a:xfrm flipH="1">
+            <a:off x="3209925" y="1087091"/>
+            <a:ext cx="3554392" cy="3942556"/>
+          </a:xfrm>
+          <a:prstGeom prst="line">
+            <a:avLst/>
+          </a:prstGeom>
+          <a:ln w="31750">
+            <a:solidFill>
+              <a:schemeClr val="tx1"/>
+            </a:solidFill>
+            <a:prstDash val="sysDot"/>
+          </a:ln>
+        </p:spPr>
+        <p:style>
+          <a:lnRef idx="1">
+            <a:schemeClr val="accent1"/>
+          </a:lnRef>
+          <a:fillRef idx="0">
+            <a:schemeClr val="accent1"/>
+          </a:fillRef>
+          <a:effectRef idx="0">
+            <a:schemeClr val="accent1"/>
+          </a:effectRef>
+          <a:fontRef idx="minor">
+            <a:schemeClr val="tx1"/>
+          </a:fontRef>
+        </p:style>
+      </p:cxnSp>
+      <p:cxnSp>
+        <p:nvCxnSpPr>
+          <p:cNvPr id="20" name="直線コネクタ 19"/>
+          <p:cNvCxnSpPr/>
+          <p:nvPr/>
+        </p:nvCxnSpPr>
+        <p:spPr>
+          <a:xfrm>
+            <a:off x="6753225" y="1066800"/>
+            <a:ext cx="9525" cy="557464"/>
+          </a:xfrm>
+          <a:prstGeom prst="line">
+            <a:avLst/>
+          </a:prstGeom>
+          <a:ln w="31750">
+            <a:solidFill>
+              <a:schemeClr val="tx1"/>
+            </a:solidFill>
+            <a:prstDash val="sysDot"/>
+          </a:ln>
+        </p:spPr>
+        <p:style>
+          <a:lnRef idx="1">
+            <a:schemeClr val="accent1"/>
+          </a:lnRef>
+          <a:fillRef idx="0">
+            <a:schemeClr val="accent1"/>
+          </a:fillRef>
+          <a:effectRef idx="0">
+            <a:schemeClr val="accent1"/>
+          </a:effectRef>
+          <a:fontRef idx="minor">
+            <a:schemeClr val="tx1"/>
+          </a:fontRef>
+        </p:style>
+      </p:cxnSp>
+      <p:cxnSp>
+        <p:nvCxnSpPr>
+          <p:cNvPr id="23" name="直線コネクタ 22"/>
+          <p:cNvCxnSpPr/>
+          <p:nvPr/>
+        </p:nvCxnSpPr>
+        <p:spPr>
+          <a:xfrm>
+            <a:off x="6315075" y="1624264"/>
+            <a:ext cx="447675" cy="0"/>
+          </a:xfrm>
+          <a:prstGeom prst="line">
+            <a:avLst/>
+          </a:prstGeom>
+          <a:ln w="31750">
+            <a:solidFill>
+              <a:schemeClr val="tx1"/>
+            </a:solidFill>
+            <a:prstDash val="sysDot"/>
+          </a:ln>
+        </p:spPr>
+        <p:style>
+          <a:lnRef idx="1">
+            <a:schemeClr val="accent1"/>
+          </a:lnRef>
+          <a:fillRef idx="0">
+            <a:schemeClr val="accent1"/>
+          </a:fillRef>
+          <a:effectRef idx="0">
+            <a:schemeClr val="accent1"/>
+          </a:effectRef>
+          <a:fontRef idx="minor">
+            <a:schemeClr val="tx1"/>
+          </a:fontRef>
+        </p:style>
+      </p:cxnSp>
+      <mc:AlternateContent xmlns:mc="http://schemas.openxmlformats.org/markup-compatibility/2006">
+        <mc:Choice xmlns:a14="http://schemas.microsoft.com/office/drawing/2010/main" Requires="a14">
+          <p:sp>
+            <p:nvSpPr>
+              <p:cNvPr id="29" name="テキスト ボックス 28"/>
+              <p:cNvSpPr txBox="1"/>
+              <p:nvPr/>
+            </p:nvSpPr>
+            <p:spPr>
+              <a:xfrm>
+                <a:off x="2677433" y="890811"/>
+                <a:ext cx="469167" cy="276999"/>
+              </a:xfrm>
+              <a:prstGeom prst="rect">
+                <a:avLst/>
+              </a:prstGeom>
+              <a:noFill/>
+            </p:spPr>
+            <p:txBody>
+              <a:bodyPr wrap="none" lIns="0" tIns="0" rIns="0" bIns="0" rtlCol="0">
+                <a:spAutoFit/>
+              </a:bodyPr>
+              <a:lstStyle/>
+              <a:p>
+                <a14:m>
+                  <m:oMathPara xmlns:m="http://schemas.openxmlformats.org/officeDocument/2006/math">
+                    <m:oMathParaPr>
+                      <m:jc m:val="centerGroup"/>
+                    </m:oMathParaPr>
+                    <m:oMath xmlns:m="http://schemas.openxmlformats.org/officeDocument/2006/math">
+                      <m:r>
+                        <a:rPr kumimoji="1" lang="en-US" altLang="ja-JP" b="0" i="1" smtClean="0">
+                          <a:latin typeface="Cambria Math" panose="02040503050406030204" pitchFamily="18" charset="0"/>
+                        </a:rPr>
+                        <m:t>𝑟</m:t>
+                      </m:r>
+                      <m:r>
+                        <a:rPr kumimoji="1" lang="en-US" altLang="ja-JP" b="0" i="1" smtClean="0">
+                          <a:latin typeface="Cambria Math" panose="02040503050406030204" pitchFamily="18" charset="0"/>
+                        </a:rPr>
+                        <m:t>(</m:t>
+                      </m:r>
+                      <m:r>
+                        <a:rPr kumimoji="1" lang="en-US" altLang="ja-JP" b="0" i="1" smtClean="0">
+                          <a:latin typeface="Cambria Math" panose="02040503050406030204" pitchFamily="18" charset="0"/>
+                        </a:rPr>
+                        <m:t>𝑡</m:t>
+                      </m:r>
+                      <m:r>
+                        <a:rPr kumimoji="1" lang="en-US" altLang="ja-JP" b="0" i="1" smtClean="0">
+                          <a:latin typeface="Cambria Math" panose="02040503050406030204" pitchFamily="18" charset="0"/>
+                        </a:rPr>
+                        <m:t>)</m:t>
+                      </m:r>
+                    </m:oMath>
+                  </m:oMathPara>
+                </a14:m>
+                <a:endParaRPr kumimoji="1" lang="ja-JP" altLang="en-US" dirty="0"/>
+              </a:p>
+            </p:txBody>
+          </p:sp>
+        </mc:Choice>
+        <mc:Fallback>
+          <p:sp>
+            <p:nvSpPr>
+              <p:cNvPr id="29" name="テキスト ボックス 28"/>
+              <p:cNvSpPr txBox="1">
+                <a:spLocks noRot="1" noChangeAspect="1" noMove="1" noResize="1" noEditPoints="1" noAdjustHandles="1" noChangeArrowheads="1" noChangeShapeType="1" noTextEdit="1"/>
+              </p:cNvSpPr>
+              <p:nvPr/>
+            </p:nvSpPr>
+            <p:spPr>
+              <a:xfrm>
+                <a:off x="2677433" y="890811"/>
+                <a:ext cx="469167" cy="276999"/>
+              </a:xfrm>
+              <a:prstGeom prst="rect">
+                <a:avLst/>
+              </a:prstGeom>
+              <a:blipFill>
+                <a:blip r:embed="rId2"/>
+                <a:stretch>
+                  <a:fillRect l="-5195" t="-2174" r="-16883" b="-32609"/>
+                </a:stretch>
+              </a:blipFill>
+            </p:spPr>
+            <p:txBody>
+              <a:bodyPr/>
+              <a:lstStyle/>
+              <a:p>
+                <a:r>
+                  <a:rPr lang="ja-JP" altLang="en-US">
+                    <a:noFill/>
+                  </a:rPr>
+                  <a:t> </a:t>
+                </a:r>
+              </a:p>
+            </p:txBody>
+          </p:sp>
+        </mc:Fallback>
+      </mc:AlternateContent>
+      <mc:AlternateContent xmlns:mc="http://schemas.openxmlformats.org/markup-compatibility/2006">
+        <mc:Choice xmlns:a14="http://schemas.microsoft.com/office/drawing/2010/main" Requires="a14">
+          <p:sp>
+            <p:nvSpPr>
+              <p:cNvPr id="30" name="テキスト ボックス 29"/>
+              <p:cNvSpPr txBox="1"/>
+              <p:nvPr/>
+            </p:nvSpPr>
+            <p:spPr>
+              <a:xfrm>
+                <a:off x="6441930" y="1753626"/>
+                <a:ext cx="193963" cy="276999"/>
+              </a:xfrm>
+              <a:prstGeom prst="rect">
+                <a:avLst/>
+              </a:prstGeom>
+              <a:noFill/>
+            </p:spPr>
+            <p:txBody>
+              <a:bodyPr wrap="none" lIns="0" tIns="0" rIns="0" bIns="0" rtlCol="0">
+                <a:spAutoFit/>
+              </a:bodyPr>
+              <a:lstStyle/>
+              <a:p>
+                <a14:m>
+                  <m:oMathPara xmlns:m="http://schemas.openxmlformats.org/officeDocument/2006/math">
+                    <m:oMathParaPr>
+                      <m:jc m:val="centerGroup"/>
+                    </m:oMathParaPr>
+                    <m:oMath xmlns:m="http://schemas.openxmlformats.org/officeDocument/2006/math">
+                      <m:r>
+                        <a:rPr kumimoji="1" lang="en-US" altLang="ja-JP" b="0" i="1" smtClean="0">
+                          <a:latin typeface="Cambria Math" panose="02040503050406030204" pitchFamily="18" charset="0"/>
+                        </a:rPr>
+                        <m:t>1</m:t>
+                      </m:r>
+                    </m:oMath>
+                  </m:oMathPara>
+                </a14:m>
+                <a:endParaRPr kumimoji="1" lang="ja-JP" altLang="en-US" dirty="0"/>
+              </a:p>
+            </p:txBody>
+          </p:sp>
+        </mc:Choice>
+        <mc:Fallback>
+          <p:sp>
+            <p:nvSpPr>
+              <p:cNvPr id="30" name="テキスト ボックス 29"/>
+              <p:cNvSpPr txBox="1">
+                <a:spLocks noRot="1" noChangeAspect="1" noMove="1" noResize="1" noEditPoints="1" noAdjustHandles="1" noChangeArrowheads="1" noChangeShapeType="1" noTextEdit="1"/>
+              </p:cNvSpPr>
+              <p:nvPr/>
+            </p:nvSpPr>
+            <p:spPr>
+              <a:xfrm>
+                <a:off x="6441930" y="1753626"/>
+                <a:ext cx="193963" cy="276999"/>
+              </a:xfrm>
+              <a:prstGeom prst="rect">
+                <a:avLst/>
+              </a:prstGeom>
+              <a:blipFill>
+                <a:blip r:embed="rId3"/>
+                <a:stretch>
+                  <a:fillRect l="-28125" r="-21875" b="-6667"/>
+                </a:stretch>
+              </a:blipFill>
+            </p:spPr>
+            <p:txBody>
+              <a:bodyPr/>
+              <a:lstStyle/>
+              <a:p>
+                <a:r>
+                  <a:rPr lang="ja-JP" altLang="en-US">
+                    <a:noFill/>
+                  </a:rPr>
+                  <a:t> </a:t>
+                </a:r>
+              </a:p>
+            </p:txBody>
+          </p:sp>
+        </mc:Fallback>
+      </mc:AlternateContent>
+      <mc:AlternateContent xmlns:mc="http://schemas.openxmlformats.org/markup-compatibility/2006">
+        <mc:Choice xmlns:a14="http://schemas.microsoft.com/office/drawing/2010/main" Requires="a14">
+          <p:sp>
+            <p:nvSpPr>
+              <p:cNvPr id="31" name="テキスト ボックス 30"/>
+              <p:cNvSpPr txBox="1"/>
+              <p:nvPr/>
+            </p:nvSpPr>
+            <p:spPr>
+              <a:xfrm>
+                <a:off x="6753225" y="1199628"/>
+                <a:ext cx="580672" cy="553998"/>
+              </a:xfrm>
+              <a:prstGeom prst="rect">
+                <a:avLst/>
+              </a:prstGeom>
+              <a:noFill/>
+            </p:spPr>
+            <p:txBody>
+              <a:bodyPr wrap="none" lIns="0" tIns="0" rIns="0" bIns="0" rtlCol="0">
+                <a:spAutoFit/>
+              </a:bodyPr>
+              <a:lstStyle/>
+              <a:p>
+                <a14:m>
+                  <m:oMathPara xmlns:m="http://schemas.openxmlformats.org/officeDocument/2006/math">
+                    <m:oMathParaPr>
+                      <m:jc m:val="centerGroup"/>
+                    </m:oMathParaPr>
+                    <m:oMath xmlns:m="http://schemas.openxmlformats.org/officeDocument/2006/math">
+                      <m:r>
+                        <a:rPr kumimoji="1" lang="en-US" altLang="ja-JP" b="0" i="1" smtClean="0">
+                          <a:latin typeface="Cambria Math" panose="02040503050406030204" pitchFamily="18" charset="0"/>
+                        </a:rPr>
+                        <m:t>𝐾</m:t>
+                      </m:r>
+                      <m:sSub>
+                        <m:sSubPr>
+                          <m:ctrlPr>
+                            <a:rPr kumimoji="1" lang="en-US" altLang="ja-JP" b="0" i="1" smtClean="0">
+                              <a:latin typeface="Cambria Math" panose="02040503050406030204" pitchFamily="18" charset="0"/>
+                            </a:rPr>
+                          </m:ctrlPr>
+                        </m:sSubPr>
+                        <m:e>
+                          <m:r>
+                            <a:rPr kumimoji="1" lang="en-US" altLang="ja-JP" b="0" i="1" smtClean="0">
+                              <a:latin typeface="Cambria Math" panose="02040503050406030204" pitchFamily="18" charset="0"/>
+                            </a:rPr>
+                            <m:t>𝑈</m:t>
+                          </m:r>
+                        </m:e>
+                        <m:sub>
+                          <m:r>
+                            <a:rPr kumimoji="1" lang="en-US" altLang="ja-JP" b="0" i="1" smtClean="0">
+                              <a:latin typeface="Cambria Math" panose="02040503050406030204" pitchFamily="18" charset="0"/>
+                            </a:rPr>
+                            <m:t>0</m:t>
+                          </m:r>
+                        </m:sub>
+                      </m:sSub>
+                    </m:oMath>
+                  </m:oMathPara>
+                </a14:m>
+                <a:endParaRPr kumimoji="1" lang="en-US" altLang="ja-JP" b="0" dirty="0" smtClean="0"/>
+              </a:p>
+              <a:p>
+                <a:endParaRPr kumimoji="1" lang="ja-JP" altLang="en-US" dirty="0"/>
+              </a:p>
+            </p:txBody>
+          </p:sp>
+        </mc:Choice>
+        <mc:Fallback>
+          <p:sp>
+            <p:nvSpPr>
+              <p:cNvPr id="31" name="テキスト ボックス 30"/>
+              <p:cNvSpPr txBox="1">
+                <a:spLocks noRot="1" noChangeAspect="1" noMove="1" noResize="1" noEditPoints="1" noAdjustHandles="1" noChangeArrowheads="1" noChangeShapeType="1" noTextEdit="1"/>
+              </p:cNvSpPr>
+              <p:nvPr/>
+            </p:nvSpPr>
+            <p:spPr>
+              <a:xfrm>
+                <a:off x="6753225" y="1199628"/>
+                <a:ext cx="580672" cy="553998"/>
+              </a:xfrm>
+              <a:prstGeom prst="rect">
+                <a:avLst/>
+              </a:prstGeom>
+              <a:blipFill>
+                <a:blip r:embed="rId4"/>
+                <a:stretch>
+                  <a:fillRect l="-1053"/>
+                </a:stretch>
+              </a:blipFill>
+            </p:spPr>
+            <p:txBody>
+              <a:bodyPr/>
+              <a:lstStyle/>
+              <a:p>
+                <a:r>
+                  <a:rPr lang="ja-JP" altLang="en-US">
+                    <a:noFill/>
+                  </a:rPr>
+                  <a:t> </a:t>
+                </a:r>
+              </a:p>
+            </p:txBody>
+          </p:sp>
+        </mc:Fallback>
+      </mc:AlternateContent>
+      <p:sp>
+        <p:nvSpPr>
+          <p:cNvPr id="33" name="テキスト ボックス 32"/>
+          <p:cNvSpPr txBox="1"/>
+          <p:nvPr/>
+        </p:nvSpPr>
+        <p:spPr>
+          <a:xfrm>
+            <a:off x="2481811" y="5131014"/>
+            <a:ext cx="902914" cy="276999"/>
+          </a:xfrm>
+          <a:prstGeom prst="rect">
+            <a:avLst/>
+          </a:prstGeom>
+          <a:noFill/>
+        </p:spPr>
+        <p:txBody>
+          <a:bodyPr wrap="square" lIns="0" tIns="0" rIns="0" bIns="0" rtlCol="0">
+            <a:spAutoFit/>
+          </a:bodyPr>
+          <a:lstStyle/>
+          <a:p>
+            <a:r>
+              <a:rPr kumimoji="1" lang="en-US" altLang="ja-JP" dirty="0" smtClean="0"/>
+              <a:t>0</a:t>
+            </a:r>
+            <a:endParaRPr kumimoji="1" lang="ja-JP" altLang="en-US" dirty="0"/>
+          </a:p>
+        </p:txBody>
+      </p:sp>
+      <p:sp>
+        <p:nvSpPr>
+          <p:cNvPr id="34" name="テキスト ボックス 33"/>
+          <p:cNvSpPr txBox="1"/>
+          <p:nvPr/>
+        </p:nvSpPr>
+        <p:spPr>
+          <a:xfrm>
+            <a:off x="3146600" y="5146782"/>
+            <a:ext cx="476250" cy="276999"/>
+          </a:xfrm>
+          <a:prstGeom prst="rect">
+            <a:avLst/>
+          </a:prstGeom>
+          <a:noFill/>
+        </p:spPr>
+        <p:txBody>
+          <a:bodyPr wrap="square" lIns="0" tIns="0" rIns="0" bIns="0" rtlCol="0">
+            <a:spAutoFit/>
+          </a:bodyPr>
+          <a:lstStyle/>
+          <a:p>
+            <a:r>
+              <a:rPr kumimoji="1" lang="en-US" altLang="ja-JP" b="0" dirty="0" smtClean="0"/>
+              <a:t>T</a:t>
+            </a:r>
+          </a:p>
+        </p:txBody>
+      </p:sp>
+      <p:sp>
+        <p:nvSpPr>
+          <p:cNvPr id="35" name="テキスト ボックス 34"/>
+          <p:cNvSpPr txBox="1"/>
+          <p:nvPr/>
+        </p:nvSpPr>
+        <p:spPr>
+          <a:xfrm>
+            <a:off x="7045605" y="5126638"/>
+            <a:ext cx="476250" cy="276999"/>
+          </a:xfrm>
+          <a:prstGeom prst="rect">
+            <a:avLst/>
+          </a:prstGeom>
+          <a:noFill/>
+        </p:spPr>
+        <p:txBody>
+          <a:bodyPr wrap="square" lIns="0" tIns="0" rIns="0" bIns="0" rtlCol="0">
+            <a:spAutoFit/>
+          </a:bodyPr>
+          <a:lstStyle/>
+          <a:p>
+            <a:r>
+              <a:rPr lang="en-US" altLang="ja-JP" dirty="0"/>
+              <a:t>t</a:t>
+            </a:r>
+            <a:endParaRPr lang="en-US" altLang="ja-JP" dirty="0" smtClean="0"/>
+          </a:p>
+        </p:txBody>
+      </p:sp>
+    </p:spTree>
+    <p:extLst>
+      <p:ext uri="{BB962C8B-B14F-4D97-AF65-F5344CB8AC3E}">
+        <p14:creationId xmlns:p14="http://schemas.microsoft.com/office/powerpoint/2010/main" val="3749278066"/>
+      </p:ext>
+    </p:extLst>
+  </p:cSld>
+  <p:clrMapOvr>
+    <a:masterClrMapping/>
+  </p:clrMapOvr>
+</p:sld>
+</file>
+
+<file path=ppt/slides/slide7.xml><?xml version="1.0" encoding="utf-8"?>
+<p:sld xmlns:a="http://schemas.openxmlformats.org/drawingml/2006/main" xmlns:r="http://schemas.openxmlformats.org/officeDocument/2006/relationships" xmlns:p="http://schemas.openxmlformats.org/presentationml/2006/main">
+  <p:cSld>
+    <p:spTree>
+      <p:nvGrpSpPr>
+        <p:cNvPr id="1" name=""/>
+        <p:cNvGrpSpPr/>
+        <p:nvPr/>
+      </p:nvGrpSpPr>
+      <p:grpSpPr>
+        <a:xfrm>
+          <a:off x="0" y="0"/>
+          <a:ext cx="0" cy="0"/>
+          <a:chOff x="0" y="0"/>
+          <a:chExt cx="0" cy="0"/>
+        </a:xfrm>
+      </p:grpSpPr>
+      <p:cxnSp>
+        <p:nvCxnSpPr>
+          <p:cNvPr id="5" name="直線矢印コネクタ 4"/>
+          <p:cNvCxnSpPr/>
+          <p:nvPr/>
+        </p:nvCxnSpPr>
+        <p:spPr>
+          <a:xfrm flipV="1">
+            <a:off x="2603351" y="882127"/>
+            <a:ext cx="10757" cy="4173967"/>
+          </a:xfrm>
+          <a:prstGeom prst="straightConnector1">
+            <a:avLst/>
+          </a:prstGeom>
+          <a:ln w="38100">
+            <a:solidFill>
+              <a:schemeClr val="tx1"/>
+            </a:solidFill>
+            <a:tailEnd type="triangle"/>
+          </a:ln>
+        </p:spPr>
+        <p:style>
+          <a:lnRef idx="1">
+            <a:schemeClr val="accent1"/>
+          </a:lnRef>
+          <a:fillRef idx="0">
+            <a:schemeClr val="accent1"/>
+          </a:fillRef>
+          <a:effectRef idx="0">
+            <a:schemeClr val="accent1"/>
+          </a:effectRef>
+          <a:fontRef idx="minor">
+            <a:schemeClr val="tx1"/>
+          </a:fontRef>
+        </p:style>
+      </p:cxnSp>
+      <p:cxnSp>
+        <p:nvCxnSpPr>
+          <p:cNvPr id="6" name="直線矢印コネクタ 5"/>
+          <p:cNvCxnSpPr/>
+          <p:nvPr/>
+        </p:nvCxnSpPr>
+        <p:spPr>
+          <a:xfrm flipV="1">
+            <a:off x="2603351" y="5033233"/>
+            <a:ext cx="4582309" cy="19275"/>
+          </a:xfrm>
+          <a:prstGeom prst="straightConnector1">
+            <a:avLst/>
+          </a:prstGeom>
+          <a:ln w="38100">
+            <a:solidFill>
+              <a:schemeClr val="tx1"/>
+            </a:solidFill>
+            <a:tailEnd type="triangle"/>
+          </a:ln>
+        </p:spPr>
+        <p:style>
+          <a:lnRef idx="1">
+            <a:schemeClr val="accent1"/>
+          </a:lnRef>
+          <a:fillRef idx="0">
+            <a:schemeClr val="accent1"/>
+          </a:fillRef>
+          <a:effectRef idx="0">
+            <a:schemeClr val="accent1"/>
+          </a:effectRef>
+          <a:fontRef idx="minor">
+            <a:schemeClr val="tx1"/>
+          </a:fontRef>
+        </p:style>
+      </p:cxnSp>
+      <p:sp>
+        <p:nvSpPr>
+          <p:cNvPr id="7" name="フリーフォーム 6"/>
+          <p:cNvSpPr/>
+          <p:nvPr/>
+        </p:nvSpPr>
+        <p:spPr>
+          <a:xfrm>
+            <a:off x="2590801" y="1733550"/>
+            <a:ext cx="1104899" cy="3299179"/>
+          </a:xfrm>
+          <a:custGeom>
+            <a:avLst/>
+            <a:gdLst>
+              <a:gd name="connsiteX0" fmla="*/ 0 w 4470505"/>
+              <a:gd name="connsiteY0" fmla="*/ 4294476 h 4298006"/>
+              <a:gd name="connsiteX1" fmla="*/ 1104900 w 4470505"/>
+              <a:gd name="connsiteY1" fmla="*/ 3675351 h 4298006"/>
+              <a:gd name="connsiteX2" fmla="*/ 4076700 w 4470505"/>
+              <a:gd name="connsiteY2" fmla="*/ 427326 h 4298006"/>
+              <a:gd name="connsiteX3" fmla="*/ 4352925 w 4470505"/>
+              <a:gd name="connsiteY3" fmla="*/ 132051 h 4298006"/>
+            </a:gdLst>
+            <a:ahLst/>
+            <a:cxnLst>
+              <a:cxn ang="0">
+                <a:pos x="connsiteX0" y="connsiteY0"/>
+              </a:cxn>
+              <a:cxn ang="0">
+                <a:pos x="connsiteX1" y="connsiteY1"/>
+              </a:cxn>
+              <a:cxn ang="0">
+                <a:pos x="connsiteX2" y="connsiteY2"/>
+              </a:cxn>
+              <a:cxn ang="0">
+                <a:pos x="connsiteX3" y="connsiteY3"/>
+              </a:cxn>
+            </a:cxnLst>
+            <a:rect l="l" t="t" r="r" b="b"/>
+            <a:pathLst>
+              <a:path w="4470505" h="4298006">
+                <a:moveTo>
+                  <a:pt x="0" y="4294476"/>
+                </a:moveTo>
+                <a:cubicBezTo>
+                  <a:pt x="212725" y="4307176"/>
+                  <a:pt x="425450" y="4319876"/>
+                  <a:pt x="1104900" y="3675351"/>
+                </a:cubicBezTo>
+                <a:cubicBezTo>
+                  <a:pt x="1784350" y="3030826"/>
+                  <a:pt x="3535362" y="1017876"/>
+                  <a:pt x="4076700" y="427326"/>
+                </a:cubicBezTo>
+                <a:cubicBezTo>
+                  <a:pt x="4618038" y="-163224"/>
+                  <a:pt x="4485481" y="-15587"/>
+                  <a:pt x="4352925" y="132051"/>
+                </a:cubicBezTo>
+              </a:path>
+            </a:pathLst>
+          </a:custGeom>
+          <a:noFill/>
+          <a:ln w="25400">
+            <a:solidFill>
+              <a:schemeClr val="tx1"/>
+            </a:solidFill>
+          </a:ln>
+        </p:spPr>
+        <p:style>
+          <a:lnRef idx="2">
+            <a:schemeClr val="accent1">
+              <a:shade val="50000"/>
+            </a:schemeClr>
+          </a:lnRef>
+          <a:fillRef idx="1">
+            <a:schemeClr val="accent1"/>
+          </a:fillRef>
+          <a:effectRef idx="0">
+            <a:schemeClr val="accent1"/>
+          </a:effectRef>
+          <a:fontRef idx="minor">
+            <a:schemeClr val="lt1"/>
+          </a:fontRef>
+        </p:style>
+        <p:txBody>
+          <a:bodyPr rtlCol="0" anchor="ctr"/>
+          <a:lstStyle/>
+          <a:p>
+            <a:pPr algn="ctr"/>
+            <a:endParaRPr kumimoji="1" lang="ja-JP" altLang="en-US"/>
+          </a:p>
+        </p:txBody>
+      </p:sp>
+      <mc:AlternateContent xmlns:mc="http://schemas.openxmlformats.org/markup-compatibility/2006">
+        <mc:Choice xmlns:a14="http://schemas.microsoft.com/office/drawing/2010/main" Requires="a14">
+          <p:sp>
+            <p:nvSpPr>
+              <p:cNvPr id="11" name="テキスト ボックス 10"/>
+              <p:cNvSpPr txBox="1"/>
+              <p:nvPr/>
+            </p:nvSpPr>
+            <p:spPr>
+              <a:xfrm>
+                <a:off x="2677433" y="890811"/>
+                <a:ext cx="469167" cy="276999"/>
+              </a:xfrm>
+              <a:prstGeom prst="rect">
+                <a:avLst/>
+              </a:prstGeom>
+              <a:noFill/>
+            </p:spPr>
+            <p:txBody>
+              <a:bodyPr wrap="none" lIns="0" tIns="0" rIns="0" bIns="0" rtlCol="0">
+                <a:spAutoFit/>
+              </a:bodyPr>
+              <a:lstStyle/>
+              <a:p>
+                <a14:m>
+                  <m:oMathPara xmlns:m="http://schemas.openxmlformats.org/officeDocument/2006/math">
+                    <m:oMathParaPr>
+                      <m:jc m:val="centerGroup"/>
+                    </m:oMathParaPr>
+                    <m:oMath xmlns:m="http://schemas.openxmlformats.org/officeDocument/2006/math">
+                      <m:r>
+                        <a:rPr kumimoji="1" lang="en-US" altLang="ja-JP" b="0" i="1" smtClean="0">
+                          <a:latin typeface="Cambria Math" panose="02040503050406030204" pitchFamily="18" charset="0"/>
+                        </a:rPr>
+                        <m:t>𝑟</m:t>
+                      </m:r>
+                      <m:r>
+                        <a:rPr kumimoji="1" lang="en-US" altLang="ja-JP" b="0" i="1" smtClean="0">
+                          <a:latin typeface="Cambria Math" panose="02040503050406030204" pitchFamily="18" charset="0"/>
+                        </a:rPr>
+                        <m:t>(</m:t>
+                      </m:r>
+                      <m:r>
+                        <a:rPr kumimoji="1" lang="en-US" altLang="ja-JP" b="0" i="1" smtClean="0">
+                          <a:latin typeface="Cambria Math" panose="02040503050406030204" pitchFamily="18" charset="0"/>
+                        </a:rPr>
+                        <m:t>𝑡</m:t>
+                      </m:r>
+                      <m:r>
+                        <a:rPr kumimoji="1" lang="en-US" altLang="ja-JP" b="0" i="1" smtClean="0">
+                          <a:latin typeface="Cambria Math" panose="02040503050406030204" pitchFamily="18" charset="0"/>
+                        </a:rPr>
+                        <m:t>)</m:t>
+                      </m:r>
+                    </m:oMath>
+                  </m:oMathPara>
+                </a14:m>
+                <a:endParaRPr kumimoji="1" lang="ja-JP" altLang="en-US" dirty="0"/>
+              </a:p>
+            </p:txBody>
+          </p:sp>
+        </mc:Choice>
+        <mc:Fallback>
+          <p:sp>
+            <p:nvSpPr>
+              <p:cNvPr id="11" name="テキスト ボックス 10"/>
+              <p:cNvSpPr txBox="1">
+                <a:spLocks noRot="1" noChangeAspect="1" noMove="1" noResize="1" noEditPoints="1" noAdjustHandles="1" noChangeArrowheads="1" noChangeShapeType="1" noTextEdit="1"/>
+              </p:cNvSpPr>
+              <p:nvPr/>
+            </p:nvSpPr>
+            <p:spPr>
+              <a:xfrm>
+                <a:off x="2677433" y="890811"/>
+                <a:ext cx="469167" cy="276999"/>
+              </a:xfrm>
+              <a:prstGeom prst="rect">
+                <a:avLst/>
+              </a:prstGeom>
+              <a:blipFill>
+                <a:blip r:embed="rId2"/>
+                <a:stretch>
+                  <a:fillRect l="-5195" t="-2174" r="-16883" b="-32609"/>
+                </a:stretch>
+              </a:blipFill>
+            </p:spPr>
+            <p:txBody>
+              <a:bodyPr/>
+              <a:lstStyle/>
+              <a:p>
+                <a:r>
+                  <a:rPr lang="ja-JP" altLang="en-US">
+                    <a:noFill/>
+                  </a:rPr>
+                  <a:t> </a:t>
+                </a:r>
+              </a:p>
+            </p:txBody>
+          </p:sp>
+        </mc:Fallback>
+      </mc:AlternateContent>
+      <p:sp>
+        <p:nvSpPr>
+          <p:cNvPr id="14" name="テキスト ボックス 13"/>
+          <p:cNvSpPr txBox="1"/>
+          <p:nvPr/>
+        </p:nvSpPr>
+        <p:spPr>
+          <a:xfrm>
+            <a:off x="2481811" y="5131014"/>
+            <a:ext cx="902914" cy="276999"/>
+          </a:xfrm>
+          <a:prstGeom prst="rect">
+            <a:avLst/>
+          </a:prstGeom>
+          <a:noFill/>
+        </p:spPr>
+        <p:txBody>
+          <a:bodyPr wrap="square" lIns="0" tIns="0" rIns="0" bIns="0" rtlCol="0">
+            <a:spAutoFit/>
+          </a:bodyPr>
+          <a:lstStyle/>
+          <a:p>
+            <a:r>
+              <a:rPr kumimoji="1" lang="en-US" altLang="ja-JP" dirty="0" smtClean="0"/>
+              <a:t>0</a:t>
+            </a:r>
+            <a:endParaRPr kumimoji="1" lang="ja-JP" altLang="en-US" dirty="0"/>
+          </a:p>
+        </p:txBody>
+      </p:sp>
+      <p:sp>
+        <p:nvSpPr>
+          <p:cNvPr id="16" name="フリーフォーム 15"/>
+          <p:cNvSpPr/>
+          <p:nvPr/>
+        </p:nvSpPr>
+        <p:spPr>
+          <a:xfrm>
+            <a:off x="3695700" y="1580663"/>
+            <a:ext cx="3208020" cy="1848337"/>
+          </a:xfrm>
+          <a:custGeom>
+            <a:avLst/>
+            <a:gdLst>
+              <a:gd name="connsiteX0" fmla="*/ 0 w 4387516"/>
+              <a:gd name="connsiteY0" fmla="*/ 267823 h 3054489"/>
+              <a:gd name="connsiteX1" fmla="*/ 336884 w 4387516"/>
+              <a:gd name="connsiteY1" fmla="*/ 267823 h 3054489"/>
+              <a:gd name="connsiteX2" fmla="*/ 1267326 w 4387516"/>
+              <a:gd name="connsiteY2" fmla="*/ 3051128 h 3054489"/>
+              <a:gd name="connsiteX3" fmla="*/ 2157663 w 4387516"/>
+              <a:gd name="connsiteY3" fmla="*/ 869402 h 3054489"/>
+              <a:gd name="connsiteX4" fmla="*/ 2959769 w 4387516"/>
+              <a:gd name="connsiteY4" fmla="*/ 2409444 h 3054489"/>
+              <a:gd name="connsiteX5" fmla="*/ 3537284 w 4387516"/>
+              <a:gd name="connsiteY5" fmla="*/ 1270454 h 3054489"/>
+              <a:gd name="connsiteX6" fmla="*/ 3994484 w 4387516"/>
+              <a:gd name="connsiteY6" fmla="*/ 1928181 h 3054489"/>
+              <a:gd name="connsiteX7" fmla="*/ 4387516 w 4387516"/>
+              <a:gd name="connsiteY7" fmla="*/ 1623381 h 3054489"/>
+            </a:gdLst>
+            <a:ahLst/>
+            <a:cxnLst>
+              <a:cxn ang="0">
+                <a:pos x="connsiteX0" y="connsiteY0"/>
+              </a:cxn>
+              <a:cxn ang="0">
+                <a:pos x="connsiteX1" y="connsiteY1"/>
+              </a:cxn>
+              <a:cxn ang="0">
+                <a:pos x="connsiteX2" y="connsiteY2"/>
+              </a:cxn>
+              <a:cxn ang="0">
+                <a:pos x="connsiteX3" y="connsiteY3"/>
+              </a:cxn>
+              <a:cxn ang="0">
+                <a:pos x="connsiteX4" y="connsiteY4"/>
+              </a:cxn>
+              <a:cxn ang="0">
+                <a:pos x="connsiteX5" y="connsiteY5"/>
+              </a:cxn>
+              <a:cxn ang="0">
+                <a:pos x="connsiteX6" y="connsiteY6"/>
+              </a:cxn>
+              <a:cxn ang="0">
+                <a:pos x="connsiteX7" y="connsiteY7"/>
+              </a:cxn>
+            </a:cxnLst>
+            <a:rect l="l" t="t" r="r" b="b"/>
+            <a:pathLst>
+              <a:path w="4387516" h="3054489">
+                <a:moveTo>
+                  <a:pt x="0" y="267823"/>
+                </a:moveTo>
+                <a:cubicBezTo>
+                  <a:pt x="62831" y="35881"/>
+                  <a:pt x="125663" y="-196061"/>
+                  <a:pt x="336884" y="267823"/>
+                </a:cubicBezTo>
+                <a:cubicBezTo>
+                  <a:pt x="548105" y="731707"/>
+                  <a:pt x="963863" y="2950865"/>
+                  <a:pt x="1267326" y="3051128"/>
+                </a:cubicBezTo>
+                <a:cubicBezTo>
+                  <a:pt x="1570789" y="3151391"/>
+                  <a:pt x="1875589" y="976349"/>
+                  <a:pt x="2157663" y="869402"/>
+                </a:cubicBezTo>
+                <a:cubicBezTo>
+                  <a:pt x="2439737" y="762455"/>
+                  <a:pt x="2729832" y="2342602"/>
+                  <a:pt x="2959769" y="2409444"/>
+                </a:cubicBezTo>
+                <a:cubicBezTo>
+                  <a:pt x="3189706" y="2476286"/>
+                  <a:pt x="3364832" y="1350664"/>
+                  <a:pt x="3537284" y="1270454"/>
+                </a:cubicBezTo>
+                <a:cubicBezTo>
+                  <a:pt x="3709736" y="1190244"/>
+                  <a:pt x="3852779" y="1869360"/>
+                  <a:pt x="3994484" y="1928181"/>
+                </a:cubicBezTo>
+                <a:cubicBezTo>
+                  <a:pt x="4136189" y="1987002"/>
+                  <a:pt x="4261852" y="1805191"/>
+                  <a:pt x="4387516" y="1623381"/>
+                </a:cubicBezTo>
+              </a:path>
+            </a:pathLst>
+          </a:custGeom>
+          <a:noFill/>
+          <a:ln w="25400">
+            <a:solidFill>
+              <a:schemeClr val="tx1"/>
+            </a:solidFill>
+          </a:ln>
+        </p:spPr>
+        <p:style>
+          <a:lnRef idx="2">
+            <a:schemeClr val="accent1">
+              <a:shade val="50000"/>
+            </a:schemeClr>
+          </a:lnRef>
+          <a:fillRef idx="1">
+            <a:schemeClr val="accent1"/>
+          </a:fillRef>
+          <a:effectRef idx="0">
+            <a:schemeClr val="accent1"/>
+          </a:effectRef>
+          <a:fontRef idx="minor">
+            <a:schemeClr val="lt1"/>
+          </a:fontRef>
+        </p:style>
+        <p:txBody>
+          <a:bodyPr rtlCol="0" anchor="ctr"/>
+          <a:lstStyle/>
+          <a:p>
+            <a:pPr algn="ctr"/>
+            <a:endParaRPr kumimoji="1" lang="ja-JP" altLang="en-US"/>
+          </a:p>
+        </p:txBody>
+      </p:sp>
+      <p:sp>
+        <p:nvSpPr>
+          <p:cNvPr id="17" name="テキスト ボックス 16"/>
+          <p:cNvSpPr txBox="1"/>
+          <p:nvPr/>
+        </p:nvSpPr>
+        <p:spPr>
+          <a:xfrm>
+            <a:off x="7045605" y="5126638"/>
+            <a:ext cx="476250" cy="276999"/>
+          </a:xfrm>
+          <a:prstGeom prst="rect">
+            <a:avLst/>
+          </a:prstGeom>
+          <a:noFill/>
+        </p:spPr>
+        <p:txBody>
+          <a:bodyPr wrap="square" lIns="0" tIns="0" rIns="0" bIns="0" rtlCol="0">
+            <a:spAutoFit/>
+          </a:bodyPr>
+          <a:lstStyle/>
+          <a:p>
+            <a:r>
+              <a:rPr lang="en-US" altLang="ja-JP" dirty="0"/>
+              <a:t>t</a:t>
+            </a:r>
+            <a:endParaRPr lang="en-US" altLang="ja-JP" dirty="0" smtClean="0"/>
+          </a:p>
+        </p:txBody>
+      </p:sp>
+      <p:cxnSp>
+        <p:nvCxnSpPr>
+          <p:cNvPr id="19" name="直線コネクタ 18"/>
+          <p:cNvCxnSpPr/>
+          <p:nvPr/>
+        </p:nvCxnSpPr>
+        <p:spPr>
+          <a:xfrm flipV="1">
+            <a:off x="2590801" y="2574758"/>
+            <a:ext cx="4454804" cy="16043"/>
+          </a:xfrm>
+          <a:prstGeom prst="line">
+            <a:avLst/>
+          </a:prstGeom>
+          <a:ln w="25400">
+            <a:solidFill>
+              <a:schemeClr val="tx1"/>
+            </a:solidFill>
+            <a:prstDash val="sysDot"/>
+          </a:ln>
+        </p:spPr>
+        <p:style>
+          <a:lnRef idx="1">
+            <a:schemeClr val="accent1"/>
+          </a:lnRef>
+          <a:fillRef idx="0">
+            <a:schemeClr val="accent1"/>
+          </a:fillRef>
+          <a:effectRef idx="0">
+            <a:schemeClr val="accent1"/>
+          </a:effectRef>
+          <a:fontRef idx="minor">
+            <a:schemeClr val="tx1"/>
+          </a:fontRef>
+        </p:style>
+      </p:cxnSp>
+      <p:cxnSp>
+        <p:nvCxnSpPr>
+          <p:cNvPr id="23" name="直線矢印コネクタ 22"/>
+          <p:cNvCxnSpPr/>
+          <p:nvPr/>
+        </p:nvCxnSpPr>
+        <p:spPr>
+          <a:xfrm flipH="1">
+            <a:off x="5294481" y="2106757"/>
+            <a:ext cx="3486" cy="468001"/>
+          </a:xfrm>
+          <a:prstGeom prst="straightConnector1">
+            <a:avLst/>
+          </a:prstGeom>
+          <a:ln w="25400">
+            <a:solidFill>
+              <a:schemeClr val="tx1"/>
+            </a:solidFill>
+            <a:headEnd type="triangle"/>
+            <a:tailEnd type="triangle"/>
+          </a:ln>
+        </p:spPr>
+        <p:style>
+          <a:lnRef idx="1">
+            <a:schemeClr val="accent1"/>
+          </a:lnRef>
+          <a:fillRef idx="0">
+            <a:schemeClr val="accent1"/>
+          </a:fillRef>
+          <a:effectRef idx="0">
+            <a:schemeClr val="accent1"/>
+          </a:effectRef>
+          <a:fontRef idx="minor">
+            <a:schemeClr val="tx1"/>
+          </a:fontRef>
+        </p:style>
+      </p:cxnSp>
+      <p:cxnSp>
+        <p:nvCxnSpPr>
+          <p:cNvPr id="24" name="直線矢印コネクタ 23"/>
+          <p:cNvCxnSpPr/>
+          <p:nvPr/>
+        </p:nvCxnSpPr>
+        <p:spPr>
+          <a:xfrm>
+            <a:off x="6302018" y="2356800"/>
+            <a:ext cx="9882" cy="234001"/>
+          </a:xfrm>
+          <a:prstGeom prst="straightConnector1">
+            <a:avLst/>
+          </a:prstGeom>
+          <a:ln>
+            <a:headEnd type="triangle"/>
+            <a:tailEnd type="triangle"/>
+          </a:ln>
+        </p:spPr>
+        <p:style>
+          <a:lnRef idx="1">
+            <a:schemeClr val="dk1"/>
+          </a:lnRef>
+          <a:fillRef idx="0">
+            <a:schemeClr val="dk1"/>
+          </a:fillRef>
+          <a:effectRef idx="0">
+            <a:schemeClr val="dk1"/>
+          </a:effectRef>
+          <a:fontRef idx="minor">
+            <a:schemeClr val="tx1"/>
+          </a:fontRef>
+        </p:style>
+      </p:cxnSp>
+      <p:cxnSp>
+        <p:nvCxnSpPr>
+          <p:cNvPr id="28" name="直線コネクタ 27"/>
+          <p:cNvCxnSpPr/>
+          <p:nvPr/>
+        </p:nvCxnSpPr>
+        <p:spPr>
+          <a:xfrm flipV="1">
+            <a:off x="5417820" y="2106757"/>
+            <a:ext cx="342900" cy="250043"/>
+          </a:xfrm>
+          <a:prstGeom prst="line">
+            <a:avLst/>
+          </a:prstGeom>
+        </p:spPr>
+        <p:style>
+          <a:lnRef idx="1">
+            <a:schemeClr val="dk1"/>
+          </a:lnRef>
+          <a:fillRef idx="0">
+            <a:schemeClr val="dk1"/>
+          </a:fillRef>
+          <a:effectRef idx="0">
+            <a:schemeClr val="dk1"/>
+          </a:effectRef>
+          <a:fontRef idx="minor">
+            <a:schemeClr val="tx1"/>
+          </a:fontRef>
+        </p:style>
+      </p:cxnSp>
+      <p:cxnSp>
+        <p:nvCxnSpPr>
+          <p:cNvPr id="29" name="直線コネクタ 28"/>
+          <p:cNvCxnSpPr/>
+          <p:nvPr/>
+        </p:nvCxnSpPr>
+        <p:spPr>
+          <a:xfrm flipV="1">
+            <a:off x="6364319" y="2246209"/>
+            <a:ext cx="342900" cy="250043"/>
+          </a:xfrm>
+          <a:prstGeom prst="line">
+            <a:avLst/>
+          </a:prstGeom>
+        </p:spPr>
+        <p:style>
+          <a:lnRef idx="1">
+            <a:schemeClr val="dk1"/>
+          </a:lnRef>
+          <a:fillRef idx="0">
+            <a:schemeClr val="dk1"/>
+          </a:fillRef>
+          <a:effectRef idx="0">
+            <a:schemeClr val="dk1"/>
+          </a:effectRef>
+          <a:fontRef idx="minor">
+            <a:schemeClr val="tx1"/>
+          </a:fontRef>
+        </p:style>
+      </p:cxnSp>
+      <p:sp>
+        <p:nvSpPr>
+          <p:cNvPr id="30" name="テキスト ボックス 29"/>
+          <p:cNvSpPr txBox="1"/>
+          <p:nvPr/>
+        </p:nvSpPr>
+        <p:spPr>
+          <a:xfrm>
+            <a:off x="5824394" y="1925259"/>
+            <a:ext cx="476250" cy="276999"/>
+          </a:xfrm>
+          <a:prstGeom prst="rect">
+            <a:avLst/>
+          </a:prstGeom>
+          <a:noFill/>
+        </p:spPr>
+        <p:txBody>
+          <a:bodyPr wrap="square" lIns="0" tIns="0" rIns="0" bIns="0" rtlCol="0">
+            <a:spAutoFit/>
+          </a:bodyPr>
+          <a:lstStyle/>
+          <a:p>
+            <a:r>
+              <a:rPr lang="en-US" altLang="ja-JP" dirty="0" smtClean="0"/>
+              <a:t>a</a:t>
+            </a:r>
+            <a:endParaRPr lang="en-US" altLang="ja-JP" dirty="0" smtClean="0"/>
+          </a:p>
+        </p:txBody>
+      </p:sp>
+      <p:sp>
+        <p:nvSpPr>
+          <p:cNvPr id="31" name="テキスト ボックス 30"/>
+          <p:cNvSpPr txBox="1"/>
+          <p:nvPr/>
+        </p:nvSpPr>
+        <p:spPr>
+          <a:xfrm>
+            <a:off x="6785448" y="2087138"/>
+            <a:ext cx="476250" cy="276999"/>
+          </a:xfrm>
+          <a:prstGeom prst="rect">
+            <a:avLst/>
+          </a:prstGeom>
+          <a:noFill/>
+        </p:spPr>
+        <p:txBody>
+          <a:bodyPr wrap="square" lIns="0" tIns="0" rIns="0" bIns="0" rtlCol="0">
+            <a:spAutoFit/>
+          </a:bodyPr>
+          <a:lstStyle/>
+          <a:p>
+            <a:r>
+              <a:rPr lang="en-US" altLang="ja-JP" dirty="0"/>
+              <a:t>b</a:t>
+            </a:r>
+            <a:endParaRPr lang="en-US" altLang="ja-JP" dirty="0" smtClean="0"/>
+          </a:p>
+        </p:txBody>
+      </p:sp>
+    </p:spTree>
+    <p:extLst>
+      <p:ext uri="{BB962C8B-B14F-4D97-AF65-F5344CB8AC3E}">
+        <p14:creationId xmlns:p14="http://schemas.microsoft.com/office/powerpoint/2010/main" val="2911626328"/>
+      </p:ext>
+    </p:extLst>
+  </p:cSld>
+  <p:clrMapOvr>
+    <a:masterClrMapping/>
+  </p:clrMapOvr>
+</p:sld>
+</file>
+
+<file path=ppt/slides/slide8.xml><?xml version="1.0" encoding="utf-8"?>
+<p:sld xmlns:a="http://schemas.openxmlformats.org/drawingml/2006/main" xmlns:r="http://schemas.openxmlformats.org/officeDocument/2006/relationships" xmlns:p="http://schemas.openxmlformats.org/presentationml/2006/main">
+  <p:cSld>
+    <p:spTree>
+      <p:nvGrpSpPr>
+        <p:cNvPr id="1" name=""/>
+        <p:cNvGrpSpPr/>
+        <p:nvPr/>
+      </p:nvGrpSpPr>
+      <p:grpSpPr>
+        <a:xfrm>
+          <a:off x="0" y="0"/>
+          <a:ext cx="0" cy="0"/>
+          <a:chOff x="0" y="0"/>
+          <a:chExt cx="0" cy="0"/>
+        </a:xfrm>
+      </p:grpSpPr>
+      <p:cxnSp>
+        <p:nvCxnSpPr>
+          <p:cNvPr id="5" name="直線矢印コネクタ 4"/>
+          <p:cNvCxnSpPr/>
+          <p:nvPr/>
+        </p:nvCxnSpPr>
+        <p:spPr>
+          <a:xfrm flipV="1">
+            <a:off x="2603351" y="882127"/>
+            <a:ext cx="10757" cy="4173967"/>
+          </a:xfrm>
+          <a:prstGeom prst="straightConnector1">
+            <a:avLst/>
+          </a:prstGeom>
+          <a:ln w="38100">
+            <a:solidFill>
+              <a:schemeClr val="tx1"/>
+            </a:solidFill>
+            <a:tailEnd type="triangle"/>
+          </a:ln>
+        </p:spPr>
+        <p:style>
+          <a:lnRef idx="1">
+            <a:schemeClr val="accent1"/>
+          </a:lnRef>
+          <a:fillRef idx="0">
+            <a:schemeClr val="accent1"/>
+          </a:fillRef>
+          <a:effectRef idx="0">
+            <a:schemeClr val="accent1"/>
+          </a:effectRef>
+          <a:fontRef idx="minor">
+            <a:schemeClr val="tx1"/>
+          </a:fontRef>
+        </p:style>
+      </p:cxnSp>
+      <p:cxnSp>
+        <p:nvCxnSpPr>
+          <p:cNvPr id="6" name="直線矢印コネクタ 5"/>
+          <p:cNvCxnSpPr/>
+          <p:nvPr/>
+        </p:nvCxnSpPr>
+        <p:spPr>
+          <a:xfrm flipV="1">
+            <a:off x="2603351" y="5033233"/>
+            <a:ext cx="4582309" cy="19275"/>
+          </a:xfrm>
+          <a:prstGeom prst="straightConnector1">
+            <a:avLst/>
+          </a:prstGeom>
+          <a:ln w="38100">
+            <a:solidFill>
+              <a:schemeClr val="tx1"/>
+            </a:solidFill>
+            <a:tailEnd type="triangle"/>
+          </a:ln>
+        </p:spPr>
+        <p:style>
+          <a:lnRef idx="1">
+            <a:schemeClr val="accent1"/>
+          </a:lnRef>
+          <a:fillRef idx="0">
+            <a:schemeClr val="accent1"/>
+          </a:fillRef>
+          <a:effectRef idx="0">
+            <a:schemeClr val="accent1"/>
+          </a:effectRef>
+          <a:fontRef idx="minor">
+            <a:schemeClr val="tx1"/>
+          </a:fontRef>
+        </p:style>
+      </p:cxnSp>
+      <p:sp>
+        <p:nvSpPr>
+          <p:cNvPr id="7" name="フリーフォーム 6"/>
+          <p:cNvSpPr/>
+          <p:nvPr/>
+        </p:nvSpPr>
+        <p:spPr>
+          <a:xfrm>
+            <a:off x="2590801" y="1733550"/>
+            <a:ext cx="1104899" cy="3299179"/>
+          </a:xfrm>
+          <a:custGeom>
+            <a:avLst/>
+            <a:gdLst>
+              <a:gd name="connsiteX0" fmla="*/ 0 w 4470505"/>
+              <a:gd name="connsiteY0" fmla="*/ 4294476 h 4298006"/>
+              <a:gd name="connsiteX1" fmla="*/ 1104900 w 4470505"/>
+              <a:gd name="connsiteY1" fmla="*/ 3675351 h 4298006"/>
+              <a:gd name="connsiteX2" fmla="*/ 4076700 w 4470505"/>
+              <a:gd name="connsiteY2" fmla="*/ 427326 h 4298006"/>
+              <a:gd name="connsiteX3" fmla="*/ 4352925 w 4470505"/>
+              <a:gd name="connsiteY3" fmla="*/ 132051 h 4298006"/>
+            </a:gdLst>
+            <a:ahLst/>
+            <a:cxnLst>
+              <a:cxn ang="0">
+                <a:pos x="connsiteX0" y="connsiteY0"/>
+              </a:cxn>
+              <a:cxn ang="0">
+                <a:pos x="connsiteX1" y="connsiteY1"/>
+              </a:cxn>
+              <a:cxn ang="0">
+                <a:pos x="connsiteX2" y="connsiteY2"/>
+              </a:cxn>
+              <a:cxn ang="0">
+                <a:pos x="connsiteX3" y="connsiteY3"/>
+              </a:cxn>
+            </a:cxnLst>
+            <a:rect l="l" t="t" r="r" b="b"/>
+            <a:pathLst>
+              <a:path w="4470505" h="4298006">
+                <a:moveTo>
+                  <a:pt x="0" y="4294476"/>
+                </a:moveTo>
+                <a:cubicBezTo>
+                  <a:pt x="212725" y="4307176"/>
+                  <a:pt x="425450" y="4319876"/>
+                  <a:pt x="1104900" y="3675351"/>
+                </a:cubicBezTo>
+                <a:cubicBezTo>
+                  <a:pt x="1784350" y="3030826"/>
+                  <a:pt x="3535362" y="1017876"/>
+                  <a:pt x="4076700" y="427326"/>
+                </a:cubicBezTo>
+                <a:cubicBezTo>
+                  <a:pt x="4618038" y="-163224"/>
+                  <a:pt x="4485481" y="-15587"/>
+                  <a:pt x="4352925" y="132051"/>
+                </a:cubicBezTo>
+              </a:path>
+            </a:pathLst>
+          </a:custGeom>
+          <a:noFill/>
+          <a:ln w="25400">
+            <a:solidFill>
+              <a:schemeClr val="tx1"/>
+            </a:solidFill>
+          </a:ln>
+        </p:spPr>
+        <p:style>
+          <a:lnRef idx="2">
+            <a:schemeClr val="accent1">
+              <a:shade val="50000"/>
+            </a:schemeClr>
+          </a:lnRef>
+          <a:fillRef idx="1">
+            <a:schemeClr val="accent1"/>
+          </a:fillRef>
+          <a:effectRef idx="0">
+            <a:schemeClr val="accent1"/>
+          </a:effectRef>
+          <a:fontRef idx="minor">
+            <a:schemeClr val="lt1"/>
+          </a:fontRef>
+        </p:style>
+        <p:txBody>
+          <a:bodyPr rtlCol="0" anchor="ctr"/>
+          <a:lstStyle/>
+          <a:p>
+            <a:pPr algn="ctr"/>
+            <a:endParaRPr kumimoji="1" lang="ja-JP" altLang="en-US"/>
+          </a:p>
+        </p:txBody>
+      </p:sp>
+      <mc:AlternateContent xmlns:mc="http://schemas.openxmlformats.org/markup-compatibility/2006">
+        <mc:Choice xmlns:a14="http://schemas.microsoft.com/office/drawing/2010/main" Requires="a14">
+          <p:sp>
+            <p:nvSpPr>
+              <p:cNvPr id="11" name="テキスト ボックス 10"/>
+              <p:cNvSpPr txBox="1"/>
+              <p:nvPr/>
+            </p:nvSpPr>
+            <p:spPr>
+              <a:xfrm>
+                <a:off x="2677433" y="890811"/>
+                <a:ext cx="469167" cy="276999"/>
+              </a:xfrm>
+              <a:prstGeom prst="rect">
+                <a:avLst/>
+              </a:prstGeom>
+              <a:noFill/>
+            </p:spPr>
+            <p:txBody>
+              <a:bodyPr wrap="none" lIns="0" tIns="0" rIns="0" bIns="0" rtlCol="0">
+                <a:spAutoFit/>
+              </a:bodyPr>
+              <a:lstStyle/>
+              <a:p>
+                <a14:m>
+                  <m:oMathPara xmlns:m="http://schemas.openxmlformats.org/officeDocument/2006/math">
+                    <m:oMathParaPr>
+                      <m:jc m:val="centerGroup"/>
+                    </m:oMathParaPr>
+                    <m:oMath xmlns:m="http://schemas.openxmlformats.org/officeDocument/2006/math">
+                      <m:r>
+                        <a:rPr kumimoji="1" lang="en-US" altLang="ja-JP" b="0" i="1" smtClean="0">
+                          <a:latin typeface="Cambria Math" panose="02040503050406030204" pitchFamily="18" charset="0"/>
+                        </a:rPr>
+                        <m:t>𝑟</m:t>
+                      </m:r>
+                      <m:r>
+                        <a:rPr kumimoji="1" lang="en-US" altLang="ja-JP" b="0" i="1" smtClean="0">
+                          <a:latin typeface="Cambria Math" panose="02040503050406030204" pitchFamily="18" charset="0"/>
+                        </a:rPr>
+                        <m:t>(</m:t>
+                      </m:r>
+                      <m:r>
+                        <a:rPr kumimoji="1" lang="en-US" altLang="ja-JP" b="0" i="1" smtClean="0">
+                          <a:latin typeface="Cambria Math" panose="02040503050406030204" pitchFamily="18" charset="0"/>
+                        </a:rPr>
+                        <m:t>𝑡</m:t>
+                      </m:r>
+                      <m:r>
+                        <a:rPr kumimoji="1" lang="en-US" altLang="ja-JP" b="0" i="1" smtClean="0">
+                          <a:latin typeface="Cambria Math" panose="02040503050406030204" pitchFamily="18" charset="0"/>
+                        </a:rPr>
+                        <m:t>)</m:t>
+                      </m:r>
+                    </m:oMath>
+                  </m:oMathPara>
+                </a14:m>
+                <a:endParaRPr kumimoji="1" lang="ja-JP" altLang="en-US" dirty="0"/>
+              </a:p>
+            </p:txBody>
+          </p:sp>
+        </mc:Choice>
+        <mc:Fallback>
+          <p:sp>
+            <p:nvSpPr>
+              <p:cNvPr id="11" name="テキスト ボックス 10"/>
+              <p:cNvSpPr txBox="1">
+                <a:spLocks noRot="1" noChangeAspect="1" noMove="1" noResize="1" noEditPoints="1" noAdjustHandles="1" noChangeArrowheads="1" noChangeShapeType="1" noTextEdit="1"/>
+              </p:cNvSpPr>
+              <p:nvPr/>
+            </p:nvSpPr>
+            <p:spPr>
+              <a:xfrm>
+                <a:off x="2677433" y="890811"/>
+                <a:ext cx="469167" cy="276999"/>
+              </a:xfrm>
+              <a:prstGeom prst="rect">
+                <a:avLst/>
+              </a:prstGeom>
+              <a:blipFill>
+                <a:blip r:embed="rId2"/>
+                <a:stretch>
+                  <a:fillRect l="-5195" t="-2174" r="-16883" b="-32609"/>
+                </a:stretch>
+              </a:blipFill>
+            </p:spPr>
+            <p:txBody>
+              <a:bodyPr/>
+              <a:lstStyle/>
+              <a:p>
+                <a:r>
+                  <a:rPr lang="ja-JP" altLang="en-US">
+                    <a:noFill/>
+                  </a:rPr>
+                  <a:t> </a:t>
+                </a:r>
+              </a:p>
+            </p:txBody>
+          </p:sp>
+        </mc:Fallback>
+      </mc:AlternateContent>
+      <p:sp>
+        <p:nvSpPr>
+          <p:cNvPr id="14" name="テキスト ボックス 13"/>
+          <p:cNvSpPr txBox="1"/>
+          <p:nvPr/>
+        </p:nvSpPr>
+        <p:spPr>
+          <a:xfrm>
+            <a:off x="2481811" y="5131014"/>
+            <a:ext cx="902914" cy="276999"/>
+          </a:xfrm>
+          <a:prstGeom prst="rect">
+            <a:avLst/>
+          </a:prstGeom>
+          <a:noFill/>
+        </p:spPr>
+        <p:txBody>
+          <a:bodyPr wrap="square" lIns="0" tIns="0" rIns="0" bIns="0" rtlCol="0">
+            <a:spAutoFit/>
+          </a:bodyPr>
+          <a:lstStyle/>
+          <a:p>
+            <a:r>
+              <a:rPr kumimoji="1" lang="en-US" altLang="ja-JP" dirty="0" smtClean="0"/>
+              <a:t>0</a:t>
+            </a:r>
+            <a:endParaRPr kumimoji="1" lang="ja-JP" altLang="en-US" dirty="0"/>
+          </a:p>
+        </p:txBody>
+      </p:sp>
+      <p:sp>
+        <p:nvSpPr>
+          <p:cNvPr id="16" name="フリーフォーム 15"/>
+          <p:cNvSpPr/>
+          <p:nvPr/>
+        </p:nvSpPr>
+        <p:spPr>
+          <a:xfrm>
+            <a:off x="3695700" y="1580663"/>
+            <a:ext cx="3208020" cy="1848337"/>
+          </a:xfrm>
+          <a:custGeom>
+            <a:avLst/>
+            <a:gdLst>
+              <a:gd name="connsiteX0" fmla="*/ 0 w 4387516"/>
+              <a:gd name="connsiteY0" fmla="*/ 267823 h 3054489"/>
+              <a:gd name="connsiteX1" fmla="*/ 336884 w 4387516"/>
+              <a:gd name="connsiteY1" fmla="*/ 267823 h 3054489"/>
+              <a:gd name="connsiteX2" fmla="*/ 1267326 w 4387516"/>
+              <a:gd name="connsiteY2" fmla="*/ 3051128 h 3054489"/>
+              <a:gd name="connsiteX3" fmla="*/ 2157663 w 4387516"/>
+              <a:gd name="connsiteY3" fmla="*/ 869402 h 3054489"/>
+              <a:gd name="connsiteX4" fmla="*/ 2959769 w 4387516"/>
+              <a:gd name="connsiteY4" fmla="*/ 2409444 h 3054489"/>
+              <a:gd name="connsiteX5" fmla="*/ 3537284 w 4387516"/>
+              <a:gd name="connsiteY5" fmla="*/ 1270454 h 3054489"/>
+              <a:gd name="connsiteX6" fmla="*/ 3994484 w 4387516"/>
+              <a:gd name="connsiteY6" fmla="*/ 1928181 h 3054489"/>
+              <a:gd name="connsiteX7" fmla="*/ 4387516 w 4387516"/>
+              <a:gd name="connsiteY7" fmla="*/ 1623381 h 3054489"/>
+            </a:gdLst>
+            <a:ahLst/>
+            <a:cxnLst>
+              <a:cxn ang="0">
+                <a:pos x="connsiteX0" y="connsiteY0"/>
+              </a:cxn>
+              <a:cxn ang="0">
+                <a:pos x="connsiteX1" y="connsiteY1"/>
+              </a:cxn>
+              <a:cxn ang="0">
+                <a:pos x="connsiteX2" y="connsiteY2"/>
+              </a:cxn>
+              <a:cxn ang="0">
+                <a:pos x="connsiteX3" y="connsiteY3"/>
+              </a:cxn>
+              <a:cxn ang="0">
+                <a:pos x="connsiteX4" y="connsiteY4"/>
+              </a:cxn>
+              <a:cxn ang="0">
+                <a:pos x="connsiteX5" y="connsiteY5"/>
+              </a:cxn>
+              <a:cxn ang="0">
+                <a:pos x="connsiteX6" y="connsiteY6"/>
+              </a:cxn>
+              <a:cxn ang="0">
+                <a:pos x="connsiteX7" y="connsiteY7"/>
+              </a:cxn>
+            </a:cxnLst>
+            <a:rect l="l" t="t" r="r" b="b"/>
+            <a:pathLst>
+              <a:path w="4387516" h="3054489">
+                <a:moveTo>
+                  <a:pt x="0" y="267823"/>
+                </a:moveTo>
+                <a:cubicBezTo>
+                  <a:pt x="62831" y="35881"/>
+                  <a:pt x="125663" y="-196061"/>
+                  <a:pt x="336884" y="267823"/>
+                </a:cubicBezTo>
+                <a:cubicBezTo>
+                  <a:pt x="548105" y="731707"/>
+                  <a:pt x="963863" y="2950865"/>
+                  <a:pt x="1267326" y="3051128"/>
+                </a:cubicBezTo>
+                <a:cubicBezTo>
+                  <a:pt x="1570789" y="3151391"/>
+                  <a:pt x="1875589" y="976349"/>
+                  <a:pt x="2157663" y="869402"/>
+                </a:cubicBezTo>
+                <a:cubicBezTo>
+                  <a:pt x="2439737" y="762455"/>
+                  <a:pt x="2729832" y="2342602"/>
+                  <a:pt x="2959769" y="2409444"/>
+                </a:cubicBezTo>
+                <a:cubicBezTo>
+                  <a:pt x="3189706" y="2476286"/>
+                  <a:pt x="3364832" y="1350664"/>
+                  <a:pt x="3537284" y="1270454"/>
+                </a:cubicBezTo>
+                <a:cubicBezTo>
+                  <a:pt x="3709736" y="1190244"/>
+                  <a:pt x="3852779" y="1869360"/>
+                  <a:pt x="3994484" y="1928181"/>
+                </a:cubicBezTo>
+                <a:cubicBezTo>
+                  <a:pt x="4136189" y="1987002"/>
+                  <a:pt x="4261852" y="1805191"/>
+                  <a:pt x="4387516" y="1623381"/>
+                </a:cubicBezTo>
+              </a:path>
+            </a:pathLst>
+          </a:custGeom>
+          <a:noFill/>
+          <a:ln w="25400">
+            <a:solidFill>
+              <a:schemeClr val="tx1"/>
+            </a:solidFill>
+          </a:ln>
+        </p:spPr>
+        <p:style>
+          <a:lnRef idx="2">
+            <a:schemeClr val="accent1">
+              <a:shade val="50000"/>
+            </a:schemeClr>
+          </a:lnRef>
+          <a:fillRef idx="1">
+            <a:schemeClr val="accent1"/>
+          </a:fillRef>
+          <a:effectRef idx="0">
+            <a:schemeClr val="accent1"/>
+          </a:effectRef>
+          <a:fontRef idx="minor">
+            <a:schemeClr val="lt1"/>
+          </a:fontRef>
+        </p:style>
+        <p:txBody>
+          <a:bodyPr rtlCol="0" anchor="ctr"/>
+          <a:lstStyle/>
+          <a:p>
+            <a:pPr algn="ctr"/>
+            <a:endParaRPr kumimoji="1" lang="ja-JP" altLang="en-US"/>
+          </a:p>
+        </p:txBody>
+      </p:sp>
+      <p:sp>
+        <p:nvSpPr>
+          <p:cNvPr id="17" name="テキスト ボックス 16"/>
+          <p:cNvSpPr txBox="1"/>
+          <p:nvPr/>
+        </p:nvSpPr>
+        <p:spPr>
+          <a:xfrm>
+            <a:off x="7045605" y="5126638"/>
+            <a:ext cx="476250" cy="276999"/>
+          </a:xfrm>
+          <a:prstGeom prst="rect">
+            <a:avLst/>
+          </a:prstGeom>
+          <a:noFill/>
+        </p:spPr>
+        <p:txBody>
+          <a:bodyPr wrap="square" lIns="0" tIns="0" rIns="0" bIns="0" rtlCol="0">
+            <a:spAutoFit/>
+          </a:bodyPr>
+          <a:lstStyle/>
+          <a:p>
+            <a:r>
+              <a:rPr lang="en-US" altLang="ja-JP" dirty="0"/>
+              <a:t>t</a:t>
+            </a:r>
+            <a:endParaRPr lang="en-US" altLang="ja-JP" dirty="0" smtClean="0"/>
+          </a:p>
+        </p:txBody>
+      </p:sp>
+      <p:cxnSp>
+        <p:nvCxnSpPr>
+          <p:cNvPr id="19" name="直線コネクタ 18"/>
+          <p:cNvCxnSpPr/>
+          <p:nvPr/>
+        </p:nvCxnSpPr>
+        <p:spPr>
+          <a:xfrm flipV="1">
+            <a:off x="2590801" y="2574758"/>
+            <a:ext cx="4454804" cy="16043"/>
+          </a:xfrm>
+          <a:prstGeom prst="line">
+            <a:avLst/>
+          </a:prstGeom>
+          <a:ln w="25400">
+            <a:solidFill>
+              <a:schemeClr val="tx1"/>
+            </a:solidFill>
+            <a:prstDash val="sysDot"/>
+          </a:ln>
+        </p:spPr>
+        <p:style>
+          <a:lnRef idx="1">
+            <a:schemeClr val="accent1"/>
+          </a:lnRef>
+          <a:fillRef idx="0">
+            <a:schemeClr val="accent1"/>
+          </a:fillRef>
+          <a:effectRef idx="0">
+            <a:schemeClr val="accent1"/>
+          </a:effectRef>
+          <a:fontRef idx="minor">
+            <a:schemeClr val="tx1"/>
+          </a:fontRef>
+        </p:style>
+      </p:cxnSp>
+      <p:cxnSp>
+        <p:nvCxnSpPr>
+          <p:cNvPr id="23" name="直線矢印コネクタ 22"/>
+          <p:cNvCxnSpPr/>
+          <p:nvPr/>
+        </p:nvCxnSpPr>
+        <p:spPr>
+          <a:xfrm flipH="1">
+            <a:off x="5294481" y="2106757"/>
+            <a:ext cx="3486" cy="468001"/>
+          </a:xfrm>
+          <a:prstGeom prst="straightConnector1">
+            <a:avLst/>
+          </a:prstGeom>
+          <a:ln w="25400">
+            <a:solidFill>
+              <a:schemeClr val="tx1"/>
+            </a:solidFill>
+            <a:headEnd type="triangle"/>
+            <a:tailEnd type="triangle"/>
+          </a:ln>
+        </p:spPr>
+        <p:style>
+          <a:lnRef idx="1">
+            <a:schemeClr val="accent1"/>
+          </a:lnRef>
+          <a:fillRef idx="0">
+            <a:schemeClr val="accent1"/>
+          </a:fillRef>
+          <a:effectRef idx="0">
+            <a:schemeClr val="accent1"/>
+          </a:effectRef>
+          <a:fontRef idx="minor">
+            <a:schemeClr val="tx1"/>
+          </a:fontRef>
+        </p:style>
+      </p:cxnSp>
+      <p:cxnSp>
+        <p:nvCxnSpPr>
+          <p:cNvPr id="24" name="直線矢印コネクタ 23"/>
+          <p:cNvCxnSpPr/>
+          <p:nvPr/>
+        </p:nvCxnSpPr>
+        <p:spPr>
+          <a:xfrm>
+            <a:off x="6302018" y="2356800"/>
+            <a:ext cx="9882" cy="234001"/>
+          </a:xfrm>
+          <a:prstGeom prst="straightConnector1">
+            <a:avLst/>
+          </a:prstGeom>
+          <a:ln>
+            <a:headEnd type="triangle"/>
+            <a:tailEnd type="triangle"/>
+          </a:ln>
+        </p:spPr>
+        <p:style>
+          <a:lnRef idx="1">
+            <a:schemeClr val="dk1"/>
+          </a:lnRef>
+          <a:fillRef idx="0">
+            <a:schemeClr val="dk1"/>
+          </a:fillRef>
+          <a:effectRef idx="0">
+            <a:schemeClr val="dk1"/>
+          </a:effectRef>
+          <a:fontRef idx="minor">
+            <a:schemeClr val="tx1"/>
+          </a:fontRef>
+        </p:style>
+      </p:cxnSp>
+      <p:cxnSp>
+        <p:nvCxnSpPr>
+          <p:cNvPr id="28" name="直線コネクタ 27"/>
+          <p:cNvCxnSpPr/>
+          <p:nvPr/>
+        </p:nvCxnSpPr>
+        <p:spPr>
+          <a:xfrm flipV="1">
+            <a:off x="5417820" y="2106757"/>
+            <a:ext cx="342900" cy="250043"/>
+          </a:xfrm>
+          <a:prstGeom prst="line">
+            <a:avLst/>
+          </a:prstGeom>
+        </p:spPr>
+        <p:style>
+          <a:lnRef idx="1">
+            <a:schemeClr val="dk1"/>
+          </a:lnRef>
+          <a:fillRef idx="0">
+            <a:schemeClr val="dk1"/>
+          </a:fillRef>
+          <a:effectRef idx="0">
+            <a:schemeClr val="dk1"/>
+          </a:effectRef>
+          <a:fontRef idx="minor">
+            <a:schemeClr val="tx1"/>
+          </a:fontRef>
+        </p:style>
+      </p:cxnSp>
+      <p:cxnSp>
+        <p:nvCxnSpPr>
+          <p:cNvPr id="29" name="直線コネクタ 28"/>
+          <p:cNvCxnSpPr/>
+          <p:nvPr/>
+        </p:nvCxnSpPr>
+        <p:spPr>
+          <a:xfrm flipV="1">
+            <a:off x="6364319" y="2246209"/>
+            <a:ext cx="342900" cy="250043"/>
+          </a:xfrm>
+          <a:prstGeom prst="line">
+            <a:avLst/>
+          </a:prstGeom>
+        </p:spPr>
+        <p:style>
+          <a:lnRef idx="1">
+            <a:schemeClr val="dk1"/>
+          </a:lnRef>
+          <a:fillRef idx="0">
+            <a:schemeClr val="dk1"/>
+          </a:fillRef>
+          <a:effectRef idx="0">
+            <a:schemeClr val="dk1"/>
+          </a:effectRef>
+          <a:fontRef idx="minor">
+            <a:schemeClr val="tx1"/>
+          </a:fontRef>
+        </p:style>
+      </p:cxnSp>
+      <p:sp>
+        <p:nvSpPr>
+          <p:cNvPr id="30" name="テキスト ボックス 29"/>
+          <p:cNvSpPr txBox="1"/>
+          <p:nvPr/>
+        </p:nvSpPr>
+        <p:spPr>
+          <a:xfrm>
+            <a:off x="5824394" y="1925259"/>
+            <a:ext cx="476250" cy="276999"/>
+          </a:xfrm>
+          <a:prstGeom prst="rect">
+            <a:avLst/>
+          </a:prstGeom>
+          <a:noFill/>
+        </p:spPr>
+        <p:txBody>
+          <a:bodyPr wrap="square" lIns="0" tIns="0" rIns="0" bIns="0" rtlCol="0">
+            <a:spAutoFit/>
+          </a:bodyPr>
+          <a:lstStyle/>
+          <a:p>
+            <a:r>
+              <a:rPr lang="en-US" altLang="ja-JP" dirty="0" smtClean="0"/>
+              <a:t>a</a:t>
+            </a:r>
+            <a:endParaRPr lang="en-US" altLang="ja-JP" dirty="0" smtClean="0"/>
+          </a:p>
+        </p:txBody>
+      </p:sp>
+      <p:sp>
+        <p:nvSpPr>
+          <p:cNvPr id="31" name="テキスト ボックス 30"/>
+          <p:cNvSpPr txBox="1"/>
+          <p:nvPr/>
+        </p:nvSpPr>
+        <p:spPr>
+          <a:xfrm>
+            <a:off x="6785448" y="2087138"/>
+            <a:ext cx="476250" cy="276999"/>
+          </a:xfrm>
+          <a:prstGeom prst="rect">
+            <a:avLst/>
+          </a:prstGeom>
+          <a:noFill/>
+        </p:spPr>
+        <p:txBody>
+          <a:bodyPr wrap="square" lIns="0" tIns="0" rIns="0" bIns="0" rtlCol="0">
+            <a:spAutoFit/>
+          </a:bodyPr>
+          <a:lstStyle/>
+          <a:p>
+            <a:r>
+              <a:rPr lang="en-US" altLang="ja-JP" dirty="0"/>
+              <a:t>b</a:t>
+            </a:r>
+            <a:endParaRPr lang="en-US" altLang="ja-JP" dirty="0" smtClean="0"/>
+          </a:p>
+        </p:txBody>
+      </p:sp>
+      <p:cxnSp>
+        <p:nvCxnSpPr>
+          <p:cNvPr id="3" name="直線コネクタ 2"/>
+          <p:cNvCxnSpPr/>
+          <p:nvPr/>
+        </p:nvCxnSpPr>
+        <p:spPr>
+          <a:xfrm>
+            <a:off x="5294481" y="2590801"/>
+            <a:ext cx="0" cy="1798319"/>
+          </a:xfrm>
+          <a:prstGeom prst="line">
+            <a:avLst/>
+          </a:prstGeom>
+          <a:ln w="25400">
+            <a:solidFill>
+              <a:schemeClr val="tx1"/>
+            </a:solidFill>
+          </a:ln>
+        </p:spPr>
+        <p:style>
+          <a:lnRef idx="1">
+            <a:schemeClr val="accent1"/>
+          </a:lnRef>
+          <a:fillRef idx="0">
+            <a:schemeClr val="accent1"/>
+          </a:fillRef>
+          <a:effectRef idx="0">
+            <a:schemeClr val="accent1"/>
+          </a:effectRef>
+          <a:fontRef idx="minor">
+            <a:schemeClr val="tx1"/>
+          </a:fontRef>
+        </p:style>
+      </p:cxnSp>
+      <p:cxnSp>
+        <p:nvCxnSpPr>
+          <p:cNvPr id="18" name="直線コネクタ 17"/>
+          <p:cNvCxnSpPr/>
+          <p:nvPr/>
+        </p:nvCxnSpPr>
+        <p:spPr>
+          <a:xfrm>
+            <a:off x="6299225" y="2574758"/>
+            <a:ext cx="0" cy="1798319"/>
+          </a:xfrm>
+          <a:prstGeom prst="line">
+            <a:avLst/>
+          </a:prstGeom>
+          <a:ln w="25400">
+            <a:solidFill>
+              <a:schemeClr val="tx1"/>
+            </a:solidFill>
+          </a:ln>
+        </p:spPr>
+        <p:style>
+          <a:lnRef idx="1">
+            <a:schemeClr val="accent1"/>
+          </a:lnRef>
+          <a:fillRef idx="0">
+            <a:schemeClr val="accent1"/>
+          </a:fillRef>
+          <a:effectRef idx="0">
+            <a:schemeClr val="accent1"/>
+          </a:effectRef>
+          <a:fontRef idx="minor">
+            <a:schemeClr val="tx1"/>
+          </a:fontRef>
+        </p:style>
+      </p:cxnSp>
+      <p:cxnSp>
+        <p:nvCxnSpPr>
+          <p:cNvPr id="8" name="直線矢印コネクタ 7"/>
+          <p:cNvCxnSpPr/>
+          <p:nvPr/>
+        </p:nvCxnSpPr>
+        <p:spPr>
+          <a:xfrm flipV="1">
+            <a:off x="5294481" y="3802380"/>
+            <a:ext cx="1017419" cy="7620"/>
+          </a:xfrm>
+          <a:prstGeom prst="straightConnector1">
+            <a:avLst/>
+          </a:prstGeom>
+          <a:ln w="25400">
+            <a:solidFill>
+              <a:schemeClr val="tx1"/>
+            </a:solidFill>
+            <a:headEnd type="triangle"/>
+            <a:tailEnd type="triangle"/>
+          </a:ln>
+        </p:spPr>
+        <p:style>
+          <a:lnRef idx="1">
+            <a:schemeClr val="accent1"/>
+          </a:lnRef>
+          <a:fillRef idx="0">
+            <a:schemeClr val="accent1"/>
+          </a:fillRef>
+          <a:effectRef idx="0">
+            <a:schemeClr val="accent1"/>
+          </a:effectRef>
+          <a:fontRef idx="minor">
+            <a:schemeClr val="tx1"/>
+          </a:fontRef>
+        </p:style>
+      </p:cxnSp>
+      <mc:AlternateContent xmlns:mc="http://schemas.openxmlformats.org/markup-compatibility/2006">
+        <mc:Choice xmlns:a14="http://schemas.microsoft.com/office/drawing/2010/main" Requires="a14">
+          <p:sp>
+            <p:nvSpPr>
+              <p:cNvPr id="21" name="テキスト ボックス 20"/>
+              <p:cNvSpPr txBox="1"/>
+              <p:nvPr/>
+            </p:nvSpPr>
+            <p:spPr>
+              <a:xfrm>
+                <a:off x="5609034" y="3835122"/>
+                <a:ext cx="388311" cy="553998"/>
+              </a:xfrm>
+              <a:prstGeom prst="rect">
+                <a:avLst/>
+              </a:prstGeom>
+              <a:noFill/>
+            </p:spPr>
+            <p:txBody>
+              <a:bodyPr wrap="none" lIns="0" tIns="0" rIns="0" bIns="0" rtlCol="0">
+                <a:spAutoFit/>
+              </a:bodyPr>
+              <a:lstStyle/>
+              <a:p>
+                <a:pPr/>
                 <a14:m>
                   <m:oMathPara xmlns:m="http://schemas.openxmlformats.org/officeDocument/2006/math">
                     <m:oMathParaPr>
@@ -10687,7 +13055,7 @@
         <mc:Fallback>
           <p:sp>
             <p:nvSpPr>
-              <p:cNvPr id="58" name="テキスト ボックス 57"/>
+              <p:cNvPr id="21" name="テキスト ボックス 20"/>
               <p:cNvSpPr txBox="1">
                 <a:spLocks noRot="1" noChangeAspect="1" noMove="1" noResize="1" noEditPoints="1" noAdjustHandles="1" noChangeArrowheads="1" noChangeShapeType="1" noTextEdit="1"/>
               </p:cNvSpPr>
@@ -10695,14 +13063,14 @@
             </p:nvSpPr>
             <p:spPr>
               <a:xfrm>
-                <a:off x="6998596" y="4610100"/>
+                <a:off x="5609034" y="3835122"/>
                 <a:ext cx="388311" cy="553998"/>
               </a:xfrm>
               <a:prstGeom prst="rect">
                 <a:avLst/>
               </a:prstGeom>
               <a:blipFill>
-                <a:blip r:embed="rId10"/>
+                <a:blip r:embed="rId3"/>
                 <a:stretch>
                   <a:fillRect/>
                 </a:stretch>
@@ -10726,7 +13094,7 @@
     </p:spTree>
     <p:extLst>
       <p:ext uri="{BB962C8B-B14F-4D97-AF65-F5344CB8AC3E}">
-        <p14:creationId xmlns:p14="http://schemas.microsoft.com/office/powerpoint/2010/main" val="662189268"/>
+        <p14:creationId xmlns:p14="http://schemas.microsoft.com/office/powerpoint/2010/main" val="1859499034"/>
       </p:ext>
     </p:extLst>
   </p:cSld>

--- a/PTEX/gazo/pendulum.pptx
+++ b/PTEX/gazo/pendulum.pptx
@@ -5,7 +5,7 @@
     <p:sldMasterId id="2147483648" r:id="rId1"/>
   </p:sldMasterIdLst>
   <p:notesMasterIdLst>
-    <p:notesMasterId r:id="rId10"/>
+    <p:notesMasterId r:id="rId14"/>
   </p:notesMasterIdLst>
   <p:sldIdLst>
     <p:sldId id="256" r:id="rId2"/>
@@ -16,6 +16,10 @@
     <p:sldId id="261" r:id="rId7"/>
     <p:sldId id="262" r:id="rId8"/>
     <p:sldId id="263" r:id="rId9"/>
+    <p:sldId id="264" r:id="rId10"/>
+    <p:sldId id="266" r:id="rId11"/>
+    <p:sldId id="265" r:id="rId12"/>
+    <p:sldId id="267" r:id="rId13"/>
   </p:sldIdLst>
   <p:sldSz cx="12192000" cy="6858000"/>
   <p:notesSz cx="6858000" cy="9144000"/>
@@ -182,7 +186,7 @@
             </a:lvl1pPr>
           </a:lstStyle>
           <a:p>
-            <a:endParaRPr kumimoji="1" lang="ja-JP" altLang="en-US"/>
+            <a:endParaRPr kumimoji="1" lang="ja-JP" altLang="en-US" dirty="0"/>
           </a:p>
         </p:txBody>
       </p:sp>
@@ -215,9 +219,9 @@
           <a:p>
             <a:fld id="{0C8F862B-F027-4730-9EBE-C9BCA7AB9D91}" type="datetimeFigureOut">
               <a:rPr kumimoji="1" lang="ja-JP" altLang="en-US" smtClean="0"/>
-              <a:t>2018/7/9</a:t>
+              <a:t>2018/7/10</a:t>
             </a:fld>
-            <a:endParaRPr kumimoji="1" lang="ja-JP" altLang="en-US"/>
+            <a:endParaRPr kumimoji="1" lang="ja-JP" altLang="en-US" dirty="0"/>
           </a:p>
         </p:txBody>
       </p:sp>
@@ -250,7 +254,7 @@
           <a:bodyPr vert="horz" lIns="91440" tIns="45720" rIns="91440" bIns="45720" rtlCol="0" anchor="ctr"/>
           <a:lstStyle/>
           <a:p>
-            <a:endParaRPr lang="ja-JP" altLang="en-US"/>
+            <a:endParaRPr lang="ja-JP" altLang="en-US" dirty="0"/>
           </a:p>
         </p:txBody>
       </p:sp>
@@ -373,7 +377,7 @@
             </a:lvl1pPr>
           </a:lstStyle>
           <a:p>
-            <a:endParaRPr kumimoji="1" lang="ja-JP" altLang="en-US"/>
+            <a:endParaRPr kumimoji="1" lang="ja-JP" altLang="en-US" dirty="0"/>
           </a:p>
         </p:txBody>
       </p:sp>
@@ -408,7 +412,7 @@
               <a:rPr kumimoji="1" lang="ja-JP" altLang="en-US" smtClean="0"/>
               <a:t>‹#›</a:t>
             </a:fld>
-            <a:endParaRPr kumimoji="1" lang="ja-JP" altLang="en-US"/>
+            <a:endParaRPr kumimoji="1" lang="ja-JP" altLang="en-US" dirty="0"/>
           </a:p>
         </p:txBody>
       </p:sp>
@@ -646,9 +650,9 @@
           <a:p>
             <a:fld id="{5D155995-8E0F-480C-8293-EE02BAE5E804}" type="datetimeFigureOut">
               <a:rPr kumimoji="1" lang="ja-JP" altLang="en-US" smtClean="0"/>
-              <a:t>2018/7/9</a:t>
+              <a:t>2018/7/10</a:t>
             </a:fld>
-            <a:endParaRPr kumimoji="1" lang="ja-JP" altLang="en-US"/>
+            <a:endParaRPr kumimoji="1" lang="ja-JP" altLang="en-US" dirty="0"/>
           </a:p>
         </p:txBody>
       </p:sp>
@@ -667,7 +671,7 @@
           <a:bodyPr/>
           <a:lstStyle/>
           <a:p>
-            <a:endParaRPr kumimoji="1" lang="ja-JP" altLang="en-US"/>
+            <a:endParaRPr kumimoji="1" lang="ja-JP" altLang="en-US" dirty="0"/>
           </a:p>
         </p:txBody>
       </p:sp>
@@ -690,7 +694,7 @@
               <a:rPr kumimoji="1" lang="ja-JP" altLang="en-US" smtClean="0"/>
               <a:t>‹#›</a:t>
             </a:fld>
-            <a:endParaRPr kumimoji="1" lang="ja-JP" altLang="en-US"/>
+            <a:endParaRPr kumimoji="1" lang="ja-JP" altLang="en-US" dirty="0"/>
           </a:p>
         </p:txBody>
       </p:sp>
@@ -848,9 +852,9 @@
           <a:p>
             <a:fld id="{5D155995-8E0F-480C-8293-EE02BAE5E804}" type="datetimeFigureOut">
               <a:rPr kumimoji="1" lang="ja-JP" altLang="en-US" smtClean="0"/>
-              <a:t>2018/7/9</a:t>
+              <a:t>2018/7/10</a:t>
             </a:fld>
-            <a:endParaRPr kumimoji="1" lang="ja-JP" altLang="en-US"/>
+            <a:endParaRPr kumimoji="1" lang="ja-JP" altLang="en-US" dirty="0"/>
           </a:p>
         </p:txBody>
       </p:sp>
@@ -869,7 +873,7 @@
           <a:bodyPr/>
           <a:lstStyle/>
           <a:p>
-            <a:endParaRPr kumimoji="1" lang="ja-JP" altLang="en-US"/>
+            <a:endParaRPr kumimoji="1" lang="ja-JP" altLang="en-US" dirty="0"/>
           </a:p>
         </p:txBody>
       </p:sp>
@@ -892,7 +896,7 @@
               <a:rPr kumimoji="1" lang="ja-JP" altLang="en-US" smtClean="0"/>
               <a:t>‹#›</a:t>
             </a:fld>
-            <a:endParaRPr kumimoji="1" lang="ja-JP" altLang="en-US"/>
+            <a:endParaRPr kumimoji="1" lang="ja-JP" altLang="en-US" dirty="0"/>
           </a:p>
         </p:txBody>
       </p:sp>
@@ -1060,9 +1064,9 @@
           <a:p>
             <a:fld id="{5D155995-8E0F-480C-8293-EE02BAE5E804}" type="datetimeFigureOut">
               <a:rPr kumimoji="1" lang="ja-JP" altLang="en-US" smtClean="0"/>
-              <a:t>2018/7/9</a:t>
+              <a:t>2018/7/10</a:t>
             </a:fld>
-            <a:endParaRPr kumimoji="1" lang="ja-JP" altLang="en-US"/>
+            <a:endParaRPr kumimoji="1" lang="ja-JP" altLang="en-US" dirty="0"/>
           </a:p>
         </p:txBody>
       </p:sp>
@@ -1081,7 +1085,7 @@
           <a:bodyPr/>
           <a:lstStyle/>
           <a:p>
-            <a:endParaRPr kumimoji="1" lang="ja-JP" altLang="en-US"/>
+            <a:endParaRPr kumimoji="1" lang="ja-JP" altLang="en-US" dirty="0"/>
           </a:p>
         </p:txBody>
       </p:sp>
@@ -1104,7 +1108,7 @@
               <a:rPr kumimoji="1" lang="ja-JP" altLang="en-US" smtClean="0"/>
               <a:t>‹#›</a:t>
             </a:fld>
-            <a:endParaRPr kumimoji="1" lang="ja-JP" altLang="en-US"/>
+            <a:endParaRPr kumimoji="1" lang="ja-JP" altLang="en-US" dirty="0"/>
           </a:p>
         </p:txBody>
       </p:sp>
@@ -1262,9 +1266,9 @@
           <a:p>
             <a:fld id="{5D155995-8E0F-480C-8293-EE02BAE5E804}" type="datetimeFigureOut">
               <a:rPr kumimoji="1" lang="ja-JP" altLang="en-US" smtClean="0"/>
-              <a:t>2018/7/9</a:t>
+              <a:t>2018/7/10</a:t>
             </a:fld>
-            <a:endParaRPr kumimoji="1" lang="ja-JP" altLang="en-US"/>
+            <a:endParaRPr kumimoji="1" lang="ja-JP" altLang="en-US" dirty="0"/>
           </a:p>
         </p:txBody>
       </p:sp>
@@ -1283,7 +1287,7 @@
           <a:bodyPr/>
           <a:lstStyle/>
           <a:p>
-            <a:endParaRPr kumimoji="1" lang="ja-JP" altLang="en-US"/>
+            <a:endParaRPr kumimoji="1" lang="ja-JP" altLang="en-US" dirty="0"/>
           </a:p>
         </p:txBody>
       </p:sp>
@@ -1306,7 +1310,7 @@
               <a:rPr kumimoji="1" lang="ja-JP" altLang="en-US" smtClean="0"/>
               <a:t>‹#›</a:t>
             </a:fld>
-            <a:endParaRPr kumimoji="1" lang="ja-JP" altLang="en-US"/>
+            <a:endParaRPr kumimoji="1" lang="ja-JP" altLang="en-US" dirty="0"/>
           </a:p>
         </p:txBody>
       </p:sp>
@@ -1508,9 +1512,9 @@
           <a:p>
             <a:fld id="{5D155995-8E0F-480C-8293-EE02BAE5E804}" type="datetimeFigureOut">
               <a:rPr kumimoji="1" lang="ja-JP" altLang="en-US" smtClean="0"/>
-              <a:t>2018/7/9</a:t>
+              <a:t>2018/7/10</a:t>
             </a:fld>
-            <a:endParaRPr kumimoji="1" lang="ja-JP" altLang="en-US"/>
+            <a:endParaRPr kumimoji="1" lang="ja-JP" altLang="en-US" dirty="0"/>
           </a:p>
         </p:txBody>
       </p:sp>
@@ -1529,7 +1533,7 @@
           <a:bodyPr/>
           <a:lstStyle/>
           <a:p>
-            <a:endParaRPr kumimoji="1" lang="ja-JP" altLang="en-US"/>
+            <a:endParaRPr kumimoji="1" lang="ja-JP" altLang="en-US" dirty="0"/>
           </a:p>
         </p:txBody>
       </p:sp>
@@ -1552,7 +1556,7 @@
               <a:rPr kumimoji="1" lang="ja-JP" altLang="en-US" smtClean="0"/>
               <a:t>‹#›</a:t>
             </a:fld>
-            <a:endParaRPr kumimoji="1" lang="ja-JP" altLang="en-US"/>
+            <a:endParaRPr kumimoji="1" lang="ja-JP" altLang="en-US" dirty="0"/>
           </a:p>
         </p:txBody>
       </p:sp>
@@ -1804,9 +1808,9 @@
           <a:p>
             <a:fld id="{5D155995-8E0F-480C-8293-EE02BAE5E804}" type="datetimeFigureOut">
               <a:rPr kumimoji="1" lang="ja-JP" altLang="en-US" smtClean="0"/>
-              <a:t>2018/7/9</a:t>
+              <a:t>2018/7/10</a:t>
             </a:fld>
-            <a:endParaRPr kumimoji="1" lang="ja-JP" altLang="en-US"/>
+            <a:endParaRPr kumimoji="1" lang="ja-JP" altLang="en-US" dirty="0"/>
           </a:p>
         </p:txBody>
       </p:sp>
@@ -1825,7 +1829,7 @@
           <a:bodyPr/>
           <a:lstStyle/>
           <a:p>
-            <a:endParaRPr kumimoji="1" lang="ja-JP" altLang="en-US"/>
+            <a:endParaRPr kumimoji="1" lang="ja-JP" altLang="en-US" dirty="0"/>
           </a:p>
         </p:txBody>
       </p:sp>
@@ -1848,7 +1852,7 @@
               <a:rPr kumimoji="1" lang="ja-JP" altLang="en-US" smtClean="0"/>
               <a:t>‹#›</a:t>
             </a:fld>
-            <a:endParaRPr kumimoji="1" lang="ja-JP" altLang="en-US"/>
+            <a:endParaRPr kumimoji="1" lang="ja-JP" altLang="en-US" dirty="0"/>
           </a:p>
         </p:txBody>
       </p:sp>
@@ -2235,9 +2239,9 @@
           <a:p>
             <a:fld id="{5D155995-8E0F-480C-8293-EE02BAE5E804}" type="datetimeFigureOut">
               <a:rPr kumimoji="1" lang="ja-JP" altLang="en-US" smtClean="0"/>
-              <a:t>2018/7/9</a:t>
+              <a:t>2018/7/10</a:t>
             </a:fld>
-            <a:endParaRPr kumimoji="1" lang="ja-JP" altLang="en-US"/>
+            <a:endParaRPr kumimoji="1" lang="ja-JP" altLang="en-US" dirty="0"/>
           </a:p>
         </p:txBody>
       </p:sp>
@@ -2256,7 +2260,7 @@
           <a:bodyPr/>
           <a:lstStyle/>
           <a:p>
-            <a:endParaRPr kumimoji="1" lang="ja-JP" altLang="en-US"/>
+            <a:endParaRPr kumimoji="1" lang="ja-JP" altLang="en-US" dirty="0"/>
           </a:p>
         </p:txBody>
       </p:sp>
@@ -2279,7 +2283,7 @@
               <a:rPr kumimoji="1" lang="ja-JP" altLang="en-US" smtClean="0"/>
               <a:t>‹#›</a:t>
             </a:fld>
-            <a:endParaRPr kumimoji="1" lang="ja-JP" altLang="en-US"/>
+            <a:endParaRPr kumimoji="1" lang="ja-JP" altLang="en-US" dirty="0"/>
           </a:p>
         </p:txBody>
       </p:sp>
@@ -2353,9 +2357,9 @@
           <a:p>
             <a:fld id="{5D155995-8E0F-480C-8293-EE02BAE5E804}" type="datetimeFigureOut">
               <a:rPr kumimoji="1" lang="ja-JP" altLang="en-US" smtClean="0"/>
-              <a:t>2018/7/9</a:t>
+              <a:t>2018/7/10</a:t>
             </a:fld>
-            <a:endParaRPr kumimoji="1" lang="ja-JP" altLang="en-US"/>
+            <a:endParaRPr kumimoji="1" lang="ja-JP" altLang="en-US" dirty="0"/>
           </a:p>
         </p:txBody>
       </p:sp>
@@ -2374,7 +2378,7 @@
           <a:bodyPr/>
           <a:lstStyle/>
           <a:p>
-            <a:endParaRPr kumimoji="1" lang="ja-JP" altLang="en-US"/>
+            <a:endParaRPr kumimoji="1" lang="ja-JP" altLang="en-US" dirty="0"/>
           </a:p>
         </p:txBody>
       </p:sp>
@@ -2397,7 +2401,7 @@
               <a:rPr kumimoji="1" lang="ja-JP" altLang="en-US" smtClean="0"/>
               <a:t>‹#›</a:t>
             </a:fld>
-            <a:endParaRPr kumimoji="1" lang="ja-JP" altLang="en-US"/>
+            <a:endParaRPr kumimoji="1" lang="ja-JP" altLang="en-US" dirty="0"/>
           </a:p>
         </p:txBody>
       </p:sp>
@@ -2448,9 +2452,9 @@
           <a:p>
             <a:fld id="{5D155995-8E0F-480C-8293-EE02BAE5E804}" type="datetimeFigureOut">
               <a:rPr kumimoji="1" lang="ja-JP" altLang="en-US" smtClean="0"/>
-              <a:t>2018/7/9</a:t>
+              <a:t>2018/7/10</a:t>
             </a:fld>
-            <a:endParaRPr kumimoji="1" lang="ja-JP" altLang="en-US"/>
+            <a:endParaRPr kumimoji="1" lang="ja-JP" altLang="en-US" dirty="0"/>
           </a:p>
         </p:txBody>
       </p:sp>
@@ -2469,7 +2473,7 @@
           <a:bodyPr/>
           <a:lstStyle/>
           <a:p>
-            <a:endParaRPr kumimoji="1" lang="ja-JP" altLang="en-US"/>
+            <a:endParaRPr kumimoji="1" lang="ja-JP" altLang="en-US" dirty="0"/>
           </a:p>
         </p:txBody>
       </p:sp>
@@ -2492,7 +2496,7 @@
               <a:rPr kumimoji="1" lang="ja-JP" altLang="en-US" smtClean="0"/>
               <a:t>‹#›</a:t>
             </a:fld>
-            <a:endParaRPr kumimoji="1" lang="ja-JP" altLang="en-US"/>
+            <a:endParaRPr kumimoji="1" lang="ja-JP" altLang="en-US" dirty="0"/>
           </a:p>
         </p:txBody>
       </p:sp>
@@ -2757,9 +2761,9 @@
           <a:p>
             <a:fld id="{5D155995-8E0F-480C-8293-EE02BAE5E804}" type="datetimeFigureOut">
               <a:rPr kumimoji="1" lang="ja-JP" altLang="en-US" smtClean="0"/>
-              <a:t>2018/7/9</a:t>
+              <a:t>2018/7/10</a:t>
             </a:fld>
-            <a:endParaRPr kumimoji="1" lang="ja-JP" altLang="en-US"/>
+            <a:endParaRPr kumimoji="1" lang="ja-JP" altLang="en-US" dirty="0"/>
           </a:p>
         </p:txBody>
       </p:sp>
@@ -2778,7 +2782,7 @@
           <a:bodyPr/>
           <a:lstStyle/>
           <a:p>
-            <a:endParaRPr kumimoji="1" lang="ja-JP" altLang="en-US"/>
+            <a:endParaRPr kumimoji="1" lang="ja-JP" altLang="en-US" dirty="0"/>
           </a:p>
         </p:txBody>
       </p:sp>
@@ -2801,7 +2805,7 @@
               <a:rPr kumimoji="1" lang="ja-JP" altLang="en-US" smtClean="0"/>
               <a:t>‹#›</a:t>
             </a:fld>
-            <a:endParaRPr kumimoji="1" lang="ja-JP" altLang="en-US"/>
+            <a:endParaRPr kumimoji="1" lang="ja-JP" altLang="en-US" dirty="0"/>
           </a:p>
         </p:txBody>
       </p:sp>
@@ -2924,7 +2928,7 @@
             </a:lvl9pPr>
           </a:lstStyle>
           <a:p>
-            <a:endParaRPr kumimoji="1" lang="ja-JP" altLang="en-US"/>
+            <a:endParaRPr kumimoji="1" lang="ja-JP" altLang="en-US" dirty="0"/>
           </a:p>
         </p:txBody>
       </p:sp>
@@ -3010,9 +3014,9 @@
           <a:p>
             <a:fld id="{5D155995-8E0F-480C-8293-EE02BAE5E804}" type="datetimeFigureOut">
               <a:rPr kumimoji="1" lang="ja-JP" altLang="en-US" smtClean="0"/>
-              <a:t>2018/7/9</a:t>
+              <a:t>2018/7/10</a:t>
             </a:fld>
-            <a:endParaRPr kumimoji="1" lang="ja-JP" altLang="en-US"/>
+            <a:endParaRPr kumimoji="1" lang="ja-JP" altLang="en-US" dirty="0"/>
           </a:p>
         </p:txBody>
       </p:sp>
@@ -3031,7 +3035,7 @@
           <a:bodyPr/>
           <a:lstStyle/>
           <a:p>
-            <a:endParaRPr kumimoji="1" lang="ja-JP" altLang="en-US"/>
+            <a:endParaRPr kumimoji="1" lang="ja-JP" altLang="en-US" dirty="0"/>
           </a:p>
         </p:txBody>
       </p:sp>
@@ -3054,7 +3058,7 @@
               <a:rPr kumimoji="1" lang="ja-JP" altLang="en-US" smtClean="0"/>
               <a:t>‹#›</a:t>
             </a:fld>
-            <a:endParaRPr kumimoji="1" lang="ja-JP" altLang="en-US"/>
+            <a:endParaRPr kumimoji="1" lang="ja-JP" altLang="en-US" dirty="0"/>
           </a:p>
         </p:txBody>
       </p:sp>
@@ -3255,9 +3259,9 @@
           <a:p>
             <a:fld id="{5D155995-8E0F-480C-8293-EE02BAE5E804}" type="datetimeFigureOut">
               <a:rPr kumimoji="1" lang="ja-JP" altLang="en-US" smtClean="0"/>
-              <a:t>2018/7/9</a:t>
+              <a:t>2018/7/10</a:t>
             </a:fld>
-            <a:endParaRPr kumimoji="1" lang="ja-JP" altLang="en-US"/>
+            <a:endParaRPr kumimoji="1" lang="ja-JP" altLang="en-US" dirty="0"/>
           </a:p>
         </p:txBody>
       </p:sp>
@@ -3294,7 +3298,7 @@
             </a:lvl1pPr>
           </a:lstStyle>
           <a:p>
-            <a:endParaRPr kumimoji="1" lang="ja-JP" altLang="en-US"/>
+            <a:endParaRPr kumimoji="1" lang="ja-JP" altLang="en-US" dirty="0"/>
           </a:p>
         </p:txBody>
       </p:sp>
@@ -3335,7 +3339,7 @@
               <a:rPr kumimoji="1" lang="ja-JP" altLang="en-US" smtClean="0"/>
               <a:t>‹#›</a:t>
             </a:fld>
-            <a:endParaRPr kumimoji="1" lang="ja-JP" altLang="en-US"/>
+            <a:endParaRPr kumimoji="1" lang="ja-JP" altLang="en-US" dirty="0"/>
           </a:p>
         </p:txBody>
       </p:sp>
@@ -3931,7 +3935,7 @@
                 <a:lstStyle/>
                 <a:p>
                   <a:pPr algn="ctr"/>
-                  <a:endParaRPr kumimoji="1" lang="ja-JP" altLang="en-US"/>
+                  <a:endParaRPr kumimoji="1" lang="ja-JP" altLang="en-US" dirty="0"/>
                 </a:p>
               </p:txBody>
             </p:sp>
@@ -4084,7 +4088,7 @@
                           <a:lstStyle/>
                           <a:p>
                             <a:pPr algn="ctr"/>
-                            <a:endParaRPr kumimoji="1" lang="ja-JP" altLang="en-US"/>
+                            <a:endParaRPr kumimoji="1" lang="ja-JP" altLang="en-US" dirty="0"/>
                           </a:p>
                         </p:txBody>
                       </p:sp>
@@ -4148,7 +4152,7 @@
                             <a:lstStyle/>
                             <a:p>
                               <a:pPr algn="ctr"/>
-                              <a:endParaRPr kumimoji="1" lang="ja-JP" altLang="en-US"/>
+                              <a:endParaRPr kumimoji="1" lang="ja-JP" altLang="en-US" dirty="0"/>
                             </a:p>
                           </p:txBody>
                         </p:sp>
@@ -4312,7 +4316,7 @@
                                         <a:lstStyle/>
                                         <a:p>
                                           <a:pPr algn="ctr"/>
-                                          <a:endParaRPr kumimoji="1" lang="ja-JP" altLang="en-US"/>
+                                          <a:endParaRPr kumimoji="1" lang="ja-JP" altLang="en-US" dirty="0"/>
                                         </a:p>
                                       </p:txBody>
                                     </p:sp>
@@ -4362,7 +4366,7 @@
                                         <a:lstStyle/>
                                         <a:p>
                                           <a:pPr algn="ctr"/>
-                                          <a:endParaRPr kumimoji="1" lang="ja-JP" altLang="en-US"/>
+                                          <a:endParaRPr kumimoji="1" lang="ja-JP" altLang="en-US" dirty="0"/>
                                         </a:p>
                                       </p:txBody>
                                     </p:sp>
@@ -4410,7 +4414,7 @@
                                         <a:lstStyle/>
                                         <a:p>
                                           <a:pPr algn="ctr"/>
-                                          <a:endParaRPr kumimoji="1" lang="ja-JP" altLang="en-US"/>
+                                          <a:endParaRPr kumimoji="1" lang="ja-JP" altLang="en-US" dirty="0"/>
                                         </a:p>
                                       </p:txBody>
                                     </p:sp>
@@ -4459,7 +4463,7 @@
                                       <a:lstStyle/>
                                       <a:p>
                                         <a:pPr algn="ctr"/>
-                                        <a:endParaRPr kumimoji="1" lang="ja-JP" altLang="en-US"/>
+                                        <a:endParaRPr kumimoji="1" lang="ja-JP" altLang="en-US" dirty="0"/>
                                       </a:p>
                                     </p:txBody>
                                   </p:sp>
@@ -4510,7 +4514,7 @@
                                     <a:lstStyle/>
                                     <a:p>
                                       <a:pPr algn="ctr"/>
-                                      <a:endParaRPr kumimoji="1" lang="ja-JP" altLang="en-US"/>
+                                      <a:endParaRPr kumimoji="1" lang="ja-JP" altLang="en-US" dirty="0"/>
                                     </a:p>
                                   </p:txBody>
                                 </p:sp>
@@ -4838,7 +4842,7 @@
               <a:lstStyle/>
               <a:p>
                 <a:pPr algn="ctr"/>
-                <a:endParaRPr kumimoji="1" lang="ja-JP" altLang="en-US"/>
+                <a:endParaRPr kumimoji="1" lang="ja-JP" altLang="en-US" dirty="0"/>
               </a:p>
             </p:txBody>
           </p:sp>
@@ -4885,7 +4889,7 @@
               <a:lstStyle/>
               <a:p>
                 <a:pPr algn="ctr"/>
-                <a:endParaRPr kumimoji="1" lang="ja-JP" altLang="en-US"/>
+                <a:endParaRPr kumimoji="1" lang="ja-JP" altLang="en-US" dirty="0"/>
               </a:p>
             </p:txBody>
           </p:sp>
@@ -4935,7 +4939,7 @@
           <a:lstStyle/>
           <a:p>
             <a:pPr algn="ctr"/>
-            <a:endParaRPr kumimoji="1" lang="ja-JP" altLang="en-US"/>
+            <a:endParaRPr kumimoji="1" lang="ja-JP" altLang="en-US" dirty="0"/>
           </a:p>
         </p:txBody>
       </p:sp>
@@ -5030,7 +5034,7 @@
             <a:lstStyle/>
             <a:p>
               <a:pPr algn="ctr"/>
-              <a:endParaRPr kumimoji="1" lang="ja-JP" altLang="en-US"/>
+              <a:endParaRPr kumimoji="1" lang="ja-JP" altLang="en-US" dirty="0"/>
             </a:p>
           </p:txBody>
         </p:sp>
@@ -5575,6 +5579,4715 @@
 </p:sld>
 </file>
 
+<file path=ppt/slides/slide10.xml><?xml version="1.0" encoding="utf-8"?>
+<p:sld xmlns:a="http://schemas.openxmlformats.org/drawingml/2006/main" xmlns:r="http://schemas.openxmlformats.org/officeDocument/2006/relationships" xmlns:p="http://schemas.openxmlformats.org/presentationml/2006/main">
+  <p:cSld>
+    <p:spTree>
+      <p:nvGrpSpPr>
+        <p:cNvPr id="1" name=""/>
+        <p:cNvGrpSpPr/>
+        <p:nvPr/>
+      </p:nvGrpSpPr>
+      <p:grpSpPr>
+        <a:xfrm>
+          <a:off x="0" y="0"/>
+          <a:ext cx="0" cy="0"/>
+          <a:chOff x="0" y="0"/>
+          <a:chExt cx="0" cy="0"/>
+        </a:xfrm>
+      </p:grpSpPr>
+      <p:sp>
+        <p:nvSpPr>
+          <p:cNvPr id="2" name="正方形/長方形 1"/>
+          <p:cNvSpPr/>
+          <p:nvPr/>
+        </p:nvSpPr>
+        <p:spPr>
+          <a:xfrm>
+            <a:off x="3218329" y="2323652"/>
+            <a:ext cx="882127" cy="613186"/>
+          </a:xfrm>
+          <a:prstGeom prst="rect">
+            <a:avLst/>
+          </a:prstGeom>
+          <a:solidFill>
+            <a:schemeClr val="bg1"/>
+          </a:solidFill>
+          <a:ln w="25400">
+            <a:solidFill>
+              <a:schemeClr val="tx1"/>
+            </a:solidFill>
+          </a:ln>
+        </p:spPr>
+        <p:style>
+          <a:lnRef idx="2">
+            <a:schemeClr val="accent1">
+              <a:shade val="50000"/>
+            </a:schemeClr>
+          </a:lnRef>
+          <a:fillRef idx="1">
+            <a:schemeClr val="accent1"/>
+          </a:fillRef>
+          <a:effectRef idx="0">
+            <a:schemeClr val="accent1"/>
+          </a:effectRef>
+          <a:fontRef idx="minor">
+            <a:schemeClr val="lt1"/>
+          </a:fontRef>
+        </p:style>
+        <p:txBody>
+          <a:bodyPr rtlCol="0" anchor="ctr"/>
+          <a:lstStyle/>
+          <a:p>
+            <a:pPr algn="ctr"/>
+            <a:r>
+              <a:rPr kumimoji="1" lang="en-US" altLang="ja-JP" dirty="0" smtClean="0">
+                <a:solidFill>
+                  <a:schemeClr val="tx1"/>
+                </a:solidFill>
+              </a:rPr>
+              <a:t>F</a:t>
+            </a:r>
+            <a:endParaRPr kumimoji="1" lang="ja-JP" altLang="en-US" dirty="0">
+              <a:solidFill>
+                <a:schemeClr val="tx1"/>
+              </a:solidFill>
+            </a:endParaRPr>
+          </a:p>
+        </p:txBody>
+      </p:sp>
+      <p:sp>
+        <p:nvSpPr>
+          <p:cNvPr id="3" name="正方形/長方形 2"/>
+          <p:cNvSpPr/>
+          <p:nvPr/>
+        </p:nvSpPr>
+        <p:spPr>
+          <a:xfrm>
+            <a:off x="7222863" y="2317377"/>
+            <a:ext cx="1359721" cy="613186"/>
+          </a:xfrm>
+          <a:prstGeom prst="rect">
+            <a:avLst/>
+          </a:prstGeom>
+          <a:solidFill>
+            <a:schemeClr val="bg1"/>
+          </a:solidFill>
+          <a:ln w="25400">
+            <a:solidFill>
+              <a:schemeClr val="tx1"/>
+            </a:solidFill>
+          </a:ln>
+        </p:spPr>
+        <p:style>
+          <a:lnRef idx="2">
+            <a:schemeClr val="accent1">
+              <a:shade val="50000"/>
+            </a:schemeClr>
+          </a:lnRef>
+          <a:fillRef idx="1">
+            <a:schemeClr val="accent1"/>
+          </a:fillRef>
+          <a:effectRef idx="0">
+            <a:schemeClr val="accent1"/>
+          </a:effectRef>
+          <a:fontRef idx="minor">
+            <a:schemeClr val="lt1"/>
+          </a:fontRef>
+        </p:style>
+        <p:txBody>
+          <a:bodyPr rtlCol="0" anchor="ctr"/>
+          <a:lstStyle/>
+          <a:p>
+            <a:pPr algn="ctr"/>
+            <a:r>
+              <a:rPr kumimoji="1" lang="ja-JP" altLang="en-US" dirty="0" smtClean="0">
+                <a:solidFill>
+                  <a:schemeClr val="tx1"/>
+                </a:solidFill>
+              </a:rPr>
+              <a:t>倒立振子</a:t>
+            </a:r>
+            <a:endParaRPr kumimoji="1" lang="ja-JP" altLang="en-US" dirty="0">
+              <a:solidFill>
+                <a:schemeClr val="tx1"/>
+              </a:solidFill>
+            </a:endParaRPr>
+          </a:p>
+        </p:txBody>
+      </p:sp>
+      <p:sp>
+        <p:nvSpPr>
+          <p:cNvPr id="4" name="正方形/長方形 3"/>
+          <p:cNvSpPr/>
+          <p:nvPr/>
+        </p:nvSpPr>
+        <p:spPr>
+          <a:xfrm>
+            <a:off x="5220596" y="2323652"/>
+            <a:ext cx="882127" cy="613186"/>
+          </a:xfrm>
+          <a:prstGeom prst="rect">
+            <a:avLst/>
+          </a:prstGeom>
+          <a:solidFill>
+            <a:schemeClr val="bg1"/>
+          </a:solidFill>
+          <a:ln w="25400">
+            <a:solidFill>
+              <a:schemeClr val="tx1"/>
+            </a:solidFill>
+          </a:ln>
+        </p:spPr>
+        <p:style>
+          <a:lnRef idx="2">
+            <a:schemeClr val="accent1">
+              <a:shade val="50000"/>
+            </a:schemeClr>
+          </a:lnRef>
+          <a:fillRef idx="1">
+            <a:schemeClr val="accent1"/>
+          </a:fillRef>
+          <a:effectRef idx="0">
+            <a:schemeClr val="accent1"/>
+          </a:effectRef>
+          <a:fontRef idx="minor">
+            <a:schemeClr val="lt1"/>
+          </a:fontRef>
+        </p:style>
+        <p:txBody>
+          <a:bodyPr rtlCol="0" anchor="ctr"/>
+          <a:lstStyle/>
+          <a:p>
+            <a:pPr algn="ctr"/>
+            <a:r>
+              <a:rPr lang="ja-JP" altLang="en-US" dirty="0" smtClean="0">
+                <a:solidFill>
+                  <a:schemeClr val="tx1"/>
+                </a:solidFill>
+              </a:rPr>
+              <a:t>飽和</a:t>
+            </a:r>
+            <a:r>
+              <a:rPr lang="ja-JP" altLang="en-US" dirty="0">
+                <a:solidFill>
+                  <a:schemeClr val="tx1"/>
+                </a:solidFill>
+              </a:rPr>
+              <a:t>器</a:t>
+            </a:r>
+            <a:endParaRPr kumimoji="1" lang="en-US" altLang="ja-JP" dirty="0" smtClean="0">
+              <a:solidFill>
+                <a:schemeClr val="tx1"/>
+              </a:solidFill>
+            </a:endParaRPr>
+          </a:p>
+        </p:txBody>
+      </p:sp>
+      <p:cxnSp>
+        <p:nvCxnSpPr>
+          <p:cNvPr id="6" name="直線矢印コネクタ 5"/>
+          <p:cNvCxnSpPr/>
+          <p:nvPr/>
+        </p:nvCxnSpPr>
+        <p:spPr>
+          <a:xfrm>
+            <a:off x="1188720" y="2630245"/>
+            <a:ext cx="1120140" cy="0"/>
+          </a:xfrm>
+          <a:prstGeom prst="straightConnector1">
+            <a:avLst/>
+          </a:prstGeom>
+          <a:ln w="38100">
+            <a:solidFill>
+              <a:schemeClr val="tx1"/>
+            </a:solidFill>
+            <a:tailEnd type="triangle"/>
+          </a:ln>
+        </p:spPr>
+        <p:style>
+          <a:lnRef idx="1">
+            <a:schemeClr val="accent1"/>
+          </a:lnRef>
+          <a:fillRef idx="0">
+            <a:schemeClr val="accent1"/>
+          </a:fillRef>
+          <a:effectRef idx="0">
+            <a:schemeClr val="accent1"/>
+          </a:effectRef>
+          <a:fontRef idx="minor">
+            <a:schemeClr val="tx1"/>
+          </a:fontRef>
+        </p:style>
+      </p:cxnSp>
+      <p:cxnSp>
+        <p:nvCxnSpPr>
+          <p:cNvPr id="7" name="直線矢印コネクタ 6"/>
+          <p:cNvCxnSpPr/>
+          <p:nvPr/>
+        </p:nvCxnSpPr>
+        <p:spPr>
+          <a:xfrm>
+            <a:off x="4100456" y="2630245"/>
+            <a:ext cx="1120140" cy="0"/>
+          </a:xfrm>
+          <a:prstGeom prst="straightConnector1">
+            <a:avLst/>
+          </a:prstGeom>
+          <a:ln w="38100">
+            <a:solidFill>
+              <a:schemeClr val="tx1"/>
+            </a:solidFill>
+            <a:tailEnd type="triangle"/>
+          </a:ln>
+        </p:spPr>
+        <p:style>
+          <a:lnRef idx="1">
+            <a:schemeClr val="accent1"/>
+          </a:lnRef>
+          <a:fillRef idx="0">
+            <a:schemeClr val="accent1"/>
+          </a:fillRef>
+          <a:effectRef idx="0">
+            <a:schemeClr val="accent1"/>
+          </a:effectRef>
+          <a:fontRef idx="minor">
+            <a:schemeClr val="tx1"/>
+          </a:fontRef>
+        </p:style>
+      </p:cxnSp>
+      <p:cxnSp>
+        <p:nvCxnSpPr>
+          <p:cNvPr id="9" name="直線矢印コネクタ 8"/>
+          <p:cNvCxnSpPr/>
+          <p:nvPr/>
+        </p:nvCxnSpPr>
+        <p:spPr>
+          <a:xfrm>
+            <a:off x="6102723" y="2623970"/>
+            <a:ext cx="1120140" cy="0"/>
+          </a:xfrm>
+          <a:prstGeom prst="straightConnector1">
+            <a:avLst/>
+          </a:prstGeom>
+          <a:ln w="38100">
+            <a:solidFill>
+              <a:schemeClr val="tx1"/>
+            </a:solidFill>
+            <a:tailEnd type="triangle"/>
+          </a:ln>
+        </p:spPr>
+        <p:style>
+          <a:lnRef idx="1">
+            <a:schemeClr val="accent1"/>
+          </a:lnRef>
+          <a:fillRef idx="0">
+            <a:schemeClr val="accent1"/>
+          </a:fillRef>
+          <a:effectRef idx="0">
+            <a:schemeClr val="accent1"/>
+          </a:effectRef>
+          <a:fontRef idx="minor">
+            <a:schemeClr val="tx1"/>
+          </a:fontRef>
+        </p:style>
+      </p:cxnSp>
+      <p:cxnSp>
+        <p:nvCxnSpPr>
+          <p:cNvPr id="10" name="直線矢印コネクタ 9"/>
+          <p:cNvCxnSpPr/>
+          <p:nvPr/>
+        </p:nvCxnSpPr>
+        <p:spPr>
+          <a:xfrm>
+            <a:off x="8582584" y="2479190"/>
+            <a:ext cx="1120140" cy="0"/>
+          </a:xfrm>
+          <a:prstGeom prst="straightConnector1">
+            <a:avLst/>
+          </a:prstGeom>
+          <a:ln w="38100">
+            <a:solidFill>
+              <a:schemeClr val="tx1"/>
+            </a:solidFill>
+            <a:tailEnd type="triangle"/>
+          </a:ln>
+        </p:spPr>
+        <p:style>
+          <a:lnRef idx="1">
+            <a:schemeClr val="accent1"/>
+          </a:lnRef>
+          <a:fillRef idx="0">
+            <a:schemeClr val="accent1"/>
+          </a:fillRef>
+          <a:effectRef idx="0">
+            <a:schemeClr val="accent1"/>
+          </a:effectRef>
+          <a:fontRef idx="minor">
+            <a:schemeClr val="tx1"/>
+          </a:fontRef>
+        </p:style>
+      </p:cxnSp>
+      <p:cxnSp>
+        <p:nvCxnSpPr>
+          <p:cNvPr id="11" name="直線矢印コネクタ 10"/>
+          <p:cNvCxnSpPr/>
+          <p:nvPr/>
+        </p:nvCxnSpPr>
+        <p:spPr>
+          <a:xfrm>
+            <a:off x="8582584" y="2753510"/>
+            <a:ext cx="1120140" cy="0"/>
+          </a:xfrm>
+          <a:prstGeom prst="straightConnector1">
+            <a:avLst/>
+          </a:prstGeom>
+          <a:ln w="38100">
+            <a:solidFill>
+              <a:schemeClr val="tx1"/>
+            </a:solidFill>
+            <a:tailEnd type="triangle"/>
+          </a:ln>
+        </p:spPr>
+        <p:style>
+          <a:lnRef idx="1">
+            <a:schemeClr val="accent1"/>
+          </a:lnRef>
+          <a:fillRef idx="0">
+            <a:schemeClr val="accent1"/>
+          </a:fillRef>
+          <a:effectRef idx="0">
+            <a:schemeClr val="accent1"/>
+          </a:effectRef>
+          <a:fontRef idx="minor">
+            <a:schemeClr val="tx1"/>
+          </a:fontRef>
+        </p:style>
+      </p:cxnSp>
+      <p:sp>
+        <p:nvSpPr>
+          <p:cNvPr id="12" name="楕円 11"/>
+          <p:cNvSpPr>
+            <a:spLocks noChangeAspect="1"/>
+          </p:cNvSpPr>
+          <p:nvPr/>
+        </p:nvSpPr>
+        <p:spPr>
+          <a:xfrm>
+            <a:off x="2308860" y="2550941"/>
+            <a:ext cx="146125" cy="146057"/>
+          </a:xfrm>
+          <a:prstGeom prst="ellipse">
+            <a:avLst/>
+          </a:prstGeom>
+          <a:solidFill>
+            <a:schemeClr val="bg1"/>
+          </a:solidFill>
+          <a:ln w="38100">
+            <a:solidFill>
+              <a:schemeClr val="tx1"/>
+            </a:solidFill>
+          </a:ln>
+        </p:spPr>
+        <p:style>
+          <a:lnRef idx="2">
+            <a:schemeClr val="accent1">
+              <a:shade val="50000"/>
+            </a:schemeClr>
+          </a:lnRef>
+          <a:fillRef idx="1">
+            <a:schemeClr val="accent1"/>
+          </a:fillRef>
+          <a:effectRef idx="0">
+            <a:schemeClr val="accent1"/>
+          </a:effectRef>
+          <a:fontRef idx="minor">
+            <a:schemeClr val="lt1"/>
+          </a:fontRef>
+        </p:style>
+        <p:txBody>
+          <a:bodyPr rtlCol="0" anchor="ctr"/>
+          <a:lstStyle/>
+          <a:p>
+            <a:pPr algn="ctr"/>
+            <a:endParaRPr kumimoji="1" lang="ja-JP" altLang="en-US" dirty="0"/>
+          </a:p>
+        </p:txBody>
+      </p:sp>
+      <p:cxnSp>
+        <p:nvCxnSpPr>
+          <p:cNvPr id="13" name="直線矢印コネクタ 12"/>
+          <p:cNvCxnSpPr>
+            <a:endCxn id="2" idx="1"/>
+          </p:cNvCxnSpPr>
+          <p:nvPr/>
+        </p:nvCxnSpPr>
+        <p:spPr>
+          <a:xfrm>
+            <a:off x="2454985" y="2623969"/>
+            <a:ext cx="763344" cy="6276"/>
+          </a:xfrm>
+          <a:prstGeom prst="straightConnector1">
+            <a:avLst/>
+          </a:prstGeom>
+          <a:ln w="38100">
+            <a:solidFill>
+              <a:schemeClr val="tx1"/>
+            </a:solidFill>
+            <a:tailEnd type="triangle"/>
+          </a:ln>
+        </p:spPr>
+        <p:style>
+          <a:lnRef idx="1">
+            <a:schemeClr val="accent1"/>
+          </a:lnRef>
+          <a:fillRef idx="0">
+            <a:schemeClr val="accent1"/>
+          </a:fillRef>
+          <a:effectRef idx="0">
+            <a:schemeClr val="accent1"/>
+          </a:effectRef>
+          <a:fontRef idx="minor">
+            <a:schemeClr val="tx1"/>
+          </a:fontRef>
+        </p:style>
+      </p:cxnSp>
+      <p:cxnSp>
+        <p:nvCxnSpPr>
+          <p:cNvPr id="15" name="直線矢印コネクタ 14"/>
+          <p:cNvCxnSpPr/>
+          <p:nvPr/>
+        </p:nvCxnSpPr>
+        <p:spPr>
+          <a:xfrm flipV="1">
+            <a:off x="2381922" y="2696999"/>
+            <a:ext cx="0" cy="1024895"/>
+          </a:xfrm>
+          <a:prstGeom prst="straightConnector1">
+            <a:avLst/>
+          </a:prstGeom>
+          <a:ln w="38100">
+            <a:solidFill>
+              <a:schemeClr val="tx1"/>
+            </a:solidFill>
+            <a:tailEnd type="triangle"/>
+          </a:ln>
+        </p:spPr>
+        <p:style>
+          <a:lnRef idx="1">
+            <a:schemeClr val="accent1"/>
+          </a:lnRef>
+          <a:fillRef idx="0">
+            <a:schemeClr val="accent1"/>
+          </a:fillRef>
+          <a:effectRef idx="0">
+            <a:schemeClr val="accent1"/>
+          </a:effectRef>
+          <a:fontRef idx="minor">
+            <a:schemeClr val="tx1"/>
+          </a:fontRef>
+        </p:style>
+      </p:cxnSp>
+      <p:cxnSp>
+        <p:nvCxnSpPr>
+          <p:cNvPr id="19" name="直線コネクタ 18"/>
+          <p:cNvCxnSpPr>
+            <a:endCxn id="22" idx="1"/>
+          </p:cNvCxnSpPr>
+          <p:nvPr/>
+        </p:nvCxnSpPr>
+        <p:spPr>
+          <a:xfrm>
+            <a:off x="2381922" y="3705225"/>
+            <a:ext cx="2287137" cy="0"/>
+          </a:xfrm>
+          <a:prstGeom prst="line">
+            <a:avLst/>
+          </a:prstGeom>
+          <a:ln w="38100">
+            <a:solidFill>
+              <a:schemeClr val="tx1"/>
+            </a:solidFill>
+          </a:ln>
+        </p:spPr>
+        <p:style>
+          <a:lnRef idx="1">
+            <a:schemeClr val="accent1"/>
+          </a:lnRef>
+          <a:fillRef idx="0">
+            <a:schemeClr val="accent1"/>
+          </a:fillRef>
+          <a:effectRef idx="0">
+            <a:schemeClr val="accent1"/>
+          </a:effectRef>
+          <a:fontRef idx="minor">
+            <a:schemeClr val="tx1"/>
+          </a:fontRef>
+        </p:style>
+      </p:cxnSp>
+      <p:cxnSp>
+        <p:nvCxnSpPr>
+          <p:cNvPr id="21" name="直線コネクタ 20"/>
+          <p:cNvCxnSpPr/>
+          <p:nvPr/>
+        </p:nvCxnSpPr>
+        <p:spPr>
+          <a:xfrm flipH="1">
+            <a:off x="8810716" y="2482169"/>
+            <a:ext cx="1764" cy="1196971"/>
+          </a:xfrm>
+          <a:prstGeom prst="line">
+            <a:avLst/>
+          </a:prstGeom>
+          <a:ln w="38100">
+            <a:solidFill>
+              <a:schemeClr val="tx1"/>
+            </a:solidFill>
+          </a:ln>
+        </p:spPr>
+        <p:style>
+          <a:lnRef idx="1">
+            <a:schemeClr val="accent1"/>
+          </a:lnRef>
+          <a:fillRef idx="0">
+            <a:schemeClr val="accent1"/>
+          </a:fillRef>
+          <a:effectRef idx="0">
+            <a:schemeClr val="accent1"/>
+          </a:effectRef>
+          <a:fontRef idx="minor">
+            <a:schemeClr val="tx1"/>
+          </a:fontRef>
+        </p:style>
+      </p:cxnSp>
+      <mc:AlternateContent xmlns:mc="http://schemas.openxmlformats.org/markup-compatibility/2006">
+        <mc:Choice xmlns:a14="http://schemas.microsoft.com/office/drawing/2010/main" Requires="a14">
+          <p:sp>
+            <p:nvSpPr>
+              <p:cNvPr id="27" name="テキスト ボックス 26"/>
+              <p:cNvSpPr txBox="1"/>
+              <p:nvPr/>
+            </p:nvSpPr>
+            <p:spPr>
+              <a:xfrm>
+                <a:off x="1229174" y="2270985"/>
+                <a:ext cx="514051" cy="576248"/>
+              </a:xfrm>
+              <a:prstGeom prst="rect">
+                <a:avLst/>
+              </a:prstGeom>
+              <a:noFill/>
+            </p:spPr>
+            <p:txBody>
+              <a:bodyPr wrap="none" lIns="0" tIns="0" rIns="0" bIns="0" rtlCol="0">
+                <a:spAutoFit/>
+              </a:bodyPr>
+              <a:lstStyle/>
+              <a:p>
+                <a14:m>
+                  <m:oMathPara xmlns:m="http://schemas.openxmlformats.org/officeDocument/2006/math">
+                    <m:oMathParaPr>
+                      <m:jc m:val="centerGroup"/>
+                    </m:oMathParaPr>
+                    <m:oMath xmlns:m="http://schemas.openxmlformats.org/officeDocument/2006/math">
+                      <m:sSub>
+                        <m:sSubPr>
+                          <m:ctrlPr>
+                            <a:rPr kumimoji="1" lang="en-US" altLang="ja-JP" b="0" i="1" smtClean="0">
+                              <a:latin typeface="Cambria Math" panose="02040503050406030204" pitchFamily="18" charset="0"/>
+                            </a:rPr>
+                          </m:ctrlPr>
+                        </m:sSubPr>
+                        <m:e>
+                          <m:r>
+                            <a:rPr kumimoji="1" lang="en-US" altLang="ja-JP" b="0" i="1" smtClean="0">
+                              <a:latin typeface="Cambria Math" panose="02040503050406030204" pitchFamily="18" charset="0"/>
+                            </a:rPr>
+                            <m:t>𝑥</m:t>
+                          </m:r>
+                        </m:e>
+                        <m:sub>
+                          <m:r>
+                            <a:rPr kumimoji="1" lang="en-US" altLang="ja-JP" b="0" i="1" smtClean="0">
+                              <a:latin typeface="Cambria Math" panose="02040503050406030204" pitchFamily="18" charset="0"/>
+                            </a:rPr>
+                            <m:t>𝑟𝑒𝑓</m:t>
+                          </m:r>
+                        </m:sub>
+                      </m:sSub>
+                    </m:oMath>
+                  </m:oMathPara>
+                </a14:m>
+                <a:endParaRPr kumimoji="1" lang="en-US" altLang="ja-JP" b="0" dirty="0" smtClean="0"/>
+              </a:p>
+              <a:p>
+                <a:endParaRPr kumimoji="1" lang="ja-JP" altLang="en-US" dirty="0"/>
+              </a:p>
+            </p:txBody>
+          </p:sp>
+        </mc:Choice>
+        <mc:Fallback>
+          <p:sp>
+            <p:nvSpPr>
+              <p:cNvPr id="27" name="テキスト ボックス 26"/>
+              <p:cNvSpPr txBox="1">
+                <a:spLocks noRot="1" noChangeAspect="1" noMove="1" noResize="1" noEditPoints="1" noAdjustHandles="1" noChangeArrowheads="1" noChangeShapeType="1" noTextEdit="1"/>
+              </p:cNvSpPr>
+              <p:nvPr/>
+            </p:nvSpPr>
+            <p:spPr>
+              <a:xfrm>
+                <a:off x="1229174" y="2270985"/>
+                <a:ext cx="514051" cy="576248"/>
+              </a:xfrm>
+              <a:prstGeom prst="rect">
+                <a:avLst/>
+              </a:prstGeom>
+              <a:blipFill>
+                <a:blip r:embed="rId2"/>
+                <a:stretch>
+                  <a:fillRect l="-2381" r="-4762"/>
+                </a:stretch>
+              </a:blipFill>
+            </p:spPr>
+            <p:txBody>
+              <a:bodyPr/>
+              <a:lstStyle/>
+              <a:p>
+                <a:r>
+                  <a:rPr lang="ja-JP" altLang="en-US">
+                    <a:noFill/>
+                  </a:rPr>
+                  <a:t> </a:t>
+                </a:r>
+              </a:p>
+            </p:txBody>
+          </p:sp>
+        </mc:Fallback>
+      </mc:AlternateContent>
+      <p:sp>
+        <p:nvSpPr>
+          <p:cNvPr id="29" name="テキスト ボックス 28"/>
+          <p:cNvSpPr txBox="1"/>
+          <p:nvPr/>
+        </p:nvSpPr>
+        <p:spPr>
+          <a:xfrm>
+            <a:off x="2508321" y="2346970"/>
+            <a:ext cx="166712" cy="553998"/>
+          </a:xfrm>
+          <a:prstGeom prst="rect">
+            <a:avLst/>
+          </a:prstGeom>
+          <a:noFill/>
+        </p:spPr>
+        <p:txBody>
+          <a:bodyPr wrap="none" lIns="0" tIns="0" rIns="0" bIns="0" rtlCol="0">
+            <a:spAutoFit/>
+          </a:bodyPr>
+          <a:lstStyle/>
+          <a:p>
+            <a:r>
+              <a:rPr kumimoji="1" lang="en-US" altLang="ja-JP" b="0" dirty="0" smtClean="0"/>
+              <a:t>+</a:t>
+            </a:r>
+          </a:p>
+          <a:p>
+            <a:endParaRPr kumimoji="1" lang="ja-JP" altLang="en-US" dirty="0"/>
+          </a:p>
+        </p:txBody>
+      </p:sp>
+      <mc:AlternateContent xmlns:mc="http://schemas.openxmlformats.org/markup-compatibility/2006">
+        <mc:Choice xmlns:a14="http://schemas.microsoft.com/office/drawing/2010/main" Requires="a14">
+          <p:sp>
+            <p:nvSpPr>
+              <p:cNvPr id="30" name="テキスト ボックス 29"/>
+              <p:cNvSpPr txBox="1"/>
+              <p:nvPr/>
+            </p:nvSpPr>
+            <p:spPr>
+              <a:xfrm>
+                <a:off x="2435258" y="2749098"/>
+                <a:ext cx="330801" cy="830997"/>
+              </a:xfrm>
+              <a:prstGeom prst="rect">
+                <a:avLst/>
+              </a:prstGeom>
+              <a:noFill/>
+            </p:spPr>
+            <p:txBody>
+              <a:bodyPr wrap="square" lIns="0" tIns="0" rIns="0" bIns="0" rtlCol="0">
+                <a:spAutoFit/>
+              </a:bodyPr>
+              <a:lstStyle/>
+              <a:p>
+                <a14:m>
+                  <m:oMathPara xmlns:m="http://schemas.openxmlformats.org/officeDocument/2006/math">
+                    <m:oMathParaPr>
+                      <m:jc m:val="centerGroup"/>
+                    </m:oMathParaPr>
+                    <m:oMath xmlns:m="http://schemas.openxmlformats.org/officeDocument/2006/math">
+                      <m:r>
+                        <a:rPr kumimoji="1" lang="en-US" altLang="ja-JP" b="0" i="1" smtClean="0">
+                          <a:latin typeface="Cambria Math" panose="02040503050406030204" pitchFamily="18" charset="0"/>
+                        </a:rPr>
+                        <m:t>−</m:t>
+                      </m:r>
+                    </m:oMath>
+                  </m:oMathPara>
+                </a14:m>
+                <a:endParaRPr kumimoji="1" lang="en-US" altLang="ja-JP" b="0" dirty="0" smtClean="0"/>
+              </a:p>
+              <a:p>
+                <a:endParaRPr kumimoji="1" lang="en-US" altLang="ja-JP" b="0" dirty="0" smtClean="0"/>
+              </a:p>
+              <a:p>
+                <a:endParaRPr kumimoji="1" lang="ja-JP" altLang="en-US" dirty="0"/>
+              </a:p>
+            </p:txBody>
+          </p:sp>
+        </mc:Choice>
+        <mc:Fallback>
+          <p:sp>
+            <p:nvSpPr>
+              <p:cNvPr id="30" name="テキスト ボックス 29"/>
+              <p:cNvSpPr txBox="1">
+                <a:spLocks noRot="1" noChangeAspect="1" noMove="1" noResize="1" noEditPoints="1" noAdjustHandles="1" noChangeArrowheads="1" noChangeShapeType="1" noTextEdit="1"/>
+              </p:cNvSpPr>
+              <p:nvPr/>
+            </p:nvSpPr>
+            <p:spPr>
+              <a:xfrm>
+                <a:off x="2435258" y="2749098"/>
+                <a:ext cx="330801" cy="830997"/>
+              </a:xfrm>
+              <a:prstGeom prst="rect">
+                <a:avLst/>
+              </a:prstGeom>
+              <a:blipFill>
+                <a:blip r:embed="rId3"/>
+                <a:stretch>
+                  <a:fillRect/>
+                </a:stretch>
+              </a:blipFill>
+            </p:spPr>
+            <p:txBody>
+              <a:bodyPr/>
+              <a:lstStyle/>
+              <a:p>
+                <a:r>
+                  <a:rPr lang="ja-JP" altLang="en-US">
+                    <a:noFill/>
+                  </a:rPr>
+                  <a:t> </a:t>
+                </a:r>
+              </a:p>
+            </p:txBody>
+          </p:sp>
+        </mc:Fallback>
+      </mc:AlternateContent>
+      <mc:AlternateContent xmlns:mc="http://schemas.openxmlformats.org/markup-compatibility/2006">
+        <mc:Choice xmlns:a14="http://schemas.microsoft.com/office/drawing/2010/main" Requires="a14">
+          <p:sp>
+            <p:nvSpPr>
+              <p:cNvPr id="31" name="テキスト ボックス 30"/>
+              <p:cNvSpPr txBox="1"/>
+              <p:nvPr/>
+            </p:nvSpPr>
+            <p:spPr>
+              <a:xfrm>
+                <a:off x="4474397" y="2262817"/>
+                <a:ext cx="448521" cy="553998"/>
+              </a:xfrm>
+              <a:prstGeom prst="rect">
+                <a:avLst/>
+              </a:prstGeom>
+              <a:noFill/>
+            </p:spPr>
+            <p:txBody>
+              <a:bodyPr wrap="none" lIns="0" tIns="0" rIns="0" bIns="0" rtlCol="0">
+                <a:spAutoFit/>
+              </a:bodyPr>
+              <a:lstStyle/>
+              <a:p>
+                <a14:m>
+                  <m:oMathPara xmlns:m="http://schemas.openxmlformats.org/officeDocument/2006/math">
+                    <m:oMathParaPr>
+                      <m:jc m:val="centerGroup"/>
+                    </m:oMathParaPr>
+                    <m:oMath xmlns:m="http://schemas.openxmlformats.org/officeDocument/2006/math">
+                      <m:r>
+                        <a:rPr kumimoji="1" lang="en-US" altLang="ja-JP" b="0" i="1" smtClean="0">
+                          <a:latin typeface="Cambria Math" panose="02040503050406030204" pitchFamily="18" charset="0"/>
+                        </a:rPr>
+                        <m:t>𝑢</m:t>
+                      </m:r>
+                    </m:oMath>
+                  </m:oMathPara>
+                </a14:m>
+                <a:endParaRPr kumimoji="1" lang="en-US" altLang="ja-JP" b="0" dirty="0" smtClean="0"/>
+              </a:p>
+              <a:p>
+                <a:endParaRPr kumimoji="1" lang="ja-JP" altLang="en-US" dirty="0"/>
+              </a:p>
+            </p:txBody>
+          </p:sp>
+        </mc:Choice>
+        <mc:Fallback>
+          <p:sp>
+            <p:nvSpPr>
+              <p:cNvPr id="31" name="テキスト ボックス 30"/>
+              <p:cNvSpPr txBox="1">
+                <a:spLocks noRot="1" noChangeAspect="1" noMove="1" noResize="1" noEditPoints="1" noAdjustHandles="1" noChangeArrowheads="1" noChangeShapeType="1" noTextEdit="1"/>
+              </p:cNvSpPr>
+              <p:nvPr/>
+            </p:nvSpPr>
+            <p:spPr>
+              <a:xfrm>
+                <a:off x="4474397" y="2262817"/>
+                <a:ext cx="448521" cy="553998"/>
+              </a:xfrm>
+              <a:prstGeom prst="rect">
+                <a:avLst/>
+              </a:prstGeom>
+              <a:blipFill>
+                <a:blip r:embed="rId4"/>
+                <a:stretch>
+                  <a:fillRect/>
+                </a:stretch>
+              </a:blipFill>
+            </p:spPr>
+            <p:txBody>
+              <a:bodyPr/>
+              <a:lstStyle/>
+              <a:p>
+                <a:r>
+                  <a:rPr lang="ja-JP" altLang="en-US">
+                    <a:noFill/>
+                  </a:rPr>
+                  <a:t> </a:t>
+                </a:r>
+              </a:p>
+            </p:txBody>
+          </p:sp>
+        </mc:Fallback>
+      </mc:AlternateContent>
+      <mc:AlternateContent xmlns:mc="http://schemas.openxmlformats.org/markup-compatibility/2006">
+        <mc:Choice xmlns:a14="http://schemas.microsoft.com/office/drawing/2010/main" Requires="a14">
+          <p:sp>
+            <p:nvSpPr>
+              <p:cNvPr id="32" name="テキスト ボックス 31"/>
+              <p:cNvSpPr txBox="1"/>
+              <p:nvPr/>
+            </p:nvSpPr>
+            <p:spPr>
+              <a:xfrm>
+                <a:off x="9633178" y="2290932"/>
+                <a:ext cx="545214" cy="830997"/>
+              </a:xfrm>
+              <a:prstGeom prst="rect">
+                <a:avLst/>
+              </a:prstGeom>
+              <a:noFill/>
+            </p:spPr>
+            <p:txBody>
+              <a:bodyPr wrap="none" lIns="0" tIns="0" rIns="0" bIns="0" rtlCol="0">
+                <a:spAutoFit/>
+              </a:bodyPr>
+              <a:lstStyle/>
+              <a:p>
+                <a14:m>
+                  <m:oMathPara xmlns:m="http://schemas.openxmlformats.org/officeDocument/2006/math">
+                    <m:oMathParaPr>
+                      <m:jc m:val="centerGroup"/>
+                    </m:oMathParaPr>
+                    <m:oMath xmlns:m="http://schemas.openxmlformats.org/officeDocument/2006/math">
+                      <m:sSub>
+                        <m:sSubPr>
+                          <m:ctrlPr>
+                            <a:rPr kumimoji="1" lang="en-US" altLang="ja-JP" b="0" i="1" smtClean="0">
+                              <a:latin typeface="Cambria Math" panose="02040503050406030204" pitchFamily="18" charset="0"/>
+                            </a:rPr>
+                          </m:ctrlPr>
+                        </m:sSubPr>
+                        <m:e>
+                          <m:r>
+                            <a:rPr kumimoji="1" lang="en-US" altLang="ja-JP" b="0" i="1" smtClean="0">
+                              <a:latin typeface="Cambria Math" panose="02040503050406030204" pitchFamily="18" charset="0"/>
+                            </a:rPr>
+                            <m:t>𝑦</m:t>
+                          </m:r>
+                        </m:e>
+                        <m:sub>
+                          <m:r>
+                            <a:rPr kumimoji="1" lang="en-US" altLang="ja-JP" b="0" i="1" smtClean="0">
+                              <a:latin typeface="Cambria Math" panose="02040503050406030204" pitchFamily="18" charset="0"/>
+                            </a:rPr>
+                            <m:t>1</m:t>
+                          </m:r>
+                        </m:sub>
+                      </m:sSub>
+                    </m:oMath>
+                  </m:oMathPara>
+                </a14:m>
+                <a:endParaRPr kumimoji="1" lang="en-US" altLang="ja-JP" b="0" dirty="0" smtClean="0"/>
+              </a:p>
+              <a:p>
+                <a:endParaRPr kumimoji="1" lang="en-US" altLang="ja-JP" b="0" dirty="0" smtClean="0"/>
+              </a:p>
+              <a:p>
+                <a:endParaRPr kumimoji="1" lang="ja-JP" altLang="en-US" dirty="0"/>
+              </a:p>
+            </p:txBody>
+          </p:sp>
+        </mc:Choice>
+        <mc:Fallback>
+          <p:sp>
+            <p:nvSpPr>
+              <p:cNvPr id="32" name="テキスト ボックス 31"/>
+              <p:cNvSpPr txBox="1">
+                <a:spLocks noRot="1" noChangeAspect="1" noMove="1" noResize="1" noEditPoints="1" noAdjustHandles="1" noChangeArrowheads="1" noChangeShapeType="1" noTextEdit="1"/>
+              </p:cNvSpPr>
+              <p:nvPr/>
+            </p:nvSpPr>
+            <p:spPr>
+              <a:xfrm>
+                <a:off x="9633178" y="2290932"/>
+                <a:ext cx="545214" cy="830997"/>
+              </a:xfrm>
+              <a:prstGeom prst="rect">
+                <a:avLst/>
+              </a:prstGeom>
+              <a:blipFill>
+                <a:blip r:embed="rId5"/>
+                <a:stretch>
+                  <a:fillRect/>
+                </a:stretch>
+              </a:blipFill>
+            </p:spPr>
+            <p:txBody>
+              <a:bodyPr/>
+              <a:lstStyle/>
+              <a:p>
+                <a:r>
+                  <a:rPr lang="ja-JP" altLang="en-US">
+                    <a:noFill/>
+                  </a:rPr>
+                  <a:t> </a:t>
+                </a:r>
+              </a:p>
+            </p:txBody>
+          </p:sp>
+        </mc:Fallback>
+      </mc:AlternateContent>
+      <mc:AlternateContent xmlns:mc="http://schemas.openxmlformats.org/markup-compatibility/2006">
+        <mc:Choice xmlns:a14="http://schemas.microsoft.com/office/drawing/2010/main" Requires="a14">
+          <p:sp>
+            <p:nvSpPr>
+              <p:cNvPr id="33" name="テキスト ボックス 32"/>
+              <p:cNvSpPr txBox="1"/>
+              <p:nvPr/>
+            </p:nvSpPr>
+            <p:spPr>
+              <a:xfrm>
+                <a:off x="9681997" y="2586841"/>
+                <a:ext cx="426848" cy="830997"/>
+              </a:xfrm>
+              <a:prstGeom prst="rect">
+                <a:avLst/>
+              </a:prstGeom>
+              <a:noFill/>
+            </p:spPr>
+            <p:txBody>
+              <a:bodyPr wrap="none" lIns="0" tIns="0" rIns="0" bIns="0" rtlCol="0">
+                <a:spAutoFit/>
+              </a:bodyPr>
+              <a:lstStyle/>
+              <a:p>
+                <a14:m>
+                  <m:oMathPara xmlns:m="http://schemas.openxmlformats.org/officeDocument/2006/math">
+                    <m:oMathParaPr>
+                      <m:jc m:val="centerGroup"/>
+                    </m:oMathParaPr>
+                    <m:oMath xmlns:m="http://schemas.openxmlformats.org/officeDocument/2006/math">
+                      <m:sSub>
+                        <m:sSubPr>
+                          <m:ctrlPr>
+                            <a:rPr kumimoji="1" lang="en-US" altLang="ja-JP" b="0" i="1" smtClean="0">
+                              <a:latin typeface="Cambria Math" panose="02040503050406030204" pitchFamily="18" charset="0"/>
+                            </a:rPr>
+                          </m:ctrlPr>
+                        </m:sSubPr>
+                        <m:e>
+                          <m:r>
+                            <a:rPr kumimoji="1" lang="en-US" altLang="ja-JP" b="0" i="1" smtClean="0">
+                              <a:latin typeface="Cambria Math" panose="02040503050406030204" pitchFamily="18" charset="0"/>
+                            </a:rPr>
+                            <m:t>𝑦</m:t>
+                          </m:r>
+                        </m:e>
+                        <m:sub>
+                          <m:r>
+                            <a:rPr kumimoji="1" lang="en-US" altLang="ja-JP" b="0" i="1" smtClean="0">
+                              <a:latin typeface="Cambria Math" panose="02040503050406030204" pitchFamily="18" charset="0"/>
+                            </a:rPr>
+                            <m:t>2</m:t>
+                          </m:r>
+                        </m:sub>
+                      </m:sSub>
+                    </m:oMath>
+                  </m:oMathPara>
+                </a14:m>
+                <a:endParaRPr kumimoji="1" lang="en-US" altLang="ja-JP" b="0" dirty="0" smtClean="0"/>
+              </a:p>
+              <a:p>
+                <a:endParaRPr kumimoji="1" lang="en-US" altLang="ja-JP" b="0" dirty="0" smtClean="0"/>
+              </a:p>
+              <a:p>
+                <a:endParaRPr kumimoji="1" lang="ja-JP" altLang="en-US" dirty="0"/>
+              </a:p>
+            </p:txBody>
+          </p:sp>
+        </mc:Choice>
+        <mc:Fallback>
+          <p:sp>
+            <p:nvSpPr>
+              <p:cNvPr id="33" name="テキスト ボックス 32"/>
+              <p:cNvSpPr txBox="1">
+                <a:spLocks noRot="1" noChangeAspect="1" noMove="1" noResize="1" noEditPoints="1" noAdjustHandles="1" noChangeArrowheads="1" noChangeShapeType="1" noTextEdit="1"/>
+              </p:cNvSpPr>
+              <p:nvPr/>
+            </p:nvSpPr>
+            <p:spPr>
+              <a:xfrm>
+                <a:off x="9681997" y="2586841"/>
+                <a:ext cx="426848" cy="830997"/>
+              </a:xfrm>
+              <a:prstGeom prst="rect">
+                <a:avLst/>
+              </a:prstGeom>
+              <a:blipFill>
+                <a:blip r:embed="rId6"/>
+                <a:stretch>
+                  <a:fillRect/>
+                </a:stretch>
+              </a:blipFill>
+            </p:spPr>
+            <p:txBody>
+              <a:bodyPr/>
+              <a:lstStyle/>
+              <a:p>
+                <a:r>
+                  <a:rPr lang="ja-JP" altLang="en-US">
+                    <a:noFill/>
+                  </a:rPr>
+                  <a:t> </a:t>
+                </a:r>
+              </a:p>
+            </p:txBody>
+          </p:sp>
+        </mc:Fallback>
+      </mc:AlternateContent>
+      <mc:AlternateContent xmlns:mc="http://schemas.openxmlformats.org/markup-compatibility/2006">
+        <mc:Choice xmlns:a14="http://schemas.microsoft.com/office/drawing/2010/main" Requires="a14">
+          <p:sp>
+            <p:nvSpPr>
+              <p:cNvPr id="34" name="テキスト ボックス 33"/>
+              <p:cNvSpPr txBox="1"/>
+              <p:nvPr/>
+            </p:nvSpPr>
+            <p:spPr>
+              <a:xfrm>
+                <a:off x="3331136" y="3398632"/>
+                <a:ext cx="359329" cy="553998"/>
+              </a:xfrm>
+              <a:prstGeom prst="rect">
+                <a:avLst/>
+              </a:prstGeom>
+              <a:noFill/>
+            </p:spPr>
+            <p:txBody>
+              <a:bodyPr wrap="none" lIns="0" tIns="0" rIns="0" bIns="0" rtlCol="0">
+                <a:spAutoFit/>
+              </a:bodyPr>
+              <a:lstStyle/>
+              <a:p>
+                <a14:m>
+                  <m:oMathPara xmlns:m="http://schemas.openxmlformats.org/officeDocument/2006/math">
+                    <m:oMathParaPr>
+                      <m:jc m:val="centerGroup"/>
+                    </m:oMathParaPr>
+                    <m:oMath xmlns:m="http://schemas.openxmlformats.org/officeDocument/2006/math">
+                      <m:acc>
+                        <m:accPr>
+                          <m:chr m:val="̂"/>
+                          <m:ctrlPr>
+                            <a:rPr kumimoji="1" lang="en-US" altLang="ja-JP" b="0" i="1" smtClean="0">
+                              <a:latin typeface="Cambria Math" panose="02040503050406030204" pitchFamily="18" charset="0"/>
+                            </a:rPr>
+                          </m:ctrlPr>
+                        </m:accPr>
+                        <m:e>
+                          <m:r>
+                            <a:rPr kumimoji="1" lang="en-US" altLang="ja-JP" b="0" i="1" smtClean="0">
+                              <a:latin typeface="Cambria Math" panose="02040503050406030204" pitchFamily="18" charset="0"/>
+                            </a:rPr>
+                            <m:t>𝑥</m:t>
+                          </m:r>
+                        </m:e>
+                      </m:acc>
+                    </m:oMath>
+                  </m:oMathPara>
+                </a14:m>
+                <a:endParaRPr kumimoji="1" lang="en-US" altLang="ja-JP" b="0" dirty="0" smtClean="0"/>
+              </a:p>
+              <a:p>
+                <a:endParaRPr kumimoji="1" lang="ja-JP" altLang="en-US" dirty="0"/>
+              </a:p>
+            </p:txBody>
+          </p:sp>
+        </mc:Choice>
+        <mc:Fallback>
+          <p:sp>
+            <p:nvSpPr>
+              <p:cNvPr id="34" name="テキスト ボックス 33"/>
+              <p:cNvSpPr txBox="1">
+                <a:spLocks noRot="1" noChangeAspect="1" noMove="1" noResize="1" noEditPoints="1" noAdjustHandles="1" noChangeArrowheads="1" noChangeShapeType="1" noTextEdit="1"/>
+              </p:cNvSpPr>
+              <p:nvPr/>
+            </p:nvSpPr>
+            <p:spPr>
+              <a:xfrm>
+                <a:off x="3331136" y="3398632"/>
+                <a:ext cx="359329" cy="553998"/>
+              </a:xfrm>
+              <a:prstGeom prst="rect">
+                <a:avLst/>
+              </a:prstGeom>
+              <a:blipFill>
+                <a:blip r:embed="rId7"/>
+                <a:stretch>
+                  <a:fillRect t="-13333" r="-66102"/>
+                </a:stretch>
+              </a:blipFill>
+            </p:spPr>
+            <p:txBody>
+              <a:bodyPr/>
+              <a:lstStyle/>
+              <a:p>
+                <a:r>
+                  <a:rPr lang="ja-JP" altLang="en-US">
+                    <a:noFill/>
+                  </a:rPr>
+                  <a:t> </a:t>
+                </a:r>
+              </a:p>
+            </p:txBody>
+          </p:sp>
+        </mc:Fallback>
+      </mc:AlternateContent>
+      <p:sp>
+        <p:nvSpPr>
+          <p:cNvPr id="22" name="正方形/長方形 21"/>
+          <p:cNvSpPr/>
+          <p:nvPr/>
+        </p:nvSpPr>
+        <p:spPr>
+          <a:xfrm>
+            <a:off x="4669059" y="3398632"/>
+            <a:ext cx="882127" cy="613186"/>
+          </a:xfrm>
+          <a:prstGeom prst="rect">
+            <a:avLst/>
+          </a:prstGeom>
+          <a:solidFill>
+            <a:schemeClr val="bg1"/>
+          </a:solidFill>
+          <a:ln w="25400">
+            <a:solidFill>
+              <a:schemeClr val="tx1"/>
+            </a:solidFill>
+          </a:ln>
+        </p:spPr>
+        <p:style>
+          <a:lnRef idx="2">
+            <a:schemeClr val="accent1">
+              <a:shade val="50000"/>
+            </a:schemeClr>
+          </a:lnRef>
+          <a:fillRef idx="1">
+            <a:schemeClr val="accent1"/>
+          </a:fillRef>
+          <a:effectRef idx="0">
+            <a:schemeClr val="accent1"/>
+          </a:effectRef>
+          <a:fontRef idx="minor">
+            <a:schemeClr val="lt1"/>
+          </a:fontRef>
+        </p:style>
+        <p:txBody>
+          <a:bodyPr rtlCol="0" anchor="ctr"/>
+          <a:lstStyle/>
+          <a:p>
+            <a:pPr algn="ctr"/>
+            <a:r>
+              <a:rPr lang="ja-JP" altLang="en-US" dirty="0">
+                <a:solidFill>
+                  <a:schemeClr val="tx1"/>
+                </a:solidFill>
+              </a:rPr>
+              <a:t>観</a:t>
+            </a:r>
+            <a:r>
+              <a:rPr lang="ja-JP" altLang="en-US" dirty="0" smtClean="0">
+                <a:solidFill>
+                  <a:schemeClr val="tx1"/>
+                </a:solidFill>
+              </a:rPr>
+              <a:t>測</a:t>
+            </a:r>
+            <a:r>
+              <a:rPr lang="ja-JP" altLang="en-US" dirty="0">
+                <a:solidFill>
+                  <a:schemeClr val="tx1"/>
+                </a:solidFill>
+              </a:rPr>
+              <a:t>器</a:t>
+            </a:r>
+            <a:endParaRPr kumimoji="1" lang="ja-JP" altLang="en-US" dirty="0">
+              <a:solidFill>
+                <a:schemeClr val="tx1"/>
+              </a:solidFill>
+            </a:endParaRPr>
+          </a:p>
+        </p:txBody>
+      </p:sp>
+      <p:cxnSp>
+        <p:nvCxnSpPr>
+          <p:cNvPr id="24" name="直線矢印コネクタ 23"/>
+          <p:cNvCxnSpPr/>
+          <p:nvPr/>
+        </p:nvCxnSpPr>
+        <p:spPr>
+          <a:xfrm flipH="1">
+            <a:off x="5544015" y="3675631"/>
+            <a:ext cx="3268465" cy="0"/>
+          </a:xfrm>
+          <a:prstGeom prst="straightConnector1">
+            <a:avLst/>
+          </a:prstGeom>
+          <a:ln w="38100">
+            <a:solidFill>
+              <a:schemeClr val="tx1"/>
+            </a:solidFill>
+            <a:tailEnd type="triangle"/>
+          </a:ln>
+        </p:spPr>
+        <p:style>
+          <a:lnRef idx="1">
+            <a:schemeClr val="accent1"/>
+          </a:lnRef>
+          <a:fillRef idx="0">
+            <a:schemeClr val="accent1"/>
+          </a:fillRef>
+          <a:effectRef idx="0">
+            <a:schemeClr val="accent1"/>
+          </a:effectRef>
+          <a:fontRef idx="minor">
+            <a:schemeClr val="tx1"/>
+          </a:fontRef>
+        </p:style>
+      </p:cxnSp>
+      <p:cxnSp>
+        <p:nvCxnSpPr>
+          <p:cNvPr id="28" name="直線コネクタ 27"/>
+          <p:cNvCxnSpPr/>
+          <p:nvPr/>
+        </p:nvCxnSpPr>
+        <p:spPr>
+          <a:xfrm>
+            <a:off x="9085825" y="2758144"/>
+            <a:ext cx="7172" cy="1097925"/>
+          </a:xfrm>
+          <a:prstGeom prst="line">
+            <a:avLst/>
+          </a:prstGeom>
+          <a:ln w="38100">
+            <a:solidFill>
+              <a:schemeClr val="tx1"/>
+            </a:solidFill>
+          </a:ln>
+        </p:spPr>
+        <p:style>
+          <a:lnRef idx="1">
+            <a:schemeClr val="accent1"/>
+          </a:lnRef>
+          <a:fillRef idx="0">
+            <a:schemeClr val="accent1"/>
+          </a:fillRef>
+          <a:effectRef idx="0">
+            <a:schemeClr val="accent1"/>
+          </a:effectRef>
+          <a:fontRef idx="minor">
+            <a:schemeClr val="tx1"/>
+          </a:fontRef>
+        </p:style>
+      </p:cxnSp>
+      <p:cxnSp>
+        <p:nvCxnSpPr>
+          <p:cNvPr id="35" name="直線矢印コネクタ 34"/>
+          <p:cNvCxnSpPr/>
+          <p:nvPr/>
+        </p:nvCxnSpPr>
+        <p:spPr>
+          <a:xfrm flipH="1">
+            <a:off x="5547600" y="3839523"/>
+            <a:ext cx="3545398" cy="11912"/>
+          </a:xfrm>
+          <a:prstGeom prst="straightConnector1">
+            <a:avLst/>
+          </a:prstGeom>
+          <a:ln w="38100">
+            <a:solidFill>
+              <a:schemeClr val="tx1"/>
+            </a:solidFill>
+            <a:tailEnd type="triangle"/>
+          </a:ln>
+        </p:spPr>
+        <p:style>
+          <a:lnRef idx="1">
+            <a:schemeClr val="accent1"/>
+          </a:lnRef>
+          <a:fillRef idx="0">
+            <a:schemeClr val="accent1"/>
+          </a:fillRef>
+          <a:effectRef idx="0">
+            <a:schemeClr val="accent1"/>
+          </a:effectRef>
+          <a:fontRef idx="minor">
+            <a:schemeClr val="tx1"/>
+          </a:fontRef>
+        </p:style>
+      </p:cxnSp>
+      <p:cxnSp>
+        <p:nvCxnSpPr>
+          <p:cNvPr id="36" name="直線コネクタ 35"/>
+          <p:cNvCxnSpPr/>
+          <p:nvPr/>
+        </p:nvCxnSpPr>
+        <p:spPr>
+          <a:xfrm>
+            <a:off x="6609208" y="2608998"/>
+            <a:ext cx="0" cy="902742"/>
+          </a:xfrm>
+          <a:prstGeom prst="line">
+            <a:avLst/>
+          </a:prstGeom>
+          <a:ln w="38100">
+            <a:solidFill>
+              <a:schemeClr val="tx1"/>
+            </a:solidFill>
+          </a:ln>
+        </p:spPr>
+        <p:style>
+          <a:lnRef idx="1">
+            <a:schemeClr val="accent1"/>
+          </a:lnRef>
+          <a:fillRef idx="0">
+            <a:schemeClr val="accent1"/>
+          </a:fillRef>
+          <a:effectRef idx="0">
+            <a:schemeClr val="accent1"/>
+          </a:effectRef>
+          <a:fontRef idx="minor">
+            <a:schemeClr val="tx1"/>
+          </a:fontRef>
+        </p:style>
+      </p:cxnSp>
+      <p:cxnSp>
+        <p:nvCxnSpPr>
+          <p:cNvPr id="37" name="直線矢印コネクタ 36"/>
+          <p:cNvCxnSpPr/>
+          <p:nvPr/>
+        </p:nvCxnSpPr>
+        <p:spPr>
+          <a:xfrm flipH="1">
+            <a:off x="5551187" y="3498850"/>
+            <a:ext cx="1058021" cy="5331"/>
+          </a:xfrm>
+          <a:prstGeom prst="straightConnector1">
+            <a:avLst/>
+          </a:prstGeom>
+          <a:ln w="38100">
+            <a:solidFill>
+              <a:schemeClr val="tx1"/>
+            </a:solidFill>
+            <a:tailEnd type="triangle"/>
+          </a:ln>
+        </p:spPr>
+        <p:style>
+          <a:lnRef idx="1">
+            <a:schemeClr val="accent1"/>
+          </a:lnRef>
+          <a:fillRef idx="0">
+            <a:schemeClr val="accent1"/>
+          </a:fillRef>
+          <a:effectRef idx="0">
+            <a:schemeClr val="accent1"/>
+          </a:effectRef>
+          <a:fontRef idx="minor">
+            <a:schemeClr val="tx1"/>
+          </a:fontRef>
+        </p:style>
+      </p:cxnSp>
+    </p:spTree>
+    <p:extLst>
+      <p:ext uri="{BB962C8B-B14F-4D97-AF65-F5344CB8AC3E}">
+        <p14:creationId xmlns:p14="http://schemas.microsoft.com/office/powerpoint/2010/main" val="47684830"/>
+      </p:ext>
+    </p:extLst>
+  </p:cSld>
+  <p:clrMapOvr>
+    <a:masterClrMapping/>
+  </p:clrMapOvr>
+</p:sld>
+</file>
+
+<file path=ppt/slides/slide11.xml><?xml version="1.0" encoding="utf-8"?>
+<p:sld xmlns:a="http://schemas.openxmlformats.org/drawingml/2006/main" xmlns:r="http://schemas.openxmlformats.org/officeDocument/2006/relationships" xmlns:p="http://schemas.openxmlformats.org/presentationml/2006/main">
+  <p:cSld>
+    <p:spTree>
+      <p:nvGrpSpPr>
+        <p:cNvPr id="1" name=""/>
+        <p:cNvGrpSpPr/>
+        <p:nvPr/>
+      </p:nvGrpSpPr>
+      <p:grpSpPr>
+        <a:xfrm>
+          <a:off x="0" y="0"/>
+          <a:ext cx="0" cy="0"/>
+          <a:chOff x="0" y="0"/>
+          <a:chExt cx="0" cy="0"/>
+        </a:xfrm>
+      </p:grpSpPr>
+      <p:sp>
+        <p:nvSpPr>
+          <p:cNvPr id="2" name="正方形/長方形 1"/>
+          <p:cNvSpPr/>
+          <p:nvPr/>
+        </p:nvSpPr>
+        <p:spPr>
+          <a:xfrm>
+            <a:off x="3218329" y="2323652"/>
+            <a:ext cx="882127" cy="613186"/>
+          </a:xfrm>
+          <a:prstGeom prst="rect">
+            <a:avLst/>
+          </a:prstGeom>
+          <a:solidFill>
+            <a:schemeClr val="bg1"/>
+          </a:solidFill>
+          <a:ln w="25400">
+            <a:solidFill>
+              <a:schemeClr val="tx1"/>
+            </a:solidFill>
+          </a:ln>
+        </p:spPr>
+        <p:style>
+          <a:lnRef idx="2">
+            <a:schemeClr val="accent1">
+              <a:shade val="50000"/>
+            </a:schemeClr>
+          </a:lnRef>
+          <a:fillRef idx="1">
+            <a:schemeClr val="accent1"/>
+          </a:fillRef>
+          <a:effectRef idx="0">
+            <a:schemeClr val="accent1"/>
+          </a:effectRef>
+          <a:fontRef idx="minor">
+            <a:schemeClr val="lt1"/>
+          </a:fontRef>
+        </p:style>
+        <p:txBody>
+          <a:bodyPr rtlCol="0" anchor="ctr"/>
+          <a:lstStyle/>
+          <a:p>
+            <a:pPr algn="ctr"/>
+            <a:r>
+              <a:rPr kumimoji="1" lang="en-US" altLang="ja-JP" dirty="0" smtClean="0">
+                <a:solidFill>
+                  <a:schemeClr val="tx1"/>
+                </a:solidFill>
+              </a:rPr>
+              <a:t>F</a:t>
+            </a:r>
+            <a:endParaRPr kumimoji="1" lang="ja-JP" altLang="en-US" dirty="0">
+              <a:solidFill>
+                <a:schemeClr val="tx1"/>
+              </a:solidFill>
+            </a:endParaRPr>
+          </a:p>
+        </p:txBody>
+      </p:sp>
+      <p:sp>
+        <p:nvSpPr>
+          <p:cNvPr id="3" name="正方形/長方形 2"/>
+          <p:cNvSpPr/>
+          <p:nvPr/>
+        </p:nvSpPr>
+        <p:spPr>
+          <a:xfrm>
+            <a:off x="7379279" y="2317376"/>
+            <a:ext cx="1359721" cy="613186"/>
+          </a:xfrm>
+          <a:prstGeom prst="rect">
+            <a:avLst/>
+          </a:prstGeom>
+          <a:solidFill>
+            <a:schemeClr val="bg1"/>
+          </a:solidFill>
+          <a:ln w="25400">
+            <a:solidFill>
+              <a:schemeClr val="tx1"/>
+            </a:solidFill>
+          </a:ln>
+        </p:spPr>
+        <p:style>
+          <a:lnRef idx="2">
+            <a:schemeClr val="accent1">
+              <a:shade val="50000"/>
+            </a:schemeClr>
+          </a:lnRef>
+          <a:fillRef idx="1">
+            <a:schemeClr val="accent1"/>
+          </a:fillRef>
+          <a:effectRef idx="0">
+            <a:schemeClr val="accent1"/>
+          </a:effectRef>
+          <a:fontRef idx="minor">
+            <a:schemeClr val="lt1"/>
+          </a:fontRef>
+        </p:style>
+        <p:txBody>
+          <a:bodyPr rtlCol="0" anchor="ctr"/>
+          <a:lstStyle/>
+          <a:p>
+            <a:pPr algn="ctr"/>
+            <a:r>
+              <a:rPr kumimoji="1" lang="ja-JP" altLang="en-US" dirty="0" smtClean="0">
+                <a:solidFill>
+                  <a:schemeClr val="tx1"/>
+                </a:solidFill>
+              </a:rPr>
+              <a:t>倒立振子</a:t>
+            </a:r>
+            <a:endParaRPr kumimoji="1" lang="ja-JP" altLang="en-US" dirty="0">
+              <a:solidFill>
+                <a:schemeClr val="tx1"/>
+              </a:solidFill>
+            </a:endParaRPr>
+          </a:p>
+        </p:txBody>
+      </p:sp>
+      <p:sp>
+        <p:nvSpPr>
+          <p:cNvPr id="4" name="正方形/長方形 3"/>
+          <p:cNvSpPr/>
+          <p:nvPr/>
+        </p:nvSpPr>
+        <p:spPr>
+          <a:xfrm>
+            <a:off x="4925009" y="2324386"/>
+            <a:ext cx="882127" cy="613186"/>
+          </a:xfrm>
+          <a:prstGeom prst="rect">
+            <a:avLst/>
+          </a:prstGeom>
+          <a:solidFill>
+            <a:schemeClr val="bg1"/>
+          </a:solidFill>
+          <a:ln w="25400">
+            <a:solidFill>
+              <a:schemeClr val="tx1"/>
+            </a:solidFill>
+          </a:ln>
+        </p:spPr>
+        <p:style>
+          <a:lnRef idx="2">
+            <a:schemeClr val="accent1">
+              <a:shade val="50000"/>
+            </a:schemeClr>
+          </a:lnRef>
+          <a:fillRef idx="1">
+            <a:schemeClr val="accent1"/>
+          </a:fillRef>
+          <a:effectRef idx="0">
+            <a:schemeClr val="accent1"/>
+          </a:effectRef>
+          <a:fontRef idx="minor">
+            <a:schemeClr val="lt1"/>
+          </a:fontRef>
+        </p:style>
+        <p:txBody>
+          <a:bodyPr rtlCol="0" anchor="ctr"/>
+          <a:lstStyle/>
+          <a:p>
+            <a:pPr algn="ctr"/>
+            <a:r>
+              <a:rPr lang="ja-JP" altLang="en-US" dirty="0" smtClean="0">
+                <a:solidFill>
+                  <a:schemeClr val="tx1"/>
+                </a:solidFill>
+              </a:rPr>
+              <a:t>飽和</a:t>
+            </a:r>
+            <a:r>
+              <a:rPr lang="ja-JP" altLang="en-US" dirty="0">
+                <a:solidFill>
+                  <a:schemeClr val="tx1"/>
+                </a:solidFill>
+              </a:rPr>
+              <a:t>器</a:t>
+            </a:r>
+            <a:endParaRPr kumimoji="1" lang="en-US" altLang="ja-JP" dirty="0" smtClean="0">
+              <a:solidFill>
+                <a:schemeClr val="tx1"/>
+              </a:solidFill>
+            </a:endParaRPr>
+          </a:p>
+        </p:txBody>
+      </p:sp>
+      <p:cxnSp>
+        <p:nvCxnSpPr>
+          <p:cNvPr id="6" name="直線矢印コネクタ 5"/>
+          <p:cNvCxnSpPr/>
+          <p:nvPr/>
+        </p:nvCxnSpPr>
+        <p:spPr>
+          <a:xfrm>
+            <a:off x="1188720" y="2630245"/>
+            <a:ext cx="1120140" cy="0"/>
+          </a:xfrm>
+          <a:prstGeom prst="straightConnector1">
+            <a:avLst/>
+          </a:prstGeom>
+          <a:ln w="38100">
+            <a:solidFill>
+              <a:schemeClr val="tx1"/>
+            </a:solidFill>
+            <a:tailEnd type="triangle"/>
+          </a:ln>
+        </p:spPr>
+        <p:style>
+          <a:lnRef idx="1">
+            <a:schemeClr val="accent1"/>
+          </a:lnRef>
+          <a:fillRef idx="0">
+            <a:schemeClr val="accent1"/>
+          </a:fillRef>
+          <a:effectRef idx="0">
+            <a:schemeClr val="accent1"/>
+          </a:effectRef>
+          <a:fontRef idx="minor">
+            <a:schemeClr val="tx1"/>
+          </a:fontRef>
+        </p:style>
+      </p:cxnSp>
+      <p:cxnSp>
+        <p:nvCxnSpPr>
+          <p:cNvPr id="7" name="直線矢印コネクタ 6"/>
+          <p:cNvCxnSpPr>
+            <a:stCxn id="2" idx="3"/>
+            <a:endCxn id="4" idx="1"/>
+          </p:cNvCxnSpPr>
+          <p:nvPr/>
+        </p:nvCxnSpPr>
+        <p:spPr>
+          <a:xfrm>
+            <a:off x="4100456" y="2630245"/>
+            <a:ext cx="824553" cy="734"/>
+          </a:xfrm>
+          <a:prstGeom prst="straightConnector1">
+            <a:avLst/>
+          </a:prstGeom>
+          <a:ln w="38100">
+            <a:solidFill>
+              <a:schemeClr val="tx1"/>
+            </a:solidFill>
+            <a:tailEnd type="triangle"/>
+          </a:ln>
+        </p:spPr>
+        <p:style>
+          <a:lnRef idx="1">
+            <a:schemeClr val="accent1"/>
+          </a:lnRef>
+          <a:fillRef idx="0">
+            <a:schemeClr val="accent1"/>
+          </a:fillRef>
+          <a:effectRef idx="0">
+            <a:schemeClr val="accent1"/>
+          </a:effectRef>
+          <a:fontRef idx="minor">
+            <a:schemeClr val="tx1"/>
+          </a:fontRef>
+        </p:style>
+      </p:cxnSp>
+      <p:cxnSp>
+        <p:nvCxnSpPr>
+          <p:cNvPr id="9" name="直線矢印コネクタ 8"/>
+          <p:cNvCxnSpPr>
+            <a:stCxn id="4" idx="3"/>
+          </p:cNvCxnSpPr>
+          <p:nvPr/>
+        </p:nvCxnSpPr>
+        <p:spPr>
+          <a:xfrm>
+            <a:off x="5807136" y="2630979"/>
+            <a:ext cx="332007" cy="6330"/>
+          </a:xfrm>
+          <a:prstGeom prst="straightConnector1">
+            <a:avLst/>
+          </a:prstGeom>
+          <a:ln w="38100">
+            <a:solidFill>
+              <a:schemeClr val="tx1"/>
+            </a:solidFill>
+            <a:tailEnd type="triangle"/>
+          </a:ln>
+        </p:spPr>
+        <p:style>
+          <a:lnRef idx="1">
+            <a:schemeClr val="accent1"/>
+          </a:lnRef>
+          <a:fillRef idx="0">
+            <a:schemeClr val="accent1"/>
+          </a:fillRef>
+          <a:effectRef idx="0">
+            <a:schemeClr val="accent1"/>
+          </a:effectRef>
+          <a:fontRef idx="minor">
+            <a:schemeClr val="tx1"/>
+          </a:fontRef>
+        </p:style>
+      </p:cxnSp>
+      <p:cxnSp>
+        <p:nvCxnSpPr>
+          <p:cNvPr id="10" name="直線矢印コネクタ 9"/>
+          <p:cNvCxnSpPr/>
+          <p:nvPr/>
+        </p:nvCxnSpPr>
+        <p:spPr>
+          <a:xfrm>
+            <a:off x="8739000" y="2482169"/>
+            <a:ext cx="1120140" cy="0"/>
+          </a:xfrm>
+          <a:prstGeom prst="straightConnector1">
+            <a:avLst/>
+          </a:prstGeom>
+          <a:ln w="38100">
+            <a:solidFill>
+              <a:schemeClr val="tx1"/>
+            </a:solidFill>
+            <a:tailEnd type="triangle"/>
+          </a:ln>
+        </p:spPr>
+        <p:style>
+          <a:lnRef idx="1">
+            <a:schemeClr val="accent1"/>
+          </a:lnRef>
+          <a:fillRef idx="0">
+            <a:schemeClr val="accent1"/>
+          </a:fillRef>
+          <a:effectRef idx="0">
+            <a:schemeClr val="accent1"/>
+          </a:effectRef>
+          <a:fontRef idx="minor">
+            <a:schemeClr val="tx1"/>
+          </a:fontRef>
+        </p:style>
+      </p:cxnSp>
+      <p:cxnSp>
+        <p:nvCxnSpPr>
+          <p:cNvPr id="11" name="直線矢印コネクタ 10"/>
+          <p:cNvCxnSpPr/>
+          <p:nvPr/>
+        </p:nvCxnSpPr>
+        <p:spPr>
+          <a:xfrm>
+            <a:off x="8739000" y="2739906"/>
+            <a:ext cx="1120140" cy="0"/>
+          </a:xfrm>
+          <a:prstGeom prst="straightConnector1">
+            <a:avLst/>
+          </a:prstGeom>
+          <a:ln w="38100">
+            <a:solidFill>
+              <a:schemeClr val="tx1"/>
+            </a:solidFill>
+            <a:tailEnd type="triangle"/>
+          </a:ln>
+        </p:spPr>
+        <p:style>
+          <a:lnRef idx="1">
+            <a:schemeClr val="accent1"/>
+          </a:lnRef>
+          <a:fillRef idx="0">
+            <a:schemeClr val="accent1"/>
+          </a:fillRef>
+          <a:effectRef idx="0">
+            <a:schemeClr val="accent1"/>
+          </a:effectRef>
+          <a:fontRef idx="minor">
+            <a:schemeClr val="tx1"/>
+          </a:fontRef>
+        </p:style>
+      </p:cxnSp>
+      <p:sp>
+        <p:nvSpPr>
+          <p:cNvPr id="12" name="楕円 11"/>
+          <p:cNvSpPr>
+            <a:spLocks noChangeAspect="1"/>
+          </p:cNvSpPr>
+          <p:nvPr/>
+        </p:nvSpPr>
+        <p:spPr>
+          <a:xfrm>
+            <a:off x="2308860" y="2550941"/>
+            <a:ext cx="146125" cy="146057"/>
+          </a:xfrm>
+          <a:prstGeom prst="ellipse">
+            <a:avLst/>
+          </a:prstGeom>
+          <a:solidFill>
+            <a:schemeClr val="bg1"/>
+          </a:solidFill>
+          <a:ln w="38100">
+            <a:solidFill>
+              <a:schemeClr val="tx1"/>
+            </a:solidFill>
+          </a:ln>
+        </p:spPr>
+        <p:style>
+          <a:lnRef idx="2">
+            <a:schemeClr val="accent1">
+              <a:shade val="50000"/>
+            </a:schemeClr>
+          </a:lnRef>
+          <a:fillRef idx="1">
+            <a:schemeClr val="accent1"/>
+          </a:fillRef>
+          <a:effectRef idx="0">
+            <a:schemeClr val="accent1"/>
+          </a:effectRef>
+          <a:fontRef idx="minor">
+            <a:schemeClr val="lt1"/>
+          </a:fontRef>
+        </p:style>
+        <p:txBody>
+          <a:bodyPr rtlCol="0" anchor="ctr"/>
+          <a:lstStyle/>
+          <a:p>
+            <a:pPr algn="ctr"/>
+            <a:endParaRPr kumimoji="1" lang="ja-JP" altLang="en-US" dirty="0"/>
+          </a:p>
+        </p:txBody>
+      </p:sp>
+      <p:cxnSp>
+        <p:nvCxnSpPr>
+          <p:cNvPr id="13" name="直線矢印コネクタ 12"/>
+          <p:cNvCxnSpPr>
+            <a:endCxn id="2" idx="1"/>
+          </p:cNvCxnSpPr>
+          <p:nvPr/>
+        </p:nvCxnSpPr>
+        <p:spPr>
+          <a:xfrm>
+            <a:off x="2454985" y="2623969"/>
+            <a:ext cx="763344" cy="6276"/>
+          </a:xfrm>
+          <a:prstGeom prst="straightConnector1">
+            <a:avLst/>
+          </a:prstGeom>
+          <a:ln w="38100">
+            <a:solidFill>
+              <a:schemeClr val="tx1"/>
+            </a:solidFill>
+            <a:tailEnd type="triangle"/>
+          </a:ln>
+        </p:spPr>
+        <p:style>
+          <a:lnRef idx="1">
+            <a:schemeClr val="accent1"/>
+          </a:lnRef>
+          <a:fillRef idx="0">
+            <a:schemeClr val="accent1"/>
+          </a:fillRef>
+          <a:effectRef idx="0">
+            <a:schemeClr val="accent1"/>
+          </a:effectRef>
+          <a:fontRef idx="minor">
+            <a:schemeClr val="tx1"/>
+          </a:fontRef>
+        </p:style>
+      </p:cxnSp>
+      <p:cxnSp>
+        <p:nvCxnSpPr>
+          <p:cNvPr id="15" name="直線矢印コネクタ 14"/>
+          <p:cNvCxnSpPr/>
+          <p:nvPr/>
+        </p:nvCxnSpPr>
+        <p:spPr>
+          <a:xfrm flipV="1">
+            <a:off x="2381922" y="2696999"/>
+            <a:ext cx="0" cy="1024895"/>
+          </a:xfrm>
+          <a:prstGeom prst="straightConnector1">
+            <a:avLst/>
+          </a:prstGeom>
+          <a:ln w="38100">
+            <a:solidFill>
+              <a:schemeClr val="tx1"/>
+            </a:solidFill>
+            <a:tailEnd type="triangle"/>
+          </a:ln>
+        </p:spPr>
+        <p:style>
+          <a:lnRef idx="1">
+            <a:schemeClr val="accent1"/>
+          </a:lnRef>
+          <a:fillRef idx="0">
+            <a:schemeClr val="accent1"/>
+          </a:fillRef>
+          <a:effectRef idx="0">
+            <a:schemeClr val="accent1"/>
+          </a:effectRef>
+          <a:fontRef idx="minor">
+            <a:schemeClr val="tx1"/>
+          </a:fontRef>
+        </p:style>
+      </p:cxnSp>
+      <p:cxnSp>
+        <p:nvCxnSpPr>
+          <p:cNvPr id="19" name="直線コネクタ 18"/>
+          <p:cNvCxnSpPr>
+            <a:endCxn id="22" idx="1"/>
+          </p:cNvCxnSpPr>
+          <p:nvPr/>
+        </p:nvCxnSpPr>
+        <p:spPr>
+          <a:xfrm>
+            <a:off x="2381922" y="3705225"/>
+            <a:ext cx="2287137" cy="0"/>
+          </a:xfrm>
+          <a:prstGeom prst="line">
+            <a:avLst/>
+          </a:prstGeom>
+          <a:ln w="38100">
+            <a:solidFill>
+              <a:schemeClr val="tx1"/>
+            </a:solidFill>
+          </a:ln>
+        </p:spPr>
+        <p:style>
+          <a:lnRef idx="1">
+            <a:schemeClr val="accent1"/>
+          </a:lnRef>
+          <a:fillRef idx="0">
+            <a:schemeClr val="accent1"/>
+          </a:fillRef>
+          <a:effectRef idx="0">
+            <a:schemeClr val="accent1"/>
+          </a:effectRef>
+          <a:fontRef idx="minor">
+            <a:schemeClr val="tx1"/>
+          </a:fontRef>
+        </p:style>
+      </p:cxnSp>
+      <p:cxnSp>
+        <p:nvCxnSpPr>
+          <p:cNvPr id="21" name="直線コネクタ 20"/>
+          <p:cNvCxnSpPr/>
+          <p:nvPr/>
+        </p:nvCxnSpPr>
+        <p:spPr>
+          <a:xfrm flipH="1">
+            <a:off x="8883801" y="2478660"/>
+            <a:ext cx="1764" cy="1196971"/>
+          </a:xfrm>
+          <a:prstGeom prst="line">
+            <a:avLst/>
+          </a:prstGeom>
+          <a:ln w="38100">
+            <a:solidFill>
+              <a:schemeClr val="tx1"/>
+            </a:solidFill>
+          </a:ln>
+        </p:spPr>
+        <p:style>
+          <a:lnRef idx="1">
+            <a:schemeClr val="accent1"/>
+          </a:lnRef>
+          <a:fillRef idx="0">
+            <a:schemeClr val="accent1"/>
+          </a:fillRef>
+          <a:effectRef idx="0">
+            <a:schemeClr val="accent1"/>
+          </a:effectRef>
+          <a:fontRef idx="minor">
+            <a:schemeClr val="tx1"/>
+          </a:fontRef>
+        </p:style>
+      </p:cxnSp>
+      <mc:AlternateContent xmlns:mc="http://schemas.openxmlformats.org/markup-compatibility/2006">
+        <mc:Choice xmlns:a14="http://schemas.microsoft.com/office/drawing/2010/main" Requires="a14">
+          <p:sp>
+            <p:nvSpPr>
+              <p:cNvPr id="27" name="テキスト ボックス 26"/>
+              <p:cNvSpPr txBox="1"/>
+              <p:nvPr/>
+            </p:nvSpPr>
+            <p:spPr>
+              <a:xfrm>
+                <a:off x="1229174" y="2270985"/>
+                <a:ext cx="514051" cy="576248"/>
+              </a:xfrm>
+              <a:prstGeom prst="rect">
+                <a:avLst/>
+              </a:prstGeom>
+              <a:noFill/>
+            </p:spPr>
+            <p:txBody>
+              <a:bodyPr wrap="none" lIns="0" tIns="0" rIns="0" bIns="0" rtlCol="0">
+                <a:spAutoFit/>
+              </a:bodyPr>
+              <a:lstStyle/>
+              <a:p>
+                <a14:m>
+                  <m:oMathPara xmlns:m="http://schemas.openxmlformats.org/officeDocument/2006/math">
+                    <m:oMathParaPr>
+                      <m:jc m:val="centerGroup"/>
+                    </m:oMathParaPr>
+                    <m:oMath xmlns:m="http://schemas.openxmlformats.org/officeDocument/2006/math">
+                      <m:sSub>
+                        <m:sSubPr>
+                          <m:ctrlPr>
+                            <a:rPr kumimoji="1" lang="en-US" altLang="ja-JP" b="0" i="1" smtClean="0">
+                              <a:latin typeface="Cambria Math" panose="02040503050406030204" pitchFamily="18" charset="0"/>
+                            </a:rPr>
+                          </m:ctrlPr>
+                        </m:sSubPr>
+                        <m:e>
+                          <m:r>
+                            <a:rPr kumimoji="1" lang="en-US" altLang="ja-JP" b="0" i="1" smtClean="0">
+                              <a:latin typeface="Cambria Math" panose="02040503050406030204" pitchFamily="18" charset="0"/>
+                            </a:rPr>
+                            <m:t>𝑥</m:t>
+                          </m:r>
+                        </m:e>
+                        <m:sub>
+                          <m:r>
+                            <a:rPr kumimoji="1" lang="en-US" altLang="ja-JP" b="0" i="1" smtClean="0">
+                              <a:latin typeface="Cambria Math" panose="02040503050406030204" pitchFamily="18" charset="0"/>
+                            </a:rPr>
+                            <m:t>𝑟𝑒𝑓</m:t>
+                          </m:r>
+                        </m:sub>
+                      </m:sSub>
+                    </m:oMath>
+                  </m:oMathPara>
+                </a14:m>
+                <a:endParaRPr kumimoji="1" lang="en-US" altLang="ja-JP" b="0" dirty="0" smtClean="0"/>
+              </a:p>
+              <a:p>
+                <a:endParaRPr kumimoji="1" lang="ja-JP" altLang="en-US" dirty="0"/>
+              </a:p>
+            </p:txBody>
+          </p:sp>
+        </mc:Choice>
+        <mc:Fallback>
+          <p:sp>
+            <p:nvSpPr>
+              <p:cNvPr id="27" name="テキスト ボックス 26"/>
+              <p:cNvSpPr txBox="1">
+                <a:spLocks noRot="1" noChangeAspect="1" noMove="1" noResize="1" noEditPoints="1" noAdjustHandles="1" noChangeArrowheads="1" noChangeShapeType="1" noTextEdit="1"/>
+              </p:cNvSpPr>
+              <p:nvPr/>
+            </p:nvSpPr>
+            <p:spPr>
+              <a:xfrm>
+                <a:off x="1229174" y="2270985"/>
+                <a:ext cx="514051" cy="576248"/>
+              </a:xfrm>
+              <a:prstGeom prst="rect">
+                <a:avLst/>
+              </a:prstGeom>
+              <a:blipFill>
+                <a:blip r:embed="rId2"/>
+                <a:stretch>
+                  <a:fillRect l="-2381" r="-4762"/>
+                </a:stretch>
+              </a:blipFill>
+            </p:spPr>
+            <p:txBody>
+              <a:bodyPr/>
+              <a:lstStyle/>
+              <a:p>
+                <a:r>
+                  <a:rPr lang="ja-JP" altLang="en-US">
+                    <a:noFill/>
+                  </a:rPr>
+                  <a:t> </a:t>
+                </a:r>
+              </a:p>
+            </p:txBody>
+          </p:sp>
+        </mc:Fallback>
+      </mc:AlternateContent>
+      <p:sp>
+        <p:nvSpPr>
+          <p:cNvPr id="29" name="テキスト ボックス 28"/>
+          <p:cNvSpPr txBox="1"/>
+          <p:nvPr/>
+        </p:nvSpPr>
+        <p:spPr>
+          <a:xfrm>
+            <a:off x="2508321" y="2346970"/>
+            <a:ext cx="166712" cy="553998"/>
+          </a:xfrm>
+          <a:prstGeom prst="rect">
+            <a:avLst/>
+          </a:prstGeom>
+          <a:noFill/>
+        </p:spPr>
+        <p:txBody>
+          <a:bodyPr wrap="none" lIns="0" tIns="0" rIns="0" bIns="0" rtlCol="0">
+            <a:spAutoFit/>
+          </a:bodyPr>
+          <a:lstStyle/>
+          <a:p>
+            <a:r>
+              <a:rPr kumimoji="1" lang="en-US" altLang="ja-JP" b="0" dirty="0" smtClean="0"/>
+              <a:t>+</a:t>
+            </a:r>
+          </a:p>
+          <a:p>
+            <a:endParaRPr kumimoji="1" lang="ja-JP" altLang="en-US" dirty="0"/>
+          </a:p>
+        </p:txBody>
+      </p:sp>
+      <mc:AlternateContent xmlns:mc="http://schemas.openxmlformats.org/markup-compatibility/2006">
+        <mc:Choice xmlns:a14="http://schemas.microsoft.com/office/drawing/2010/main" Requires="a14">
+          <p:sp>
+            <p:nvSpPr>
+              <p:cNvPr id="30" name="テキスト ボックス 29"/>
+              <p:cNvSpPr txBox="1"/>
+              <p:nvPr/>
+            </p:nvSpPr>
+            <p:spPr>
+              <a:xfrm>
+                <a:off x="2435258" y="2749098"/>
+                <a:ext cx="330801" cy="830997"/>
+              </a:xfrm>
+              <a:prstGeom prst="rect">
+                <a:avLst/>
+              </a:prstGeom>
+              <a:noFill/>
+            </p:spPr>
+            <p:txBody>
+              <a:bodyPr wrap="square" lIns="0" tIns="0" rIns="0" bIns="0" rtlCol="0">
+                <a:spAutoFit/>
+              </a:bodyPr>
+              <a:lstStyle/>
+              <a:p>
+                <a14:m>
+                  <m:oMathPara xmlns:m="http://schemas.openxmlformats.org/officeDocument/2006/math">
+                    <m:oMathParaPr>
+                      <m:jc m:val="centerGroup"/>
+                    </m:oMathParaPr>
+                    <m:oMath xmlns:m="http://schemas.openxmlformats.org/officeDocument/2006/math">
+                      <m:r>
+                        <a:rPr kumimoji="1" lang="en-US" altLang="ja-JP" b="0" i="1" smtClean="0">
+                          <a:latin typeface="Cambria Math" panose="02040503050406030204" pitchFamily="18" charset="0"/>
+                        </a:rPr>
+                        <m:t>−</m:t>
+                      </m:r>
+                    </m:oMath>
+                  </m:oMathPara>
+                </a14:m>
+                <a:endParaRPr kumimoji="1" lang="en-US" altLang="ja-JP" b="0" dirty="0" smtClean="0"/>
+              </a:p>
+              <a:p>
+                <a:endParaRPr kumimoji="1" lang="en-US" altLang="ja-JP" b="0" dirty="0" smtClean="0"/>
+              </a:p>
+              <a:p>
+                <a:endParaRPr kumimoji="1" lang="ja-JP" altLang="en-US" dirty="0"/>
+              </a:p>
+            </p:txBody>
+          </p:sp>
+        </mc:Choice>
+        <mc:Fallback>
+          <p:sp>
+            <p:nvSpPr>
+              <p:cNvPr id="30" name="テキスト ボックス 29"/>
+              <p:cNvSpPr txBox="1">
+                <a:spLocks noRot="1" noChangeAspect="1" noMove="1" noResize="1" noEditPoints="1" noAdjustHandles="1" noChangeArrowheads="1" noChangeShapeType="1" noTextEdit="1"/>
+              </p:cNvSpPr>
+              <p:nvPr/>
+            </p:nvSpPr>
+            <p:spPr>
+              <a:xfrm>
+                <a:off x="2435258" y="2749098"/>
+                <a:ext cx="330801" cy="830997"/>
+              </a:xfrm>
+              <a:prstGeom prst="rect">
+                <a:avLst/>
+              </a:prstGeom>
+              <a:blipFill>
+                <a:blip r:embed="rId3"/>
+                <a:stretch>
+                  <a:fillRect/>
+                </a:stretch>
+              </a:blipFill>
+            </p:spPr>
+            <p:txBody>
+              <a:bodyPr/>
+              <a:lstStyle/>
+              <a:p>
+                <a:r>
+                  <a:rPr lang="ja-JP" altLang="en-US">
+                    <a:noFill/>
+                  </a:rPr>
+                  <a:t> </a:t>
+                </a:r>
+              </a:p>
+            </p:txBody>
+          </p:sp>
+        </mc:Fallback>
+      </mc:AlternateContent>
+      <mc:AlternateContent xmlns:mc="http://schemas.openxmlformats.org/markup-compatibility/2006">
+        <mc:Choice xmlns:a14="http://schemas.microsoft.com/office/drawing/2010/main" Requires="a14">
+          <p:sp>
+            <p:nvSpPr>
+              <p:cNvPr id="31" name="テキスト ボックス 30"/>
+              <p:cNvSpPr txBox="1"/>
+              <p:nvPr/>
+            </p:nvSpPr>
+            <p:spPr>
+              <a:xfrm>
+                <a:off x="4474397" y="2262817"/>
+                <a:ext cx="448521" cy="553998"/>
+              </a:xfrm>
+              <a:prstGeom prst="rect">
+                <a:avLst/>
+              </a:prstGeom>
+              <a:noFill/>
+            </p:spPr>
+            <p:txBody>
+              <a:bodyPr wrap="none" lIns="0" tIns="0" rIns="0" bIns="0" rtlCol="0">
+                <a:spAutoFit/>
+              </a:bodyPr>
+              <a:lstStyle/>
+              <a:p>
+                <a14:m>
+                  <m:oMathPara xmlns:m="http://schemas.openxmlformats.org/officeDocument/2006/math">
+                    <m:oMathParaPr>
+                      <m:jc m:val="centerGroup"/>
+                    </m:oMathParaPr>
+                    <m:oMath xmlns:m="http://schemas.openxmlformats.org/officeDocument/2006/math">
+                      <m:r>
+                        <a:rPr kumimoji="1" lang="en-US" altLang="ja-JP" b="0" i="1" smtClean="0">
+                          <a:latin typeface="Cambria Math" panose="02040503050406030204" pitchFamily="18" charset="0"/>
+                        </a:rPr>
+                        <m:t>𝑢</m:t>
+                      </m:r>
+                    </m:oMath>
+                  </m:oMathPara>
+                </a14:m>
+                <a:endParaRPr kumimoji="1" lang="en-US" altLang="ja-JP" b="0" dirty="0" smtClean="0"/>
+              </a:p>
+              <a:p>
+                <a:endParaRPr kumimoji="1" lang="ja-JP" altLang="en-US" dirty="0"/>
+              </a:p>
+            </p:txBody>
+          </p:sp>
+        </mc:Choice>
+        <mc:Fallback>
+          <p:sp>
+            <p:nvSpPr>
+              <p:cNvPr id="31" name="テキスト ボックス 30"/>
+              <p:cNvSpPr txBox="1">
+                <a:spLocks noRot="1" noChangeAspect="1" noMove="1" noResize="1" noEditPoints="1" noAdjustHandles="1" noChangeArrowheads="1" noChangeShapeType="1" noTextEdit="1"/>
+              </p:cNvSpPr>
+              <p:nvPr/>
+            </p:nvSpPr>
+            <p:spPr>
+              <a:xfrm>
+                <a:off x="4474397" y="2262817"/>
+                <a:ext cx="448521" cy="553998"/>
+              </a:xfrm>
+              <a:prstGeom prst="rect">
+                <a:avLst/>
+              </a:prstGeom>
+              <a:blipFill>
+                <a:blip r:embed="rId4"/>
+                <a:stretch>
+                  <a:fillRect/>
+                </a:stretch>
+              </a:blipFill>
+            </p:spPr>
+            <p:txBody>
+              <a:bodyPr/>
+              <a:lstStyle/>
+              <a:p>
+                <a:r>
+                  <a:rPr lang="ja-JP" altLang="en-US">
+                    <a:noFill/>
+                  </a:rPr>
+                  <a:t> </a:t>
+                </a:r>
+              </a:p>
+            </p:txBody>
+          </p:sp>
+        </mc:Fallback>
+      </mc:AlternateContent>
+      <mc:AlternateContent xmlns:mc="http://schemas.openxmlformats.org/markup-compatibility/2006">
+        <mc:Choice xmlns:a14="http://schemas.microsoft.com/office/drawing/2010/main" Requires="a14">
+          <p:sp>
+            <p:nvSpPr>
+              <p:cNvPr id="32" name="テキスト ボックス 31"/>
+              <p:cNvSpPr txBox="1"/>
+              <p:nvPr/>
+            </p:nvSpPr>
+            <p:spPr>
+              <a:xfrm>
+                <a:off x="9723206" y="2306196"/>
+                <a:ext cx="545214" cy="830997"/>
+              </a:xfrm>
+              <a:prstGeom prst="rect">
+                <a:avLst/>
+              </a:prstGeom>
+              <a:noFill/>
+            </p:spPr>
+            <p:txBody>
+              <a:bodyPr wrap="none" lIns="0" tIns="0" rIns="0" bIns="0" rtlCol="0">
+                <a:spAutoFit/>
+              </a:bodyPr>
+              <a:lstStyle/>
+              <a:p>
+                <a14:m>
+                  <m:oMathPara xmlns:m="http://schemas.openxmlformats.org/officeDocument/2006/math">
+                    <m:oMathParaPr>
+                      <m:jc m:val="centerGroup"/>
+                    </m:oMathParaPr>
+                    <m:oMath xmlns:m="http://schemas.openxmlformats.org/officeDocument/2006/math">
+                      <m:sSub>
+                        <m:sSubPr>
+                          <m:ctrlPr>
+                            <a:rPr kumimoji="1" lang="en-US" altLang="ja-JP" b="0" i="1" smtClean="0">
+                              <a:latin typeface="Cambria Math" panose="02040503050406030204" pitchFamily="18" charset="0"/>
+                            </a:rPr>
+                          </m:ctrlPr>
+                        </m:sSubPr>
+                        <m:e>
+                          <m:r>
+                            <a:rPr kumimoji="1" lang="en-US" altLang="ja-JP" b="0" i="1" smtClean="0">
+                              <a:latin typeface="Cambria Math" panose="02040503050406030204" pitchFamily="18" charset="0"/>
+                            </a:rPr>
+                            <m:t>𝑦</m:t>
+                          </m:r>
+                        </m:e>
+                        <m:sub>
+                          <m:r>
+                            <a:rPr kumimoji="1" lang="en-US" altLang="ja-JP" b="0" i="1" smtClean="0">
+                              <a:latin typeface="Cambria Math" panose="02040503050406030204" pitchFamily="18" charset="0"/>
+                            </a:rPr>
+                            <m:t>1</m:t>
+                          </m:r>
+                        </m:sub>
+                      </m:sSub>
+                    </m:oMath>
+                  </m:oMathPara>
+                </a14:m>
+                <a:endParaRPr kumimoji="1" lang="en-US" altLang="ja-JP" b="0" dirty="0" smtClean="0"/>
+              </a:p>
+              <a:p>
+                <a:endParaRPr kumimoji="1" lang="en-US" altLang="ja-JP" b="0" dirty="0" smtClean="0"/>
+              </a:p>
+              <a:p>
+                <a:endParaRPr kumimoji="1" lang="ja-JP" altLang="en-US" dirty="0"/>
+              </a:p>
+            </p:txBody>
+          </p:sp>
+        </mc:Choice>
+        <mc:Fallback>
+          <p:sp>
+            <p:nvSpPr>
+              <p:cNvPr id="32" name="テキスト ボックス 31"/>
+              <p:cNvSpPr txBox="1">
+                <a:spLocks noRot="1" noChangeAspect="1" noMove="1" noResize="1" noEditPoints="1" noAdjustHandles="1" noChangeArrowheads="1" noChangeShapeType="1" noTextEdit="1"/>
+              </p:cNvSpPr>
+              <p:nvPr/>
+            </p:nvSpPr>
+            <p:spPr>
+              <a:xfrm>
+                <a:off x="9723206" y="2306196"/>
+                <a:ext cx="545214" cy="830997"/>
+              </a:xfrm>
+              <a:prstGeom prst="rect">
+                <a:avLst/>
+              </a:prstGeom>
+              <a:blipFill>
+                <a:blip r:embed="rId5"/>
+                <a:stretch>
+                  <a:fillRect/>
+                </a:stretch>
+              </a:blipFill>
+            </p:spPr>
+            <p:txBody>
+              <a:bodyPr/>
+              <a:lstStyle/>
+              <a:p>
+                <a:r>
+                  <a:rPr lang="ja-JP" altLang="en-US">
+                    <a:noFill/>
+                  </a:rPr>
+                  <a:t> </a:t>
+                </a:r>
+              </a:p>
+            </p:txBody>
+          </p:sp>
+        </mc:Fallback>
+      </mc:AlternateContent>
+      <mc:AlternateContent xmlns:mc="http://schemas.openxmlformats.org/markup-compatibility/2006">
+        <mc:Choice xmlns:a14="http://schemas.microsoft.com/office/drawing/2010/main" Requires="a14">
+          <p:sp>
+            <p:nvSpPr>
+              <p:cNvPr id="33" name="テキスト ボックス 32"/>
+              <p:cNvSpPr txBox="1"/>
+              <p:nvPr/>
+            </p:nvSpPr>
+            <p:spPr>
+              <a:xfrm>
+                <a:off x="9782389" y="2579012"/>
+                <a:ext cx="426848" cy="830997"/>
+              </a:xfrm>
+              <a:prstGeom prst="rect">
+                <a:avLst/>
+              </a:prstGeom>
+              <a:noFill/>
+            </p:spPr>
+            <p:txBody>
+              <a:bodyPr wrap="none" lIns="0" tIns="0" rIns="0" bIns="0" rtlCol="0">
+                <a:spAutoFit/>
+              </a:bodyPr>
+              <a:lstStyle/>
+              <a:p>
+                <a14:m>
+                  <m:oMathPara xmlns:m="http://schemas.openxmlformats.org/officeDocument/2006/math">
+                    <m:oMathParaPr>
+                      <m:jc m:val="centerGroup"/>
+                    </m:oMathParaPr>
+                    <m:oMath xmlns:m="http://schemas.openxmlformats.org/officeDocument/2006/math">
+                      <m:sSub>
+                        <m:sSubPr>
+                          <m:ctrlPr>
+                            <a:rPr kumimoji="1" lang="en-US" altLang="ja-JP" b="0" i="1" smtClean="0">
+                              <a:latin typeface="Cambria Math" panose="02040503050406030204" pitchFamily="18" charset="0"/>
+                            </a:rPr>
+                          </m:ctrlPr>
+                        </m:sSubPr>
+                        <m:e>
+                          <m:r>
+                            <a:rPr kumimoji="1" lang="en-US" altLang="ja-JP" b="0" i="1" smtClean="0">
+                              <a:latin typeface="Cambria Math" panose="02040503050406030204" pitchFamily="18" charset="0"/>
+                            </a:rPr>
+                            <m:t>𝑦</m:t>
+                          </m:r>
+                        </m:e>
+                        <m:sub>
+                          <m:r>
+                            <a:rPr kumimoji="1" lang="en-US" altLang="ja-JP" b="0" i="1" smtClean="0">
+                              <a:latin typeface="Cambria Math" panose="02040503050406030204" pitchFamily="18" charset="0"/>
+                            </a:rPr>
+                            <m:t>2</m:t>
+                          </m:r>
+                        </m:sub>
+                      </m:sSub>
+                    </m:oMath>
+                  </m:oMathPara>
+                </a14:m>
+                <a:endParaRPr kumimoji="1" lang="en-US" altLang="ja-JP" b="0" dirty="0" smtClean="0"/>
+              </a:p>
+              <a:p>
+                <a:endParaRPr kumimoji="1" lang="en-US" altLang="ja-JP" b="0" dirty="0" smtClean="0"/>
+              </a:p>
+              <a:p>
+                <a:endParaRPr kumimoji="1" lang="ja-JP" altLang="en-US" dirty="0"/>
+              </a:p>
+            </p:txBody>
+          </p:sp>
+        </mc:Choice>
+        <mc:Fallback>
+          <p:sp>
+            <p:nvSpPr>
+              <p:cNvPr id="33" name="テキスト ボックス 32"/>
+              <p:cNvSpPr txBox="1">
+                <a:spLocks noRot="1" noChangeAspect="1" noMove="1" noResize="1" noEditPoints="1" noAdjustHandles="1" noChangeArrowheads="1" noChangeShapeType="1" noTextEdit="1"/>
+              </p:cNvSpPr>
+              <p:nvPr/>
+            </p:nvSpPr>
+            <p:spPr>
+              <a:xfrm>
+                <a:off x="9782389" y="2579012"/>
+                <a:ext cx="426848" cy="830997"/>
+              </a:xfrm>
+              <a:prstGeom prst="rect">
+                <a:avLst/>
+              </a:prstGeom>
+              <a:blipFill>
+                <a:blip r:embed="rId6"/>
+                <a:stretch>
+                  <a:fillRect/>
+                </a:stretch>
+              </a:blipFill>
+            </p:spPr>
+            <p:txBody>
+              <a:bodyPr/>
+              <a:lstStyle/>
+              <a:p>
+                <a:r>
+                  <a:rPr lang="ja-JP" altLang="en-US">
+                    <a:noFill/>
+                  </a:rPr>
+                  <a:t> </a:t>
+                </a:r>
+              </a:p>
+            </p:txBody>
+          </p:sp>
+        </mc:Fallback>
+      </mc:AlternateContent>
+      <mc:AlternateContent xmlns:mc="http://schemas.openxmlformats.org/markup-compatibility/2006">
+        <mc:Choice xmlns:a14="http://schemas.microsoft.com/office/drawing/2010/main" Requires="a14">
+          <p:sp>
+            <p:nvSpPr>
+              <p:cNvPr id="34" name="テキスト ボックス 33"/>
+              <p:cNvSpPr txBox="1"/>
+              <p:nvPr/>
+            </p:nvSpPr>
+            <p:spPr>
+              <a:xfrm>
+                <a:off x="3305736" y="3398632"/>
+                <a:ext cx="489814" cy="553998"/>
+              </a:xfrm>
+              <a:prstGeom prst="rect">
+                <a:avLst/>
+              </a:prstGeom>
+              <a:noFill/>
+            </p:spPr>
+            <p:txBody>
+              <a:bodyPr wrap="none" lIns="0" tIns="0" rIns="0" bIns="0" rtlCol="0">
+                <a:spAutoFit/>
+              </a:bodyPr>
+              <a:lstStyle/>
+              <a:p>
+                <a14:m>
+                  <m:oMathPara xmlns:m="http://schemas.openxmlformats.org/officeDocument/2006/math">
+                    <m:oMathParaPr>
+                      <m:jc m:val="centerGroup"/>
+                    </m:oMathParaPr>
+                    <m:oMath xmlns:m="http://schemas.openxmlformats.org/officeDocument/2006/math">
+                      <m:acc>
+                        <m:accPr>
+                          <m:chr m:val="̂"/>
+                          <m:ctrlPr>
+                            <a:rPr kumimoji="1" lang="en-US" altLang="ja-JP" b="0" i="1" smtClean="0">
+                              <a:latin typeface="Cambria Math" panose="02040503050406030204" pitchFamily="18" charset="0"/>
+                            </a:rPr>
+                          </m:ctrlPr>
+                        </m:accPr>
+                        <m:e>
+                          <m:r>
+                            <a:rPr kumimoji="1" lang="en-US" altLang="ja-JP" b="0" i="1" smtClean="0">
+                              <a:latin typeface="Cambria Math" panose="02040503050406030204" pitchFamily="18" charset="0"/>
+                            </a:rPr>
+                            <m:t>𝑥</m:t>
+                          </m:r>
+                        </m:e>
+                      </m:acc>
+                      <m:r>
+                        <a:rPr kumimoji="1" lang="en-US" altLang="ja-JP" b="0" i="1" smtClean="0">
+                          <a:latin typeface="Cambria Math" panose="02040503050406030204" pitchFamily="18" charset="0"/>
+                        </a:rPr>
+                        <m:t>[</m:t>
+                      </m:r>
+                      <m:r>
+                        <a:rPr kumimoji="1" lang="en-US" altLang="ja-JP" b="0" i="1" smtClean="0">
+                          <a:latin typeface="Cambria Math" panose="02040503050406030204" pitchFamily="18" charset="0"/>
+                        </a:rPr>
+                        <m:t>𝑘</m:t>
+                      </m:r>
+                      <m:r>
+                        <a:rPr kumimoji="1" lang="en-US" altLang="ja-JP" b="0" i="1" smtClean="0">
+                          <a:latin typeface="Cambria Math" panose="02040503050406030204" pitchFamily="18" charset="0"/>
+                        </a:rPr>
+                        <m:t>]</m:t>
+                      </m:r>
+                    </m:oMath>
+                  </m:oMathPara>
+                </a14:m>
+                <a:endParaRPr kumimoji="1" lang="en-US" altLang="ja-JP" b="0" dirty="0" smtClean="0"/>
+              </a:p>
+              <a:p>
+                <a:endParaRPr kumimoji="1" lang="ja-JP" altLang="en-US" dirty="0"/>
+              </a:p>
+            </p:txBody>
+          </p:sp>
+        </mc:Choice>
+        <mc:Fallback>
+          <p:sp>
+            <p:nvSpPr>
+              <p:cNvPr id="34" name="テキスト ボックス 33"/>
+              <p:cNvSpPr txBox="1">
+                <a:spLocks noRot="1" noChangeAspect="1" noMove="1" noResize="1" noEditPoints="1" noAdjustHandles="1" noChangeArrowheads="1" noChangeShapeType="1" noTextEdit="1"/>
+              </p:cNvSpPr>
+              <p:nvPr/>
+            </p:nvSpPr>
+            <p:spPr>
+              <a:xfrm>
+                <a:off x="3305736" y="3398632"/>
+                <a:ext cx="489814" cy="553998"/>
+              </a:xfrm>
+              <a:prstGeom prst="rect">
+                <a:avLst/>
+              </a:prstGeom>
+              <a:blipFill>
+                <a:blip r:embed="rId7"/>
+                <a:stretch>
+                  <a:fillRect l="-4938" t="-13333" r="-16049"/>
+                </a:stretch>
+              </a:blipFill>
+            </p:spPr>
+            <p:txBody>
+              <a:bodyPr/>
+              <a:lstStyle/>
+              <a:p>
+                <a:r>
+                  <a:rPr lang="ja-JP" altLang="en-US">
+                    <a:noFill/>
+                  </a:rPr>
+                  <a:t> </a:t>
+                </a:r>
+              </a:p>
+            </p:txBody>
+          </p:sp>
+        </mc:Fallback>
+      </mc:AlternateContent>
+      <p:sp>
+        <p:nvSpPr>
+          <p:cNvPr id="22" name="正方形/長方形 21"/>
+          <p:cNvSpPr/>
+          <p:nvPr/>
+        </p:nvSpPr>
+        <p:spPr>
+          <a:xfrm>
+            <a:off x="4669059" y="3398632"/>
+            <a:ext cx="882127" cy="613186"/>
+          </a:xfrm>
+          <a:prstGeom prst="rect">
+            <a:avLst/>
+          </a:prstGeom>
+          <a:solidFill>
+            <a:schemeClr val="bg1"/>
+          </a:solidFill>
+          <a:ln w="25400">
+            <a:solidFill>
+              <a:schemeClr val="tx1"/>
+            </a:solidFill>
+          </a:ln>
+        </p:spPr>
+        <p:style>
+          <a:lnRef idx="2">
+            <a:schemeClr val="accent1">
+              <a:shade val="50000"/>
+            </a:schemeClr>
+          </a:lnRef>
+          <a:fillRef idx="1">
+            <a:schemeClr val="accent1"/>
+          </a:fillRef>
+          <a:effectRef idx="0">
+            <a:schemeClr val="accent1"/>
+          </a:effectRef>
+          <a:fontRef idx="minor">
+            <a:schemeClr val="lt1"/>
+          </a:fontRef>
+        </p:style>
+        <p:txBody>
+          <a:bodyPr rtlCol="0" anchor="ctr"/>
+          <a:lstStyle/>
+          <a:p>
+            <a:pPr algn="ctr"/>
+            <a:r>
+              <a:rPr lang="ja-JP" altLang="en-US" dirty="0">
+                <a:solidFill>
+                  <a:schemeClr val="tx1"/>
+                </a:solidFill>
+              </a:rPr>
+              <a:t>観</a:t>
+            </a:r>
+            <a:r>
+              <a:rPr lang="ja-JP" altLang="en-US" dirty="0" smtClean="0">
+                <a:solidFill>
+                  <a:schemeClr val="tx1"/>
+                </a:solidFill>
+              </a:rPr>
+              <a:t>測</a:t>
+            </a:r>
+            <a:r>
+              <a:rPr lang="ja-JP" altLang="en-US" dirty="0">
+                <a:solidFill>
+                  <a:schemeClr val="tx1"/>
+                </a:solidFill>
+              </a:rPr>
+              <a:t>器</a:t>
+            </a:r>
+            <a:endParaRPr kumimoji="1" lang="ja-JP" altLang="en-US" dirty="0">
+              <a:solidFill>
+                <a:schemeClr val="tx1"/>
+              </a:solidFill>
+            </a:endParaRPr>
+          </a:p>
+        </p:txBody>
+      </p:sp>
+      <p:cxnSp>
+        <p:nvCxnSpPr>
+          <p:cNvPr id="24" name="直線矢印コネクタ 23"/>
+          <p:cNvCxnSpPr/>
+          <p:nvPr/>
+        </p:nvCxnSpPr>
+        <p:spPr>
+          <a:xfrm flipH="1">
+            <a:off x="5544016" y="3675631"/>
+            <a:ext cx="3357097" cy="0"/>
+          </a:xfrm>
+          <a:prstGeom prst="straightConnector1">
+            <a:avLst/>
+          </a:prstGeom>
+          <a:ln w="38100">
+            <a:solidFill>
+              <a:schemeClr val="tx1"/>
+            </a:solidFill>
+            <a:tailEnd type="triangle"/>
+          </a:ln>
+        </p:spPr>
+        <p:style>
+          <a:lnRef idx="1">
+            <a:schemeClr val="accent1"/>
+          </a:lnRef>
+          <a:fillRef idx="0">
+            <a:schemeClr val="accent1"/>
+          </a:fillRef>
+          <a:effectRef idx="0">
+            <a:schemeClr val="accent1"/>
+          </a:effectRef>
+          <a:fontRef idx="minor">
+            <a:schemeClr val="tx1"/>
+          </a:fontRef>
+        </p:style>
+      </p:cxnSp>
+      <p:cxnSp>
+        <p:nvCxnSpPr>
+          <p:cNvPr id="28" name="直線コネクタ 27"/>
+          <p:cNvCxnSpPr/>
+          <p:nvPr/>
+        </p:nvCxnSpPr>
+        <p:spPr>
+          <a:xfrm>
+            <a:off x="9085825" y="2758144"/>
+            <a:ext cx="7172" cy="1097925"/>
+          </a:xfrm>
+          <a:prstGeom prst="line">
+            <a:avLst/>
+          </a:prstGeom>
+          <a:ln w="38100">
+            <a:solidFill>
+              <a:schemeClr val="tx1"/>
+            </a:solidFill>
+          </a:ln>
+        </p:spPr>
+        <p:style>
+          <a:lnRef idx="1">
+            <a:schemeClr val="accent1"/>
+          </a:lnRef>
+          <a:fillRef idx="0">
+            <a:schemeClr val="accent1"/>
+          </a:fillRef>
+          <a:effectRef idx="0">
+            <a:schemeClr val="accent1"/>
+          </a:effectRef>
+          <a:fontRef idx="minor">
+            <a:schemeClr val="tx1"/>
+          </a:fontRef>
+        </p:style>
+      </p:cxnSp>
+      <p:cxnSp>
+        <p:nvCxnSpPr>
+          <p:cNvPr id="35" name="直線矢印コネクタ 34"/>
+          <p:cNvCxnSpPr/>
+          <p:nvPr/>
+        </p:nvCxnSpPr>
+        <p:spPr>
+          <a:xfrm flipH="1">
+            <a:off x="5547600" y="3839523"/>
+            <a:ext cx="3545398" cy="11912"/>
+          </a:xfrm>
+          <a:prstGeom prst="straightConnector1">
+            <a:avLst/>
+          </a:prstGeom>
+          <a:ln w="38100">
+            <a:solidFill>
+              <a:schemeClr val="tx1"/>
+            </a:solidFill>
+            <a:tailEnd type="triangle"/>
+          </a:ln>
+        </p:spPr>
+        <p:style>
+          <a:lnRef idx="1">
+            <a:schemeClr val="accent1"/>
+          </a:lnRef>
+          <a:fillRef idx="0">
+            <a:schemeClr val="accent1"/>
+          </a:fillRef>
+          <a:effectRef idx="0">
+            <a:schemeClr val="accent1"/>
+          </a:effectRef>
+          <a:fontRef idx="minor">
+            <a:schemeClr val="tx1"/>
+          </a:fontRef>
+        </p:style>
+      </p:cxnSp>
+      <p:cxnSp>
+        <p:nvCxnSpPr>
+          <p:cNvPr id="36" name="直線コネクタ 35"/>
+          <p:cNvCxnSpPr/>
+          <p:nvPr/>
+        </p:nvCxnSpPr>
+        <p:spPr>
+          <a:xfrm>
+            <a:off x="5930277" y="2642913"/>
+            <a:ext cx="0" cy="861268"/>
+          </a:xfrm>
+          <a:prstGeom prst="line">
+            <a:avLst/>
+          </a:prstGeom>
+          <a:ln w="38100">
+            <a:solidFill>
+              <a:schemeClr val="tx1"/>
+            </a:solidFill>
+          </a:ln>
+        </p:spPr>
+        <p:style>
+          <a:lnRef idx="1">
+            <a:schemeClr val="accent1"/>
+          </a:lnRef>
+          <a:fillRef idx="0">
+            <a:schemeClr val="accent1"/>
+          </a:fillRef>
+          <a:effectRef idx="0">
+            <a:schemeClr val="accent1"/>
+          </a:effectRef>
+          <a:fontRef idx="minor">
+            <a:schemeClr val="tx1"/>
+          </a:fontRef>
+        </p:style>
+      </p:cxnSp>
+      <p:cxnSp>
+        <p:nvCxnSpPr>
+          <p:cNvPr id="37" name="直線矢印コネクタ 36"/>
+          <p:cNvCxnSpPr/>
+          <p:nvPr/>
+        </p:nvCxnSpPr>
+        <p:spPr>
+          <a:xfrm flipH="1">
+            <a:off x="5551189" y="3493294"/>
+            <a:ext cx="379088" cy="10887"/>
+          </a:xfrm>
+          <a:prstGeom prst="straightConnector1">
+            <a:avLst/>
+          </a:prstGeom>
+          <a:ln w="38100">
+            <a:solidFill>
+              <a:schemeClr val="tx1"/>
+            </a:solidFill>
+            <a:tailEnd type="triangle"/>
+          </a:ln>
+        </p:spPr>
+        <p:style>
+          <a:lnRef idx="1">
+            <a:schemeClr val="accent1"/>
+          </a:lnRef>
+          <a:fillRef idx="0">
+            <a:schemeClr val="accent1"/>
+          </a:fillRef>
+          <a:effectRef idx="0">
+            <a:schemeClr val="accent1"/>
+          </a:effectRef>
+          <a:fontRef idx="minor">
+            <a:schemeClr val="tx1"/>
+          </a:fontRef>
+        </p:style>
+      </p:cxnSp>
+      <p:sp>
+        <p:nvSpPr>
+          <p:cNvPr id="42" name="正方形/長方形 41"/>
+          <p:cNvSpPr/>
+          <p:nvPr/>
+        </p:nvSpPr>
+        <p:spPr>
+          <a:xfrm>
+            <a:off x="6139143" y="2323652"/>
+            <a:ext cx="882127" cy="613186"/>
+          </a:xfrm>
+          <a:prstGeom prst="rect">
+            <a:avLst/>
+          </a:prstGeom>
+          <a:solidFill>
+            <a:schemeClr val="bg1"/>
+          </a:solidFill>
+          <a:ln w="25400">
+            <a:solidFill>
+              <a:schemeClr val="tx1"/>
+            </a:solidFill>
+          </a:ln>
+        </p:spPr>
+        <p:style>
+          <a:lnRef idx="2">
+            <a:schemeClr val="accent1">
+              <a:shade val="50000"/>
+            </a:schemeClr>
+          </a:lnRef>
+          <a:fillRef idx="1">
+            <a:schemeClr val="accent1"/>
+          </a:fillRef>
+          <a:effectRef idx="0">
+            <a:schemeClr val="accent1"/>
+          </a:effectRef>
+          <a:fontRef idx="minor">
+            <a:schemeClr val="lt1"/>
+          </a:fontRef>
+        </p:style>
+        <p:txBody>
+          <a:bodyPr rtlCol="0" anchor="ctr"/>
+          <a:lstStyle/>
+          <a:p>
+            <a:pPr algn="ctr"/>
+            <a:r>
+              <a:rPr lang="ja-JP" altLang="en-US" dirty="0" smtClean="0">
+                <a:solidFill>
+                  <a:schemeClr val="tx1"/>
+                </a:solidFill>
+              </a:rPr>
+              <a:t>離散</a:t>
+            </a:r>
+            <a:r>
+              <a:rPr lang="ja-JP" altLang="en-US" dirty="0">
+                <a:solidFill>
+                  <a:schemeClr val="tx1"/>
+                </a:solidFill>
+              </a:rPr>
+              <a:t>器</a:t>
+            </a:r>
+            <a:endParaRPr kumimoji="1" lang="en-US" altLang="ja-JP" dirty="0" smtClean="0">
+              <a:solidFill>
+                <a:schemeClr val="tx1"/>
+              </a:solidFill>
+            </a:endParaRPr>
+          </a:p>
+        </p:txBody>
+      </p:sp>
+      <p:cxnSp>
+        <p:nvCxnSpPr>
+          <p:cNvPr id="51" name="直線矢印コネクタ 50"/>
+          <p:cNvCxnSpPr/>
+          <p:nvPr/>
+        </p:nvCxnSpPr>
+        <p:spPr>
+          <a:xfrm>
+            <a:off x="7021270" y="2623969"/>
+            <a:ext cx="366470" cy="0"/>
+          </a:xfrm>
+          <a:prstGeom prst="straightConnector1">
+            <a:avLst/>
+          </a:prstGeom>
+          <a:ln w="38100">
+            <a:solidFill>
+              <a:schemeClr val="tx1"/>
+            </a:solidFill>
+            <a:tailEnd type="triangle"/>
+          </a:ln>
+        </p:spPr>
+        <p:style>
+          <a:lnRef idx="1">
+            <a:schemeClr val="accent1"/>
+          </a:lnRef>
+          <a:fillRef idx="0">
+            <a:schemeClr val="accent1"/>
+          </a:fillRef>
+          <a:effectRef idx="0">
+            <a:schemeClr val="accent1"/>
+          </a:effectRef>
+          <a:fontRef idx="minor">
+            <a:schemeClr val="tx1"/>
+          </a:fontRef>
+        </p:style>
+      </p:cxnSp>
+    </p:spTree>
+    <p:extLst>
+      <p:ext uri="{BB962C8B-B14F-4D97-AF65-F5344CB8AC3E}">
+        <p14:creationId xmlns:p14="http://schemas.microsoft.com/office/powerpoint/2010/main" val="1231809636"/>
+      </p:ext>
+    </p:extLst>
+  </p:cSld>
+  <p:clrMapOvr>
+    <a:masterClrMapping/>
+  </p:clrMapOvr>
+</p:sld>
+</file>
+
+<file path=ppt/slides/slide12.xml><?xml version="1.0" encoding="utf-8"?>
+<p:sld xmlns:a="http://schemas.openxmlformats.org/drawingml/2006/main" xmlns:r="http://schemas.openxmlformats.org/officeDocument/2006/relationships" xmlns:p="http://schemas.openxmlformats.org/presentationml/2006/main">
+  <p:cSld>
+    <p:spTree>
+      <p:nvGrpSpPr>
+        <p:cNvPr id="1" name=""/>
+        <p:cNvGrpSpPr/>
+        <p:nvPr/>
+      </p:nvGrpSpPr>
+      <p:grpSpPr>
+        <a:xfrm>
+          <a:off x="0" y="0"/>
+          <a:ext cx="0" cy="0"/>
+          <a:chOff x="0" y="0"/>
+          <a:chExt cx="0" cy="0"/>
+        </a:xfrm>
+      </p:grpSpPr>
+      <p:sp>
+        <p:nvSpPr>
+          <p:cNvPr id="2" name="正方形/長方形 1"/>
+          <p:cNvSpPr/>
+          <p:nvPr/>
+        </p:nvSpPr>
+        <p:spPr>
+          <a:xfrm>
+            <a:off x="3218329" y="2323652"/>
+            <a:ext cx="882127" cy="613186"/>
+          </a:xfrm>
+          <a:prstGeom prst="rect">
+            <a:avLst/>
+          </a:prstGeom>
+          <a:solidFill>
+            <a:schemeClr val="bg1"/>
+          </a:solidFill>
+          <a:ln w="25400">
+            <a:solidFill>
+              <a:schemeClr val="tx1"/>
+            </a:solidFill>
+          </a:ln>
+        </p:spPr>
+        <p:style>
+          <a:lnRef idx="2">
+            <a:schemeClr val="accent1">
+              <a:shade val="50000"/>
+            </a:schemeClr>
+          </a:lnRef>
+          <a:fillRef idx="1">
+            <a:schemeClr val="accent1"/>
+          </a:fillRef>
+          <a:effectRef idx="0">
+            <a:schemeClr val="accent1"/>
+          </a:effectRef>
+          <a:fontRef idx="minor">
+            <a:schemeClr val="lt1"/>
+          </a:fontRef>
+        </p:style>
+        <p:txBody>
+          <a:bodyPr rtlCol="0" anchor="ctr"/>
+          <a:lstStyle/>
+          <a:p>
+            <a:pPr algn="ctr"/>
+            <a:r>
+              <a:rPr kumimoji="1" lang="en-US" altLang="ja-JP" dirty="0" smtClean="0">
+                <a:solidFill>
+                  <a:schemeClr val="tx1"/>
+                </a:solidFill>
+              </a:rPr>
+              <a:t>F</a:t>
+            </a:r>
+            <a:endParaRPr kumimoji="1" lang="ja-JP" altLang="en-US" dirty="0">
+              <a:solidFill>
+                <a:schemeClr val="tx1"/>
+              </a:solidFill>
+            </a:endParaRPr>
+          </a:p>
+        </p:txBody>
+      </p:sp>
+      <p:sp>
+        <p:nvSpPr>
+          <p:cNvPr id="3" name="正方形/長方形 2"/>
+          <p:cNvSpPr/>
+          <p:nvPr/>
+        </p:nvSpPr>
+        <p:spPr>
+          <a:xfrm>
+            <a:off x="7379279" y="2317376"/>
+            <a:ext cx="1359721" cy="613186"/>
+          </a:xfrm>
+          <a:prstGeom prst="rect">
+            <a:avLst/>
+          </a:prstGeom>
+          <a:solidFill>
+            <a:schemeClr val="bg1"/>
+          </a:solidFill>
+          <a:ln w="25400">
+            <a:solidFill>
+              <a:schemeClr val="tx1"/>
+            </a:solidFill>
+          </a:ln>
+        </p:spPr>
+        <p:style>
+          <a:lnRef idx="2">
+            <a:schemeClr val="accent1">
+              <a:shade val="50000"/>
+            </a:schemeClr>
+          </a:lnRef>
+          <a:fillRef idx="1">
+            <a:schemeClr val="accent1"/>
+          </a:fillRef>
+          <a:effectRef idx="0">
+            <a:schemeClr val="accent1"/>
+          </a:effectRef>
+          <a:fontRef idx="minor">
+            <a:schemeClr val="lt1"/>
+          </a:fontRef>
+        </p:style>
+        <p:txBody>
+          <a:bodyPr rtlCol="0" anchor="ctr"/>
+          <a:lstStyle/>
+          <a:p>
+            <a:pPr algn="ctr"/>
+            <a:r>
+              <a:rPr kumimoji="1" lang="ja-JP" altLang="en-US" dirty="0" smtClean="0">
+                <a:solidFill>
+                  <a:schemeClr val="tx1"/>
+                </a:solidFill>
+              </a:rPr>
+              <a:t>倒立振子</a:t>
+            </a:r>
+            <a:endParaRPr kumimoji="1" lang="ja-JP" altLang="en-US" dirty="0">
+              <a:solidFill>
+                <a:schemeClr val="tx1"/>
+              </a:solidFill>
+            </a:endParaRPr>
+          </a:p>
+        </p:txBody>
+      </p:sp>
+      <p:sp>
+        <p:nvSpPr>
+          <p:cNvPr id="4" name="正方形/長方形 3"/>
+          <p:cNvSpPr/>
+          <p:nvPr/>
+        </p:nvSpPr>
+        <p:spPr>
+          <a:xfrm>
+            <a:off x="4925009" y="2324386"/>
+            <a:ext cx="882127" cy="613186"/>
+          </a:xfrm>
+          <a:prstGeom prst="rect">
+            <a:avLst/>
+          </a:prstGeom>
+          <a:solidFill>
+            <a:schemeClr val="bg1"/>
+          </a:solidFill>
+          <a:ln w="25400">
+            <a:solidFill>
+              <a:schemeClr val="tx1"/>
+            </a:solidFill>
+          </a:ln>
+        </p:spPr>
+        <p:style>
+          <a:lnRef idx="2">
+            <a:schemeClr val="accent1">
+              <a:shade val="50000"/>
+            </a:schemeClr>
+          </a:lnRef>
+          <a:fillRef idx="1">
+            <a:schemeClr val="accent1"/>
+          </a:fillRef>
+          <a:effectRef idx="0">
+            <a:schemeClr val="accent1"/>
+          </a:effectRef>
+          <a:fontRef idx="minor">
+            <a:schemeClr val="lt1"/>
+          </a:fontRef>
+        </p:style>
+        <p:txBody>
+          <a:bodyPr rtlCol="0" anchor="ctr"/>
+          <a:lstStyle/>
+          <a:p>
+            <a:pPr algn="ctr"/>
+            <a:r>
+              <a:rPr lang="ja-JP" altLang="en-US" dirty="0" smtClean="0">
+                <a:solidFill>
+                  <a:schemeClr val="tx1"/>
+                </a:solidFill>
+              </a:rPr>
+              <a:t>飽和</a:t>
+            </a:r>
+            <a:r>
+              <a:rPr lang="ja-JP" altLang="en-US" dirty="0">
+                <a:solidFill>
+                  <a:schemeClr val="tx1"/>
+                </a:solidFill>
+              </a:rPr>
+              <a:t>器</a:t>
+            </a:r>
+            <a:endParaRPr kumimoji="1" lang="en-US" altLang="ja-JP" dirty="0" smtClean="0">
+              <a:solidFill>
+                <a:schemeClr val="tx1"/>
+              </a:solidFill>
+            </a:endParaRPr>
+          </a:p>
+        </p:txBody>
+      </p:sp>
+      <p:cxnSp>
+        <p:nvCxnSpPr>
+          <p:cNvPr id="7" name="直線矢印コネクタ 6"/>
+          <p:cNvCxnSpPr>
+            <a:stCxn id="2" idx="3"/>
+            <a:endCxn id="4" idx="1"/>
+          </p:cNvCxnSpPr>
+          <p:nvPr/>
+        </p:nvCxnSpPr>
+        <p:spPr>
+          <a:xfrm>
+            <a:off x="4100456" y="2630245"/>
+            <a:ext cx="824553" cy="734"/>
+          </a:xfrm>
+          <a:prstGeom prst="straightConnector1">
+            <a:avLst/>
+          </a:prstGeom>
+          <a:ln w="38100">
+            <a:solidFill>
+              <a:schemeClr val="tx1"/>
+            </a:solidFill>
+            <a:tailEnd type="triangle"/>
+          </a:ln>
+        </p:spPr>
+        <p:style>
+          <a:lnRef idx="1">
+            <a:schemeClr val="accent1"/>
+          </a:lnRef>
+          <a:fillRef idx="0">
+            <a:schemeClr val="accent1"/>
+          </a:fillRef>
+          <a:effectRef idx="0">
+            <a:schemeClr val="accent1"/>
+          </a:effectRef>
+          <a:fontRef idx="minor">
+            <a:schemeClr val="tx1"/>
+          </a:fontRef>
+        </p:style>
+      </p:cxnSp>
+      <p:cxnSp>
+        <p:nvCxnSpPr>
+          <p:cNvPr id="9" name="直線矢印コネクタ 8"/>
+          <p:cNvCxnSpPr>
+            <a:stCxn id="4" idx="3"/>
+          </p:cNvCxnSpPr>
+          <p:nvPr/>
+        </p:nvCxnSpPr>
+        <p:spPr>
+          <a:xfrm>
+            <a:off x="5807136" y="2630979"/>
+            <a:ext cx="332007" cy="6330"/>
+          </a:xfrm>
+          <a:prstGeom prst="straightConnector1">
+            <a:avLst/>
+          </a:prstGeom>
+          <a:ln w="38100">
+            <a:solidFill>
+              <a:schemeClr val="tx1"/>
+            </a:solidFill>
+            <a:tailEnd type="triangle"/>
+          </a:ln>
+        </p:spPr>
+        <p:style>
+          <a:lnRef idx="1">
+            <a:schemeClr val="accent1"/>
+          </a:lnRef>
+          <a:fillRef idx="0">
+            <a:schemeClr val="accent1"/>
+          </a:fillRef>
+          <a:effectRef idx="0">
+            <a:schemeClr val="accent1"/>
+          </a:effectRef>
+          <a:fontRef idx="minor">
+            <a:schemeClr val="tx1"/>
+          </a:fontRef>
+        </p:style>
+      </p:cxnSp>
+      <p:cxnSp>
+        <p:nvCxnSpPr>
+          <p:cNvPr id="10" name="直線矢印コネクタ 9"/>
+          <p:cNvCxnSpPr/>
+          <p:nvPr/>
+        </p:nvCxnSpPr>
+        <p:spPr>
+          <a:xfrm>
+            <a:off x="8739000" y="2482169"/>
+            <a:ext cx="1120140" cy="0"/>
+          </a:xfrm>
+          <a:prstGeom prst="straightConnector1">
+            <a:avLst/>
+          </a:prstGeom>
+          <a:ln w="38100">
+            <a:solidFill>
+              <a:schemeClr val="tx1"/>
+            </a:solidFill>
+            <a:tailEnd type="triangle"/>
+          </a:ln>
+        </p:spPr>
+        <p:style>
+          <a:lnRef idx="1">
+            <a:schemeClr val="accent1"/>
+          </a:lnRef>
+          <a:fillRef idx="0">
+            <a:schemeClr val="accent1"/>
+          </a:fillRef>
+          <a:effectRef idx="0">
+            <a:schemeClr val="accent1"/>
+          </a:effectRef>
+          <a:fontRef idx="minor">
+            <a:schemeClr val="tx1"/>
+          </a:fontRef>
+        </p:style>
+      </p:cxnSp>
+      <p:cxnSp>
+        <p:nvCxnSpPr>
+          <p:cNvPr id="11" name="直線矢印コネクタ 10"/>
+          <p:cNvCxnSpPr/>
+          <p:nvPr/>
+        </p:nvCxnSpPr>
+        <p:spPr>
+          <a:xfrm>
+            <a:off x="8739000" y="2739906"/>
+            <a:ext cx="1120140" cy="0"/>
+          </a:xfrm>
+          <a:prstGeom prst="straightConnector1">
+            <a:avLst/>
+          </a:prstGeom>
+          <a:ln w="38100">
+            <a:solidFill>
+              <a:schemeClr val="tx1"/>
+            </a:solidFill>
+            <a:tailEnd type="triangle"/>
+          </a:ln>
+        </p:spPr>
+        <p:style>
+          <a:lnRef idx="1">
+            <a:schemeClr val="accent1"/>
+          </a:lnRef>
+          <a:fillRef idx="0">
+            <a:schemeClr val="accent1"/>
+          </a:fillRef>
+          <a:effectRef idx="0">
+            <a:schemeClr val="accent1"/>
+          </a:effectRef>
+          <a:fontRef idx="minor">
+            <a:schemeClr val="tx1"/>
+          </a:fontRef>
+        </p:style>
+      </p:cxnSp>
+      <p:cxnSp>
+        <p:nvCxnSpPr>
+          <p:cNvPr id="13" name="直線矢印コネクタ 12"/>
+          <p:cNvCxnSpPr/>
+          <p:nvPr/>
+        </p:nvCxnSpPr>
+        <p:spPr>
+          <a:xfrm>
+            <a:off x="2380877" y="2782687"/>
+            <a:ext cx="858093" cy="0"/>
+          </a:xfrm>
+          <a:prstGeom prst="straightConnector1">
+            <a:avLst/>
+          </a:prstGeom>
+          <a:ln w="38100">
+            <a:solidFill>
+              <a:schemeClr val="tx1"/>
+            </a:solidFill>
+            <a:tailEnd type="triangle"/>
+          </a:ln>
+        </p:spPr>
+        <p:style>
+          <a:lnRef idx="1">
+            <a:schemeClr val="accent1"/>
+          </a:lnRef>
+          <a:fillRef idx="0">
+            <a:schemeClr val="accent1"/>
+          </a:fillRef>
+          <a:effectRef idx="0">
+            <a:schemeClr val="accent1"/>
+          </a:effectRef>
+          <a:fontRef idx="minor">
+            <a:schemeClr val="tx1"/>
+          </a:fontRef>
+        </p:style>
+      </p:cxnSp>
+      <p:cxnSp>
+        <p:nvCxnSpPr>
+          <p:cNvPr id="19" name="直線コネクタ 18"/>
+          <p:cNvCxnSpPr>
+            <a:endCxn id="22" idx="1"/>
+          </p:cNvCxnSpPr>
+          <p:nvPr/>
+        </p:nvCxnSpPr>
+        <p:spPr>
+          <a:xfrm>
+            <a:off x="2381922" y="3705225"/>
+            <a:ext cx="2287137" cy="0"/>
+          </a:xfrm>
+          <a:prstGeom prst="line">
+            <a:avLst/>
+          </a:prstGeom>
+          <a:ln w="38100">
+            <a:solidFill>
+              <a:schemeClr val="tx1"/>
+            </a:solidFill>
+          </a:ln>
+        </p:spPr>
+        <p:style>
+          <a:lnRef idx="1">
+            <a:schemeClr val="accent1"/>
+          </a:lnRef>
+          <a:fillRef idx="0">
+            <a:schemeClr val="accent1"/>
+          </a:fillRef>
+          <a:effectRef idx="0">
+            <a:schemeClr val="accent1"/>
+          </a:effectRef>
+          <a:fontRef idx="minor">
+            <a:schemeClr val="tx1"/>
+          </a:fontRef>
+        </p:style>
+      </p:cxnSp>
+      <p:cxnSp>
+        <p:nvCxnSpPr>
+          <p:cNvPr id="21" name="直線コネクタ 20"/>
+          <p:cNvCxnSpPr/>
+          <p:nvPr/>
+        </p:nvCxnSpPr>
+        <p:spPr>
+          <a:xfrm>
+            <a:off x="8885565" y="2478660"/>
+            <a:ext cx="15548" cy="2130421"/>
+          </a:xfrm>
+          <a:prstGeom prst="line">
+            <a:avLst/>
+          </a:prstGeom>
+          <a:ln w="38100">
+            <a:solidFill>
+              <a:schemeClr val="tx1"/>
+            </a:solidFill>
+          </a:ln>
+        </p:spPr>
+        <p:style>
+          <a:lnRef idx="1">
+            <a:schemeClr val="accent1"/>
+          </a:lnRef>
+          <a:fillRef idx="0">
+            <a:schemeClr val="accent1"/>
+          </a:fillRef>
+          <a:effectRef idx="0">
+            <a:schemeClr val="accent1"/>
+          </a:effectRef>
+          <a:fontRef idx="minor">
+            <a:schemeClr val="tx1"/>
+          </a:fontRef>
+        </p:style>
+      </p:cxnSp>
+      <mc:AlternateContent xmlns:mc="http://schemas.openxmlformats.org/markup-compatibility/2006">
+        <mc:Choice xmlns:a14="http://schemas.microsoft.com/office/drawing/2010/main" Requires="a14">
+          <p:sp>
+            <p:nvSpPr>
+              <p:cNvPr id="31" name="テキスト ボックス 30"/>
+              <p:cNvSpPr txBox="1"/>
+              <p:nvPr/>
+            </p:nvSpPr>
+            <p:spPr>
+              <a:xfrm>
+                <a:off x="4474397" y="2262817"/>
+                <a:ext cx="448521" cy="553998"/>
+              </a:xfrm>
+              <a:prstGeom prst="rect">
+                <a:avLst/>
+              </a:prstGeom>
+              <a:noFill/>
+            </p:spPr>
+            <p:txBody>
+              <a:bodyPr wrap="none" lIns="0" tIns="0" rIns="0" bIns="0" rtlCol="0">
+                <a:spAutoFit/>
+              </a:bodyPr>
+              <a:lstStyle/>
+              <a:p>
+                <a14:m>
+                  <m:oMathPara xmlns:m="http://schemas.openxmlformats.org/officeDocument/2006/math">
+                    <m:oMathParaPr>
+                      <m:jc m:val="centerGroup"/>
+                    </m:oMathParaPr>
+                    <m:oMath xmlns:m="http://schemas.openxmlformats.org/officeDocument/2006/math">
+                      <m:r>
+                        <a:rPr kumimoji="1" lang="en-US" altLang="ja-JP" b="0" i="1" smtClean="0">
+                          <a:latin typeface="Cambria Math" panose="02040503050406030204" pitchFamily="18" charset="0"/>
+                        </a:rPr>
+                        <m:t>𝑢</m:t>
+                      </m:r>
+                    </m:oMath>
+                  </m:oMathPara>
+                </a14:m>
+                <a:endParaRPr kumimoji="1" lang="en-US" altLang="ja-JP" b="0" dirty="0" smtClean="0"/>
+              </a:p>
+              <a:p>
+                <a:endParaRPr kumimoji="1" lang="ja-JP" altLang="en-US" dirty="0"/>
+              </a:p>
+            </p:txBody>
+          </p:sp>
+        </mc:Choice>
+        <mc:Fallback>
+          <p:sp>
+            <p:nvSpPr>
+              <p:cNvPr id="31" name="テキスト ボックス 30"/>
+              <p:cNvSpPr txBox="1">
+                <a:spLocks noRot="1" noChangeAspect="1" noMove="1" noResize="1" noEditPoints="1" noAdjustHandles="1" noChangeArrowheads="1" noChangeShapeType="1" noTextEdit="1"/>
+              </p:cNvSpPr>
+              <p:nvPr/>
+            </p:nvSpPr>
+            <p:spPr>
+              <a:xfrm>
+                <a:off x="4474397" y="2262817"/>
+                <a:ext cx="448521" cy="553998"/>
+              </a:xfrm>
+              <a:prstGeom prst="rect">
+                <a:avLst/>
+              </a:prstGeom>
+              <a:blipFill>
+                <a:blip r:embed="rId2"/>
+                <a:stretch>
+                  <a:fillRect/>
+                </a:stretch>
+              </a:blipFill>
+            </p:spPr>
+            <p:txBody>
+              <a:bodyPr/>
+              <a:lstStyle/>
+              <a:p>
+                <a:r>
+                  <a:rPr lang="ja-JP" altLang="en-US">
+                    <a:noFill/>
+                  </a:rPr>
+                  <a:t> </a:t>
+                </a:r>
+              </a:p>
+            </p:txBody>
+          </p:sp>
+        </mc:Fallback>
+      </mc:AlternateContent>
+      <mc:AlternateContent xmlns:mc="http://schemas.openxmlformats.org/markup-compatibility/2006">
+        <mc:Choice xmlns:a14="http://schemas.microsoft.com/office/drawing/2010/main" Requires="a14">
+          <p:sp>
+            <p:nvSpPr>
+              <p:cNvPr id="32" name="テキスト ボックス 31"/>
+              <p:cNvSpPr txBox="1"/>
+              <p:nvPr/>
+            </p:nvSpPr>
+            <p:spPr>
+              <a:xfrm>
+                <a:off x="9723206" y="2306196"/>
+                <a:ext cx="545214" cy="830997"/>
+              </a:xfrm>
+              <a:prstGeom prst="rect">
+                <a:avLst/>
+              </a:prstGeom>
+              <a:noFill/>
+            </p:spPr>
+            <p:txBody>
+              <a:bodyPr wrap="none" lIns="0" tIns="0" rIns="0" bIns="0" rtlCol="0">
+                <a:spAutoFit/>
+              </a:bodyPr>
+              <a:lstStyle/>
+              <a:p>
+                <a14:m>
+                  <m:oMathPara xmlns:m="http://schemas.openxmlformats.org/officeDocument/2006/math">
+                    <m:oMathParaPr>
+                      <m:jc m:val="centerGroup"/>
+                    </m:oMathParaPr>
+                    <m:oMath xmlns:m="http://schemas.openxmlformats.org/officeDocument/2006/math">
+                      <m:sSub>
+                        <m:sSubPr>
+                          <m:ctrlPr>
+                            <a:rPr kumimoji="1" lang="en-US" altLang="ja-JP" b="0" i="1" smtClean="0">
+                              <a:latin typeface="Cambria Math" panose="02040503050406030204" pitchFamily="18" charset="0"/>
+                            </a:rPr>
+                          </m:ctrlPr>
+                        </m:sSubPr>
+                        <m:e>
+                          <m:r>
+                            <a:rPr kumimoji="1" lang="en-US" altLang="ja-JP" b="0" i="1" smtClean="0">
+                              <a:latin typeface="Cambria Math" panose="02040503050406030204" pitchFamily="18" charset="0"/>
+                            </a:rPr>
+                            <m:t>𝑦</m:t>
+                          </m:r>
+                        </m:e>
+                        <m:sub>
+                          <m:r>
+                            <a:rPr kumimoji="1" lang="en-US" altLang="ja-JP" b="0" i="1" smtClean="0">
+                              <a:latin typeface="Cambria Math" panose="02040503050406030204" pitchFamily="18" charset="0"/>
+                            </a:rPr>
+                            <m:t>1</m:t>
+                          </m:r>
+                        </m:sub>
+                      </m:sSub>
+                    </m:oMath>
+                  </m:oMathPara>
+                </a14:m>
+                <a:endParaRPr kumimoji="1" lang="en-US" altLang="ja-JP" b="0" dirty="0" smtClean="0"/>
+              </a:p>
+              <a:p>
+                <a:endParaRPr kumimoji="1" lang="en-US" altLang="ja-JP" b="0" dirty="0" smtClean="0"/>
+              </a:p>
+              <a:p>
+                <a:endParaRPr kumimoji="1" lang="ja-JP" altLang="en-US" dirty="0"/>
+              </a:p>
+            </p:txBody>
+          </p:sp>
+        </mc:Choice>
+        <mc:Fallback>
+          <p:sp>
+            <p:nvSpPr>
+              <p:cNvPr id="32" name="テキスト ボックス 31"/>
+              <p:cNvSpPr txBox="1">
+                <a:spLocks noRot="1" noChangeAspect="1" noMove="1" noResize="1" noEditPoints="1" noAdjustHandles="1" noChangeArrowheads="1" noChangeShapeType="1" noTextEdit="1"/>
+              </p:cNvSpPr>
+              <p:nvPr/>
+            </p:nvSpPr>
+            <p:spPr>
+              <a:xfrm>
+                <a:off x="9723206" y="2306196"/>
+                <a:ext cx="545214" cy="830997"/>
+              </a:xfrm>
+              <a:prstGeom prst="rect">
+                <a:avLst/>
+              </a:prstGeom>
+              <a:blipFill>
+                <a:blip r:embed="rId3"/>
+                <a:stretch>
+                  <a:fillRect/>
+                </a:stretch>
+              </a:blipFill>
+            </p:spPr>
+            <p:txBody>
+              <a:bodyPr/>
+              <a:lstStyle/>
+              <a:p>
+                <a:r>
+                  <a:rPr lang="ja-JP" altLang="en-US">
+                    <a:noFill/>
+                  </a:rPr>
+                  <a:t> </a:t>
+                </a:r>
+              </a:p>
+            </p:txBody>
+          </p:sp>
+        </mc:Fallback>
+      </mc:AlternateContent>
+      <mc:AlternateContent xmlns:mc="http://schemas.openxmlformats.org/markup-compatibility/2006">
+        <mc:Choice xmlns:a14="http://schemas.microsoft.com/office/drawing/2010/main" Requires="a14">
+          <p:sp>
+            <p:nvSpPr>
+              <p:cNvPr id="33" name="テキスト ボックス 32"/>
+              <p:cNvSpPr txBox="1"/>
+              <p:nvPr/>
+            </p:nvSpPr>
+            <p:spPr>
+              <a:xfrm>
+                <a:off x="9782389" y="2579012"/>
+                <a:ext cx="426848" cy="830997"/>
+              </a:xfrm>
+              <a:prstGeom prst="rect">
+                <a:avLst/>
+              </a:prstGeom>
+              <a:noFill/>
+            </p:spPr>
+            <p:txBody>
+              <a:bodyPr wrap="none" lIns="0" tIns="0" rIns="0" bIns="0" rtlCol="0">
+                <a:spAutoFit/>
+              </a:bodyPr>
+              <a:lstStyle/>
+              <a:p>
+                <a14:m>
+                  <m:oMathPara xmlns:m="http://schemas.openxmlformats.org/officeDocument/2006/math">
+                    <m:oMathParaPr>
+                      <m:jc m:val="centerGroup"/>
+                    </m:oMathParaPr>
+                    <m:oMath xmlns:m="http://schemas.openxmlformats.org/officeDocument/2006/math">
+                      <m:sSub>
+                        <m:sSubPr>
+                          <m:ctrlPr>
+                            <a:rPr kumimoji="1" lang="en-US" altLang="ja-JP" b="0" i="1" smtClean="0">
+                              <a:latin typeface="Cambria Math" panose="02040503050406030204" pitchFamily="18" charset="0"/>
+                            </a:rPr>
+                          </m:ctrlPr>
+                        </m:sSubPr>
+                        <m:e>
+                          <m:r>
+                            <a:rPr kumimoji="1" lang="en-US" altLang="ja-JP" b="0" i="1" smtClean="0">
+                              <a:latin typeface="Cambria Math" panose="02040503050406030204" pitchFamily="18" charset="0"/>
+                            </a:rPr>
+                            <m:t>𝑦</m:t>
+                          </m:r>
+                        </m:e>
+                        <m:sub>
+                          <m:r>
+                            <a:rPr kumimoji="1" lang="en-US" altLang="ja-JP" b="0" i="1" smtClean="0">
+                              <a:latin typeface="Cambria Math" panose="02040503050406030204" pitchFamily="18" charset="0"/>
+                            </a:rPr>
+                            <m:t>2</m:t>
+                          </m:r>
+                        </m:sub>
+                      </m:sSub>
+                    </m:oMath>
+                  </m:oMathPara>
+                </a14:m>
+                <a:endParaRPr kumimoji="1" lang="en-US" altLang="ja-JP" b="0" dirty="0" smtClean="0"/>
+              </a:p>
+              <a:p>
+                <a:endParaRPr kumimoji="1" lang="en-US" altLang="ja-JP" b="0" dirty="0" smtClean="0"/>
+              </a:p>
+              <a:p>
+                <a:endParaRPr kumimoji="1" lang="ja-JP" altLang="en-US" dirty="0"/>
+              </a:p>
+            </p:txBody>
+          </p:sp>
+        </mc:Choice>
+        <mc:Fallback>
+          <p:sp>
+            <p:nvSpPr>
+              <p:cNvPr id="33" name="テキスト ボックス 32"/>
+              <p:cNvSpPr txBox="1">
+                <a:spLocks noRot="1" noChangeAspect="1" noMove="1" noResize="1" noEditPoints="1" noAdjustHandles="1" noChangeArrowheads="1" noChangeShapeType="1" noTextEdit="1"/>
+              </p:cNvSpPr>
+              <p:nvPr/>
+            </p:nvSpPr>
+            <p:spPr>
+              <a:xfrm>
+                <a:off x="9782389" y="2579012"/>
+                <a:ext cx="426848" cy="830997"/>
+              </a:xfrm>
+              <a:prstGeom prst="rect">
+                <a:avLst/>
+              </a:prstGeom>
+              <a:blipFill>
+                <a:blip r:embed="rId4"/>
+                <a:stretch>
+                  <a:fillRect/>
+                </a:stretch>
+              </a:blipFill>
+            </p:spPr>
+            <p:txBody>
+              <a:bodyPr/>
+              <a:lstStyle/>
+              <a:p>
+                <a:r>
+                  <a:rPr lang="ja-JP" altLang="en-US">
+                    <a:noFill/>
+                  </a:rPr>
+                  <a:t> </a:t>
+                </a:r>
+              </a:p>
+            </p:txBody>
+          </p:sp>
+        </mc:Fallback>
+      </mc:AlternateContent>
+      <mc:AlternateContent xmlns:mc="http://schemas.openxmlformats.org/markup-compatibility/2006">
+        <mc:Choice xmlns:a14="http://schemas.microsoft.com/office/drawing/2010/main" Requires="a14">
+          <p:sp>
+            <p:nvSpPr>
+              <p:cNvPr id="34" name="テキスト ボックス 33"/>
+              <p:cNvSpPr txBox="1"/>
+              <p:nvPr/>
+            </p:nvSpPr>
+            <p:spPr>
+              <a:xfrm>
+                <a:off x="3305736" y="3398632"/>
+                <a:ext cx="489814" cy="553998"/>
+              </a:xfrm>
+              <a:prstGeom prst="rect">
+                <a:avLst/>
+              </a:prstGeom>
+              <a:noFill/>
+            </p:spPr>
+            <p:txBody>
+              <a:bodyPr wrap="none" lIns="0" tIns="0" rIns="0" bIns="0" rtlCol="0">
+                <a:spAutoFit/>
+              </a:bodyPr>
+              <a:lstStyle/>
+              <a:p>
+                <a14:m>
+                  <m:oMathPara xmlns:m="http://schemas.openxmlformats.org/officeDocument/2006/math">
+                    <m:oMathParaPr>
+                      <m:jc m:val="centerGroup"/>
+                    </m:oMathParaPr>
+                    <m:oMath xmlns:m="http://schemas.openxmlformats.org/officeDocument/2006/math">
+                      <m:acc>
+                        <m:accPr>
+                          <m:chr m:val="̂"/>
+                          <m:ctrlPr>
+                            <a:rPr kumimoji="1" lang="en-US" altLang="ja-JP" b="0" i="1" smtClean="0">
+                              <a:latin typeface="Cambria Math" panose="02040503050406030204" pitchFamily="18" charset="0"/>
+                            </a:rPr>
+                          </m:ctrlPr>
+                        </m:accPr>
+                        <m:e>
+                          <m:r>
+                            <a:rPr kumimoji="1" lang="en-US" altLang="ja-JP" b="0" i="1" smtClean="0">
+                              <a:latin typeface="Cambria Math" panose="02040503050406030204" pitchFamily="18" charset="0"/>
+                            </a:rPr>
+                            <m:t>𝑥</m:t>
+                          </m:r>
+                        </m:e>
+                      </m:acc>
+                      <m:r>
+                        <a:rPr kumimoji="1" lang="en-US" altLang="ja-JP" b="0" i="1" smtClean="0">
+                          <a:latin typeface="Cambria Math" panose="02040503050406030204" pitchFamily="18" charset="0"/>
+                        </a:rPr>
+                        <m:t>[</m:t>
+                      </m:r>
+                      <m:r>
+                        <a:rPr kumimoji="1" lang="en-US" altLang="ja-JP" b="0" i="1" smtClean="0">
+                          <a:latin typeface="Cambria Math" panose="02040503050406030204" pitchFamily="18" charset="0"/>
+                        </a:rPr>
+                        <m:t>𝑘</m:t>
+                      </m:r>
+                      <m:r>
+                        <a:rPr kumimoji="1" lang="en-US" altLang="ja-JP" b="0" i="1" smtClean="0">
+                          <a:latin typeface="Cambria Math" panose="02040503050406030204" pitchFamily="18" charset="0"/>
+                        </a:rPr>
+                        <m:t>]</m:t>
+                      </m:r>
+                    </m:oMath>
+                  </m:oMathPara>
+                </a14:m>
+                <a:endParaRPr kumimoji="1" lang="en-US" altLang="ja-JP" b="0" dirty="0" smtClean="0"/>
+              </a:p>
+              <a:p>
+                <a:endParaRPr kumimoji="1" lang="ja-JP" altLang="en-US" dirty="0"/>
+              </a:p>
+            </p:txBody>
+          </p:sp>
+        </mc:Choice>
+        <mc:Fallback>
+          <p:sp>
+            <p:nvSpPr>
+              <p:cNvPr id="34" name="テキスト ボックス 33"/>
+              <p:cNvSpPr txBox="1">
+                <a:spLocks noRot="1" noChangeAspect="1" noMove="1" noResize="1" noEditPoints="1" noAdjustHandles="1" noChangeArrowheads="1" noChangeShapeType="1" noTextEdit="1"/>
+              </p:cNvSpPr>
+              <p:nvPr/>
+            </p:nvSpPr>
+            <p:spPr>
+              <a:xfrm>
+                <a:off x="3305736" y="3398632"/>
+                <a:ext cx="489814" cy="553998"/>
+              </a:xfrm>
+              <a:prstGeom prst="rect">
+                <a:avLst/>
+              </a:prstGeom>
+              <a:blipFill>
+                <a:blip r:embed="rId5"/>
+                <a:stretch>
+                  <a:fillRect l="-4938" t="-13333" r="-16049"/>
+                </a:stretch>
+              </a:blipFill>
+            </p:spPr>
+            <p:txBody>
+              <a:bodyPr/>
+              <a:lstStyle/>
+              <a:p>
+                <a:r>
+                  <a:rPr lang="ja-JP" altLang="en-US">
+                    <a:noFill/>
+                  </a:rPr>
+                  <a:t> </a:t>
+                </a:r>
+              </a:p>
+            </p:txBody>
+          </p:sp>
+        </mc:Fallback>
+      </mc:AlternateContent>
+      <p:sp>
+        <p:nvSpPr>
+          <p:cNvPr id="22" name="正方形/長方形 21"/>
+          <p:cNvSpPr/>
+          <p:nvPr/>
+        </p:nvSpPr>
+        <p:spPr>
+          <a:xfrm>
+            <a:off x="4669059" y="3398632"/>
+            <a:ext cx="882127" cy="613186"/>
+          </a:xfrm>
+          <a:prstGeom prst="rect">
+            <a:avLst/>
+          </a:prstGeom>
+          <a:solidFill>
+            <a:schemeClr val="bg1"/>
+          </a:solidFill>
+          <a:ln w="25400">
+            <a:solidFill>
+              <a:schemeClr val="tx1"/>
+            </a:solidFill>
+          </a:ln>
+        </p:spPr>
+        <p:style>
+          <a:lnRef idx="2">
+            <a:schemeClr val="accent1">
+              <a:shade val="50000"/>
+            </a:schemeClr>
+          </a:lnRef>
+          <a:fillRef idx="1">
+            <a:schemeClr val="accent1"/>
+          </a:fillRef>
+          <a:effectRef idx="0">
+            <a:schemeClr val="accent1"/>
+          </a:effectRef>
+          <a:fontRef idx="minor">
+            <a:schemeClr val="lt1"/>
+          </a:fontRef>
+        </p:style>
+        <p:txBody>
+          <a:bodyPr rtlCol="0" anchor="ctr"/>
+          <a:lstStyle/>
+          <a:p>
+            <a:pPr algn="ctr"/>
+            <a:r>
+              <a:rPr lang="ja-JP" altLang="en-US" dirty="0">
+                <a:solidFill>
+                  <a:schemeClr val="tx1"/>
+                </a:solidFill>
+              </a:rPr>
+              <a:t>観</a:t>
+            </a:r>
+            <a:r>
+              <a:rPr lang="ja-JP" altLang="en-US" dirty="0" smtClean="0">
+                <a:solidFill>
+                  <a:schemeClr val="tx1"/>
+                </a:solidFill>
+              </a:rPr>
+              <a:t>測</a:t>
+            </a:r>
+            <a:r>
+              <a:rPr lang="ja-JP" altLang="en-US" dirty="0">
+                <a:solidFill>
+                  <a:schemeClr val="tx1"/>
+                </a:solidFill>
+              </a:rPr>
+              <a:t>器</a:t>
+            </a:r>
+            <a:endParaRPr kumimoji="1" lang="ja-JP" altLang="en-US" dirty="0">
+              <a:solidFill>
+                <a:schemeClr val="tx1"/>
+              </a:solidFill>
+            </a:endParaRPr>
+          </a:p>
+        </p:txBody>
+      </p:sp>
+      <p:cxnSp>
+        <p:nvCxnSpPr>
+          <p:cNvPr id="24" name="直線矢印コネクタ 23"/>
+          <p:cNvCxnSpPr/>
+          <p:nvPr/>
+        </p:nvCxnSpPr>
+        <p:spPr>
+          <a:xfrm flipH="1">
+            <a:off x="5544016" y="3675631"/>
+            <a:ext cx="3357097" cy="0"/>
+          </a:xfrm>
+          <a:prstGeom prst="straightConnector1">
+            <a:avLst/>
+          </a:prstGeom>
+          <a:ln w="38100">
+            <a:solidFill>
+              <a:schemeClr val="tx1"/>
+            </a:solidFill>
+            <a:tailEnd type="triangle"/>
+          </a:ln>
+        </p:spPr>
+        <p:style>
+          <a:lnRef idx="1">
+            <a:schemeClr val="accent1"/>
+          </a:lnRef>
+          <a:fillRef idx="0">
+            <a:schemeClr val="accent1"/>
+          </a:fillRef>
+          <a:effectRef idx="0">
+            <a:schemeClr val="accent1"/>
+          </a:effectRef>
+          <a:fontRef idx="minor">
+            <a:schemeClr val="tx1"/>
+          </a:fontRef>
+        </p:style>
+      </p:cxnSp>
+      <p:cxnSp>
+        <p:nvCxnSpPr>
+          <p:cNvPr id="28" name="直線コネクタ 27"/>
+          <p:cNvCxnSpPr/>
+          <p:nvPr/>
+        </p:nvCxnSpPr>
+        <p:spPr>
+          <a:xfrm>
+            <a:off x="9085825" y="2758144"/>
+            <a:ext cx="24153" cy="2055536"/>
+          </a:xfrm>
+          <a:prstGeom prst="line">
+            <a:avLst/>
+          </a:prstGeom>
+          <a:ln w="38100">
+            <a:solidFill>
+              <a:schemeClr val="tx1"/>
+            </a:solidFill>
+          </a:ln>
+        </p:spPr>
+        <p:style>
+          <a:lnRef idx="1">
+            <a:schemeClr val="accent1"/>
+          </a:lnRef>
+          <a:fillRef idx="0">
+            <a:schemeClr val="accent1"/>
+          </a:fillRef>
+          <a:effectRef idx="0">
+            <a:schemeClr val="accent1"/>
+          </a:effectRef>
+          <a:fontRef idx="minor">
+            <a:schemeClr val="tx1"/>
+          </a:fontRef>
+        </p:style>
+      </p:cxnSp>
+      <p:cxnSp>
+        <p:nvCxnSpPr>
+          <p:cNvPr id="35" name="直線矢印コネクタ 34"/>
+          <p:cNvCxnSpPr/>
+          <p:nvPr/>
+        </p:nvCxnSpPr>
+        <p:spPr>
+          <a:xfrm flipH="1">
+            <a:off x="5547600" y="3839523"/>
+            <a:ext cx="3545398" cy="11912"/>
+          </a:xfrm>
+          <a:prstGeom prst="straightConnector1">
+            <a:avLst/>
+          </a:prstGeom>
+          <a:ln w="38100">
+            <a:solidFill>
+              <a:schemeClr val="tx1"/>
+            </a:solidFill>
+            <a:tailEnd type="triangle"/>
+          </a:ln>
+        </p:spPr>
+        <p:style>
+          <a:lnRef idx="1">
+            <a:schemeClr val="accent1"/>
+          </a:lnRef>
+          <a:fillRef idx="0">
+            <a:schemeClr val="accent1"/>
+          </a:fillRef>
+          <a:effectRef idx="0">
+            <a:schemeClr val="accent1"/>
+          </a:effectRef>
+          <a:fontRef idx="minor">
+            <a:schemeClr val="tx1"/>
+          </a:fontRef>
+        </p:style>
+      </p:cxnSp>
+      <p:cxnSp>
+        <p:nvCxnSpPr>
+          <p:cNvPr id="36" name="直線コネクタ 35"/>
+          <p:cNvCxnSpPr/>
+          <p:nvPr/>
+        </p:nvCxnSpPr>
+        <p:spPr>
+          <a:xfrm>
+            <a:off x="5930277" y="2642913"/>
+            <a:ext cx="0" cy="861268"/>
+          </a:xfrm>
+          <a:prstGeom prst="line">
+            <a:avLst/>
+          </a:prstGeom>
+          <a:ln w="38100">
+            <a:solidFill>
+              <a:schemeClr val="tx1"/>
+            </a:solidFill>
+          </a:ln>
+        </p:spPr>
+        <p:style>
+          <a:lnRef idx="1">
+            <a:schemeClr val="accent1"/>
+          </a:lnRef>
+          <a:fillRef idx="0">
+            <a:schemeClr val="accent1"/>
+          </a:fillRef>
+          <a:effectRef idx="0">
+            <a:schemeClr val="accent1"/>
+          </a:effectRef>
+          <a:fontRef idx="minor">
+            <a:schemeClr val="tx1"/>
+          </a:fontRef>
+        </p:style>
+      </p:cxnSp>
+      <p:cxnSp>
+        <p:nvCxnSpPr>
+          <p:cNvPr id="37" name="直線矢印コネクタ 36"/>
+          <p:cNvCxnSpPr/>
+          <p:nvPr/>
+        </p:nvCxnSpPr>
+        <p:spPr>
+          <a:xfrm flipH="1">
+            <a:off x="5551189" y="3493294"/>
+            <a:ext cx="379088" cy="10887"/>
+          </a:xfrm>
+          <a:prstGeom prst="straightConnector1">
+            <a:avLst/>
+          </a:prstGeom>
+          <a:ln w="38100">
+            <a:solidFill>
+              <a:schemeClr val="tx1"/>
+            </a:solidFill>
+            <a:tailEnd type="triangle"/>
+          </a:ln>
+        </p:spPr>
+        <p:style>
+          <a:lnRef idx="1">
+            <a:schemeClr val="accent1"/>
+          </a:lnRef>
+          <a:fillRef idx="0">
+            <a:schemeClr val="accent1"/>
+          </a:fillRef>
+          <a:effectRef idx="0">
+            <a:schemeClr val="accent1"/>
+          </a:effectRef>
+          <a:fontRef idx="minor">
+            <a:schemeClr val="tx1"/>
+          </a:fontRef>
+        </p:style>
+      </p:cxnSp>
+      <p:sp>
+        <p:nvSpPr>
+          <p:cNvPr id="42" name="正方形/長方形 41"/>
+          <p:cNvSpPr/>
+          <p:nvPr/>
+        </p:nvSpPr>
+        <p:spPr>
+          <a:xfrm>
+            <a:off x="6139143" y="2323652"/>
+            <a:ext cx="882127" cy="613186"/>
+          </a:xfrm>
+          <a:prstGeom prst="rect">
+            <a:avLst/>
+          </a:prstGeom>
+          <a:solidFill>
+            <a:schemeClr val="bg1"/>
+          </a:solidFill>
+          <a:ln w="25400">
+            <a:solidFill>
+              <a:schemeClr val="tx1"/>
+            </a:solidFill>
+          </a:ln>
+        </p:spPr>
+        <p:style>
+          <a:lnRef idx="2">
+            <a:schemeClr val="accent1">
+              <a:shade val="50000"/>
+            </a:schemeClr>
+          </a:lnRef>
+          <a:fillRef idx="1">
+            <a:schemeClr val="accent1"/>
+          </a:fillRef>
+          <a:effectRef idx="0">
+            <a:schemeClr val="accent1"/>
+          </a:effectRef>
+          <a:fontRef idx="minor">
+            <a:schemeClr val="lt1"/>
+          </a:fontRef>
+        </p:style>
+        <p:txBody>
+          <a:bodyPr rtlCol="0" anchor="ctr"/>
+          <a:lstStyle/>
+          <a:p>
+            <a:pPr algn="ctr"/>
+            <a:r>
+              <a:rPr lang="ja-JP" altLang="en-US" dirty="0" smtClean="0">
+                <a:solidFill>
+                  <a:schemeClr val="tx1"/>
+                </a:solidFill>
+              </a:rPr>
+              <a:t>離散</a:t>
+            </a:r>
+            <a:r>
+              <a:rPr lang="ja-JP" altLang="en-US" dirty="0">
+                <a:solidFill>
+                  <a:schemeClr val="tx1"/>
+                </a:solidFill>
+              </a:rPr>
+              <a:t>器</a:t>
+            </a:r>
+            <a:endParaRPr kumimoji="1" lang="en-US" altLang="ja-JP" dirty="0" smtClean="0">
+              <a:solidFill>
+                <a:schemeClr val="tx1"/>
+              </a:solidFill>
+            </a:endParaRPr>
+          </a:p>
+        </p:txBody>
+      </p:sp>
+      <p:cxnSp>
+        <p:nvCxnSpPr>
+          <p:cNvPr id="51" name="直線矢印コネクタ 50"/>
+          <p:cNvCxnSpPr/>
+          <p:nvPr/>
+        </p:nvCxnSpPr>
+        <p:spPr>
+          <a:xfrm>
+            <a:off x="7021270" y="2623969"/>
+            <a:ext cx="366470" cy="0"/>
+          </a:xfrm>
+          <a:prstGeom prst="straightConnector1">
+            <a:avLst/>
+          </a:prstGeom>
+          <a:ln w="38100">
+            <a:solidFill>
+              <a:schemeClr val="tx1"/>
+            </a:solidFill>
+            <a:tailEnd type="triangle"/>
+          </a:ln>
+        </p:spPr>
+        <p:style>
+          <a:lnRef idx="1">
+            <a:schemeClr val="accent1"/>
+          </a:lnRef>
+          <a:fillRef idx="0">
+            <a:schemeClr val="accent1"/>
+          </a:fillRef>
+          <a:effectRef idx="0">
+            <a:schemeClr val="accent1"/>
+          </a:effectRef>
+          <a:fontRef idx="minor">
+            <a:schemeClr val="tx1"/>
+          </a:fontRef>
+        </p:style>
+      </p:cxnSp>
+      <p:sp>
+        <p:nvSpPr>
+          <p:cNvPr id="38" name="正方形/長方形 37"/>
+          <p:cNvSpPr/>
+          <p:nvPr/>
+        </p:nvSpPr>
+        <p:spPr>
+          <a:xfrm>
+            <a:off x="4661889" y="4318411"/>
+            <a:ext cx="882127" cy="680667"/>
+          </a:xfrm>
+          <a:prstGeom prst="rect">
+            <a:avLst/>
+          </a:prstGeom>
+          <a:solidFill>
+            <a:schemeClr val="bg1"/>
+          </a:solidFill>
+          <a:ln w="25400">
+            <a:solidFill>
+              <a:schemeClr val="tx1"/>
+            </a:solidFill>
+          </a:ln>
+        </p:spPr>
+        <p:style>
+          <a:lnRef idx="2">
+            <a:schemeClr val="accent1">
+              <a:shade val="50000"/>
+            </a:schemeClr>
+          </a:lnRef>
+          <a:fillRef idx="1">
+            <a:schemeClr val="accent1"/>
+          </a:fillRef>
+          <a:effectRef idx="0">
+            <a:schemeClr val="accent1"/>
+          </a:effectRef>
+          <a:fontRef idx="minor">
+            <a:schemeClr val="lt1"/>
+          </a:fontRef>
+        </p:style>
+        <p:txBody>
+          <a:bodyPr rtlCol="0" anchor="ctr"/>
+          <a:lstStyle/>
+          <a:p>
+            <a:pPr algn="ctr"/>
+            <a:r>
+              <a:rPr lang="ja-JP" altLang="en-US" dirty="0" smtClean="0">
+                <a:solidFill>
+                  <a:schemeClr val="tx1"/>
+                </a:solidFill>
+              </a:rPr>
+              <a:t>推定</a:t>
+            </a:r>
+            <a:r>
+              <a:rPr lang="ja-JP" altLang="en-US" dirty="0">
+                <a:solidFill>
+                  <a:schemeClr val="tx1"/>
+                </a:solidFill>
+              </a:rPr>
+              <a:t>器</a:t>
+            </a:r>
+            <a:endParaRPr kumimoji="1" lang="ja-JP" altLang="en-US" dirty="0">
+              <a:solidFill>
+                <a:schemeClr val="tx1"/>
+              </a:solidFill>
+            </a:endParaRPr>
+          </a:p>
+        </p:txBody>
+      </p:sp>
+      <p:cxnSp>
+        <p:nvCxnSpPr>
+          <p:cNvPr id="39" name="直線コネクタ 38"/>
+          <p:cNvCxnSpPr/>
+          <p:nvPr/>
+        </p:nvCxnSpPr>
+        <p:spPr>
+          <a:xfrm flipH="1">
+            <a:off x="2371621" y="2756113"/>
+            <a:ext cx="4628" cy="966147"/>
+          </a:xfrm>
+          <a:prstGeom prst="line">
+            <a:avLst/>
+          </a:prstGeom>
+          <a:ln w="38100">
+            <a:solidFill>
+              <a:schemeClr val="tx1"/>
+            </a:solidFill>
+          </a:ln>
+        </p:spPr>
+        <p:style>
+          <a:lnRef idx="1">
+            <a:schemeClr val="accent1"/>
+          </a:lnRef>
+          <a:fillRef idx="0">
+            <a:schemeClr val="accent1"/>
+          </a:fillRef>
+          <a:effectRef idx="0">
+            <a:schemeClr val="accent1"/>
+          </a:effectRef>
+          <a:fontRef idx="minor">
+            <a:schemeClr val="tx1"/>
+          </a:fontRef>
+        </p:style>
+      </p:cxnSp>
+      <p:cxnSp>
+        <p:nvCxnSpPr>
+          <p:cNvPr id="40" name="直線矢印コネクタ 39"/>
+          <p:cNvCxnSpPr/>
+          <p:nvPr/>
+        </p:nvCxnSpPr>
+        <p:spPr>
+          <a:xfrm flipH="1">
+            <a:off x="5551186" y="4609081"/>
+            <a:ext cx="3357097" cy="0"/>
+          </a:xfrm>
+          <a:prstGeom prst="straightConnector1">
+            <a:avLst/>
+          </a:prstGeom>
+          <a:ln w="38100">
+            <a:solidFill>
+              <a:schemeClr val="tx1"/>
+            </a:solidFill>
+            <a:tailEnd type="triangle"/>
+          </a:ln>
+        </p:spPr>
+        <p:style>
+          <a:lnRef idx="1">
+            <a:schemeClr val="accent1"/>
+          </a:lnRef>
+          <a:fillRef idx="0">
+            <a:schemeClr val="accent1"/>
+          </a:fillRef>
+          <a:effectRef idx="0">
+            <a:schemeClr val="accent1"/>
+          </a:effectRef>
+          <a:fontRef idx="minor">
+            <a:schemeClr val="tx1"/>
+          </a:fontRef>
+        </p:style>
+      </p:cxnSp>
+      <p:cxnSp>
+        <p:nvCxnSpPr>
+          <p:cNvPr id="41" name="直線矢印コネクタ 40"/>
+          <p:cNvCxnSpPr/>
+          <p:nvPr/>
+        </p:nvCxnSpPr>
+        <p:spPr>
+          <a:xfrm flipH="1">
+            <a:off x="5551186" y="4801768"/>
+            <a:ext cx="3545398" cy="11912"/>
+          </a:xfrm>
+          <a:prstGeom prst="straightConnector1">
+            <a:avLst/>
+          </a:prstGeom>
+          <a:ln w="38100">
+            <a:solidFill>
+              <a:schemeClr val="tx1"/>
+            </a:solidFill>
+            <a:tailEnd type="triangle"/>
+          </a:ln>
+        </p:spPr>
+        <p:style>
+          <a:lnRef idx="1">
+            <a:schemeClr val="accent1"/>
+          </a:lnRef>
+          <a:fillRef idx="0">
+            <a:schemeClr val="accent1"/>
+          </a:fillRef>
+          <a:effectRef idx="0">
+            <a:schemeClr val="accent1"/>
+          </a:effectRef>
+          <a:fontRef idx="minor">
+            <a:schemeClr val="tx1"/>
+          </a:fontRef>
+        </p:style>
+      </p:cxnSp>
+      <p:sp>
+        <p:nvSpPr>
+          <p:cNvPr id="43" name="楕円 42"/>
+          <p:cNvSpPr>
+            <a:spLocks noChangeAspect="1"/>
+          </p:cNvSpPr>
+          <p:nvPr/>
+        </p:nvSpPr>
+        <p:spPr>
+          <a:xfrm>
+            <a:off x="8845147" y="3629124"/>
+            <a:ext cx="80836" cy="80798"/>
+          </a:xfrm>
+          <a:prstGeom prst="ellipse">
+            <a:avLst/>
+          </a:prstGeom>
+          <a:solidFill>
+            <a:schemeClr val="tx1"/>
+          </a:solidFill>
+          <a:ln w="38100">
+            <a:solidFill>
+              <a:schemeClr val="tx1"/>
+            </a:solidFill>
+          </a:ln>
+        </p:spPr>
+        <p:style>
+          <a:lnRef idx="2">
+            <a:schemeClr val="accent1">
+              <a:shade val="50000"/>
+            </a:schemeClr>
+          </a:lnRef>
+          <a:fillRef idx="1">
+            <a:schemeClr val="accent1"/>
+          </a:fillRef>
+          <a:effectRef idx="0">
+            <a:schemeClr val="accent1"/>
+          </a:effectRef>
+          <a:fontRef idx="minor">
+            <a:schemeClr val="lt1"/>
+          </a:fontRef>
+        </p:style>
+        <p:txBody>
+          <a:bodyPr rtlCol="0" anchor="ctr"/>
+          <a:lstStyle/>
+          <a:p>
+            <a:pPr algn="ctr"/>
+            <a:endParaRPr kumimoji="1" lang="ja-JP" altLang="en-US" dirty="0"/>
+          </a:p>
+        </p:txBody>
+      </p:sp>
+      <p:sp>
+        <p:nvSpPr>
+          <p:cNvPr id="44" name="楕円 43"/>
+          <p:cNvSpPr>
+            <a:spLocks noChangeAspect="1"/>
+          </p:cNvSpPr>
+          <p:nvPr/>
+        </p:nvSpPr>
+        <p:spPr>
+          <a:xfrm>
+            <a:off x="9054672" y="3801215"/>
+            <a:ext cx="76651" cy="76615"/>
+          </a:xfrm>
+          <a:prstGeom prst="ellipse">
+            <a:avLst/>
+          </a:prstGeom>
+          <a:solidFill>
+            <a:schemeClr val="tx1"/>
+          </a:solidFill>
+          <a:ln w="38100">
+            <a:solidFill>
+              <a:schemeClr val="tx1"/>
+            </a:solidFill>
+          </a:ln>
+        </p:spPr>
+        <p:style>
+          <a:lnRef idx="2">
+            <a:schemeClr val="accent1">
+              <a:shade val="50000"/>
+            </a:schemeClr>
+          </a:lnRef>
+          <a:fillRef idx="1">
+            <a:schemeClr val="accent1"/>
+          </a:fillRef>
+          <a:effectRef idx="0">
+            <a:schemeClr val="accent1"/>
+          </a:effectRef>
+          <a:fontRef idx="minor">
+            <a:schemeClr val="lt1"/>
+          </a:fontRef>
+        </p:style>
+        <p:txBody>
+          <a:bodyPr rtlCol="0" anchor="ctr"/>
+          <a:lstStyle/>
+          <a:p>
+            <a:pPr algn="ctr"/>
+            <a:endParaRPr kumimoji="1" lang="ja-JP" altLang="en-US" dirty="0"/>
+          </a:p>
+        </p:txBody>
+      </p:sp>
+      <p:cxnSp>
+        <p:nvCxnSpPr>
+          <p:cNvPr id="45" name="直線コネクタ 44"/>
+          <p:cNvCxnSpPr/>
+          <p:nvPr/>
+        </p:nvCxnSpPr>
+        <p:spPr>
+          <a:xfrm>
+            <a:off x="2103120" y="4609081"/>
+            <a:ext cx="2554593" cy="28575"/>
+          </a:xfrm>
+          <a:prstGeom prst="line">
+            <a:avLst/>
+          </a:prstGeom>
+          <a:ln w="38100">
+            <a:solidFill>
+              <a:schemeClr val="tx1"/>
+            </a:solidFill>
+          </a:ln>
+        </p:spPr>
+        <p:style>
+          <a:lnRef idx="1">
+            <a:schemeClr val="accent1"/>
+          </a:lnRef>
+          <a:fillRef idx="0">
+            <a:schemeClr val="accent1"/>
+          </a:fillRef>
+          <a:effectRef idx="0">
+            <a:schemeClr val="accent1"/>
+          </a:effectRef>
+          <a:fontRef idx="minor">
+            <a:schemeClr val="tx1"/>
+          </a:fontRef>
+        </p:style>
+      </p:cxnSp>
+      <p:cxnSp>
+        <p:nvCxnSpPr>
+          <p:cNvPr id="46" name="直線コネクタ 45"/>
+          <p:cNvCxnSpPr/>
+          <p:nvPr/>
+        </p:nvCxnSpPr>
+        <p:spPr>
+          <a:xfrm>
+            <a:off x="2103117" y="2623969"/>
+            <a:ext cx="0" cy="1995523"/>
+          </a:xfrm>
+          <a:prstGeom prst="line">
+            <a:avLst/>
+          </a:prstGeom>
+          <a:ln w="38100">
+            <a:solidFill>
+              <a:schemeClr val="tx1"/>
+            </a:solidFill>
+          </a:ln>
+        </p:spPr>
+        <p:style>
+          <a:lnRef idx="1">
+            <a:schemeClr val="accent1"/>
+          </a:lnRef>
+          <a:fillRef idx="0">
+            <a:schemeClr val="accent1"/>
+          </a:fillRef>
+          <a:effectRef idx="0">
+            <a:schemeClr val="accent1"/>
+          </a:effectRef>
+          <a:fontRef idx="minor">
+            <a:schemeClr val="tx1"/>
+          </a:fontRef>
+        </p:style>
+      </p:cxnSp>
+      <p:cxnSp>
+        <p:nvCxnSpPr>
+          <p:cNvPr id="47" name="直線矢印コネクタ 46"/>
+          <p:cNvCxnSpPr>
+            <a:endCxn id="2" idx="1"/>
+          </p:cNvCxnSpPr>
+          <p:nvPr/>
+        </p:nvCxnSpPr>
+        <p:spPr>
+          <a:xfrm flipV="1">
+            <a:off x="2103117" y="2630245"/>
+            <a:ext cx="1115212" cy="7064"/>
+          </a:xfrm>
+          <a:prstGeom prst="straightConnector1">
+            <a:avLst/>
+          </a:prstGeom>
+          <a:ln w="38100">
+            <a:solidFill>
+              <a:schemeClr val="tx1"/>
+            </a:solidFill>
+            <a:tailEnd type="triangle"/>
+          </a:ln>
+        </p:spPr>
+        <p:style>
+          <a:lnRef idx="1">
+            <a:schemeClr val="accent1"/>
+          </a:lnRef>
+          <a:fillRef idx="0">
+            <a:schemeClr val="accent1"/>
+          </a:fillRef>
+          <a:effectRef idx="0">
+            <a:schemeClr val="accent1"/>
+          </a:effectRef>
+          <a:fontRef idx="minor">
+            <a:schemeClr val="tx1"/>
+          </a:fontRef>
+        </p:style>
+      </p:cxnSp>
+    </p:spTree>
+    <p:extLst>
+      <p:ext uri="{BB962C8B-B14F-4D97-AF65-F5344CB8AC3E}">
+        <p14:creationId xmlns:p14="http://schemas.microsoft.com/office/powerpoint/2010/main" val="2777977567"/>
+      </p:ext>
+    </p:extLst>
+  </p:cSld>
+  <p:clrMapOvr>
+    <a:masterClrMapping/>
+  </p:clrMapOvr>
+</p:sld>
+</file>
+
 <file path=ppt/slides/slide2.xml><?xml version="1.0" encoding="utf-8"?>
 <p:sld xmlns:a="http://schemas.openxmlformats.org/drawingml/2006/main" xmlns:r="http://schemas.openxmlformats.org/officeDocument/2006/relationships" xmlns:p="http://schemas.openxmlformats.org/presentationml/2006/main">
   <p:cSld>
@@ -5652,7 +10365,7 @@
             <a:lstStyle/>
             <a:p>
               <a:pPr algn="ctr"/>
-              <a:endParaRPr kumimoji="1" lang="ja-JP" altLang="en-US"/>
+              <a:endParaRPr kumimoji="1" lang="ja-JP" altLang="en-US" dirty="0"/>
             </a:p>
           </p:txBody>
         </p:sp>
@@ -5716,7 +10429,7 @@
               <a:lstStyle/>
               <a:p>
                 <a:pPr algn="ctr"/>
-                <a:endParaRPr kumimoji="1" lang="ja-JP" altLang="en-US"/>
+                <a:endParaRPr kumimoji="1" lang="ja-JP" altLang="en-US" dirty="0"/>
               </a:p>
             </p:txBody>
           </p:sp>
@@ -5766,7 +10479,7 @@
               <a:lstStyle/>
               <a:p>
                 <a:pPr algn="ctr"/>
-                <a:endParaRPr kumimoji="1" lang="ja-JP" altLang="en-US"/>
+                <a:endParaRPr kumimoji="1" lang="ja-JP" altLang="en-US" dirty="0"/>
               </a:p>
             </p:txBody>
           </p:sp>
@@ -5814,7 +10527,7 @@
               <a:lstStyle/>
               <a:p>
                 <a:pPr algn="ctr"/>
-                <a:endParaRPr kumimoji="1" lang="ja-JP" altLang="en-US"/>
+                <a:endParaRPr kumimoji="1" lang="ja-JP" altLang="en-US" dirty="0"/>
               </a:p>
             </p:txBody>
           </p:sp>
@@ -6415,7 +11128,7 @@
           <a:lstStyle/>
           <a:p>
             <a:pPr algn="ctr"/>
-            <a:endParaRPr kumimoji="1" lang="ja-JP" altLang="en-US"/>
+            <a:endParaRPr kumimoji="1" lang="ja-JP" altLang="en-US" dirty="0"/>
           </a:p>
         </p:txBody>
       </p:sp>
@@ -6463,7 +11176,7 @@
           <a:lstStyle/>
           <a:p>
             <a:pPr algn="ctr"/>
-            <a:endParaRPr kumimoji="1" lang="ja-JP" altLang="en-US"/>
+            <a:endParaRPr kumimoji="1" lang="ja-JP" altLang="en-US" dirty="0"/>
           </a:p>
         </p:txBody>
       </p:sp>
@@ -6546,7 +11259,7 @@
           <a:lstStyle/>
           <a:p>
             <a:pPr algn="ctr"/>
-            <a:endParaRPr kumimoji="1" lang="ja-JP" altLang="en-US"/>
+            <a:endParaRPr kumimoji="1" lang="ja-JP" altLang="en-US" dirty="0"/>
           </a:p>
         </p:txBody>
       </p:sp>
@@ -6653,7 +11366,7 @@
           <a:lstStyle/>
           <a:p>
             <a:pPr algn="ctr"/>
-            <a:endParaRPr kumimoji="1" lang="ja-JP" altLang="en-US"/>
+            <a:endParaRPr kumimoji="1" lang="ja-JP" altLang="en-US" dirty="0"/>
           </a:p>
         </p:txBody>
       </p:sp>
@@ -6904,7 +11617,7 @@
           <a:lstStyle/>
           <a:p>
             <a:pPr algn="ctr"/>
-            <a:endParaRPr kumimoji="1" lang="ja-JP" altLang="en-US"/>
+            <a:endParaRPr kumimoji="1" lang="ja-JP" altLang="en-US" dirty="0"/>
           </a:p>
         </p:txBody>
       </p:sp>
@@ -9345,7 +14058,7 @@
           <a:lstStyle/>
           <a:p>
             <a:pPr algn="ctr"/>
-            <a:endParaRPr kumimoji="1" lang="ja-JP" altLang="en-US"/>
+            <a:endParaRPr kumimoji="1" lang="ja-JP" altLang="en-US" dirty="0"/>
           </a:p>
         </p:txBody>
       </p:sp>
@@ -9395,7 +14108,7 @@
           <a:lstStyle/>
           <a:p>
             <a:pPr algn="ctr"/>
-            <a:endParaRPr kumimoji="1" lang="ja-JP" altLang="en-US"/>
+            <a:endParaRPr kumimoji="1" lang="ja-JP" altLang="en-US" dirty="0"/>
           </a:p>
         </p:txBody>
       </p:sp>
@@ -9505,7 +14218,7 @@
           <a:lstStyle/>
           <a:p>
             <a:pPr algn="ctr"/>
-            <a:endParaRPr kumimoji="1" lang="ja-JP" altLang="en-US"/>
+            <a:endParaRPr kumimoji="1" lang="ja-JP" altLang="en-US" dirty="0"/>
           </a:p>
         </p:txBody>
       </p:sp>
@@ -9968,7 +14681,7 @@
           <a:lstStyle/>
           <a:p>
             <a:pPr algn="ctr"/>
-            <a:endParaRPr kumimoji="1" lang="ja-JP" altLang="en-US"/>
+            <a:endParaRPr kumimoji="1" lang="ja-JP" altLang="en-US" dirty="0"/>
           </a:p>
         </p:txBody>
       </p:sp>
@@ -10944,7 +15657,7 @@
           <a:lstStyle/>
           <a:p>
             <a:pPr algn="ctr"/>
-            <a:endParaRPr kumimoji="1" lang="ja-JP" altLang="en-US"/>
+            <a:endParaRPr kumimoji="1" lang="ja-JP" altLang="en-US" dirty="0"/>
           </a:p>
         </p:txBody>
       </p:sp>
@@ -11058,8 +15771,8 @@
           </a:fontRef>
         </p:style>
       </p:cxnSp>
-      <mc:AlternateContent xmlns:mc="http://schemas.openxmlformats.org/markup-compatibility/2006">
-        <mc:Choice xmlns:a14="http://schemas.microsoft.com/office/drawing/2010/main" Requires="a14">
+      <mc:AlternateContent xmlns:mc="http://schemas.openxmlformats.org/markup-compatibility/2006" xmlns:a14="http://schemas.microsoft.com/office/drawing/2010/main">
+        <mc:Choice Requires="a14">
           <p:sp>
             <p:nvSpPr>
               <p:cNvPr id="29" name="テキスト ボックス 28"/>
@@ -11082,6 +15795,7 @@
               </a:bodyPr>
               <a:lstStyle/>
               <a:p>
+                <a:pPr/>
                 <a14:m>
                   <m:oMathPara xmlns:m="http://schemas.openxmlformats.org/officeDocument/2006/math">
                     <m:oMathParaPr>
@@ -11120,7 +15834,7 @@
             </p:txBody>
           </p:sp>
         </mc:Choice>
-        <mc:Fallback>
+        <mc:Fallback xmlns="">
           <p:sp>
             <p:nvSpPr>
               <p:cNvPr id="29" name="テキスト ボックス 28"/>
@@ -11159,8 +15873,8 @@
           </p:sp>
         </mc:Fallback>
       </mc:AlternateContent>
-      <mc:AlternateContent xmlns:mc="http://schemas.openxmlformats.org/markup-compatibility/2006">
-        <mc:Choice xmlns:a14="http://schemas.microsoft.com/office/drawing/2010/main" Requires="a14">
+      <mc:AlternateContent xmlns:mc="http://schemas.openxmlformats.org/markup-compatibility/2006" xmlns:a14="http://schemas.microsoft.com/office/drawing/2010/main">
+        <mc:Choice Requires="a14">
           <p:sp>
             <p:nvSpPr>
               <p:cNvPr id="30" name="テキスト ボックス 29"/>
@@ -11183,6 +15897,7 @@
               </a:bodyPr>
               <a:lstStyle/>
               <a:p>
+                <a:pPr/>
                 <a14:m>
                   <m:oMathPara xmlns:m="http://schemas.openxmlformats.org/officeDocument/2006/math">
                     <m:oMathParaPr>
@@ -11203,7 +15918,7 @@
             </p:txBody>
           </p:sp>
         </mc:Choice>
-        <mc:Fallback>
+        <mc:Fallback xmlns="">
           <p:sp>
             <p:nvSpPr>
               <p:cNvPr id="30" name="テキスト ボックス 29"/>
@@ -11242,8 +15957,8 @@
           </p:sp>
         </mc:Fallback>
       </mc:AlternateContent>
-      <mc:AlternateContent xmlns:mc="http://schemas.openxmlformats.org/markup-compatibility/2006">
-        <mc:Choice xmlns:a14="http://schemas.microsoft.com/office/drawing/2010/main" Requires="a14">
+      <mc:AlternateContent xmlns:mc="http://schemas.openxmlformats.org/markup-compatibility/2006" xmlns:a14="http://schemas.microsoft.com/office/drawing/2010/main">
+        <mc:Choice Requires="a14">
           <p:sp>
             <p:nvSpPr>
               <p:cNvPr id="31" name="テキスト ボックス 30"/>
@@ -11266,6 +15981,7 @@
               </a:bodyPr>
               <a:lstStyle/>
               <a:p>
+                <a:pPr/>
                 <a14:m>
                   <m:oMathPara xmlns:m="http://schemas.openxmlformats.org/officeDocument/2006/math">
                     <m:oMathParaPr>
@@ -11314,7 +16030,7 @@
             </p:txBody>
           </p:sp>
         </mc:Choice>
-        <mc:Fallback>
+        <mc:Fallback xmlns="">
           <p:sp>
             <p:nvSpPr>
               <p:cNvPr id="31" name="テキスト ボックス 30"/>
@@ -11634,12 +16350,12 @@
           <a:lstStyle/>
           <a:p>
             <a:pPr algn="ctr"/>
-            <a:endParaRPr kumimoji="1" lang="ja-JP" altLang="en-US"/>
+            <a:endParaRPr kumimoji="1" lang="ja-JP" altLang="en-US" dirty="0"/>
           </a:p>
         </p:txBody>
       </p:sp>
-      <mc:AlternateContent xmlns:mc="http://schemas.openxmlformats.org/markup-compatibility/2006">
-        <mc:Choice xmlns:a14="http://schemas.microsoft.com/office/drawing/2010/main" Requires="a14">
+      <mc:AlternateContent xmlns:mc="http://schemas.openxmlformats.org/markup-compatibility/2006" xmlns:a14="http://schemas.microsoft.com/office/drawing/2010/main">
+        <mc:Choice Requires="a14">
           <p:sp>
             <p:nvSpPr>
               <p:cNvPr id="11" name="テキスト ボックス 10"/>
@@ -11662,6 +16378,7 @@
               </a:bodyPr>
               <a:lstStyle/>
               <a:p>
+                <a:pPr/>
                 <a14:m>
                   <m:oMathPara xmlns:m="http://schemas.openxmlformats.org/officeDocument/2006/math">
                     <m:oMathParaPr>
@@ -11700,7 +16417,7 @@
             </p:txBody>
           </p:sp>
         </mc:Choice>
-        <mc:Fallback>
+        <mc:Fallback xmlns="">
           <p:sp>
             <p:nvSpPr>
               <p:cNvPr id="11" name="テキスト ボックス 10"/>
@@ -11899,7 +16616,7 @@
           <a:lstStyle/>
           <a:p>
             <a:pPr algn="ctr"/>
-            <a:endParaRPr kumimoji="1" lang="ja-JP" altLang="en-US"/>
+            <a:endParaRPr kumimoji="1" lang="ja-JP" altLang="en-US" dirty="0"/>
           </a:p>
         </p:txBody>
       </p:sp>
@@ -12126,7 +16843,6 @@
               <a:rPr lang="en-US" altLang="ja-JP" dirty="0" smtClean="0"/>
               <a:t>a</a:t>
             </a:r>
-            <a:endParaRPr lang="en-US" altLang="ja-JP" dirty="0" smtClean="0"/>
           </a:p>
         </p:txBody>
       </p:sp>
@@ -12352,12 +17068,12 @@
           <a:lstStyle/>
           <a:p>
             <a:pPr algn="ctr"/>
-            <a:endParaRPr kumimoji="1" lang="ja-JP" altLang="en-US"/>
+            <a:endParaRPr kumimoji="1" lang="ja-JP" altLang="en-US" dirty="0"/>
           </a:p>
         </p:txBody>
       </p:sp>
-      <mc:AlternateContent xmlns:mc="http://schemas.openxmlformats.org/markup-compatibility/2006">
-        <mc:Choice xmlns:a14="http://schemas.microsoft.com/office/drawing/2010/main" Requires="a14">
+      <mc:AlternateContent xmlns:mc="http://schemas.openxmlformats.org/markup-compatibility/2006" xmlns:a14="http://schemas.microsoft.com/office/drawing/2010/main">
+        <mc:Choice Requires="a14">
           <p:sp>
             <p:nvSpPr>
               <p:cNvPr id="11" name="テキスト ボックス 10"/>
@@ -12380,6 +17096,7 @@
               </a:bodyPr>
               <a:lstStyle/>
               <a:p>
+                <a:pPr/>
                 <a14:m>
                   <m:oMathPara xmlns:m="http://schemas.openxmlformats.org/officeDocument/2006/math">
                     <m:oMathParaPr>
@@ -12418,7 +17135,7 @@
             </p:txBody>
           </p:sp>
         </mc:Choice>
-        <mc:Fallback>
+        <mc:Fallback xmlns="">
           <p:sp>
             <p:nvSpPr>
               <p:cNvPr id="11" name="テキスト ボックス 10"/>
@@ -12617,7 +17334,7 @@
           <a:lstStyle/>
           <a:p>
             <a:pPr algn="ctr"/>
-            <a:endParaRPr kumimoji="1" lang="ja-JP" altLang="en-US"/>
+            <a:endParaRPr kumimoji="1" lang="ja-JP" altLang="en-US" dirty="0"/>
           </a:p>
         </p:txBody>
       </p:sp>
@@ -12844,7 +17561,6 @@
               <a:rPr lang="en-US" altLang="ja-JP" dirty="0" smtClean="0"/>
               <a:t>a</a:t>
             </a:r>
-            <a:endParaRPr lang="en-US" altLang="ja-JP" dirty="0" smtClean="0"/>
           </a:p>
         </p:txBody>
       </p:sp>
@@ -12985,8 +17701,8 @@
           </a:fontRef>
         </p:style>
       </p:cxnSp>
-      <mc:AlternateContent xmlns:mc="http://schemas.openxmlformats.org/markup-compatibility/2006">
-        <mc:Choice xmlns:a14="http://schemas.microsoft.com/office/drawing/2010/main" Requires="a14">
+      <mc:AlternateContent xmlns:mc="http://schemas.openxmlformats.org/markup-compatibility/2006" xmlns:a14="http://schemas.microsoft.com/office/drawing/2010/main">
+        <mc:Choice Requires="a14">
           <p:sp>
             <p:nvSpPr>
               <p:cNvPr id="21" name="テキスト ボックス 20"/>
@@ -13052,7 +17768,7 @@
             </p:txBody>
           </p:sp>
         </mc:Choice>
-        <mc:Fallback>
+        <mc:Fallback xmlns="">
           <p:sp>
             <p:nvSpPr>
               <p:cNvPr id="21" name="テキスト ボックス 20"/>
@@ -13095,6 +17811,1212 @@
     <p:extLst>
       <p:ext uri="{BB962C8B-B14F-4D97-AF65-F5344CB8AC3E}">
         <p14:creationId xmlns:p14="http://schemas.microsoft.com/office/powerpoint/2010/main" val="1859499034"/>
+      </p:ext>
+    </p:extLst>
+  </p:cSld>
+  <p:clrMapOvr>
+    <a:masterClrMapping/>
+  </p:clrMapOvr>
+</p:sld>
+</file>
+
+<file path=ppt/slides/slide9.xml><?xml version="1.0" encoding="utf-8"?>
+<p:sld xmlns:a="http://schemas.openxmlformats.org/drawingml/2006/main" xmlns:r="http://schemas.openxmlformats.org/officeDocument/2006/relationships" xmlns:p="http://schemas.openxmlformats.org/presentationml/2006/main">
+  <p:cSld>
+    <p:spTree>
+      <p:nvGrpSpPr>
+        <p:cNvPr id="1" name=""/>
+        <p:cNvGrpSpPr/>
+        <p:nvPr/>
+      </p:nvGrpSpPr>
+      <p:grpSpPr>
+        <a:xfrm>
+          <a:off x="0" y="0"/>
+          <a:ext cx="0" cy="0"/>
+          <a:chOff x="0" y="0"/>
+          <a:chExt cx="0" cy="0"/>
+        </a:xfrm>
+      </p:grpSpPr>
+      <p:sp>
+        <p:nvSpPr>
+          <p:cNvPr id="2" name="正方形/長方形 1"/>
+          <p:cNvSpPr/>
+          <p:nvPr/>
+        </p:nvSpPr>
+        <p:spPr>
+          <a:xfrm>
+            <a:off x="3218329" y="2323652"/>
+            <a:ext cx="882127" cy="613186"/>
+          </a:xfrm>
+          <a:prstGeom prst="rect">
+            <a:avLst/>
+          </a:prstGeom>
+          <a:solidFill>
+            <a:schemeClr val="bg1"/>
+          </a:solidFill>
+          <a:ln w="25400">
+            <a:solidFill>
+              <a:schemeClr val="tx1"/>
+            </a:solidFill>
+          </a:ln>
+        </p:spPr>
+        <p:style>
+          <a:lnRef idx="2">
+            <a:schemeClr val="accent1">
+              <a:shade val="50000"/>
+            </a:schemeClr>
+          </a:lnRef>
+          <a:fillRef idx="1">
+            <a:schemeClr val="accent1"/>
+          </a:fillRef>
+          <a:effectRef idx="0">
+            <a:schemeClr val="accent1"/>
+          </a:effectRef>
+          <a:fontRef idx="minor">
+            <a:schemeClr val="lt1"/>
+          </a:fontRef>
+        </p:style>
+        <p:txBody>
+          <a:bodyPr rtlCol="0" anchor="ctr"/>
+          <a:lstStyle/>
+          <a:p>
+            <a:pPr algn="ctr"/>
+            <a:r>
+              <a:rPr kumimoji="1" lang="en-US" altLang="ja-JP" dirty="0" smtClean="0">
+                <a:solidFill>
+                  <a:schemeClr val="tx1"/>
+                </a:solidFill>
+              </a:rPr>
+              <a:t>F</a:t>
+            </a:r>
+            <a:endParaRPr kumimoji="1" lang="ja-JP" altLang="en-US" dirty="0">
+              <a:solidFill>
+                <a:schemeClr val="tx1"/>
+              </a:solidFill>
+            </a:endParaRPr>
+          </a:p>
+        </p:txBody>
+      </p:sp>
+      <p:sp>
+        <p:nvSpPr>
+          <p:cNvPr id="3" name="正方形/長方形 2"/>
+          <p:cNvSpPr/>
+          <p:nvPr/>
+        </p:nvSpPr>
+        <p:spPr>
+          <a:xfrm>
+            <a:off x="7222863" y="2317377"/>
+            <a:ext cx="1359721" cy="613186"/>
+          </a:xfrm>
+          <a:prstGeom prst="rect">
+            <a:avLst/>
+          </a:prstGeom>
+          <a:solidFill>
+            <a:schemeClr val="bg1"/>
+          </a:solidFill>
+          <a:ln w="25400">
+            <a:solidFill>
+              <a:schemeClr val="tx1"/>
+            </a:solidFill>
+          </a:ln>
+        </p:spPr>
+        <p:style>
+          <a:lnRef idx="2">
+            <a:schemeClr val="accent1">
+              <a:shade val="50000"/>
+            </a:schemeClr>
+          </a:lnRef>
+          <a:fillRef idx="1">
+            <a:schemeClr val="accent1"/>
+          </a:fillRef>
+          <a:effectRef idx="0">
+            <a:schemeClr val="accent1"/>
+          </a:effectRef>
+          <a:fontRef idx="minor">
+            <a:schemeClr val="lt1"/>
+          </a:fontRef>
+        </p:style>
+        <p:txBody>
+          <a:bodyPr rtlCol="0" anchor="ctr"/>
+          <a:lstStyle/>
+          <a:p>
+            <a:pPr algn="ctr"/>
+            <a:r>
+              <a:rPr kumimoji="1" lang="ja-JP" altLang="en-US" dirty="0" smtClean="0">
+                <a:solidFill>
+                  <a:schemeClr val="tx1"/>
+                </a:solidFill>
+              </a:rPr>
+              <a:t>倒立振子</a:t>
+            </a:r>
+            <a:endParaRPr kumimoji="1" lang="ja-JP" altLang="en-US" dirty="0">
+              <a:solidFill>
+                <a:schemeClr val="tx1"/>
+              </a:solidFill>
+            </a:endParaRPr>
+          </a:p>
+        </p:txBody>
+      </p:sp>
+      <p:sp>
+        <p:nvSpPr>
+          <p:cNvPr id="4" name="正方形/長方形 3"/>
+          <p:cNvSpPr/>
+          <p:nvPr/>
+        </p:nvSpPr>
+        <p:spPr>
+          <a:xfrm>
+            <a:off x="5220596" y="2323652"/>
+            <a:ext cx="882127" cy="613186"/>
+          </a:xfrm>
+          <a:prstGeom prst="rect">
+            <a:avLst/>
+          </a:prstGeom>
+          <a:solidFill>
+            <a:schemeClr val="bg1"/>
+          </a:solidFill>
+          <a:ln w="25400">
+            <a:solidFill>
+              <a:schemeClr val="tx1"/>
+            </a:solidFill>
+          </a:ln>
+        </p:spPr>
+        <p:style>
+          <a:lnRef idx="2">
+            <a:schemeClr val="accent1">
+              <a:shade val="50000"/>
+            </a:schemeClr>
+          </a:lnRef>
+          <a:fillRef idx="1">
+            <a:schemeClr val="accent1"/>
+          </a:fillRef>
+          <a:effectRef idx="0">
+            <a:schemeClr val="accent1"/>
+          </a:effectRef>
+          <a:fontRef idx="minor">
+            <a:schemeClr val="lt1"/>
+          </a:fontRef>
+        </p:style>
+        <p:txBody>
+          <a:bodyPr rtlCol="0" anchor="ctr"/>
+          <a:lstStyle/>
+          <a:p>
+            <a:pPr algn="ctr"/>
+            <a:r>
+              <a:rPr lang="ja-JP" altLang="en-US" dirty="0" smtClean="0">
+                <a:solidFill>
+                  <a:schemeClr val="tx1"/>
+                </a:solidFill>
+              </a:rPr>
+              <a:t>飽和</a:t>
+            </a:r>
+            <a:r>
+              <a:rPr lang="ja-JP" altLang="en-US" dirty="0">
+                <a:solidFill>
+                  <a:schemeClr val="tx1"/>
+                </a:solidFill>
+              </a:rPr>
+              <a:t>器</a:t>
+            </a:r>
+            <a:endParaRPr kumimoji="1" lang="en-US" altLang="ja-JP" dirty="0" smtClean="0">
+              <a:solidFill>
+                <a:schemeClr val="tx1"/>
+              </a:solidFill>
+            </a:endParaRPr>
+          </a:p>
+        </p:txBody>
+      </p:sp>
+      <p:cxnSp>
+        <p:nvCxnSpPr>
+          <p:cNvPr id="6" name="直線矢印コネクタ 5"/>
+          <p:cNvCxnSpPr/>
+          <p:nvPr/>
+        </p:nvCxnSpPr>
+        <p:spPr>
+          <a:xfrm>
+            <a:off x="1188720" y="2630245"/>
+            <a:ext cx="1120140" cy="0"/>
+          </a:xfrm>
+          <a:prstGeom prst="straightConnector1">
+            <a:avLst/>
+          </a:prstGeom>
+          <a:ln w="38100">
+            <a:solidFill>
+              <a:schemeClr val="tx1"/>
+            </a:solidFill>
+            <a:tailEnd type="triangle"/>
+          </a:ln>
+        </p:spPr>
+        <p:style>
+          <a:lnRef idx="1">
+            <a:schemeClr val="accent1"/>
+          </a:lnRef>
+          <a:fillRef idx="0">
+            <a:schemeClr val="accent1"/>
+          </a:fillRef>
+          <a:effectRef idx="0">
+            <a:schemeClr val="accent1"/>
+          </a:effectRef>
+          <a:fontRef idx="minor">
+            <a:schemeClr val="tx1"/>
+          </a:fontRef>
+        </p:style>
+      </p:cxnSp>
+      <p:cxnSp>
+        <p:nvCxnSpPr>
+          <p:cNvPr id="7" name="直線矢印コネクタ 6"/>
+          <p:cNvCxnSpPr/>
+          <p:nvPr/>
+        </p:nvCxnSpPr>
+        <p:spPr>
+          <a:xfrm>
+            <a:off x="4100456" y="2630245"/>
+            <a:ext cx="1120140" cy="0"/>
+          </a:xfrm>
+          <a:prstGeom prst="straightConnector1">
+            <a:avLst/>
+          </a:prstGeom>
+          <a:ln w="38100">
+            <a:solidFill>
+              <a:schemeClr val="tx1"/>
+            </a:solidFill>
+            <a:tailEnd type="triangle"/>
+          </a:ln>
+        </p:spPr>
+        <p:style>
+          <a:lnRef idx="1">
+            <a:schemeClr val="accent1"/>
+          </a:lnRef>
+          <a:fillRef idx="0">
+            <a:schemeClr val="accent1"/>
+          </a:fillRef>
+          <a:effectRef idx="0">
+            <a:schemeClr val="accent1"/>
+          </a:effectRef>
+          <a:fontRef idx="minor">
+            <a:schemeClr val="tx1"/>
+          </a:fontRef>
+        </p:style>
+      </p:cxnSp>
+      <p:cxnSp>
+        <p:nvCxnSpPr>
+          <p:cNvPr id="9" name="直線矢印コネクタ 8"/>
+          <p:cNvCxnSpPr/>
+          <p:nvPr/>
+        </p:nvCxnSpPr>
+        <p:spPr>
+          <a:xfrm>
+            <a:off x="6102723" y="2623970"/>
+            <a:ext cx="1120140" cy="0"/>
+          </a:xfrm>
+          <a:prstGeom prst="straightConnector1">
+            <a:avLst/>
+          </a:prstGeom>
+          <a:ln w="38100">
+            <a:solidFill>
+              <a:schemeClr val="tx1"/>
+            </a:solidFill>
+            <a:tailEnd type="triangle"/>
+          </a:ln>
+        </p:spPr>
+        <p:style>
+          <a:lnRef idx="1">
+            <a:schemeClr val="accent1"/>
+          </a:lnRef>
+          <a:fillRef idx="0">
+            <a:schemeClr val="accent1"/>
+          </a:fillRef>
+          <a:effectRef idx="0">
+            <a:schemeClr val="accent1"/>
+          </a:effectRef>
+          <a:fontRef idx="minor">
+            <a:schemeClr val="tx1"/>
+          </a:fontRef>
+        </p:style>
+      </p:cxnSp>
+      <p:cxnSp>
+        <p:nvCxnSpPr>
+          <p:cNvPr id="10" name="直線矢印コネクタ 9"/>
+          <p:cNvCxnSpPr/>
+          <p:nvPr/>
+        </p:nvCxnSpPr>
+        <p:spPr>
+          <a:xfrm>
+            <a:off x="8582584" y="2479190"/>
+            <a:ext cx="1120140" cy="0"/>
+          </a:xfrm>
+          <a:prstGeom prst="straightConnector1">
+            <a:avLst/>
+          </a:prstGeom>
+          <a:ln w="38100">
+            <a:solidFill>
+              <a:schemeClr val="tx1"/>
+            </a:solidFill>
+            <a:tailEnd type="triangle"/>
+          </a:ln>
+        </p:spPr>
+        <p:style>
+          <a:lnRef idx="1">
+            <a:schemeClr val="accent1"/>
+          </a:lnRef>
+          <a:fillRef idx="0">
+            <a:schemeClr val="accent1"/>
+          </a:fillRef>
+          <a:effectRef idx="0">
+            <a:schemeClr val="accent1"/>
+          </a:effectRef>
+          <a:fontRef idx="minor">
+            <a:schemeClr val="tx1"/>
+          </a:fontRef>
+        </p:style>
+      </p:cxnSp>
+      <p:cxnSp>
+        <p:nvCxnSpPr>
+          <p:cNvPr id="11" name="直線矢印コネクタ 10"/>
+          <p:cNvCxnSpPr/>
+          <p:nvPr/>
+        </p:nvCxnSpPr>
+        <p:spPr>
+          <a:xfrm>
+            <a:off x="8582584" y="2753510"/>
+            <a:ext cx="1120140" cy="0"/>
+          </a:xfrm>
+          <a:prstGeom prst="straightConnector1">
+            <a:avLst/>
+          </a:prstGeom>
+          <a:ln w="38100">
+            <a:solidFill>
+              <a:schemeClr val="tx1"/>
+            </a:solidFill>
+            <a:tailEnd type="triangle"/>
+          </a:ln>
+        </p:spPr>
+        <p:style>
+          <a:lnRef idx="1">
+            <a:schemeClr val="accent1"/>
+          </a:lnRef>
+          <a:fillRef idx="0">
+            <a:schemeClr val="accent1"/>
+          </a:fillRef>
+          <a:effectRef idx="0">
+            <a:schemeClr val="accent1"/>
+          </a:effectRef>
+          <a:fontRef idx="minor">
+            <a:schemeClr val="tx1"/>
+          </a:fontRef>
+        </p:style>
+      </p:cxnSp>
+      <p:sp>
+        <p:nvSpPr>
+          <p:cNvPr id="12" name="楕円 11"/>
+          <p:cNvSpPr>
+            <a:spLocks noChangeAspect="1"/>
+          </p:cNvSpPr>
+          <p:nvPr/>
+        </p:nvSpPr>
+        <p:spPr>
+          <a:xfrm>
+            <a:off x="2308860" y="2550941"/>
+            <a:ext cx="146125" cy="146057"/>
+          </a:xfrm>
+          <a:prstGeom prst="ellipse">
+            <a:avLst/>
+          </a:prstGeom>
+          <a:solidFill>
+            <a:schemeClr val="bg1"/>
+          </a:solidFill>
+          <a:ln w="38100">
+            <a:solidFill>
+              <a:schemeClr val="tx1"/>
+            </a:solidFill>
+          </a:ln>
+        </p:spPr>
+        <p:style>
+          <a:lnRef idx="2">
+            <a:schemeClr val="accent1">
+              <a:shade val="50000"/>
+            </a:schemeClr>
+          </a:lnRef>
+          <a:fillRef idx="1">
+            <a:schemeClr val="accent1"/>
+          </a:fillRef>
+          <a:effectRef idx="0">
+            <a:schemeClr val="accent1"/>
+          </a:effectRef>
+          <a:fontRef idx="minor">
+            <a:schemeClr val="lt1"/>
+          </a:fontRef>
+        </p:style>
+        <p:txBody>
+          <a:bodyPr rtlCol="0" anchor="ctr"/>
+          <a:lstStyle/>
+          <a:p>
+            <a:pPr algn="ctr"/>
+            <a:endParaRPr kumimoji="1" lang="ja-JP" altLang="en-US" dirty="0"/>
+          </a:p>
+        </p:txBody>
+      </p:sp>
+      <p:cxnSp>
+        <p:nvCxnSpPr>
+          <p:cNvPr id="13" name="直線矢印コネクタ 12"/>
+          <p:cNvCxnSpPr>
+            <a:endCxn id="2" idx="1"/>
+          </p:cNvCxnSpPr>
+          <p:nvPr/>
+        </p:nvCxnSpPr>
+        <p:spPr>
+          <a:xfrm>
+            <a:off x="2454985" y="2623969"/>
+            <a:ext cx="763344" cy="6276"/>
+          </a:xfrm>
+          <a:prstGeom prst="straightConnector1">
+            <a:avLst/>
+          </a:prstGeom>
+          <a:ln w="38100">
+            <a:solidFill>
+              <a:schemeClr val="tx1"/>
+            </a:solidFill>
+            <a:tailEnd type="triangle"/>
+          </a:ln>
+        </p:spPr>
+        <p:style>
+          <a:lnRef idx="1">
+            <a:schemeClr val="accent1"/>
+          </a:lnRef>
+          <a:fillRef idx="0">
+            <a:schemeClr val="accent1"/>
+          </a:fillRef>
+          <a:effectRef idx="0">
+            <a:schemeClr val="accent1"/>
+          </a:effectRef>
+          <a:fontRef idx="minor">
+            <a:schemeClr val="tx1"/>
+          </a:fontRef>
+        </p:style>
+      </p:cxnSp>
+      <p:cxnSp>
+        <p:nvCxnSpPr>
+          <p:cNvPr id="15" name="直線矢印コネクタ 14"/>
+          <p:cNvCxnSpPr/>
+          <p:nvPr/>
+        </p:nvCxnSpPr>
+        <p:spPr>
+          <a:xfrm flipV="1">
+            <a:off x="2381922" y="2696999"/>
+            <a:ext cx="0" cy="1024895"/>
+          </a:xfrm>
+          <a:prstGeom prst="straightConnector1">
+            <a:avLst/>
+          </a:prstGeom>
+          <a:ln w="38100">
+            <a:solidFill>
+              <a:schemeClr val="tx1"/>
+            </a:solidFill>
+            <a:tailEnd type="triangle"/>
+          </a:ln>
+        </p:spPr>
+        <p:style>
+          <a:lnRef idx="1">
+            <a:schemeClr val="accent1"/>
+          </a:lnRef>
+          <a:fillRef idx="0">
+            <a:schemeClr val="accent1"/>
+          </a:fillRef>
+          <a:effectRef idx="0">
+            <a:schemeClr val="accent1"/>
+          </a:effectRef>
+          <a:fontRef idx="minor">
+            <a:schemeClr val="tx1"/>
+          </a:fontRef>
+        </p:style>
+      </p:cxnSp>
+      <p:cxnSp>
+        <p:nvCxnSpPr>
+          <p:cNvPr id="19" name="直線コネクタ 18"/>
+          <p:cNvCxnSpPr/>
+          <p:nvPr/>
+        </p:nvCxnSpPr>
+        <p:spPr>
+          <a:xfrm>
+            <a:off x="2381922" y="3705225"/>
+            <a:ext cx="4280871" cy="0"/>
+          </a:xfrm>
+          <a:prstGeom prst="line">
+            <a:avLst/>
+          </a:prstGeom>
+          <a:ln w="38100">
+            <a:solidFill>
+              <a:schemeClr val="tx1"/>
+            </a:solidFill>
+          </a:ln>
+        </p:spPr>
+        <p:style>
+          <a:lnRef idx="1">
+            <a:schemeClr val="accent1"/>
+          </a:lnRef>
+          <a:fillRef idx="0">
+            <a:schemeClr val="accent1"/>
+          </a:fillRef>
+          <a:effectRef idx="0">
+            <a:schemeClr val="accent1"/>
+          </a:effectRef>
+          <a:fontRef idx="minor">
+            <a:schemeClr val="tx1"/>
+          </a:fontRef>
+        </p:style>
+      </p:cxnSp>
+      <p:cxnSp>
+        <p:nvCxnSpPr>
+          <p:cNvPr id="21" name="直線コネクタ 20"/>
+          <p:cNvCxnSpPr/>
+          <p:nvPr/>
+        </p:nvCxnSpPr>
+        <p:spPr>
+          <a:xfrm>
+            <a:off x="6655621" y="2623969"/>
+            <a:ext cx="7172" cy="1097925"/>
+          </a:xfrm>
+          <a:prstGeom prst="line">
+            <a:avLst/>
+          </a:prstGeom>
+          <a:ln w="38100">
+            <a:solidFill>
+              <a:schemeClr val="tx1"/>
+            </a:solidFill>
+          </a:ln>
+        </p:spPr>
+        <p:style>
+          <a:lnRef idx="1">
+            <a:schemeClr val="accent1"/>
+          </a:lnRef>
+          <a:fillRef idx="0">
+            <a:schemeClr val="accent1"/>
+          </a:fillRef>
+          <a:effectRef idx="0">
+            <a:schemeClr val="accent1"/>
+          </a:effectRef>
+          <a:fontRef idx="minor">
+            <a:schemeClr val="tx1"/>
+          </a:fontRef>
+        </p:style>
+      </p:cxnSp>
+      <mc:AlternateContent xmlns:mc="http://schemas.openxmlformats.org/markup-compatibility/2006">
+        <mc:Choice xmlns:a14="http://schemas.microsoft.com/office/drawing/2010/main" Requires="a14">
+          <p:sp>
+            <p:nvSpPr>
+              <p:cNvPr id="27" name="テキスト ボックス 26"/>
+              <p:cNvSpPr txBox="1"/>
+              <p:nvPr/>
+            </p:nvSpPr>
+            <p:spPr>
+              <a:xfrm>
+                <a:off x="1229174" y="2270985"/>
+                <a:ext cx="514051" cy="576248"/>
+              </a:xfrm>
+              <a:prstGeom prst="rect">
+                <a:avLst/>
+              </a:prstGeom>
+              <a:noFill/>
+            </p:spPr>
+            <p:txBody>
+              <a:bodyPr wrap="none" lIns="0" tIns="0" rIns="0" bIns="0" rtlCol="0">
+                <a:spAutoFit/>
+              </a:bodyPr>
+              <a:lstStyle/>
+              <a:p>
+                <a14:m>
+                  <m:oMathPara xmlns:m="http://schemas.openxmlformats.org/officeDocument/2006/math">
+                    <m:oMathParaPr>
+                      <m:jc m:val="centerGroup"/>
+                    </m:oMathParaPr>
+                    <m:oMath xmlns:m="http://schemas.openxmlformats.org/officeDocument/2006/math">
+                      <m:sSub>
+                        <m:sSubPr>
+                          <m:ctrlPr>
+                            <a:rPr kumimoji="1" lang="en-US" altLang="ja-JP" b="0" i="1" smtClean="0">
+                              <a:latin typeface="Cambria Math" panose="02040503050406030204" pitchFamily="18" charset="0"/>
+                            </a:rPr>
+                          </m:ctrlPr>
+                        </m:sSubPr>
+                        <m:e>
+                          <m:r>
+                            <a:rPr kumimoji="1" lang="en-US" altLang="ja-JP" b="0" i="1" smtClean="0">
+                              <a:latin typeface="Cambria Math" panose="02040503050406030204" pitchFamily="18" charset="0"/>
+                            </a:rPr>
+                            <m:t>𝑥</m:t>
+                          </m:r>
+                        </m:e>
+                        <m:sub>
+                          <m:r>
+                            <a:rPr kumimoji="1" lang="en-US" altLang="ja-JP" b="0" i="1" smtClean="0">
+                              <a:latin typeface="Cambria Math" panose="02040503050406030204" pitchFamily="18" charset="0"/>
+                            </a:rPr>
+                            <m:t>𝑟𝑒𝑓</m:t>
+                          </m:r>
+                        </m:sub>
+                      </m:sSub>
+                    </m:oMath>
+                  </m:oMathPara>
+                </a14:m>
+                <a:endParaRPr kumimoji="1" lang="en-US" altLang="ja-JP" b="0" dirty="0" smtClean="0"/>
+              </a:p>
+              <a:p>
+                <a:endParaRPr kumimoji="1" lang="ja-JP" altLang="en-US" dirty="0"/>
+              </a:p>
+            </p:txBody>
+          </p:sp>
+        </mc:Choice>
+        <mc:Fallback>
+          <p:sp>
+            <p:nvSpPr>
+              <p:cNvPr id="27" name="テキスト ボックス 26"/>
+              <p:cNvSpPr txBox="1">
+                <a:spLocks noRot="1" noChangeAspect="1" noMove="1" noResize="1" noEditPoints="1" noAdjustHandles="1" noChangeArrowheads="1" noChangeShapeType="1" noTextEdit="1"/>
+              </p:cNvSpPr>
+              <p:nvPr/>
+            </p:nvSpPr>
+            <p:spPr>
+              <a:xfrm>
+                <a:off x="1229174" y="2270985"/>
+                <a:ext cx="514051" cy="576248"/>
+              </a:xfrm>
+              <a:prstGeom prst="rect">
+                <a:avLst/>
+              </a:prstGeom>
+              <a:blipFill>
+                <a:blip r:embed="rId2"/>
+                <a:stretch>
+                  <a:fillRect l="-2381" r="-4762"/>
+                </a:stretch>
+              </a:blipFill>
+            </p:spPr>
+            <p:txBody>
+              <a:bodyPr/>
+              <a:lstStyle/>
+              <a:p>
+                <a:r>
+                  <a:rPr lang="ja-JP" altLang="en-US">
+                    <a:noFill/>
+                  </a:rPr>
+                  <a:t> </a:t>
+                </a:r>
+              </a:p>
+            </p:txBody>
+          </p:sp>
+        </mc:Fallback>
+      </mc:AlternateContent>
+      <p:sp>
+        <p:nvSpPr>
+          <p:cNvPr id="29" name="テキスト ボックス 28"/>
+          <p:cNvSpPr txBox="1"/>
+          <p:nvPr/>
+        </p:nvSpPr>
+        <p:spPr>
+          <a:xfrm>
+            <a:off x="2508321" y="2346970"/>
+            <a:ext cx="166712" cy="553998"/>
+          </a:xfrm>
+          <a:prstGeom prst="rect">
+            <a:avLst/>
+          </a:prstGeom>
+          <a:noFill/>
+        </p:spPr>
+        <p:txBody>
+          <a:bodyPr wrap="none" lIns="0" tIns="0" rIns="0" bIns="0" rtlCol="0">
+            <a:spAutoFit/>
+          </a:bodyPr>
+          <a:lstStyle/>
+          <a:p>
+            <a:r>
+              <a:rPr kumimoji="1" lang="en-US" altLang="ja-JP" b="0" dirty="0" smtClean="0"/>
+              <a:t>+</a:t>
+            </a:r>
+          </a:p>
+          <a:p>
+            <a:endParaRPr kumimoji="1" lang="ja-JP" altLang="en-US" dirty="0"/>
+          </a:p>
+        </p:txBody>
+      </p:sp>
+      <mc:AlternateContent xmlns:mc="http://schemas.openxmlformats.org/markup-compatibility/2006">
+        <mc:Choice xmlns:a14="http://schemas.microsoft.com/office/drawing/2010/main" Requires="a14">
+          <p:sp>
+            <p:nvSpPr>
+              <p:cNvPr id="30" name="テキスト ボックス 29"/>
+              <p:cNvSpPr txBox="1"/>
+              <p:nvPr/>
+            </p:nvSpPr>
+            <p:spPr>
+              <a:xfrm>
+                <a:off x="2435258" y="2749098"/>
+                <a:ext cx="330801" cy="830997"/>
+              </a:xfrm>
+              <a:prstGeom prst="rect">
+                <a:avLst/>
+              </a:prstGeom>
+              <a:noFill/>
+            </p:spPr>
+            <p:txBody>
+              <a:bodyPr wrap="square" lIns="0" tIns="0" rIns="0" bIns="0" rtlCol="0">
+                <a:spAutoFit/>
+              </a:bodyPr>
+              <a:lstStyle/>
+              <a:p>
+                <a14:m>
+                  <m:oMathPara xmlns:m="http://schemas.openxmlformats.org/officeDocument/2006/math">
+                    <m:oMathParaPr>
+                      <m:jc m:val="centerGroup"/>
+                    </m:oMathParaPr>
+                    <m:oMath xmlns:m="http://schemas.openxmlformats.org/officeDocument/2006/math">
+                      <m:r>
+                        <a:rPr kumimoji="1" lang="en-US" altLang="ja-JP" b="0" i="1" smtClean="0">
+                          <a:latin typeface="Cambria Math" panose="02040503050406030204" pitchFamily="18" charset="0"/>
+                        </a:rPr>
+                        <m:t>−</m:t>
+                      </m:r>
+                    </m:oMath>
+                  </m:oMathPara>
+                </a14:m>
+                <a:endParaRPr kumimoji="1" lang="en-US" altLang="ja-JP" b="0" dirty="0" smtClean="0"/>
+              </a:p>
+              <a:p>
+                <a:endParaRPr kumimoji="1" lang="en-US" altLang="ja-JP" b="0" dirty="0" smtClean="0"/>
+              </a:p>
+              <a:p>
+                <a:endParaRPr kumimoji="1" lang="ja-JP" altLang="en-US" dirty="0"/>
+              </a:p>
+            </p:txBody>
+          </p:sp>
+        </mc:Choice>
+        <mc:Fallback>
+          <p:sp>
+            <p:nvSpPr>
+              <p:cNvPr id="30" name="テキスト ボックス 29"/>
+              <p:cNvSpPr txBox="1">
+                <a:spLocks noRot="1" noChangeAspect="1" noMove="1" noResize="1" noEditPoints="1" noAdjustHandles="1" noChangeArrowheads="1" noChangeShapeType="1" noTextEdit="1"/>
+              </p:cNvSpPr>
+              <p:nvPr/>
+            </p:nvSpPr>
+            <p:spPr>
+              <a:xfrm>
+                <a:off x="2435258" y="2749098"/>
+                <a:ext cx="330801" cy="830997"/>
+              </a:xfrm>
+              <a:prstGeom prst="rect">
+                <a:avLst/>
+              </a:prstGeom>
+              <a:blipFill>
+                <a:blip r:embed="rId3"/>
+                <a:stretch>
+                  <a:fillRect/>
+                </a:stretch>
+              </a:blipFill>
+            </p:spPr>
+            <p:txBody>
+              <a:bodyPr/>
+              <a:lstStyle/>
+              <a:p>
+                <a:r>
+                  <a:rPr lang="ja-JP" altLang="en-US">
+                    <a:noFill/>
+                  </a:rPr>
+                  <a:t> </a:t>
+                </a:r>
+              </a:p>
+            </p:txBody>
+          </p:sp>
+        </mc:Fallback>
+      </mc:AlternateContent>
+      <mc:AlternateContent xmlns:mc="http://schemas.openxmlformats.org/markup-compatibility/2006">
+        <mc:Choice xmlns:a14="http://schemas.microsoft.com/office/drawing/2010/main" Requires="a14">
+          <p:sp>
+            <p:nvSpPr>
+              <p:cNvPr id="31" name="テキスト ボックス 30"/>
+              <p:cNvSpPr txBox="1"/>
+              <p:nvPr/>
+            </p:nvSpPr>
+            <p:spPr>
+              <a:xfrm>
+                <a:off x="4474397" y="2262817"/>
+                <a:ext cx="448521" cy="553998"/>
+              </a:xfrm>
+              <a:prstGeom prst="rect">
+                <a:avLst/>
+              </a:prstGeom>
+              <a:noFill/>
+            </p:spPr>
+            <p:txBody>
+              <a:bodyPr wrap="none" lIns="0" tIns="0" rIns="0" bIns="0" rtlCol="0">
+                <a:spAutoFit/>
+              </a:bodyPr>
+              <a:lstStyle/>
+              <a:p>
+                <a14:m>
+                  <m:oMathPara xmlns:m="http://schemas.openxmlformats.org/officeDocument/2006/math">
+                    <m:oMathParaPr>
+                      <m:jc m:val="centerGroup"/>
+                    </m:oMathParaPr>
+                    <m:oMath xmlns:m="http://schemas.openxmlformats.org/officeDocument/2006/math">
+                      <m:r>
+                        <a:rPr kumimoji="1" lang="en-US" altLang="ja-JP" b="0" i="1" smtClean="0">
+                          <a:latin typeface="Cambria Math" panose="02040503050406030204" pitchFamily="18" charset="0"/>
+                        </a:rPr>
+                        <m:t>𝑢</m:t>
+                      </m:r>
+                    </m:oMath>
+                  </m:oMathPara>
+                </a14:m>
+                <a:endParaRPr kumimoji="1" lang="en-US" altLang="ja-JP" b="0" dirty="0" smtClean="0"/>
+              </a:p>
+              <a:p>
+                <a:endParaRPr kumimoji="1" lang="ja-JP" altLang="en-US" dirty="0"/>
+              </a:p>
+            </p:txBody>
+          </p:sp>
+        </mc:Choice>
+        <mc:Fallback>
+          <p:sp>
+            <p:nvSpPr>
+              <p:cNvPr id="31" name="テキスト ボックス 30"/>
+              <p:cNvSpPr txBox="1">
+                <a:spLocks noRot="1" noChangeAspect="1" noMove="1" noResize="1" noEditPoints="1" noAdjustHandles="1" noChangeArrowheads="1" noChangeShapeType="1" noTextEdit="1"/>
+              </p:cNvSpPr>
+              <p:nvPr/>
+            </p:nvSpPr>
+            <p:spPr>
+              <a:xfrm>
+                <a:off x="4474397" y="2262817"/>
+                <a:ext cx="448521" cy="553998"/>
+              </a:xfrm>
+              <a:prstGeom prst="rect">
+                <a:avLst/>
+              </a:prstGeom>
+              <a:blipFill>
+                <a:blip r:embed="rId4"/>
+                <a:stretch>
+                  <a:fillRect/>
+                </a:stretch>
+              </a:blipFill>
+            </p:spPr>
+            <p:txBody>
+              <a:bodyPr/>
+              <a:lstStyle/>
+              <a:p>
+                <a:r>
+                  <a:rPr lang="ja-JP" altLang="en-US">
+                    <a:noFill/>
+                  </a:rPr>
+                  <a:t> </a:t>
+                </a:r>
+              </a:p>
+            </p:txBody>
+          </p:sp>
+        </mc:Fallback>
+      </mc:AlternateContent>
+      <mc:AlternateContent xmlns:mc="http://schemas.openxmlformats.org/markup-compatibility/2006">
+        <mc:Choice xmlns:a14="http://schemas.microsoft.com/office/drawing/2010/main" Requires="a14">
+          <p:sp>
+            <p:nvSpPr>
+              <p:cNvPr id="32" name="テキスト ボックス 31"/>
+              <p:cNvSpPr txBox="1"/>
+              <p:nvPr/>
+            </p:nvSpPr>
+            <p:spPr>
+              <a:xfrm>
+                <a:off x="8812480" y="2135442"/>
+                <a:ext cx="545214" cy="830997"/>
+              </a:xfrm>
+              <a:prstGeom prst="rect">
+                <a:avLst/>
+              </a:prstGeom>
+              <a:noFill/>
+            </p:spPr>
+            <p:txBody>
+              <a:bodyPr wrap="none" lIns="0" tIns="0" rIns="0" bIns="0" rtlCol="0">
+                <a:spAutoFit/>
+              </a:bodyPr>
+              <a:lstStyle/>
+              <a:p>
+                <a14:m>
+                  <m:oMathPara xmlns:m="http://schemas.openxmlformats.org/officeDocument/2006/math">
+                    <m:oMathParaPr>
+                      <m:jc m:val="centerGroup"/>
+                    </m:oMathParaPr>
+                    <m:oMath xmlns:m="http://schemas.openxmlformats.org/officeDocument/2006/math">
+                      <m:sSub>
+                        <m:sSubPr>
+                          <m:ctrlPr>
+                            <a:rPr kumimoji="1" lang="en-US" altLang="ja-JP" b="0" i="1" smtClean="0">
+                              <a:latin typeface="Cambria Math" panose="02040503050406030204" pitchFamily="18" charset="0"/>
+                            </a:rPr>
+                          </m:ctrlPr>
+                        </m:sSubPr>
+                        <m:e>
+                          <m:r>
+                            <a:rPr kumimoji="1" lang="en-US" altLang="ja-JP" b="0" i="1" smtClean="0">
+                              <a:latin typeface="Cambria Math" panose="02040503050406030204" pitchFamily="18" charset="0"/>
+                            </a:rPr>
+                            <m:t>𝑦</m:t>
+                          </m:r>
+                        </m:e>
+                        <m:sub>
+                          <m:r>
+                            <a:rPr kumimoji="1" lang="en-US" altLang="ja-JP" b="0" i="1" smtClean="0">
+                              <a:latin typeface="Cambria Math" panose="02040503050406030204" pitchFamily="18" charset="0"/>
+                            </a:rPr>
+                            <m:t>1</m:t>
+                          </m:r>
+                        </m:sub>
+                      </m:sSub>
+                    </m:oMath>
+                  </m:oMathPara>
+                </a14:m>
+                <a:endParaRPr kumimoji="1" lang="en-US" altLang="ja-JP" b="0" dirty="0" smtClean="0"/>
+              </a:p>
+              <a:p>
+                <a:endParaRPr kumimoji="1" lang="en-US" altLang="ja-JP" b="0" dirty="0" smtClean="0"/>
+              </a:p>
+              <a:p>
+                <a:endParaRPr kumimoji="1" lang="ja-JP" altLang="en-US" dirty="0"/>
+              </a:p>
+            </p:txBody>
+          </p:sp>
+        </mc:Choice>
+        <mc:Fallback>
+          <p:sp>
+            <p:nvSpPr>
+              <p:cNvPr id="32" name="テキスト ボックス 31"/>
+              <p:cNvSpPr txBox="1">
+                <a:spLocks noRot="1" noChangeAspect="1" noMove="1" noResize="1" noEditPoints="1" noAdjustHandles="1" noChangeArrowheads="1" noChangeShapeType="1" noTextEdit="1"/>
+              </p:cNvSpPr>
+              <p:nvPr/>
+            </p:nvSpPr>
+            <p:spPr>
+              <a:xfrm>
+                <a:off x="8812480" y="2135442"/>
+                <a:ext cx="545214" cy="830997"/>
+              </a:xfrm>
+              <a:prstGeom prst="rect">
+                <a:avLst/>
+              </a:prstGeom>
+              <a:blipFill>
+                <a:blip r:embed="rId5"/>
+                <a:stretch>
+                  <a:fillRect/>
+                </a:stretch>
+              </a:blipFill>
+            </p:spPr>
+            <p:txBody>
+              <a:bodyPr/>
+              <a:lstStyle/>
+              <a:p>
+                <a:r>
+                  <a:rPr lang="ja-JP" altLang="en-US">
+                    <a:noFill/>
+                  </a:rPr>
+                  <a:t> </a:t>
+                </a:r>
+              </a:p>
+            </p:txBody>
+          </p:sp>
+        </mc:Fallback>
+      </mc:AlternateContent>
+      <mc:AlternateContent xmlns:mc="http://schemas.openxmlformats.org/markup-compatibility/2006">
+        <mc:Choice xmlns:a14="http://schemas.microsoft.com/office/drawing/2010/main" Requires="a14">
+          <p:sp>
+            <p:nvSpPr>
+              <p:cNvPr id="33" name="テキスト ボックス 32"/>
+              <p:cNvSpPr txBox="1"/>
+              <p:nvPr/>
+            </p:nvSpPr>
+            <p:spPr>
+              <a:xfrm>
+                <a:off x="8871663" y="2749097"/>
+                <a:ext cx="426848" cy="830997"/>
+              </a:xfrm>
+              <a:prstGeom prst="rect">
+                <a:avLst/>
+              </a:prstGeom>
+              <a:noFill/>
+            </p:spPr>
+            <p:txBody>
+              <a:bodyPr wrap="none" lIns="0" tIns="0" rIns="0" bIns="0" rtlCol="0">
+                <a:spAutoFit/>
+              </a:bodyPr>
+              <a:lstStyle/>
+              <a:p>
+                <a14:m>
+                  <m:oMathPara xmlns:m="http://schemas.openxmlformats.org/officeDocument/2006/math">
+                    <m:oMathParaPr>
+                      <m:jc m:val="centerGroup"/>
+                    </m:oMathParaPr>
+                    <m:oMath xmlns:m="http://schemas.openxmlformats.org/officeDocument/2006/math">
+                      <m:sSub>
+                        <m:sSubPr>
+                          <m:ctrlPr>
+                            <a:rPr kumimoji="1" lang="en-US" altLang="ja-JP" b="0" i="1" smtClean="0">
+                              <a:latin typeface="Cambria Math" panose="02040503050406030204" pitchFamily="18" charset="0"/>
+                            </a:rPr>
+                          </m:ctrlPr>
+                        </m:sSubPr>
+                        <m:e>
+                          <m:r>
+                            <a:rPr kumimoji="1" lang="en-US" altLang="ja-JP" b="0" i="1" smtClean="0">
+                              <a:latin typeface="Cambria Math" panose="02040503050406030204" pitchFamily="18" charset="0"/>
+                            </a:rPr>
+                            <m:t>𝑦</m:t>
+                          </m:r>
+                        </m:e>
+                        <m:sub>
+                          <m:r>
+                            <a:rPr kumimoji="1" lang="en-US" altLang="ja-JP" b="0" i="1" smtClean="0">
+                              <a:latin typeface="Cambria Math" panose="02040503050406030204" pitchFamily="18" charset="0"/>
+                            </a:rPr>
+                            <m:t>2</m:t>
+                          </m:r>
+                        </m:sub>
+                      </m:sSub>
+                    </m:oMath>
+                  </m:oMathPara>
+                </a14:m>
+                <a:endParaRPr kumimoji="1" lang="en-US" altLang="ja-JP" b="0" dirty="0" smtClean="0"/>
+              </a:p>
+              <a:p>
+                <a:endParaRPr kumimoji="1" lang="en-US" altLang="ja-JP" b="0" dirty="0" smtClean="0"/>
+              </a:p>
+              <a:p>
+                <a:endParaRPr kumimoji="1" lang="ja-JP" altLang="en-US" dirty="0"/>
+              </a:p>
+            </p:txBody>
+          </p:sp>
+        </mc:Choice>
+        <mc:Fallback>
+          <p:sp>
+            <p:nvSpPr>
+              <p:cNvPr id="33" name="テキスト ボックス 32"/>
+              <p:cNvSpPr txBox="1">
+                <a:spLocks noRot="1" noChangeAspect="1" noMove="1" noResize="1" noEditPoints="1" noAdjustHandles="1" noChangeArrowheads="1" noChangeShapeType="1" noTextEdit="1"/>
+              </p:cNvSpPr>
+              <p:nvPr/>
+            </p:nvSpPr>
+            <p:spPr>
+              <a:xfrm>
+                <a:off x="8871663" y="2749097"/>
+                <a:ext cx="426848" cy="830997"/>
+              </a:xfrm>
+              <a:prstGeom prst="rect">
+                <a:avLst/>
+              </a:prstGeom>
+              <a:blipFill>
+                <a:blip r:embed="rId6"/>
+                <a:stretch>
+                  <a:fillRect/>
+                </a:stretch>
+              </a:blipFill>
+            </p:spPr>
+            <p:txBody>
+              <a:bodyPr/>
+              <a:lstStyle/>
+              <a:p>
+                <a:r>
+                  <a:rPr lang="ja-JP" altLang="en-US">
+                    <a:noFill/>
+                  </a:rPr>
+                  <a:t> </a:t>
+                </a:r>
+              </a:p>
+            </p:txBody>
+          </p:sp>
+        </mc:Fallback>
+      </mc:AlternateContent>
+      <mc:AlternateContent xmlns:mc="http://schemas.openxmlformats.org/markup-compatibility/2006">
+        <mc:Choice xmlns:a14="http://schemas.microsoft.com/office/drawing/2010/main" Requires="a14">
+          <p:sp>
+            <p:nvSpPr>
+              <p:cNvPr id="34" name="テキスト ボックス 33"/>
+              <p:cNvSpPr txBox="1"/>
+              <p:nvPr/>
+            </p:nvSpPr>
+            <p:spPr>
+              <a:xfrm>
+                <a:off x="3474173" y="3304266"/>
+                <a:ext cx="1568827" cy="553998"/>
+              </a:xfrm>
+              <a:prstGeom prst="rect">
+                <a:avLst/>
+              </a:prstGeom>
+              <a:noFill/>
+            </p:spPr>
+            <p:txBody>
+              <a:bodyPr wrap="none" lIns="0" tIns="0" rIns="0" bIns="0" rtlCol="0">
+                <a:spAutoFit/>
+              </a:bodyPr>
+              <a:lstStyle/>
+              <a:p>
+                <a14:m>
+                  <m:oMathPara xmlns:m="http://schemas.openxmlformats.org/officeDocument/2006/math">
+                    <m:oMathParaPr>
+                      <m:jc m:val="centerGroup"/>
+                    </m:oMathParaPr>
+                    <m:oMath xmlns:m="http://schemas.openxmlformats.org/officeDocument/2006/math">
+                      <m:r>
+                        <a:rPr kumimoji="1" lang="en-US" altLang="ja-JP" b="0" i="1" smtClean="0">
+                          <a:latin typeface="Cambria Math" panose="02040503050406030204" pitchFamily="18" charset="0"/>
+                        </a:rPr>
+                        <m:t>𝑥</m:t>
+                      </m:r>
+                    </m:oMath>
+                  </m:oMathPara>
+                </a14:m>
+                <a:endParaRPr kumimoji="1" lang="en-US" altLang="ja-JP" b="0" dirty="0" smtClean="0"/>
+              </a:p>
+              <a:p>
+                <a:endParaRPr kumimoji="1" lang="ja-JP" altLang="en-US" dirty="0"/>
+              </a:p>
+            </p:txBody>
+          </p:sp>
+        </mc:Choice>
+        <mc:Fallback>
+          <p:sp>
+            <p:nvSpPr>
+              <p:cNvPr id="34" name="テキスト ボックス 33"/>
+              <p:cNvSpPr txBox="1">
+                <a:spLocks noRot="1" noChangeAspect="1" noMove="1" noResize="1" noEditPoints="1" noAdjustHandles="1" noChangeArrowheads="1" noChangeShapeType="1" noTextEdit="1"/>
+              </p:cNvSpPr>
+              <p:nvPr/>
+            </p:nvSpPr>
+            <p:spPr>
+              <a:xfrm>
+                <a:off x="3474173" y="3304266"/>
+                <a:ext cx="1568827" cy="553998"/>
+              </a:xfrm>
+              <a:prstGeom prst="rect">
+                <a:avLst/>
+              </a:prstGeom>
+              <a:blipFill>
+                <a:blip r:embed="rId7"/>
+                <a:stretch>
+                  <a:fillRect/>
+                </a:stretch>
+              </a:blipFill>
+            </p:spPr>
+            <p:txBody>
+              <a:bodyPr/>
+              <a:lstStyle/>
+              <a:p>
+                <a:r>
+                  <a:rPr lang="ja-JP" altLang="en-US">
+                    <a:noFill/>
+                  </a:rPr>
+                  <a:t> </a:t>
+                </a:r>
+              </a:p>
+            </p:txBody>
+          </p:sp>
+        </mc:Fallback>
+      </mc:AlternateContent>
+    </p:spTree>
+    <p:extLst>
+      <p:ext uri="{BB962C8B-B14F-4D97-AF65-F5344CB8AC3E}">
+        <p14:creationId xmlns:p14="http://schemas.microsoft.com/office/powerpoint/2010/main" val="771715482"/>
       </p:ext>
     </p:extLst>
   </p:cSld>

--- a/PTEX/gazo/pendulum.pptx
+++ b/PTEX/gazo/pendulum.pptx
@@ -219,7 +219,7 @@
           <a:p>
             <a:fld id="{0C8F862B-F027-4730-9EBE-C9BCA7AB9D91}" type="datetimeFigureOut">
               <a:rPr kumimoji="1" lang="ja-JP" altLang="en-US" smtClean="0"/>
-              <a:t>2018/7/10</a:t>
+              <a:t>2018/7/18</a:t>
             </a:fld>
             <a:endParaRPr kumimoji="1" lang="ja-JP" altLang="en-US" dirty="0"/>
           </a:p>
@@ -650,7 +650,7 @@
           <a:p>
             <a:fld id="{5D155995-8E0F-480C-8293-EE02BAE5E804}" type="datetimeFigureOut">
               <a:rPr kumimoji="1" lang="ja-JP" altLang="en-US" smtClean="0"/>
-              <a:t>2018/7/10</a:t>
+              <a:t>2018/7/18</a:t>
             </a:fld>
             <a:endParaRPr kumimoji="1" lang="ja-JP" altLang="en-US" dirty="0"/>
           </a:p>
@@ -852,7 +852,7 @@
           <a:p>
             <a:fld id="{5D155995-8E0F-480C-8293-EE02BAE5E804}" type="datetimeFigureOut">
               <a:rPr kumimoji="1" lang="ja-JP" altLang="en-US" smtClean="0"/>
-              <a:t>2018/7/10</a:t>
+              <a:t>2018/7/18</a:t>
             </a:fld>
             <a:endParaRPr kumimoji="1" lang="ja-JP" altLang="en-US" dirty="0"/>
           </a:p>
@@ -1064,7 +1064,7 @@
           <a:p>
             <a:fld id="{5D155995-8E0F-480C-8293-EE02BAE5E804}" type="datetimeFigureOut">
               <a:rPr kumimoji="1" lang="ja-JP" altLang="en-US" smtClean="0"/>
-              <a:t>2018/7/10</a:t>
+              <a:t>2018/7/18</a:t>
             </a:fld>
             <a:endParaRPr kumimoji="1" lang="ja-JP" altLang="en-US" dirty="0"/>
           </a:p>
@@ -1266,7 +1266,7 @@
           <a:p>
             <a:fld id="{5D155995-8E0F-480C-8293-EE02BAE5E804}" type="datetimeFigureOut">
               <a:rPr kumimoji="1" lang="ja-JP" altLang="en-US" smtClean="0"/>
-              <a:t>2018/7/10</a:t>
+              <a:t>2018/7/18</a:t>
             </a:fld>
             <a:endParaRPr kumimoji="1" lang="ja-JP" altLang="en-US" dirty="0"/>
           </a:p>
@@ -1512,7 +1512,7 @@
           <a:p>
             <a:fld id="{5D155995-8E0F-480C-8293-EE02BAE5E804}" type="datetimeFigureOut">
               <a:rPr kumimoji="1" lang="ja-JP" altLang="en-US" smtClean="0"/>
-              <a:t>2018/7/10</a:t>
+              <a:t>2018/7/18</a:t>
             </a:fld>
             <a:endParaRPr kumimoji="1" lang="ja-JP" altLang="en-US" dirty="0"/>
           </a:p>
@@ -1808,7 +1808,7 @@
           <a:p>
             <a:fld id="{5D155995-8E0F-480C-8293-EE02BAE5E804}" type="datetimeFigureOut">
               <a:rPr kumimoji="1" lang="ja-JP" altLang="en-US" smtClean="0"/>
-              <a:t>2018/7/10</a:t>
+              <a:t>2018/7/18</a:t>
             </a:fld>
             <a:endParaRPr kumimoji="1" lang="ja-JP" altLang="en-US" dirty="0"/>
           </a:p>
@@ -2239,7 +2239,7 @@
           <a:p>
             <a:fld id="{5D155995-8E0F-480C-8293-EE02BAE5E804}" type="datetimeFigureOut">
               <a:rPr kumimoji="1" lang="ja-JP" altLang="en-US" smtClean="0"/>
-              <a:t>2018/7/10</a:t>
+              <a:t>2018/7/18</a:t>
             </a:fld>
             <a:endParaRPr kumimoji="1" lang="ja-JP" altLang="en-US" dirty="0"/>
           </a:p>
@@ -2357,7 +2357,7 @@
           <a:p>
             <a:fld id="{5D155995-8E0F-480C-8293-EE02BAE5E804}" type="datetimeFigureOut">
               <a:rPr kumimoji="1" lang="ja-JP" altLang="en-US" smtClean="0"/>
-              <a:t>2018/7/10</a:t>
+              <a:t>2018/7/18</a:t>
             </a:fld>
             <a:endParaRPr kumimoji="1" lang="ja-JP" altLang="en-US" dirty="0"/>
           </a:p>
@@ -2452,7 +2452,7 @@
           <a:p>
             <a:fld id="{5D155995-8E0F-480C-8293-EE02BAE5E804}" type="datetimeFigureOut">
               <a:rPr kumimoji="1" lang="ja-JP" altLang="en-US" smtClean="0"/>
-              <a:t>2018/7/10</a:t>
+              <a:t>2018/7/18</a:t>
             </a:fld>
             <a:endParaRPr kumimoji="1" lang="ja-JP" altLang="en-US" dirty="0"/>
           </a:p>
@@ -2761,7 +2761,7 @@
           <a:p>
             <a:fld id="{5D155995-8E0F-480C-8293-EE02BAE5E804}" type="datetimeFigureOut">
               <a:rPr kumimoji="1" lang="ja-JP" altLang="en-US" smtClean="0"/>
-              <a:t>2018/7/10</a:t>
+              <a:t>2018/7/18</a:t>
             </a:fld>
             <a:endParaRPr kumimoji="1" lang="ja-JP" altLang="en-US" dirty="0"/>
           </a:p>
@@ -3014,7 +3014,7 @@
           <a:p>
             <a:fld id="{5D155995-8E0F-480C-8293-EE02BAE5E804}" type="datetimeFigureOut">
               <a:rPr kumimoji="1" lang="ja-JP" altLang="en-US" smtClean="0"/>
-              <a:t>2018/7/10</a:t>
+              <a:t>2018/7/18</a:t>
             </a:fld>
             <a:endParaRPr kumimoji="1" lang="ja-JP" altLang="en-US" dirty="0"/>
           </a:p>
@@ -3259,7 +3259,7 @@
           <a:p>
             <a:fld id="{5D155995-8E0F-480C-8293-EE02BAE5E804}" type="datetimeFigureOut">
               <a:rPr kumimoji="1" lang="ja-JP" altLang="en-US" smtClean="0"/>
-              <a:t>2018/7/10</a:t>
+              <a:t>2018/7/18</a:t>
             </a:fld>
             <a:endParaRPr kumimoji="1" lang="ja-JP" altLang="en-US" dirty="0"/>
           </a:p>
@@ -3713,8 +3713,8 @@
           <a:prstGeom prst="straightConnector1">
             <a:avLst/>
           </a:prstGeom>
-          <a:ln>
-            <a:tailEnd type="arrow"/>
+          <a:ln w="25400">
+            <a:tailEnd type="triangle"/>
           </a:ln>
         </p:spPr>
         <p:style>
@@ -3839,7 +3839,7 @@
           <p:spPr>
             <a:xfrm>
               <a:off x="4241417" y="457430"/>
-              <a:ext cx="276038" cy="369332"/>
+              <a:ext cx="285656" cy="400110"/>
             </a:xfrm>
             <a:prstGeom prst="rect">
               <a:avLst/>
@@ -3852,12 +3852,12 @@
             <a:lstStyle/>
             <a:p>
               <a:r>
-                <a:rPr lang="en-US" altLang="ja-JP" dirty="0">
+                <a:rPr lang="en-US" altLang="ja-JP" sz="2000" dirty="0">
                   <a:latin typeface="Bell MT" panose="02020503060305020303" pitchFamily="18" charset="0"/>
                 </a:rPr>
                 <a:t>r</a:t>
               </a:r>
-              <a:endParaRPr lang="ja-JP" altLang="en-US" dirty="0">
+              <a:endParaRPr lang="ja-JP" altLang="en-US" sz="2000" dirty="0">
                 <a:latin typeface="Bell MT" panose="02020503060305020303" pitchFamily="18" charset="0"/>
               </a:endParaRPr>
             </a:p>
@@ -3969,7 +3969,7 @@
                 </p:grpSpPr>
                 <p:grpSp>
                   <p:nvGrpSpPr>
-                    <p:cNvPr id="93" name="グループ化 92"/>
+                    <p:cNvPr id="92" name="グループ化 91"/>
                     <p:cNvGrpSpPr/>
                     <p:nvPr/>
                   </p:nvGrpSpPr>
@@ -3981,9 +3981,42 @@
                       <a:chExt cx="4383402" cy="2848734"/>
                     </a:xfrm>
                   </p:grpSpPr>
+                  <p:cxnSp>
+                    <p:nvCxnSpPr>
+                      <p:cNvPr id="8" name="直線コネクタ 7"/>
+                      <p:cNvCxnSpPr>
+                        <a:stCxn id="5" idx="0"/>
+                        <a:endCxn id="6" idx="0"/>
+                      </p:cNvCxnSpPr>
+                      <p:nvPr/>
+                    </p:nvCxnSpPr>
+                    <p:spPr>
+                      <a:xfrm>
+                        <a:off x="2886576" y="2507583"/>
+                        <a:ext cx="3810951" cy="102"/>
+                      </a:xfrm>
+                      <a:prstGeom prst="line">
+                        <a:avLst/>
+                      </a:prstGeom>
+                    </p:spPr>
+                    <p:style>
+                      <a:lnRef idx="1">
+                        <a:schemeClr val="dk1"/>
+                      </a:lnRef>
+                      <a:fillRef idx="0">
+                        <a:schemeClr val="dk1"/>
+                      </a:fillRef>
+                      <a:effectRef idx="0">
+                        <a:schemeClr val="dk1"/>
+                      </a:effectRef>
+                      <a:fontRef idx="minor">
+                        <a:schemeClr val="tx1"/>
+                      </a:fontRef>
+                    </p:style>
+                  </p:cxnSp>
                   <p:grpSp>
                     <p:nvGrpSpPr>
-                      <p:cNvPr id="92" name="グループ化 91"/>
+                      <p:cNvPr id="91" name="グループ化 90"/>
                       <p:cNvGrpSpPr/>
                       <p:nvPr/>
                     </p:nvGrpSpPr>
@@ -3995,56 +4028,73 @@
                         <a:chExt cx="4383402" cy="2848734"/>
                       </a:xfrm>
                     </p:grpSpPr>
-                    <p:cxnSp>
-                      <p:nvCxnSpPr>
-                        <p:cNvPr id="8" name="直線コネクタ 7"/>
-                        <p:cNvCxnSpPr>
-                          <a:stCxn id="5" idx="0"/>
-                          <a:endCxn id="6" idx="0"/>
-                        </p:cNvCxnSpPr>
+                    <p:sp>
+                      <p:nvSpPr>
+                        <p:cNvPr id="6" name="楕円 5"/>
+                        <p:cNvSpPr>
+                          <a:spLocks noChangeAspect="1"/>
+                        </p:cNvSpPr>
                         <p:nvPr/>
-                      </p:nvCxnSpPr>
+                      </p:nvSpPr>
                       <p:spPr>
                         <a:xfrm>
-                          <a:off x="2886576" y="2507583"/>
-                          <a:ext cx="3810951" cy="102"/>
+                          <a:off x="6411327" y="2507685"/>
+                          <a:ext cx="572400" cy="572400"/>
                         </a:xfrm>
-                        <a:prstGeom prst="line">
+                        <a:prstGeom prst="ellipse">
                           <a:avLst/>
                         </a:prstGeom>
+                        <a:solidFill>
+                          <a:schemeClr val="bg1"/>
+                        </a:solidFill>
+                        <a:ln>
+                          <a:solidFill>
+                            <a:schemeClr val="tx1"/>
+                          </a:solidFill>
+                        </a:ln>
                       </p:spPr>
                       <p:style>
-                        <a:lnRef idx="1">
-                          <a:schemeClr val="dk1"/>
+                        <a:lnRef idx="2">
+                          <a:schemeClr val="accent1">
+                            <a:shade val="50000"/>
+                          </a:schemeClr>
                         </a:lnRef>
-                        <a:fillRef idx="0">
-                          <a:schemeClr val="dk1"/>
+                        <a:fillRef idx="1">
+                          <a:schemeClr val="accent1"/>
                         </a:fillRef>
                         <a:effectRef idx="0">
-                          <a:schemeClr val="dk1"/>
+                          <a:schemeClr val="accent1"/>
                         </a:effectRef>
                         <a:fontRef idx="minor">
-                          <a:schemeClr val="tx1"/>
+                          <a:schemeClr val="lt1"/>
                         </a:fontRef>
                       </p:style>
-                    </p:cxnSp>
+                      <p:txBody>
+                        <a:bodyPr rtlCol="0" anchor="ctr"/>
+                        <a:lstStyle/>
+                        <a:p>
+                          <a:pPr algn="ctr"/>
+                          <a:endParaRPr kumimoji="1" lang="ja-JP" altLang="en-US" dirty="0"/>
+                        </a:p>
+                      </p:txBody>
+                    </p:sp>
                     <p:grpSp>
                       <p:nvGrpSpPr>
-                        <p:cNvPr id="91" name="グループ化 90"/>
+                        <p:cNvPr id="90" name="グループ化 89"/>
                         <p:cNvGrpSpPr/>
                         <p:nvPr/>
                       </p:nvGrpSpPr>
                       <p:grpSpPr>
                         <a:xfrm>
                           <a:off x="2600325" y="231351"/>
-                          <a:ext cx="4383402" cy="2848734"/>
+                          <a:ext cx="3590925" cy="2848734"/>
                           <a:chOff x="2600325" y="231351"/>
-                          <a:chExt cx="4383402" cy="2848734"/>
+                          <a:chExt cx="3590925" cy="2848734"/>
                         </a:xfrm>
                       </p:grpSpPr>
                       <p:sp>
                         <p:nvSpPr>
-                          <p:cNvPr id="6" name="楕円 5"/>
+                          <p:cNvPr id="5" name="楕円 4"/>
                           <p:cNvSpPr>
                             <a:spLocks noChangeAspect="1"/>
                           </p:cNvSpPr>
@@ -4052,8 +4102,8 @@
                         </p:nvSpPr>
                         <p:spPr>
                           <a:xfrm>
-                            <a:off x="6411327" y="2507685"/>
-                            <a:ext cx="572400" cy="572400"/>
+                            <a:off x="2600325" y="2507583"/>
+                            <a:ext cx="572502" cy="572502"/>
                           </a:xfrm>
                           <a:prstGeom prst="ellipse">
                             <a:avLst/>
@@ -4094,341 +4144,228 @@
                       </p:sp>
                       <p:grpSp>
                         <p:nvGrpSpPr>
-                          <p:cNvPr id="90" name="グループ化 89"/>
+                          <p:cNvPr id="89" name="グループ化 88"/>
                           <p:cNvGrpSpPr/>
                           <p:nvPr/>
                         </p:nvGrpSpPr>
                         <p:grpSpPr>
                           <a:xfrm>
-                            <a:off x="2600325" y="231351"/>
-                            <a:ext cx="3590925" cy="2848734"/>
-                            <a:chOff x="2600325" y="231351"/>
-                            <a:chExt cx="3590925" cy="2848734"/>
+                            <a:off x="3409950" y="231351"/>
+                            <a:ext cx="2781300" cy="2562534"/>
+                            <a:chOff x="3409950" y="231351"/>
+                            <a:chExt cx="2781300" cy="2562534"/>
                           </a:xfrm>
                         </p:grpSpPr>
-                        <p:sp>
-                          <p:nvSpPr>
-                            <p:cNvPr id="5" name="楕円 4"/>
-                            <p:cNvSpPr>
-                              <a:spLocks noChangeAspect="1"/>
-                            </p:cNvSpPr>
+                        <p:cxnSp>
+                          <p:nvCxnSpPr>
+                            <p:cNvPr id="16" name="直線コネクタ 15"/>
+                            <p:cNvCxnSpPr/>
                             <p:nvPr/>
-                          </p:nvSpPr>
+                          </p:nvCxnSpPr>
                           <p:spPr>
                             <a:xfrm>
-                              <a:off x="2600325" y="2507583"/>
-                              <a:ext cx="572502" cy="572502"/>
+                              <a:off x="3409950" y="2793834"/>
+                              <a:ext cx="2781300" cy="0"/>
                             </a:xfrm>
-                            <a:prstGeom prst="ellipse">
+                            <a:prstGeom prst="line">
                               <a:avLst/>
                             </a:prstGeom>
-                            <a:solidFill>
-                              <a:schemeClr val="bg1"/>
-                            </a:solidFill>
-                            <a:ln>
-                              <a:solidFill>
-                                <a:schemeClr val="tx1"/>
-                              </a:solidFill>
-                            </a:ln>
                           </p:spPr>
                           <p:style>
-                            <a:lnRef idx="2">
-                              <a:schemeClr val="accent1">
-                                <a:shade val="50000"/>
-                              </a:schemeClr>
+                            <a:lnRef idx="1">
+                              <a:schemeClr val="dk1"/>
                             </a:lnRef>
-                            <a:fillRef idx="1">
-                              <a:schemeClr val="accent1"/>
+                            <a:fillRef idx="0">
+                              <a:schemeClr val="dk1"/>
                             </a:fillRef>
                             <a:effectRef idx="0">
-                              <a:schemeClr val="accent1"/>
+                              <a:schemeClr val="dk1"/>
                             </a:effectRef>
                             <a:fontRef idx="minor">
-                              <a:schemeClr val="lt1"/>
+                              <a:schemeClr val="tx1"/>
                             </a:fontRef>
                           </p:style>
-                          <p:txBody>
-                            <a:bodyPr rtlCol="0" anchor="ctr"/>
-                            <a:lstStyle/>
-                            <a:p>
-                              <a:pPr algn="ctr"/>
-                              <a:endParaRPr kumimoji="1" lang="ja-JP" altLang="en-US" dirty="0"/>
-                            </a:p>
-                          </p:txBody>
-                        </p:sp>
+                        </p:cxnSp>
                         <p:grpSp>
                           <p:nvGrpSpPr>
-                            <p:cNvPr id="89" name="グループ化 88"/>
+                            <p:cNvPr id="38" name="グループ化 37"/>
                             <p:cNvGrpSpPr/>
                             <p:nvPr/>
                           </p:nvGrpSpPr>
                           <p:grpSpPr>
                             <a:xfrm>
-                              <a:off x="3409950" y="231351"/>
-                              <a:ext cx="2781300" cy="2562534"/>
-                              <a:chOff x="3409950" y="231351"/>
-                              <a:chExt cx="2781300" cy="2562534"/>
+                              <a:off x="4164502" y="231351"/>
+                              <a:ext cx="1038225" cy="2562534"/>
+                              <a:chOff x="8157382" y="1368426"/>
+                              <a:chExt cx="1038225" cy="2562534"/>
                             </a:xfrm>
                           </p:grpSpPr>
-                          <p:cxnSp>
-                            <p:nvCxnSpPr>
-                              <p:cNvPr id="16" name="直線コネクタ 15"/>
-                              <p:cNvCxnSpPr/>
-                              <p:nvPr/>
-                            </p:nvCxnSpPr>
-                            <p:spPr>
-                              <a:xfrm>
-                                <a:off x="3409950" y="2793834"/>
-                                <a:ext cx="2781300" cy="0"/>
-                              </a:xfrm>
-                              <a:prstGeom prst="line">
-                                <a:avLst/>
-                              </a:prstGeom>
-                            </p:spPr>
-                            <p:style>
-                              <a:lnRef idx="1">
-                                <a:schemeClr val="dk1"/>
-                              </a:lnRef>
-                              <a:fillRef idx="0">
-                                <a:schemeClr val="dk1"/>
-                              </a:fillRef>
-                              <a:effectRef idx="0">
-                                <a:schemeClr val="dk1"/>
-                              </a:effectRef>
-                              <a:fontRef idx="minor">
-                                <a:schemeClr val="tx1"/>
-                              </a:fontRef>
-                            </p:style>
-                          </p:cxnSp>
                           <p:grpSp>
                             <p:nvGrpSpPr>
-                              <p:cNvPr id="38" name="グループ化 37"/>
+                              <p:cNvPr id="34" name="グループ化 33"/>
                               <p:cNvGrpSpPr/>
                               <p:nvPr/>
                             </p:nvGrpSpPr>
                             <p:grpSpPr>
                               <a:xfrm>
-                                <a:off x="4164502" y="231351"/>
-                                <a:ext cx="1038225" cy="2562534"/>
-                                <a:chOff x="8157382" y="1368426"/>
-                                <a:chExt cx="1038225" cy="2562534"/>
+                                <a:off x="8157382" y="1402708"/>
+                                <a:ext cx="1038225" cy="2528252"/>
+                                <a:chOff x="8135951" y="1443983"/>
+                                <a:chExt cx="1038225" cy="2528252"/>
                               </a:xfrm>
                             </p:grpSpPr>
                             <p:grpSp>
                               <p:nvGrpSpPr>
-                                <p:cNvPr id="34" name="グループ化 33"/>
+                                <p:cNvPr id="30" name="グループ化 29"/>
                                 <p:cNvGrpSpPr/>
                                 <p:nvPr/>
                               </p:nvGrpSpPr>
                               <p:grpSpPr>
                                 <a:xfrm>
-                                  <a:off x="8157382" y="1402708"/>
+                                  <a:off x="8135951" y="1443983"/>
                                   <a:ext cx="1038225" cy="2528252"/>
-                                  <a:chOff x="8135951" y="1443983"/>
+                                  <a:chOff x="8993201" y="1655185"/>
                                   <a:chExt cx="1038225" cy="2528252"/>
                                 </a:xfrm>
                               </p:grpSpPr>
                               <p:grpSp>
                                 <p:nvGrpSpPr>
-                                  <p:cNvPr id="30" name="グループ化 29"/>
+                                  <p:cNvPr id="29" name="グループ化 28"/>
                                   <p:cNvGrpSpPr/>
                                   <p:nvPr/>
                                 </p:nvGrpSpPr>
                                 <p:grpSpPr>
                                   <a:xfrm>
-                                    <a:off x="8135951" y="1443983"/>
+                                    <a:off x="8993201" y="1655185"/>
                                     <a:ext cx="1038225" cy="2528252"/>
-                                    <a:chOff x="8993201" y="1655185"/>
+                                    <a:chOff x="8988439" y="1642485"/>
                                     <a:chExt cx="1038225" cy="2528252"/>
                                   </a:xfrm>
                                 </p:grpSpPr>
                                 <p:grpSp>
                                   <p:nvGrpSpPr>
-                                    <p:cNvPr id="29" name="グループ化 28"/>
+                                    <p:cNvPr id="24" name="グループ化 23"/>
                                     <p:cNvGrpSpPr/>
                                     <p:nvPr/>
                                   </p:nvGrpSpPr>
                                   <p:grpSpPr>
                                     <a:xfrm>
-                                      <a:off x="8993201" y="1655185"/>
-                                      <a:ext cx="1038225" cy="2528252"/>
-                                      <a:chOff x="8988439" y="1642485"/>
-                                      <a:chExt cx="1038225" cy="2528252"/>
+                                      <a:off x="8988439" y="3403934"/>
+                                      <a:ext cx="1038225" cy="766803"/>
+                                      <a:chOff x="8349588" y="3080084"/>
+                                      <a:chExt cx="1038225" cy="766803"/>
                                     </a:xfrm>
                                   </p:grpSpPr>
-                                  <p:grpSp>
-                                    <p:nvGrpSpPr>
-                                      <p:cNvPr id="24" name="グループ化 23"/>
-                                      <p:cNvGrpSpPr/>
-                                      <p:nvPr/>
-                                    </p:nvGrpSpPr>
-                                    <p:grpSpPr>
-                                      <a:xfrm>
-                                        <a:off x="8988439" y="3403934"/>
-                                        <a:ext cx="1038225" cy="766803"/>
-                                        <a:chOff x="8349588" y="3080084"/>
-                                        <a:chExt cx="1038225" cy="766803"/>
-                                      </a:xfrm>
-                                    </p:grpSpPr>
-                                    <p:sp>
-                                      <p:nvSpPr>
-                                        <p:cNvPr id="19" name="楕円 18"/>
-                                        <p:cNvSpPr>
-                                          <a:spLocks noChangeAspect="1"/>
-                                        </p:cNvSpPr>
-                                        <p:nvPr/>
-                                      </p:nvSpPr>
-                                      <p:spPr>
-                                        <a:xfrm>
-                                          <a:off x="8494667" y="3684887"/>
-                                          <a:ext cx="162000" cy="162000"/>
-                                        </a:xfrm>
-                                        <a:prstGeom prst="ellipse">
-                                          <a:avLst/>
-                                        </a:prstGeom>
-                                        <a:solidFill>
-                                          <a:schemeClr val="bg1"/>
-                                        </a:solidFill>
-                                        <a:ln>
-                                          <a:solidFill>
-                                            <a:schemeClr val="tx1"/>
-                                          </a:solidFill>
-                                        </a:ln>
-                                      </p:spPr>
-                                      <p:style>
-                                        <a:lnRef idx="2">
-                                          <a:schemeClr val="accent1">
-                                            <a:shade val="50000"/>
-                                          </a:schemeClr>
-                                        </a:lnRef>
-                                        <a:fillRef idx="1">
-                                          <a:schemeClr val="accent1"/>
-                                        </a:fillRef>
-                                        <a:effectRef idx="0">
-                                          <a:schemeClr val="accent1"/>
-                                        </a:effectRef>
-                                        <a:fontRef idx="minor">
-                                          <a:schemeClr val="lt1"/>
-                                        </a:fontRef>
-                                      </p:style>
-                                      <p:txBody>
-                                        <a:bodyPr rtlCol="0" anchor="ctr"/>
-                                        <a:lstStyle/>
-                                        <a:p>
-                                          <a:pPr algn="ctr"/>
-                                          <a:endParaRPr kumimoji="1" lang="ja-JP" altLang="en-US" dirty="0"/>
-                                        </a:p>
-                                      </p:txBody>
-                                    </p:sp>
-                                    <p:sp>
-                                      <p:nvSpPr>
-                                        <p:cNvPr id="20" name="楕円 19"/>
-                                        <p:cNvSpPr>
-                                          <a:spLocks noChangeAspect="1"/>
-                                        </p:cNvSpPr>
-                                        <p:nvPr/>
-                                      </p:nvSpPr>
-                                      <p:spPr>
-                                        <a:xfrm>
-                                          <a:off x="9130939" y="3684925"/>
-                                          <a:ext cx="161925" cy="161925"/>
-                                        </a:xfrm>
-                                        <a:prstGeom prst="ellipse">
-                                          <a:avLst/>
-                                        </a:prstGeom>
-                                        <a:solidFill>
-                                          <a:schemeClr val="bg1"/>
-                                        </a:solidFill>
-                                        <a:ln>
-                                          <a:solidFill>
-                                            <a:schemeClr val="tx1"/>
-                                          </a:solidFill>
-                                        </a:ln>
-                                      </p:spPr>
-                                      <p:style>
-                                        <a:lnRef idx="2">
-                                          <a:schemeClr val="accent1">
-                                            <a:shade val="50000"/>
-                                          </a:schemeClr>
-                                        </a:lnRef>
-                                        <a:fillRef idx="1">
-                                          <a:schemeClr val="accent1"/>
-                                        </a:fillRef>
-                                        <a:effectRef idx="0">
-                                          <a:schemeClr val="accent1"/>
-                                        </a:effectRef>
-                                        <a:fontRef idx="minor">
-                                          <a:schemeClr val="lt1"/>
-                                        </a:fontRef>
-                                      </p:style>
-                                      <p:txBody>
-                                        <a:bodyPr rtlCol="0" anchor="ctr"/>
-                                        <a:lstStyle/>
-                                        <a:p>
-                                          <a:pPr algn="ctr"/>
-                                          <a:endParaRPr kumimoji="1" lang="ja-JP" altLang="en-US" dirty="0"/>
-                                        </a:p>
-                                      </p:txBody>
-                                    </p:sp>
-                                    <p:sp>
-                                      <p:nvSpPr>
-                                        <p:cNvPr id="21" name="正方形/長方形 20"/>
-                                        <p:cNvSpPr/>
-                                        <p:nvPr/>
-                                      </p:nvSpPr>
-                                      <p:spPr>
-                                        <a:xfrm>
-                                          <a:off x="8349588" y="3080084"/>
-                                          <a:ext cx="1038225" cy="600075"/>
-                                        </a:xfrm>
-                                        <a:prstGeom prst="rect">
-                                          <a:avLst/>
-                                        </a:prstGeom>
-                                        <a:solidFill>
-                                          <a:schemeClr val="bg1"/>
-                                        </a:solidFill>
-                                        <a:ln>
-                                          <a:solidFill>
-                                            <a:schemeClr val="tx1"/>
-                                          </a:solidFill>
-                                        </a:ln>
-                                      </p:spPr>
-                                      <p:style>
-                                        <a:lnRef idx="2">
-                                          <a:schemeClr val="accent1">
-                                            <a:shade val="50000"/>
-                                          </a:schemeClr>
-                                        </a:lnRef>
-                                        <a:fillRef idx="1">
-                                          <a:schemeClr val="accent1"/>
-                                        </a:fillRef>
-                                        <a:effectRef idx="0">
-                                          <a:schemeClr val="accent1"/>
-                                        </a:effectRef>
-                                        <a:fontRef idx="minor">
-                                          <a:schemeClr val="lt1"/>
-                                        </a:fontRef>
-                                      </p:style>
-                                      <p:txBody>
-                                        <a:bodyPr rtlCol="0" anchor="ctr"/>
-                                        <a:lstStyle/>
-                                        <a:p>
-                                          <a:pPr algn="ctr"/>
-                                          <a:endParaRPr kumimoji="1" lang="ja-JP" altLang="en-US" dirty="0"/>
-                                        </a:p>
-                                      </p:txBody>
-                                    </p:sp>
-                                  </p:grpSp>
                                   <p:sp>
                                     <p:nvSpPr>
-                                      <p:cNvPr id="26" name="正方形/長方形 25"/>
+                                      <p:cNvPr id="19" name="楕円 18"/>
+                                      <p:cNvSpPr>
+                                        <a:spLocks noChangeAspect="1"/>
+                                      </p:cNvSpPr>
+                                      <p:nvPr/>
+                                    </p:nvSpPr>
+                                    <p:spPr>
+                                      <a:xfrm>
+                                        <a:off x="8494667" y="3684887"/>
+                                        <a:ext cx="162000" cy="162000"/>
+                                      </a:xfrm>
+                                      <a:prstGeom prst="ellipse">
+                                        <a:avLst/>
+                                      </a:prstGeom>
+                                      <a:solidFill>
+                                        <a:schemeClr val="bg1"/>
+                                      </a:solidFill>
+                                      <a:ln>
+                                        <a:solidFill>
+                                          <a:schemeClr val="tx1"/>
+                                        </a:solidFill>
+                                      </a:ln>
+                                    </p:spPr>
+                                    <p:style>
+                                      <a:lnRef idx="2">
+                                        <a:schemeClr val="accent1">
+                                          <a:shade val="50000"/>
+                                        </a:schemeClr>
+                                      </a:lnRef>
+                                      <a:fillRef idx="1">
+                                        <a:schemeClr val="accent1"/>
+                                      </a:fillRef>
+                                      <a:effectRef idx="0">
+                                        <a:schemeClr val="accent1"/>
+                                      </a:effectRef>
+                                      <a:fontRef idx="minor">
+                                        <a:schemeClr val="lt1"/>
+                                      </a:fontRef>
+                                    </p:style>
+                                    <p:txBody>
+                                      <a:bodyPr rtlCol="0" anchor="ctr"/>
+                                      <a:lstStyle/>
+                                      <a:p>
+                                        <a:pPr algn="ctr"/>
+                                        <a:endParaRPr kumimoji="1" lang="ja-JP" altLang="en-US" dirty="0"/>
+                                      </a:p>
+                                    </p:txBody>
+                                  </p:sp>
+                                  <p:sp>
+                                    <p:nvSpPr>
+                                      <p:cNvPr id="20" name="楕円 19"/>
+                                      <p:cNvSpPr>
+                                        <a:spLocks noChangeAspect="1"/>
+                                      </p:cNvSpPr>
+                                      <p:nvPr/>
+                                    </p:nvSpPr>
+                                    <p:spPr>
+                                      <a:xfrm>
+                                        <a:off x="9130939" y="3684925"/>
+                                        <a:ext cx="161925" cy="161925"/>
+                                      </a:xfrm>
+                                      <a:prstGeom prst="ellipse">
+                                        <a:avLst/>
+                                      </a:prstGeom>
+                                      <a:solidFill>
+                                        <a:schemeClr val="bg1"/>
+                                      </a:solidFill>
+                                      <a:ln>
+                                        <a:solidFill>
+                                          <a:schemeClr val="tx1"/>
+                                        </a:solidFill>
+                                      </a:ln>
+                                    </p:spPr>
+                                    <p:style>
+                                      <a:lnRef idx="2">
+                                        <a:schemeClr val="accent1">
+                                          <a:shade val="50000"/>
+                                        </a:schemeClr>
+                                      </a:lnRef>
+                                      <a:fillRef idx="1">
+                                        <a:schemeClr val="accent1"/>
+                                      </a:fillRef>
+                                      <a:effectRef idx="0">
+                                        <a:schemeClr val="accent1"/>
+                                      </a:effectRef>
+                                      <a:fontRef idx="minor">
+                                        <a:schemeClr val="lt1"/>
+                                      </a:fontRef>
+                                    </p:style>
+                                    <p:txBody>
+                                      <a:bodyPr rtlCol="0" anchor="ctr"/>
+                                      <a:lstStyle/>
+                                      <a:p>
+                                        <a:pPr algn="ctr"/>
+                                        <a:endParaRPr kumimoji="1" lang="ja-JP" altLang="en-US" dirty="0"/>
+                                      </a:p>
+                                    </p:txBody>
+                                  </p:sp>
+                                  <p:sp>
+                                    <p:nvSpPr>
+                                      <p:cNvPr id="21" name="正方形/長方形 20"/>
                                       <p:cNvSpPr/>
                                       <p:nvPr/>
                                     </p:nvSpPr>
                                     <p:spPr>
-                                      <a:xfrm rot="600000">
-                                        <a:off x="9651223" y="1642485"/>
-                                        <a:ext cx="75600" cy="2041859"/>
+                                      <a:xfrm>
+                                        <a:off x="8349588" y="3080084"/>
+                                        <a:ext cx="1038225" cy="600075"/>
                                       </a:xfrm>
                                       <a:prstGeom prst="rect">
                                         <a:avLst/>
@@ -4470,22 +4407,20 @@
                                 </p:grpSp>
                                 <p:sp>
                                   <p:nvSpPr>
-                                    <p:cNvPr id="27" name="楕円 26"/>
-                                    <p:cNvSpPr>
-                                      <a:spLocks noChangeAspect="1"/>
-                                    </p:cNvSpPr>
+                                    <p:cNvPr id="26" name="正方形/長方形 25"/>
+                                    <p:cNvSpPr/>
                                     <p:nvPr/>
                                   </p:nvSpPr>
                                   <p:spPr>
-                                    <a:xfrm>
-                                      <a:off x="9479276" y="3641071"/>
-                                      <a:ext cx="75600" cy="75600"/>
+                                    <a:xfrm rot="600000">
+                                      <a:off x="9651223" y="1642485"/>
+                                      <a:ext cx="75600" cy="2041859"/>
                                     </a:xfrm>
-                                    <a:prstGeom prst="ellipse">
+                                    <a:prstGeom prst="rect">
                                       <a:avLst/>
                                     </a:prstGeom>
                                     <a:solidFill>
-                                      <a:schemeClr val="tx1"/>
+                                      <a:schemeClr val="bg1"/>
                                     </a:solidFill>
                                     <a:ln>
                                       <a:solidFill>
@@ -4519,59 +4454,70 @@
                                   </p:txBody>
                                 </p:sp>
                               </p:grpSp>
-                              <p:cxnSp>
-                                <p:nvCxnSpPr>
-                                  <p:cNvPr id="32" name="直線コネクタ 31"/>
-                                  <p:cNvCxnSpPr>
-                                    <a:stCxn id="27" idx="4"/>
-                                    <a:endCxn id="26" idx="0"/>
-                                  </p:cNvCxnSpPr>
+                              <p:sp>
+                                <p:nvSpPr>
+                                  <p:cNvPr id="27" name="楕円 26"/>
+                                  <p:cNvSpPr>
+                                    <a:spLocks noChangeAspect="1"/>
+                                  </p:cNvSpPr>
                                   <p:nvPr/>
-                                </p:nvCxnSpPr>
+                                </p:nvSpPr>
                                 <p:spPr>
-                                  <a:xfrm flipV="1">
-                                    <a:off x="8659826" y="1459493"/>
-                                    <a:ext cx="353992" cy="2045976"/>
+                                  <a:xfrm>
+                                    <a:off x="9479276" y="3641071"/>
+                                    <a:ext cx="75600" cy="75600"/>
                                   </a:xfrm>
-                                  <a:prstGeom prst="line">
+                                  <a:prstGeom prst="ellipse">
                                     <a:avLst/>
                                   </a:prstGeom>
-                                  <a:ln w="9525" cap="flat" cmpd="sng" algn="ctr">
+                                  <a:solidFill>
+                                    <a:schemeClr val="tx1"/>
+                                  </a:solidFill>
+                                  <a:ln>
                                     <a:solidFill>
-                                      <a:schemeClr val="dk1"/>
+                                      <a:schemeClr val="tx1"/>
                                     </a:solidFill>
-                                    <a:prstDash val="dash"/>
-                                    <a:round/>
-                                    <a:headEnd type="none" w="med" len="med"/>
-                                    <a:tailEnd type="none" w="med" len="med"/>
                                   </a:ln>
                                 </p:spPr>
                                 <p:style>
-                                  <a:lnRef idx="0">
-                                    <a:scrgbClr r="0" g="0" b="0"/>
+                                  <a:lnRef idx="2">
+                                    <a:schemeClr val="accent1">
+                                      <a:shade val="50000"/>
+                                    </a:schemeClr>
                                   </a:lnRef>
-                                  <a:fillRef idx="0">
-                                    <a:scrgbClr r="0" g="0" b="0"/>
+                                  <a:fillRef idx="1">
+                                    <a:schemeClr val="accent1"/>
                                   </a:fillRef>
                                   <a:effectRef idx="0">
-                                    <a:scrgbClr r="0" g="0" b="0"/>
+                                    <a:schemeClr val="accent1"/>
                                   </a:effectRef>
                                   <a:fontRef idx="minor">
-                                    <a:schemeClr val="tx1"/>
+                                    <a:schemeClr val="lt1"/>
                                   </a:fontRef>
                                 </p:style>
-                              </p:cxnSp>
+                                <p:txBody>
+                                  <a:bodyPr rtlCol="0" anchor="ctr"/>
+                                  <a:lstStyle/>
+                                  <a:p>
+                                    <a:pPr algn="ctr"/>
+                                    <a:endParaRPr kumimoji="1" lang="ja-JP" altLang="en-US" dirty="0"/>
+                                  </a:p>
+                                </p:txBody>
+                              </p:sp>
                             </p:grpSp>
                             <p:cxnSp>
                               <p:nvCxnSpPr>
-                                <p:cNvPr id="36" name="直線コネクタ 35"/>
-                                <p:cNvCxnSpPr/>
+                                <p:cNvPr id="32" name="直線コネクタ 31"/>
+                                <p:cNvCxnSpPr>
+                                  <a:stCxn id="27" idx="4"/>
+                                  <a:endCxn id="26" idx="0"/>
+                                </p:cNvCxnSpPr>
                                 <p:nvPr/>
                               </p:nvCxnSpPr>
                               <p:spPr>
                                 <a:xfrm flipV="1">
-                                  <a:off x="8676494" y="1368426"/>
-                                  <a:ext cx="7131" cy="2481534"/>
+                                  <a:off x="8659826" y="1459493"/>
+                                  <a:ext cx="353992" cy="2045976"/>
                                 </a:xfrm>
                                 <a:prstGeom prst="line">
                                   <a:avLst/>
@@ -4602,170 +4548,80 @@
                               </p:style>
                             </p:cxnSp>
                           </p:grpSp>
+                          <p:cxnSp>
+                            <p:nvCxnSpPr>
+                              <p:cNvPr id="36" name="直線コネクタ 35"/>
+                              <p:cNvCxnSpPr/>
+                              <p:nvPr/>
+                            </p:nvCxnSpPr>
+                            <p:spPr>
+                              <a:xfrm flipV="1">
+                                <a:off x="8676494" y="1368426"/>
+                                <a:ext cx="7131" cy="2481534"/>
+                              </a:xfrm>
+                              <a:prstGeom prst="line">
+                                <a:avLst/>
+                              </a:prstGeom>
+                              <a:ln w="9525" cap="flat" cmpd="sng" algn="ctr">
+                                <a:solidFill>
+                                  <a:schemeClr val="dk1"/>
+                                </a:solidFill>
+                                <a:prstDash val="dash"/>
+                                <a:round/>
+                                <a:headEnd type="none" w="med" len="med"/>
+                                <a:tailEnd type="none" w="med" len="med"/>
+                              </a:ln>
+                            </p:spPr>
+                            <p:style>
+                              <a:lnRef idx="0">
+                                <a:scrgbClr r="0" g="0" b="0"/>
+                              </a:lnRef>
+                              <a:fillRef idx="0">
+                                <a:scrgbClr r="0" g="0" b="0"/>
+                              </a:fillRef>
+                              <a:effectRef idx="0">
+                                <a:scrgbClr r="0" g="0" b="0"/>
+                              </a:effectRef>
+                              <a:fontRef idx="minor">
+                                <a:schemeClr val="tx1"/>
+                              </a:fontRef>
+                            </p:style>
+                          </p:cxnSp>
                         </p:grpSp>
                       </p:grpSp>
                     </p:grpSp>
                   </p:grpSp>
-                  <p:sp>
-                    <p:nvSpPr>
-                      <p:cNvPr id="75" name="フリーフォーム 74"/>
-                      <p:cNvSpPr/>
-                      <p:nvPr/>
-                    </p:nvSpPr>
-                    <p:spPr>
-                      <a:xfrm>
-                        <a:off x="4690745" y="423968"/>
-                        <a:ext cx="290830" cy="190999"/>
-                      </a:xfrm>
-                      <a:custGeom>
-                        <a:avLst/>
-                        <a:gdLst>
-                          <a:gd name="connsiteX0" fmla="*/ 0 w 297657"/>
-                          <a:gd name="connsiteY0" fmla="*/ 145354 h 164404"/>
-                          <a:gd name="connsiteX1" fmla="*/ 159544 w 297657"/>
-                          <a:gd name="connsiteY1" fmla="*/ 98 h 164404"/>
-                          <a:gd name="connsiteX2" fmla="*/ 297657 w 297657"/>
-                          <a:gd name="connsiteY2" fmla="*/ 164404 h 164404"/>
-                          <a:gd name="connsiteX3" fmla="*/ 297657 w 297657"/>
-                          <a:gd name="connsiteY3" fmla="*/ 164404 h 164404"/>
-                        </a:gdLst>
-                        <a:ahLst/>
-                        <a:cxnLst>
-                          <a:cxn ang="0">
-                            <a:pos x="connsiteX0" y="connsiteY0"/>
-                          </a:cxn>
-                          <a:cxn ang="0">
-                            <a:pos x="connsiteX1" y="connsiteY1"/>
-                          </a:cxn>
-                          <a:cxn ang="0">
-                            <a:pos x="connsiteX2" y="connsiteY2"/>
-                          </a:cxn>
-                          <a:cxn ang="0">
-                            <a:pos x="connsiteX3" y="connsiteY3"/>
-                          </a:cxn>
-                        </a:cxnLst>
-                        <a:rect l="l" t="t" r="r" b="b"/>
-                        <a:pathLst>
-                          <a:path w="297657" h="164404">
-                            <a:moveTo>
-                              <a:pt x="0" y="145354"/>
-                            </a:moveTo>
-                            <a:cubicBezTo>
-                              <a:pt x="54967" y="71138"/>
-                              <a:pt x="109935" y="-3077"/>
-                              <a:pt x="159544" y="98"/>
-                            </a:cubicBezTo>
-                            <a:cubicBezTo>
-                              <a:pt x="209154" y="3273"/>
-                              <a:pt x="297657" y="164404"/>
-                              <a:pt x="297657" y="164404"/>
-                            </a:cubicBezTo>
-                            <a:lnTo>
-                              <a:pt x="297657" y="164404"/>
-                            </a:lnTo>
-                          </a:path>
-                        </a:pathLst>
-                      </a:custGeom>
-                    </p:spPr>
-                    <p:style>
-                      <a:lnRef idx="1">
-                        <a:schemeClr val="dk1"/>
-                      </a:lnRef>
-                      <a:fillRef idx="0">
-                        <a:schemeClr val="dk1"/>
-                      </a:fillRef>
-                      <a:effectRef idx="0">
-                        <a:schemeClr val="dk1"/>
-                      </a:effectRef>
-                      <a:fontRef idx="minor">
-                        <a:schemeClr val="tx1"/>
-                      </a:fontRef>
-                    </p:style>
-                    <p:txBody>
-                      <a:bodyPr rtlCol="0" anchor="ctr"/>
-                      <a:lstStyle/>
-                      <a:p>
-                        <a:pPr algn="ctr"/>
-                        <a:endParaRPr kumimoji="1" lang="ja-JP" altLang="en-US" dirty="0"/>
-                      </a:p>
-                    </p:txBody>
-                  </p:sp>
                 </p:grpSp>
-                <p:grpSp>
-                  <p:nvGrpSpPr>
-                    <p:cNvPr id="87" name="グループ化 86"/>
-                    <p:cNvGrpSpPr/>
+                <p:cxnSp>
+                  <p:nvCxnSpPr>
+                    <p:cNvPr id="86" name="直線コネクタ 85"/>
+                    <p:cNvCxnSpPr/>
                     <p:nvPr/>
-                  </p:nvGrpSpPr>
-                  <p:grpSpPr>
-                    <a:xfrm>
-                      <a:off x="4936388" y="567680"/>
-                      <a:ext cx="49512" cy="48728"/>
-                      <a:chOff x="8935215" y="1581515"/>
-                      <a:chExt cx="49512" cy="48728"/>
+                  </p:nvCxnSpPr>
+                  <p:spPr>
+                    <a:xfrm flipV="1">
+                      <a:off x="4981137" y="567680"/>
+                      <a:ext cx="4763" cy="48728"/>
                     </a:xfrm>
-                  </p:grpSpPr>
-                  <p:cxnSp>
-                    <p:nvCxnSpPr>
-                      <p:cNvPr id="84" name="直線コネクタ 83"/>
-                      <p:cNvCxnSpPr/>
-                      <p:nvPr/>
-                    </p:nvCxnSpPr>
-                    <p:spPr>
-                      <a:xfrm flipH="1" flipV="1">
-                        <a:off x="8935215" y="1605879"/>
-                        <a:ext cx="47131" cy="19050"/>
-                      </a:xfrm>
-                      <a:prstGeom prst="line">
-                        <a:avLst/>
-                      </a:prstGeom>
-                    </p:spPr>
-                    <p:style>
-                      <a:lnRef idx="1">
-                        <a:schemeClr val="dk1"/>
-                      </a:lnRef>
-                      <a:fillRef idx="0">
-                        <a:schemeClr val="dk1"/>
-                      </a:fillRef>
-                      <a:effectRef idx="0">
-                        <a:schemeClr val="dk1"/>
-                      </a:effectRef>
-                      <a:fontRef idx="minor">
-                        <a:schemeClr val="tx1"/>
-                      </a:fontRef>
-                    </p:style>
-                  </p:cxnSp>
-                  <p:cxnSp>
-                    <p:nvCxnSpPr>
-                      <p:cNvPr id="86" name="直線コネクタ 85"/>
-                      <p:cNvCxnSpPr/>
-                      <p:nvPr/>
-                    </p:nvCxnSpPr>
-                    <p:spPr>
-                      <a:xfrm flipV="1">
-                        <a:off x="8979964" y="1581515"/>
-                        <a:ext cx="4763" cy="48728"/>
-                      </a:xfrm>
-                      <a:prstGeom prst="line">
-                        <a:avLst/>
-                      </a:prstGeom>
-                    </p:spPr>
-                    <p:style>
-                      <a:lnRef idx="1">
-                        <a:schemeClr val="dk1"/>
-                      </a:lnRef>
-                      <a:fillRef idx="0">
-                        <a:schemeClr val="dk1"/>
-                      </a:fillRef>
-                      <a:effectRef idx="0">
-                        <a:schemeClr val="dk1"/>
-                      </a:effectRef>
-                      <a:fontRef idx="minor">
-                        <a:schemeClr val="tx1"/>
-                      </a:fontRef>
-                    </p:style>
-                  </p:cxnSp>
-                </p:grpSp>
+                    <a:prstGeom prst="line">
+                      <a:avLst/>
+                    </a:prstGeom>
+                  </p:spPr>
+                  <p:style>
+                    <a:lnRef idx="1">
+                      <a:schemeClr val="dk1"/>
+                    </a:lnRef>
+                    <a:fillRef idx="0">
+                      <a:schemeClr val="dk1"/>
+                    </a:fillRef>
+                    <a:effectRef idx="0">
+                      <a:schemeClr val="dk1"/>
+                    </a:effectRef>
+                    <a:fontRef idx="minor">
+                      <a:schemeClr val="tx1"/>
+                    </a:fontRef>
+                  </p:style>
+                </p:cxnSp>
               </p:grpSp>
               <p:cxnSp>
                 <p:nvCxnSpPr>
@@ -5241,8 +5097,8 @@
           <a:prstGeom prst="straightConnector1">
             <a:avLst/>
           </a:prstGeom>
-          <a:ln>
-            <a:tailEnd type="arrow"/>
+          <a:ln w="25400">
+            <a:tailEnd type="triangle"/>
           </a:ln>
         </p:spPr>
         <p:style>
@@ -5274,8 +5130,8 @@
           <a:prstGeom prst="straightConnector1">
             <a:avLst/>
           </a:prstGeom>
-          <a:ln>
-            <a:tailEnd type="arrow"/>
+          <a:ln w="25400">
+            <a:tailEnd type="triangle"/>
           </a:ln>
         </p:spPr>
         <p:style>
@@ -5307,6 +5163,7 @@
           <a:prstGeom prst="line">
             <a:avLst/>
           </a:prstGeom>
+          <a:ln w="25400"/>
         </p:spPr>
         <p:style>
           <a:lnRef idx="1">
@@ -5563,6 +5420,54 @@
               <a:t>エンコーダ</a:t>
             </a:r>
             <a:endParaRPr kumimoji="1" lang="ja-JP" altLang="en-US" dirty="0"/>
+          </a:p>
+        </p:txBody>
+      </p:sp>
+      <p:sp>
+        <p:nvSpPr>
+          <p:cNvPr id="2" name="円弧 1"/>
+          <p:cNvSpPr/>
+          <p:nvPr/>
+        </p:nvSpPr>
+        <p:spPr>
+          <a:xfrm rot="17355132">
+            <a:off x="6113417" y="1081459"/>
+            <a:ext cx="257611" cy="280711"/>
+          </a:xfrm>
+          <a:prstGeom prst="arc">
+            <a:avLst>
+              <a:gd name="adj1" fmla="val 16200000"/>
+              <a:gd name="adj2" fmla="val 3428619"/>
+            </a:avLst>
+          </a:prstGeom>
+          <a:ln w="25400">
+            <a:solidFill>
+              <a:schemeClr val="tx1"/>
+            </a:solidFill>
+            <a:headEnd type="none"/>
+            <a:tailEnd type="triangle"/>
+          </a:ln>
+        </p:spPr>
+        <p:style>
+          <a:lnRef idx="1">
+            <a:schemeClr val="accent1"/>
+          </a:lnRef>
+          <a:fillRef idx="0">
+            <a:schemeClr val="accent1"/>
+          </a:fillRef>
+          <a:effectRef idx="0">
+            <a:schemeClr val="accent1"/>
+          </a:effectRef>
+          <a:fontRef idx="minor">
+            <a:schemeClr val="tx1"/>
+          </a:fontRef>
+        </p:style>
+        <p:txBody>
+          <a:bodyPr rtlCol="0" anchor="ctr"/>
+          <a:lstStyle/>
+          <a:p>
+            <a:pPr algn="ctr"/>
+            <a:endParaRPr kumimoji="1" lang="ja-JP" altLang="en-US"/>
           </a:p>
         </p:txBody>
       </p:sp>
@@ -6160,8 +6065,8 @@
           </a:fontRef>
         </p:style>
       </p:cxnSp>
-      <mc:AlternateContent xmlns:mc="http://schemas.openxmlformats.org/markup-compatibility/2006">
-        <mc:Choice xmlns:a14="http://schemas.microsoft.com/office/drawing/2010/main" Requires="a14">
+      <mc:AlternateContent xmlns:mc="http://schemas.openxmlformats.org/markup-compatibility/2006" xmlns:a14="http://schemas.microsoft.com/office/drawing/2010/main">
+        <mc:Choice Requires="a14">
           <p:sp>
             <p:nvSpPr>
               <p:cNvPr id="27" name="テキスト ボックス 26"/>
@@ -6184,6 +6089,7 @@
               </a:bodyPr>
               <a:lstStyle/>
               <a:p>
+                <a:pPr/>
                 <a14:m>
                   <m:oMathPara xmlns:m="http://schemas.openxmlformats.org/officeDocument/2006/math">
                     <m:oMathParaPr>
@@ -6226,7 +6132,7 @@
             </p:txBody>
           </p:sp>
         </mc:Choice>
-        <mc:Fallback>
+        <mc:Fallback xmlns="">
           <p:sp>
             <p:nvSpPr>
               <p:cNvPr id="27" name="テキスト ボックス 26"/>
@@ -6297,8 +6203,8 @@
           </a:p>
         </p:txBody>
       </p:sp>
-      <mc:AlternateContent xmlns:mc="http://schemas.openxmlformats.org/markup-compatibility/2006">
-        <mc:Choice xmlns:a14="http://schemas.microsoft.com/office/drawing/2010/main" Requires="a14">
+      <mc:AlternateContent xmlns:mc="http://schemas.openxmlformats.org/markup-compatibility/2006" xmlns:a14="http://schemas.microsoft.com/office/drawing/2010/main">
+        <mc:Choice Requires="a14">
           <p:sp>
             <p:nvSpPr>
               <p:cNvPr id="30" name="テキスト ボックス 29"/>
@@ -6321,6 +6227,7 @@
               </a:bodyPr>
               <a:lstStyle/>
               <a:p>
+                <a:pPr/>
                 <a14:m>
                   <m:oMathPara xmlns:m="http://schemas.openxmlformats.org/officeDocument/2006/math">
                     <m:oMathParaPr>
@@ -6347,7 +6254,7 @@
             </p:txBody>
           </p:sp>
         </mc:Choice>
-        <mc:Fallback>
+        <mc:Fallback xmlns="">
           <p:sp>
             <p:nvSpPr>
               <p:cNvPr id="30" name="テキスト ボックス 29"/>
@@ -6386,8 +6293,8 @@
           </p:sp>
         </mc:Fallback>
       </mc:AlternateContent>
-      <mc:AlternateContent xmlns:mc="http://schemas.openxmlformats.org/markup-compatibility/2006">
-        <mc:Choice xmlns:a14="http://schemas.microsoft.com/office/drawing/2010/main" Requires="a14">
+      <mc:AlternateContent xmlns:mc="http://schemas.openxmlformats.org/markup-compatibility/2006" xmlns:a14="http://schemas.microsoft.com/office/drawing/2010/main">
+        <mc:Choice Requires="a14">
           <p:sp>
             <p:nvSpPr>
               <p:cNvPr id="31" name="テキスト ボックス 30"/>
@@ -6410,6 +6317,7 @@
               </a:bodyPr>
               <a:lstStyle/>
               <a:p>
+                <a:pPr/>
                 <a14:m>
                   <m:oMathPara xmlns:m="http://schemas.openxmlformats.org/officeDocument/2006/math">
                     <m:oMathParaPr>
@@ -6433,7 +6341,7 @@
             </p:txBody>
           </p:sp>
         </mc:Choice>
-        <mc:Fallback>
+        <mc:Fallback xmlns="">
           <p:sp>
             <p:nvSpPr>
               <p:cNvPr id="31" name="テキスト ボックス 30"/>
@@ -6472,8 +6380,8 @@
           </p:sp>
         </mc:Fallback>
       </mc:AlternateContent>
-      <mc:AlternateContent xmlns:mc="http://schemas.openxmlformats.org/markup-compatibility/2006">
-        <mc:Choice xmlns:a14="http://schemas.microsoft.com/office/drawing/2010/main" Requires="a14">
+      <mc:AlternateContent xmlns:mc="http://schemas.openxmlformats.org/markup-compatibility/2006" xmlns:a14="http://schemas.microsoft.com/office/drawing/2010/main">
+        <mc:Choice Requires="a14">
           <p:sp>
             <p:nvSpPr>
               <p:cNvPr id="32" name="テキスト ボックス 31"/>
@@ -6496,6 +6404,7 @@
               </a:bodyPr>
               <a:lstStyle/>
               <a:p>
+                <a:pPr/>
                 <a14:m>
                   <m:oMathPara xmlns:m="http://schemas.openxmlformats.org/officeDocument/2006/math">
                     <m:oMathParaPr>
@@ -6541,7 +6450,7 @@
             </p:txBody>
           </p:sp>
         </mc:Choice>
-        <mc:Fallback>
+        <mc:Fallback xmlns="">
           <p:sp>
             <p:nvSpPr>
               <p:cNvPr id="32" name="テキスト ボックス 31"/>
@@ -6580,8 +6489,8 @@
           </p:sp>
         </mc:Fallback>
       </mc:AlternateContent>
-      <mc:AlternateContent xmlns:mc="http://schemas.openxmlformats.org/markup-compatibility/2006">
-        <mc:Choice xmlns:a14="http://schemas.microsoft.com/office/drawing/2010/main" Requires="a14">
+      <mc:AlternateContent xmlns:mc="http://schemas.openxmlformats.org/markup-compatibility/2006" xmlns:a14="http://schemas.microsoft.com/office/drawing/2010/main">
+        <mc:Choice Requires="a14">
           <p:sp>
             <p:nvSpPr>
               <p:cNvPr id="33" name="テキスト ボックス 32"/>
@@ -6604,6 +6513,7 @@
               </a:bodyPr>
               <a:lstStyle/>
               <a:p>
+                <a:pPr/>
                 <a14:m>
                   <m:oMathPara xmlns:m="http://schemas.openxmlformats.org/officeDocument/2006/math">
                     <m:oMathParaPr>
@@ -6649,7 +6559,7 @@
             </p:txBody>
           </p:sp>
         </mc:Choice>
-        <mc:Fallback>
+        <mc:Fallback xmlns="">
           <p:sp>
             <p:nvSpPr>
               <p:cNvPr id="33" name="テキスト ボックス 32"/>
@@ -6688,8 +6598,8 @@
           </p:sp>
         </mc:Fallback>
       </mc:AlternateContent>
-      <mc:AlternateContent xmlns:mc="http://schemas.openxmlformats.org/markup-compatibility/2006">
-        <mc:Choice xmlns:a14="http://schemas.microsoft.com/office/drawing/2010/main" Requires="a14">
+      <mc:AlternateContent xmlns:mc="http://schemas.openxmlformats.org/markup-compatibility/2006" xmlns:a14="http://schemas.microsoft.com/office/drawing/2010/main">
+        <mc:Choice Requires="a14">
           <p:sp>
             <p:nvSpPr>
               <p:cNvPr id="34" name="テキスト ボックス 33"/>
@@ -6712,6 +6622,7 @@
               </a:bodyPr>
               <a:lstStyle/>
               <a:p>
+                <a:pPr/>
                 <a14:m>
                   <m:oMathPara xmlns:m="http://schemas.openxmlformats.org/officeDocument/2006/math">
                     <m:oMathParaPr>
@@ -6747,7 +6658,7 @@
             </p:txBody>
           </p:sp>
         </mc:Choice>
-        <mc:Fallback>
+        <mc:Fallback xmlns="">
           <p:sp>
             <p:nvSpPr>
               <p:cNvPr id="34" name="テキスト ボックス 33"/>
@@ -7639,8 +7550,8 @@
           </a:fontRef>
         </p:style>
       </p:cxnSp>
-      <mc:AlternateContent xmlns:mc="http://schemas.openxmlformats.org/markup-compatibility/2006">
-        <mc:Choice xmlns:a14="http://schemas.microsoft.com/office/drawing/2010/main" Requires="a14">
+      <mc:AlternateContent xmlns:mc="http://schemas.openxmlformats.org/markup-compatibility/2006" xmlns:a14="http://schemas.microsoft.com/office/drawing/2010/main">
+        <mc:Choice Requires="a14">
           <p:sp>
             <p:nvSpPr>
               <p:cNvPr id="27" name="テキスト ボックス 26"/>
@@ -7663,6 +7574,7 @@
               </a:bodyPr>
               <a:lstStyle/>
               <a:p>
+                <a:pPr/>
                 <a14:m>
                   <m:oMathPara xmlns:m="http://schemas.openxmlformats.org/officeDocument/2006/math">
                     <m:oMathParaPr>
@@ -7705,7 +7617,7 @@
             </p:txBody>
           </p:sp>
         </mc:Choice>
-        <mc:Fallback>
+        <mc:Fallback xmlns="">
           <p:sp>
             <p:nvSpPr>
               <p:cNvPr id="27" name="テキスト ボックス 26"/>
@@ -7776,8 +7688,8 @@
           </a:p>
         </p:txBody>
       </p:sp>
-      <mc:AlternateContent xmlns:mc="http://schemas.openxmlformats.org/markup-compatibility/2006">
-        <mc:Choice xmlns:a14="http://schemas.microsoft.com/office/drawing/2010/main" Requires="a14">
+      <mc:AlternateContent xmlns:mc="http://schemas.openxmlformats.org/markup-compatibility/2006" xmlns:a14="http://schemas.microsoft.com/office/drawing/2010/main">
+        <mc:Choice Requires="a14">
           <p:sp>
             <p:nvSpPr>
               <p:cNvPr id="30" name="テキスト ボックス 29"/>
@@ -7800,6 +7712,7 @@
               </a:bodyPr>
               <a:lstStyle/>
               <a:p>
+                <a:pPr/>
                 <a14:m>
                   <m:oMathPara xmlns:m="http://schemas.openxmlformats.org/officeDocument/2006/math">
                     <m:oMathParaPr>
@@ -7826,7 +7739,7 @@
             </p:txBody>
           </p:sp>
         </mc:Choice>
-        <mc:Fallback>
+        <mc:Fallback xmlns="">
           <p:sp>
             <p:nvSpPr>
               <p:cNvPr id="30" name="テキスト ボックス 29"/>
@@ -7865,8 +7778,8 @@
           </p:sp>
         </mc:Fallback>
       </mc:AlternateContent>
-      <mc:AlternateContent xmlns:mc="http://schemas.openxmlformats.org/markup-compatibility/2006">
-        <mc:Choice xmlns:a14="http://schemas.microsoft.com/office/drawing/2010/main" Requires="a14">
+      <mc:AlternateContent xmlns:mc="http://schemas.openxmlformats.org/markup-compatibility/2006" xmlns:a14="http://schemas.microsoft.com/office/drawing/2010/main">
+        <mc:Choice Requires="a14">
           <p:sp>
             <p:nvSpPr>
               <p:cNvPr id="31" name="テキスト ボックス 30"/>
@@ -7889,6 +7802,7 @@
               </a:bodyPr>
               <a:lstStyle/>
               <a:p>
+                <a:pPr/>
                 <a14:m>
                   <m:oMathPara xmlns:m="http://schemas.openxmlformats.org/officeDocument/2006/math">
                     <m:oMathParaPr>
@@ -7912,7 +7826,7 @@
             </p:txBody>
           </p:sp>
         </mc:Choice>
-        <mc:Fallback>
+        <mc:Fallback xmlns="">
           <p:sp>
             <p:nvSpPr>
               <p:cNvPr id="31" name="テキスト ボックス 30"/>
@@ -7951,8 +7865,8 @@
           </p:sp>
         </mc:Fallback>
       </mc:AlternateContent>
-      <mc:AlternateContent xmlns:mc="http://schemas.openxmlformats.org/markup-compatibility/2006">
-        <mc:Choice xmlns:a14="http://schemas.microsoft.com/office/drawing/2010/main" Requires="a14">
+      <mc:AlternateContent xmlns:mc="http://schemas.openxmlformats.org/markup-compatibility/2006" xmlns:a14="http://schemas.microsoft.com/office/drawing/2010/main">
+        <mc:Choice Requires="a14">
           <p:sp>
             <p:nvSpPr>
               <p:cNvPr id="32" name="テキスト ボックス 31"/>
@@ -7975,6 +7889,7 @@
               </a:bodyPr>
               <a:lstStyle/>
               <a:p>
+                <a:pPr/>
                 <a14:m>
                   <m:oMathPara xmlns:m="http://schemas.openxmlformats.org/officeDocument/2006/math">
                     <m:oMathParaPr>
@@ -8020,7 +7935,7 @@
             </p:txBody>
           </p:sp>
         </mc:Choice>
-        <mc:Fallback>
+        <mc:Fallback xmlns="">
           <p:sp>
             <p:nvSpPr>
               <p:cNvPr id="32" name="テキスト ボックス 31"/>
@@ -8059,8 +7974,8 @@
           </p:sp>
         </mc:Fallback>
       </mc:AlternateContent>
-      <mc:AlternateContent xmlns:mc="http://schemas.openxmlformats.org/markup-compatibility/2006">
-        <mc:Choice xmlns:a14="http://schemas.microsoft.com/office/drawing/2010/main" Requires="a14">
+      <mc:AlternateContent xmlns:mc="http://schemas.openxmlformats.org/markup-compatibility/2006" xmlns:a14="http://schemas.microsoft.com/office/drawing/2010/main">
+        <mc:Choice Requires="a14">
           <p:sp>
             <p:nvSpPr>
               <p:cNvPr id="33" name="テキスト ボックス 32"/>
@@ -8083,6 +7998,7 @@
               </a:bodyPr>
               <a:lstStyle/>
               <a:p>
+                <a:pPr/>
                 <a14:m>
                   <m:oMathPara xmlns:m="http://schemas.openxmlformats.org/officeDocument/2006/math">
                     <m:oMathParaPr>
@@ -8128,7 +8044,7 @@
             </p:txBody>
           </p:sp>
         </mc:Choice>
-        <mc:Fallback>
+        <mc:Fallback xmlns="">
           <p:sp>
             <p:nvSpPr>
               <p:cNvPr id="33" name="テキスト ボックス 32"/>
@@ -8167,8 +8083,8 @@
           </p:sp>
         </mc:Fallback>
       </mc:AlternateContent>
-      <mc:AlternateContent xmlns:mc="http://schemas.openxmlformats.org/markup-compatibility/2006">
-        <mc:Choice xmlns:a14="http://schemas.microsoft.com/office/drawing/2010/main" Requires="a14">
+      <mc:AlternateContent xmlns:mc="http://schemas.openxmlformats.org/markup-compatibility/2006" xmlns:a14="http://schemas.microsoft.com/office/drawing/2010/main">
+        <mc:Choice Requires="a14">
           <p:sp>
             <p:nvSpPr>
               <p:cNvPr id="34" name="テキスト ボックス 33"/>
@@ -8191,6 +8107,7 @@
               </a:bodyPr>
               <a:lstStyle/>
               <a:p>
+                <a:pPr/>
                 <a14:m>
                   <m:oMathPara xmlns:m="http://schemas.openxmlformats.org/officeDocument/2006/math">
                     <m:oMathParaPr>
@@ -8244,7 +8161,7 @@
             </p:txBody>
           </p:sp>
         </mc:Choice>
-        <mc:Fallback>
+        <mc:Fallback xmlns="">
           <p:sp>
             <p:nvSpPr>
               <p:cNvPr id="34" name="テキスト ボックス 33"/>
@@ -9116,8 +9033,8 @@
           </a:fontRef>
         </p:style>
       </p:cxnSp>
-      <mc:AlternateContent xmlns:mc="http://schemas.openxmlformats.org/markup-compatibility/2006">
-        <mc:Choice xmlns:a14="http://schemas.microsoft.com/office/drawing/2010/main" Requires="a14">
+      <mc:AlternateContent xmlns:mc="http://schemas.openxmlformats.org/markup-compatibility/2006" xmlns:a14="http://schemas.microsoft.com/office/drawing/2010/main">
+        <mc:Choice Requires="a14">
           <p:sp>
             <p:nvSpPr>
               <p:cNvPr id="31" name="テキスト ボックス 30"/>
@@ -9140,6 +9057,7 @@
               </a:bodyPr>
               <a:lstStyle/>
               <a:p>
+                <a:pPr/>
                 <a14:m>
                   <m:oMathPara xmlns:m="http://schemas.openxmlformats.org/officeDocument/2006/math">
                     <m:oMathParaPr>
@@ -9163,7 +9081,7 @@
             </p:txBody>
           </p:sp>
         </mc:Choice>
-        <mc:Fallback>
+        <mc:Fallback xmlns="">
           <p:sp>
             <p:nvSpPr>
               <p:cNvPr id="31" name="テキスト ボックス 30"/>
@@ -9202,8 +9120,8 @@
           </p:sp>
         </mc:Fallback>
       </mc:AlternateContent>
-      <mc:AlternateContent xmlns:mc="http://schemas.openxmlformats.org/markup-compatibility/2006">
-        <mc:Choice xmlns:a14="http://schemas.microsoft.com/office/drawing/2010/main" Requires="a14">
+      <mc:AlternateContent xmlns:mc="http://schemas.openxmlformats.org/markup-compatibility/2006" xmlns:a14="http://schemas.microsoft.com/office/drawing/2010/main">
+        <mc:Choice Requires="a14">
           <p:sp>
             <p:nvSpPr>
               <p:cNvPr id="32" name="テキスト ボックス 31"/>
@@ -9226,6 +9144,7 @@
               </a:bodyPr>
               <a:lstStyle/>
               <a:p>
+                <a:pPr/>
                 <a14:m>
                   <m:oMathPara xmlns:m="http://schemas.openxmlformats.org/officeDocument/2006/math">
                     <m:oMathParaPr>
@@ -9271,7 +9190,7 @@
             </p:txBody>
           </p:sp>
         </mc:Choice>
-        <mc:Fallback>
+        <mc:Fallback xmlns="">
           <p:sp>
             <p:nvSpPr>
               <p:cNvPr id="32" name="テキスト ボックス 31"/>
@@ -9310,8 +9229,8 @@
           </p:sp>
         </mc:Fallback>
       </mc:AlternateContent>
-      <mc:AlternateContent xmlns:mc="http://schemas.openxmlformats.org/markup-compatibility/2006">
-        <mc:Choice xmlns:a14="http://schemas.microsoft.com/office/drawing/2010/main" Requires="a14">
+      <mc:AlternateContent xmlns:mc="http://schemas.openxmlformats.org/markup-compatibility/2006" xmlns:a14="http://schemas.microsoft.com/office/drawing/2010/main">
+        <mc:Choice Requires="a14">
           <p:sp>
             <p:nvSpPr>
               <p:cNvPr id="33" name="テキスト ボックス 32"/>
@@ -9334,6 +9253,7 @@
               </a:bodyPr>
               <a:lstStyle/>
               <a:p>
+                <a:pPr/>
                 <a14:m>
                   <m:oMathPara xmlns:m="http://schemas.openxmlformats.org/officeDocument/2006/math">
                     <m:oMathParaPr>
@@ -9379,7 +9299,7 @@
             </p:txBody>
           </p:sp>
         </mc:Choice>
-        <mc:Fallback>
+        <mc:Fallback xmlns="">
           <p:sp>
             <p:nvSpPr>
               <p:cNvPr id="33" name="テキスト ボックス 32"/>
@@ -9418,8 +9338,8 @@
           </p:sp>
         </mc:Fallback>
       </mc:AlternateContent>
-      <mc:AlternateContent xmlns:mc="http://schemas.openxmlformats.org/markup-compatibility/2006">
-        <mc:Choice xmlns:a14="http://schemas.microsoft.com/office/drawing/2010/main" Requires="a14">
+      <mc:AlternateContent xmlns:mc="http://schemas.openxmlformats.org/markup-compatibility/2006" xmlns:a14="http://schemas.microsoft.com/office/drawing/2010/main">
+        <mc:Choice Requires="a14">
           <p:sp>
             <p:nvSpPr>
               <p:cNvPr id="34" name="テキスト ボックス 33"/>
@@ -9442,6 +9362,7 @@
               </a:bodyPr>
               <a:lstStyle/>
               <a:p>
+                <a:pPr/>
                 <a14:m>
                   <m:oMathPara xmlns:m="http://schemas.openxmlformats.org/officeDocument/2006/math">
                     <m:oMathParaPr>
@@ -9495,7 +9416,7 @@
             </p:txBody>
           </p:sp>
         </mc:Choice>
-        <mc:Fallback>
+        <mc:Fallback xmlns="">
           <p:sp>
             <p:nvSpPr>
               <p:cNvPr id="34" name="テキスト ボックス 33"/>
@@ -10616,11 +10537,11 @@
               <a:prstGeom prst="straightConnector1">
                 <a:avLst/>
               </a:prstGeom>
-              <a:ln>
+              <a:ln w="25400">
                 <a:solidFill>
                   <a:schemeClr val="tx1"/>
                 </a:solidFill>
-                <a:tailEnd type="arrow"/>
+                <a:tailEnd type="triangle"/>
               </a:ln>
             </p:spPr>
             <p:style>
@@ -10656,8 +10577,8 @@
           <a:prstGeom prst="straightConnector1">
             <a:avLst/>
           </a:prstGeom>
-          <a:ln>
-            <a:tailEnd type="arrow"/>
+          <a:ln w="25400">
+            <a:tailEnd type="triangle"/>
           </a:ln>
         </p:spPr>
         <p:style>
@@ -10689,9 +10610,9 @@
           <a:prstGeom prst="straightConnector1">
             <a:avLst/>
           </a:prstGeom>
-          <a:ln>
+          <a:ln w="25400">
             <a:headEnd type="none"/>
-            <a:tailEnd type="arrow"/>
+            <a:tailEnd type="triangle"/>
           </a:ln>
         </p:spPr>
         <p:style>
@@ -10723,8 +10644,8 @@
           <a:prstGeom prst="straightConnector1">
             <a:avLst/>
           </a:prstGeom>
-          <a:ln>
-            <a:tailEnd type="arrow"/>
+          <a:ln w="25400">
+            <a:tailEnd type="triangle"/>
           </a:ln>
         </p:spPr>
         <p:style>
@@ -11308,7 +11229,7 @@
             <a:avLst/>
           </a:prstGeom>
           <a:ln w="38100">
-            <a:tailEnd type="arrow"/>
+            <a:tailEnd type="triangle"/>
           </a:ln>
         </p:spPr>
         <p:style>
@@ -11452,9 +11373,9 @@
           <a:prstGeom prst="straightConnector1">
             <a:avLst/>
           </a:prstGeom>
-          <a:ln>
+          <a:ln w="38100">
             <a:headEnd type="none"/>
-            <a:tailEnd type="arrow"/>
+            <a:tailEnd type="triangle"/>
           </a:ln>
         </p:spPr>
         <p:style>
@@ -11488,8 +11409,8 @@
           <a:prstGeom prst="straightConnector1">
             <a:avLst/>
           </a:prstGeom>
-          <a:ln>
-            <a:tailEnd type="arrow"/>
+          <a:ln w="38100">
+            <a:tailEnd type="triangle"/>
           </a:ln>
         </p:spPr>
         <p:style>
@@ -11523,8 +11444,8 @@
           <a:prstGeom prst="straightConnector1">
             <a:avLst/>
           </a:prstGeom>
-          <a:ln>
-            <a:tailEnd type="arrow"/>
+          <a:ln w="38100">
+            <a:tailEnd type="triangle"/>
           </a:ln>
         </p:spPr>
         <p:style>
@@ -11593,8 +11514,8 @@
               <a:gd name="adj2" fmla="val 8870389"/>
             </a:avLst>
           </a:prstGeom>
-          <a:ln>
-            <a:headEnd type="arrow"/>
+          <a:ln w="38100">
+            <a:headEnd type="triangle"/>
             <a:tailEnd type="none"/>
           </a:ln>
         </p:spPr>
@@ -18399,8 +18320,8 @@
           </a:fontRef>
         </p:style>
       </p:cxnSp>
-      <mc:AlternateContent xmlns:mc="http://schemas.openxmlformats.org/markup-compatibility/2006">
-        <mc:Choice xmlns:a14="http://schemas.microsoft.com/office/drawing/2010/main" Requires="a14">
+      <mc:AlternateContent xmlns:mc="http://schemas.openxmlformats.org/markup-compatibility/2006" xmlns:a14="http://schemas.microsoft.com/office/drawing/2010/main">
+        <mc:Choice Requires="a14">
           <p:sp>
             <p:nvSpPr>
               <p:cNvPr id="27" name="テキスト ボックス 26"/>
@@ -18423,6 +18344,7 @@
               </a:bodyPr>
               <a:lstStyle/>
               <a:p>
+                <a:pPr/>
                 <a14:m>
                   <m:oMathPara xmlns:m="http://schemas.openxmlformats.org/officeDocument/2006/math">
                     <m:oMathParaPr>
@@ -18465,7 +18387,7 @@
             </p:txBody>
           </p:sp>
         </mc:Choice>
-        <mc:Fallback>
+        <mc:Fallback xmlns="">
           <p:sp>
             <p:nvSpPr>
               <p:cNvPr id="27" name="テキスト ボックス 26"/>
@@ -18536,8 +18458,8 @@
           </a:p>
         </p:txBody>
       </p:sp>
-      <mc:AlternateContent xmlns:mc="http://schemas.openxmlformats.org/markup-compatibility/2006">
-        <mc:Choice xmlns:a14="http://schemas.microsoft.com/office/drawing/2010/main" Requires="a14">
+      <mc:AlternateContent xmlns:mc="http://schemas.openxmlformats.org/markup-compatibility/2006" xmlns:a14="http://schemas.microsoft.com/office/drawing/2010/main">
+        <mc:Choice Requires="a14">
           <p:sp>
             <p:nvSpPr>
               <p:cNvPr id="30" name="テキスト ボックス 29"/>
@@ -18560,6 +18482,7 @@
               </a:bodyPr>
               <a:lstStyle/>
               <a:p>
+                <a:pPr/>
                 <a14:m>
                   <m:oMathPara xmlns:m="http://schemas.openxmlformats.org/officeDocument/2006/math">
                     <m:oMathParaPr>
@@ -18586,7 +18509,7 @@
             </p:txBody>
           </p:sp>
         </mc:Choice>
-        <mc:Fallback>
+        <mc:Fallback xmlns="">
           <p:sp>
             <p:nvSpPr>
               <p:cNvPr id="30" name="テキスト ボックス 29"/>
@@ -18625,8 +18548,8 @@
           </p:sp>
         </mc:Fallback>
       </mc:AlternateContent>
-      <mc:AlternateContent xmlns:mc="http://schemas.openxmlformats.org/markup-compatibility/2006">
-        <mc:Choice xmlns:a14="http://schemas.microsoft.com/office/drawing/2010/main" Requires="a14">
+      <mc:AlternateContent xmlns:mc="http://schemas.openxmlformats.org/markup-compatibility/2006" xmlns:a14="http://schemas.microsoft.com/office/drawing/2010/main">
+        <mc:Choice Requires="a14">
           <p:sp>
             <p:nvSpPr>
               <p:cNvPr id="31" name="テキスト ボックス 30"/>
@@ -18649,6 +18572,7 @@
               </a:bodyPr>
               <a:lstStyle/>
               <a:p>
+                <a:pPr/>
                 <a14:m>
                   <m:oMathPara xmlns:m="http://schemas.openxmlformats.org/officeDocument/2006/math">
                     <m:oMathParaPr>
@@ -18672,7 +18596,7 @@
             </p:txBody>
           </p:sp>
         </mc:Choice>
-        <mc:Fallback>
+        <mc:Fallback xmlns="">
           <p:sp>
             <p:nvSpPr>
               <p:cNvPr id="31" name="テキスト ボックス 30"/>
@@ -18711,8 +18635,8 @@
           </p:sp>
         </mc:Fallback>
       </mc:AlternateContent>
-      <mc:AlternateContent xmlns:mc="http://schemas.openxmlformats.org/markup-compatibility/2006">
-        <mc:Choice xmlns:a14="http://schemas.microsoft.com/office/drawing/2010/main" Requires="a14">
+      <mc:AlternateContent xmlns:mc="http://schemas.openxmlformats.org/markup-compatibility/2006" xmlns:a14="http://schemas.microsoft.com/office/drawing/2010/main">
+        <mc:Choice Requires="a14">
           <p:sp>
             <p:nvSpPr>
               <p:cNvPr id="32" name="テキスト ボックス 31"/>
@@ -18735,6 +18659,7 @@
               </a:bodyPr>
               <a:lstStyle/>
               <a:p>
+                <a:pPr/>
                 <a14:m>
                   <m:oMathPara xmlns:m="http://schemas.openxmlformats.org/officeDocument/2006/math">
                     <m:oMathParaPr>
@@ -18780,7 +18705,7 @@
             </p:txBody>
           </p:sp>
         </mc:Choice>
-        <mc:Fallback>
+        <mc:Fallback xmlns="">
           <p:sp>
             <p:nvSpPr>
               <p:cNvPr id="32" name="テキスト ボックス 31"/>
@@ -18819,8 +18744,8 @@
           </p:sp>
         </mc:Fallback>
       </mc:AlternateContent>
-      <mc:AlternateContent xmlns:mc="http://schemas.openxmlformats.org/markup-compatibility/2006">
-        <mc:Choice xmlns:a14="http://schemas.microsoft.com/office/drawing/2010/main" Requires="a14">
+      <mc:AlternateContent xmlns:mc="http://schemas.openxmlformats.org/markup-compatibility/2006" xmlns:a14="http://schemas.microsoft.com/office/drawing/2010/main">
+        <mc:Choice Requires="a14">
           <p:sp>
             <p:nvSpPr>
               <p:cNvPr id="33" name="テキスト ボックス 32"/>
@@ -18843,6 +18768,7 @@
               </a:bodyPr>
               <a:lstStyle/>
               <a:p>
+                <a:pPr/>
                 <a14:m>
                   <m:oMathPara xmlns:m="http://schemas.openxmlformats.org/officeDocument/2006/math">
                     <m:oMathParaPr>
@@ -18888,7 +18814,7 @@
             </p:txBody>
           </p:sp>
         </mc:Choice>
-        <mc:Fallback>
+        <mc:Fallback xmlns="">
           <p:sp>
             <p:nvSpPr>
               <p:cNvPr id="33" name="テキスト ボックス 32"/>
@@ -18927,8 +18853,8 @@
           </p:sp>
         </mc:Fallback>
       </mc:AlternateContent>
-      <mc:AlternateContent xmlns:mc="http://schemas.openxmlformats.org/markup-compatibility/2006">
-        <mc:Choice xmlns:a14="http://schemas.microsoft.com/office/drawing/2010/main" Requires="a14">
+      <mc:AlternateContent xmlns:mc="http://schemas.openxmlformats.org/markup-compatibility/2006" xmlns:a14="http://schemas.microsoft.com/office/drawing/2010/main">
+        <mc:Choice Requires="a14">
           <p:sp>
             <p:nvSpPr>
               <p:cNvPr id="34" name="テキスト ボックス 33"/>
@@ -18951,6 +18877,7 @@
               </a:bodyPr>
               <a:lstStyle/>
               <a:p>
+                <a:pPr/>
                 <a14:m>
                   <m:oMathPara xmlns:m="http://schemas.openxmlformats.org/officeDocument/2006/math">
                     <m:oMathParaPr>
@@ -18974,7 +18901,7 @@
             </p:txBody>
           </p:sp>
         </mc:Choice>
-        <mc:Fallback>
+        <mc:Fallback xmlns="">
           <p:sp>
             <p:nvSpPr>
               <p:cNvPr id="34" name="テキスト ボックス 33"/>

--- a/PTEX/gazo/pendulum.pptx
+++ b/PTEX/gazo/pendulum.pptx
@@ -5,7 +5,7 @@
     <p:sldMasterId id="2147483648" r:id="rId1"/>
   </p:sldMasterIdLst>
   <p:notesMasterIdLst>
-    <p:notesMasterId r:id="rId14"/>
+    <p:notesMasterId r:id="rId15"/>
   </p:notesMasterIdLst>
   <p:sldIdLst>
     <p:sldId id="256" r:id="rId2"/>
@@ -17,9 +17,10 @@
     <p:sldId id="262" r:id="rId8"/>
     <p:sldId id="263" r:id="rId9"/>
     <p:sldId id="264" r:id="rId10"/>
-    <p:sldId id="266" r:id="rId11"/>
-    <p:sldId id="265" r:id="rId12"/>
-    <p:sldId id="267" r:id="rId13"/>
+    <p:sldId id="268" r:id="rId11"/>
+    <p:sldId id="266" r:id="rId12"/>
+    <p:sldId id="265" r:id="rId13"/>
+    <p:sldId id="267" r:id="rId14"/>
   </p:sldIdLst>
   <p:sldSz cx="12192000" cy="6858000"/>
   <p:notesSz cx="6858000" cy="9144000"/>
@@ -5545,6 +5546,981 @@
           <a:lstStyle/>
           <a:p>
             <a:pPr algn="ctr"/>
+            <a:endParaRPr lang="en-US" altLang="ja-JP" dirty="0" smtClean="0">
+              <a:solidFill>
+                <a:schemeClr val="tx1"/>
+              </a:solidFill>
+            </a:endParaRPr>
+          </a:p>
+          <a:p>
+            <a:pPr algn="ctr"/>
+            <a:endParaRPr kumimoji="1" lang="ja-JP" altLang="en-US" dirty="0">
+              <a:solidFill>
+                <a:schemeClr val="tx1"/>
+              </a:solidFill>
+            </a:endParaRPr>
+          </a:p>
+        </p:txBody>
+      </p:sp>
+      <mc:AlternateContent xmlns:mc="http://schemas.openxmlformats.org/markup-compatibility/2006">
+        <mc:Choice xmlns:a14="http://schemas.microsoft.com/office/drawing/2010/main" Requires="a14">
+          <p:sp>
+            <p:nvSpPr>
+              <p:cNvPr id="4" name="正方形/長方形 3"/>
+              <p:cNvSpPr/>
+              <p:nvPr/>
+            </p:nvSpPr>
+            <p:spPr>
+              <a:xfrm>
+                <a:off x="6787795" y="2343951"/>
+                <a:ext cx="882127" cy="613186"/>
+              </a:xfrm>
+              <a:prstGeom prst="rect">
+                <a:avLst/>
+              </a:prstGeom>
+              <a:solidFill>
+                <a:schemeClr val="bg1"/>
+              </a:solidFill>
+              <a:ln w="25400">
+                <a:solidFill>
+                  <a:schemeClr val="tx1"/>
+                </a:solidFill>
+              </a:ln>
+            </p:spPr>
+            <p:style>
+              <a:lnRef idx="2">
+                <a:schemeClr val="accent1">
+                  <a:shade val="50000"/>
+                </a:schemeClr>
+              </a:lnRef>
+              <a:fillRef idx="1">
+                <a:schemeClr val="accent1"/>
+              </a:fillRef>
+              <a:effectRef idx="0">
+                <a:schemeClr val="accent1"/>
+              </a:effectRef>
+              <a:fontRef idx="minor">
+                <a:schemeClr val="lt1"/>
+              </a:fontRef>
+            </p:style>
+            <p:txBody>
+              <a:bodyPr rtlCol="0" anchor="ctr"/>
+              <a:lstStyle/>
+              <a:p>
+                <a:pPr algn="ctr"/>
+                <a14:m>
+                  <m:oMathPara xmlns:m="http://schemas.openxmlformats.org/officeDocument/2006/math">
+                    <m:oMathParaPr>
+                      <m:jc m:val="centerGroup"/>
+                    </m:oMathParaPr>
+                    <m:oMath xmlns:m="http://schemas.openxmlformats.org/officeDocument/2006/math">
+                      <m:r>
+                        <a:rPr kumimoji="1" lang="en-US" altLang="ja-JP" b="0" i="1" smtClean="0">
+                          <a:solidFill>
+                            <a:schemeClr val="tx1"/>
+                          </a:solidFill>
+                          <a:latin typeface="Cambria Math" panose="02040503050406030204" pitchFamily="18" charset="0"/>
+                        </a:rPr>
+                        <m:t>𝑃</m:t>
+                      </m:r>
+                      <m:r>
+                        <a:rPr kumimoji="1" lang="en-US" altLang="ja-JP" b="0" i="1" smtClean="0">
+                          <a:solidFill>
+                            <a:schemeClr val="tx1"/>
+                          </a:solidFill>
+                          <a:latin typeface="Cambria Math" panose="02040503050406030204" pitchFamily="18" charset="0"/>
+                        </a:rPr>
+                        <m:t>(</m:t>
+                      </m:r>
+                      <m:r>
+                        <a:rPr kumimoji="1" lang="en-US" altLang="ja-JP" b="0" i="1" smtClean="0">
+                          <a:solidFill>
+                            <a:schemeClr val="tx1"/>
+                          </a:solidFill>
+                          <a:latin typeface="Cambria Math" panose="02040503050406030204" pitchFamily="18" charset="0"/>
+                        </a:rPr>
+                        <m:t>𝑠</m:t>
+                      </m:r>
+                      <m:r>
+                        <a:rPr kumimoji="1" lang="en-US" altLang="ja-JP" b="0" i="1" smtClean="0">
+                          <a:solidFill>
+                            <a:schemeClr val="tx1"/>
+                          </a:solidFill>
+                          <a:latin typeface="Cambria Math" panose="02040503050406030204" pitchFamily="18" charset="0"/>
+                        </a:rPr>
+                        <m:t>)</m:t>
+                      </m:r>
+                    </m:oMath>
+                  </m:oMathPara>
+                </a14:m>
+                <a:endParaRPr kumimoji="1" lang="en-US" altLang="ja-JP" dirty="0" smtClean="0">
+                  <a:solidFill>
+                    <a:schemeClr val="tx1"/>
+                  </a:solidFill>
+                </a:endParaRPr>
+              </a:p>
+            </p:txBody>
+          </p:sp>
+        </mc:Choice>
+        <mc:Fallback>
+          <p:sp>
+            <p:nvSpPr>
+              <p:cNvPr id="4" name="正方形/長方形 3"/>
+              <p:cNvSpPr>
+                <a:spLocks noRot="1" noChangeAspect="1" noMove="1" noResize="1" noEditPoints="1" noAdjustHandles="1" noChangeArrowheads="1" noChangeShapeType="1" noTextEdit="1"/>
+              </p:cNvSpPr>
+              <p:nvPr/>
+            </p:nvSpPr>
+            <p:spPr>
+              <a:xfrm>
+                <a:off x="6787795" y="2343951"/>
+                <a:ext cx="882127" cy="613186"/>
+              </a:xfrm>
+              <a:prstGeom prst="rect">
+                <a:avLst/>
+              </a:prstGeom>
+              <a:blipFill>
+                <a:blip r:embed="rId2"/>
+                <a:stretch>
+                  <a:fillRect/>
+                </a:stretch>
+              </a:blipFill>
+              <a:ln w="25400">
+                <a:solidFill>
+                  <a:schemeClr val="tx1"/>
+                </a:solidFill>
+              </a:ln>
+            </p:spPr>
+            <p:txBody>
+              <a:bodyPr/>
+              <a:lstStyle/>
+              <a:p>
+                <a:r>
+                  <a:rPr lang="ja-JP" altLang="en-US">
+                    <a:noFill/>
+                  </a:rPr>
+                  <a:t> </a:t>
+                </a:r>
+              </a:p>
+            </p:txBody>
+          </p:sp>
+        </mc:Fallback>
+      </mc:AlternateContent>
+      <p:cxnSp>
+        <p:nvCxnSpPr>
+          <p:cNvPr id="6" name="直線矢印コネクタ 5"/>
+          <p:cNvCxnSpPr/>
+          <p:nvPr/>
+        </p:nvCxnSpPr>
+        <p:spPr>
+          <a:xfrm>
+            <a:off x="1188720" y="2630245"/>
+            <a:ext cx="1120140" cy="0"/>
+          </a:xfrm>
+          <a:prstGeom prst="straightConnector1">
+            <a:avLst/>
+          </a:prstGeom>
+          <a:ln w="38100">
+            <a:solidFill>
+              <a:schemeClr val="tx1"/>
+            </a:solidFill>
+            <a:tailEnd type="triangle"/>
+          </a:ln>
+        </p:spPr>
+        <p:style>
+          <a:lnRef idx="1">
+            <a:schemeClr val="accent1"/>
+          </a:lnRef>
+          <a:fillRef idx="0">
+            <a:schemeClr val="accent1"/>
+          </a:fillRef>
+          <a:effectRef idx="0">
+            <a:schemeClr val="accent1"/>
+          </a:effectRef>
+          <a:fontRef idx="minor">
+            <a:schemeClr val="tx1"/>
+          </a:fontRef>
+        </p:style>
+      </p:cxnSp>
+      <p:cxnSp>
+        <p:nvCxnSpPr>
+          <p:cNvPr id="7" name="直線矢印コネクタ 6"/>
+          <p:cNvCxnSpPr/>
+          <p:nvPr/>
+        </p:nvCxnSpPr>
+        <p:spPr>
+          <a:xfrm>
+            <a:off x="4100456" y="2630245"/>
+            <a:ext cx="1120140" cy="0"/>
+          </a:xfrm>
+          <a:prstGeom prst="straightConnector1">
+            <a:avLst/>
+          </a:prstGeom>
+          <a:ln w="38100">
+            <a:solidFill>
+              <a:schemeClr val="tx1"/>
+            </a:solidFill>
+            <a:tailEnd type="triangle"/>
+          </a:ln>
+        </p:spPr>
+        <p:style>
+          <a:lnRef idx="1">
+            <a:schemeClr val="accent1"/>
+          </a:lnRef>
+          <a:fillRef idx="0">
+            <a:schemeClr val="accent1"/>
+          </a:fillRef>
+          <a:effectRef idx="0">
+            <a:schemeClr val="accent1"/>
+          </a:effectRef>
+          <a:fontRef idx="minor">
+            <a:schemeClr val="tx1"/>
+          </a:fontRef>
+        </p:style>
+      </p:cxnSp>
+      <p:cxnSp>
+        <p:nvCxnSpPr>
+          <p:cNvPr id="9" name="直線矢印コネクタ 8"/>
+          <p:cNvCxnSpPr/>
+          <p:nvPr/>
+        </p:nvCxnSpPr>
+        <p:spPr>
+          <a:xfrm flipV="1">
+            <a:off x="7669922" y="2645594"/>
+            <a:ext cx="2269752" cy="1"/>
+          </a:xfrm>
+          <a:prstGeom prst="straightConnector1">
+            <a:avLst/>
+          </a:prstGeom>
+          <a:ln w="38100">
+            <a:solidFill>
+              <a:schemeClr val="tx1"/>
+            </a:solidFill>
+            <a:tailEnd type="triangle"/>
+          </a:ln>
+        </p:spPr>
+        <p:style>
+          <a:lnRef idx="1">
+            <a:schemeClr val="accent1"/>
+          </a:lnRef>
+          <a:fillRef idx="0">
+            <a:schemeClr val="accent1"/>
+          </a:fillRef>
+          <a:effectRef idx="0">
+            <a:schemeClr val="accent1"/>
+          </a:effectRef>
+          <a:fontRef idx="minor">
+            <a:schemeClr val="tx1"/>
+          </a:fontRef>
+        </p:style>
+      </p:cxnSp>
+      <p:sp>
+        <p:nvSpPr>
+          <p:cNvPr id="12" name="楕円 11"/>
+          <p:cNvSpPr>
+            <a:spLocks noChangeAspect="1"/>
+          </p:cNvSpPr>
+          <p:nvPr/>
+        </p:nvSpPr>
+        <p:spPr>
+          <a:xfrm>
+            <a:off x="2308860" y="2550941"/>
+            <a:ext cx="146125" cy="146057"/>
+          </a:xfrm>
+          <a:prstGeom prst="ellipse">
+            <a:avLst/>
+          </a:prstGeom>
+          <a:solidFill>
+            <a:schemeClr val="bg1"/>
+          </a:solidFill>
+          <a:ln w="38100">
+            <a:solidFill>
+              <a:schemeClr val="tx1"/>
+            </a:solidFill>
+          </a:ln>
+        </p:spPr>
+        <p:style>
+          <a:lnRef idx="2">
+            <a:schemeClr val="accent1">
+              <a:shade val="50000"/>
+            </a:schemeClr>
+          </a:lnRef>
+          <a:fillRef idx="1">
+            <a:schemeClr val="accent1"/>
+          </a:fillRef>
+          <a:effectRef idx="0">
+            <a:schemeClr val="accent1"/>
+          </a:effectRef>
+          <a:fontRef idx="minor">
+            <a:schemeClr val="lt1"/>
+          </a:fontRef>
+        </p:style>
+        <p:txBody>
+          <a:bodyPr rtlCol="0" anchor="ctr"/>
+          <a:lstStyle/>
+          <a:p>
+            <a:pPr algn="ctr"/>
+            <a:endParaRPr kumimoji="1" lang="ja-JP" altLang="en-US" dirty="0"/>
+          </a:p>
+        </p:txBody>
+      </p:sp>
+      <p:cxnSp>
+        <p:nvCxnSpPr>
+          <p:cNvPr id="13" name="直線矢印コネクタ 12"/>
+          <p:cNvCxnSpPr>
+            <a:endCxn id="2" idx="1"/>
+          </p:cNvCxnSpPr>
+          <p:nvPr/>
+        </p:nvCxnSpPr>
+        <p:spPr>
+          <a:xfrm>
+            <a:off x="2454985" y="2623969"/>
+            <a:ext cx="763344" cy="6276"/>
+          </a:xfrm>
+          <a:prstGeom prst="straightConnector1">
+            <a:avLst/>
+          </a:prstGeom>
+          <a:ln w="38100">
+            <a:solidFill>
+              <a:schemeClr val="tx1"/>
+            </a:solidFill>
+            <a:tailEnd type="triangle"/>
+          </a:ln>
+        </p:spPr>
+        <p:style>
+          <a:lnRef idx="1">
+            <a:schemeClr val="accent1"/>
+          </a:lnRef>
+          <a:fillRef idx="0">
+            <a:schemeClr val="accent1"/>
+          </a:fillRef>
+          <a:effectRef idx="0">
+            <a:schemeClr val="accent1"/>
+          </a:effectRef>
+          <a:fontRef idx="minor">
+            <a:schemeClr val="tx1"/>
+          </a:fontRef>
+        </p:style>
+      </p:cxnSp>
+      <p:cxnSp>
+        <p:nvCxnSpPr>
+          <p:cNvPr id="15" name="直線矢印コネクタ 14"/>
+          <p:cNvCxnSpPr/>
+          <p:nvPr/>
+        </p:nvCxnSpPr>
+        <p:spPr>
+          <a:xfrm flipV="1">
+            <a:off x="2381922" y="2696999"/>
+            <a:ext cx="0" cy="1024895"/>
+          </a:xfrm>
+          <a:prstGeom prst="straightConnector1">
+            <a:avLst/>
+          </a:prstGeom>
+          <a:ln w="38100">
+            <a:solidFill>
+              <a:schemeClr val="tx1"/>
+            </a:solidFill>
+            <a:tailEnd type="triangle"/>
+          </a:ln>
+        </p:spPr>
+        <p:style>
+          <a:lnRef idx="1">
+            <a:schemeClr val="accent1"/>
+          </a:lnRef>
+          <a:fillRef idx="0">
+            <a:schemeClr val="accent1"/>
+          </a:fillRef>
+          <a:effectRef idx="0">
+            <a:schemeClr val="accent1"/>
+          </a:effectRef>
+          <a:fontRef idx="minor">
+            <a:schemeClr val="tx1"/>
+          </a:fontRef>
+        </p:style>
+      </p:cxnSp>
+      <p:cxnSp>
+        <p:nvCxnSpPr>
+          <p:cNvPr id="19" name="直線コネクタ 18"/>
+          <p:cNvCxnSpPr/>
+          <p:nvPr/>
+        </p:nvCxnSpPr>
+        <p:spPr>
+          <a:xfrm>
+            <a:off x="2381922" y="3705225"/>
+            <a:ext cx="5590503" cy="0"/>
+          </a:xfrm>
+          <a:prstGeom prst="line">
+            <a:avLst/>
+          </a:prstGeom>
+          <a:ln w="38100">
+            <a:solidFill>
+              <a:schemeClr val="tx1"/>
+            </a:solidFill>
+          </a:ln>
+        </p:spPr>
+        <p:style>
+          <a:lnRef idx="1">
+            <a:schemeClr val="accent1"/>
+          </a:lnRef>
+          <a:fillRef idx="0">
+            <a:schemeClr val="accent1"/>
+          </a:fillRef>
+          <a:effectRef idx="0">
+            <a:schemeClr val="accent1"/>
+          </a:effectRef>
+          <a:fontRef idx="minor">
+            <a:schemeClr val="tx1"/>
+          </a:fontRef>
+        </p:style>
+      </p:cxnSp>
+      <p:cxnSp>
+        <p:nvCxnSpPr>
+          <p:cNvPr id="21" name="直線コネクタ 20"/>
+          <p:cNvCxnSpPr/>
+          <p:nvPr/>
+        </p:nvCxnSpPr>
+        <p:spPr>
+          <a:xfrm flipH="1">
+            <a:off x="7951769" y="2657488"/>
+            <a:ext cx="10328" cy="1047737"/>
+          </a:xfrm>
+          <a:prstGeom prst="line">
+            <a:avLst/>
+          </a:prstGeom>
+          <a:ln w="38100">
+            <a:solidFill>
+              <a:schemeClr val="tx1"/>
+            </a:solidFill>
+          </a:ln>
+        </p:spPr>
+        <p:style>
+          <a:lnRef idx="1">
+            <a:schemeClr val="accent1"/>
+          </a:lnRef>
+          <a:fillRef idx="0">
+            <a:schemeClr val="accent1"/>
+          </a:fillRef>
+          <a:effectRef idx="0">
+            <a:schemeClr val="accent1"/>
+          </a:effectRef>
+          <a:fontRef idx="minor">
+            <a:schemeClr val="tx1"/>
+          </a:fontRef>
+        </p:style>
+      </p:cxnSp>
+      <mc:AlternateContent xmlns:mc="http://schemas.openxmlformats.org/markup-compatibility/2006" xmlns:a14="http://schemas.microsoft.com/office/drawing/2010/main">
+        <mc:Choice Requires="a14">
+          <p:sp>
+            <p:nvSpPr>
+              <p:cNvPr id="27" name="テキスト ボックス 26"/>
+              <p:cNvSpPr txBox="1"/>
+              <p:nvPr/>
+            </p:nvSpPr>
+            <p:spPr>
+              <a:xfrm>
+                <a:off x="1229174" y="2270985"/>
+                <a:ext cx="514051" cy="576248"/>
+              </a:xfrm>
+              <a:prstGeom prst="rect">
+                <a:avLst/>
+              </a:prstGeom>
+              <a:noFill/>
+            </p:spPr>
+            <p:txBody>
+              <a:bodyPr wrap="none" lIns="0" tIns="0" rIns="0" bIns="0" rtlCol="0">
+                <a:spAutoFit/>
+              </a:bodyPr>
+              <a:lstStyle/>
+              <a:p>
+                <a:pPr/>
+                <a14:m>
+                  <m:oMathPara xmlns:m="http://schemas.openxmlformats.org/officeDocument/2006/math">
+                    <m:oMathParaPr>
+                      <m:jc m:val="centerGroup"/>
+                    </m:oMathParaPr>
+                    <m:oMath xmlns:m="http://schemas.openxmlformats.org/officeDocument/2006/math">
+                      <m:sSub>
+                        <m:sSubPr>
+                          <m:ctrlPr>
+                            <a:rPr kumimoji="1" lang="en-US" altLang="ja-JP" b="0" i="1" smtClean="0">
+                              <a:latin typeface="Cambria Math" panose="02040503050406030204" pitchFamily="18" charset="0"/>
+                            </a:rPr>
+                          </m:ctrlPr>
+                        </m:sSubPr>
+                        <m:e>
+                          <m:r>
+                            <a:rPr kumimoji="1" lang="en-US" altLang="ja-JP" b="0" i="1" smtClean="0">
+                              <a:latin typeface="Cambria Math" panose="02040503050406030204" pitchFamily="18" charset="0"/>
+                            </a:rPr>
+                            <m:t>𝑥</m:t>
+                          </m:r>
+                        </m:e>
+                        <m:sub>
+                          <m:r>
+                            <a:rPr kumimoji="1" lang="en-US" altLang="ja-JP" b="0" i="1" smtClean="0">
+                              <a:latin typeface="Cambria Math" panose="02040503050406030204" pitchFamily="18" charset="0"/>
+                            </a:rPr>
+                            <m:t>𝑟𝑒𝑓</m:t>
+                          </m:r>
+                        </m:sub>
+                      </m:sSub>
+                    </m:oMath>
+                  </m:oMathPara>
+                </a14:m>
+                <a:endParaRPr kumimoji="1" lang="en-US" altLang="ja-JP" b="0" dirty="0" smtClean="0"/>
+              </a:p>
+              <a:p>
+                <a:endParaRPr kumimoji="1" lang="ja-JP" altLang="en-US" dirty="0"/>
+              </a:p>
+            </p:txBody>
+          </p:sp>
+        </mc:Choice>
+        <mc:Fallback xmlns="">
+          <p:sp>
+            <p:nvSpPr>
+              <p:cNvPr id="27" name="テキスト ボックス 26"/>
+              <p:cNvSpPr txBox="1">
+                <a:spLocks noRot="1" noChangeAspect="1" noMove="1" noResize="1" noEditPoints="1" noAdjustHandles="1" noChangeArrowheads="1" noChangeShapeType="1" noTextEdit="1"/>
+              </p:cNvSpPr>
+              <p:nvPr/>
+            </p:nvSpPr>
+            <p:spPr>
+              <a:xfrm>
+                <a:off x="1229174" y="2270985"/>
+                <a:ext cx="514051" cy="576248"/>
+              </a:xfrm>
+              <a:prstGeom prst="rect">
+                <a:avLst/>
+              </a:prstGeom>
+              <a:blipFill>
+                <a:blip r:embed="rId3"/>
+                <a:stretch>
+                  <a:fillRect l="-2381" r="-4762"/>
+                </a:stretch>
+              </a:blipFill>
+            </p:spPr>
+            <p:txBody>
+              <a:bodyPr/>
+              <a:lstStyle/>
+              <a:p>
+                <a:r>
+                  <a:rPr lang="ja-JP" altLang="en-US">
+                    <a:noFill/>
+                  </a:rPr>
+                  <a:t> </a:t>
+                </a:r>
+              </a:p>
+            </p:txBody>
+          </p:sp>
+        </mc:Fallback>
+      </mc:AlternateContent>
+      <p:sp>
+        <p:nvSpPr>
+          <p:cNvPr id="29" name="テキスト ボックス 28"/>
+          <p:cNvSpPr txBox="1"/>
+          <p:nvPr/>
+        </p:nvSpPr>
+        <p:spPr>
+          <a:xfrm>
+            <a:off x="2508321" y="2346970"/>
+            <a:ext cx="166712" cy="553998"/>
+          </a:xfrm>
+          <a:prstGeom prst="rect">
+            <a:avLst/>
+          </a:prstGeom>
+          <a:noFill/>
+        </p:spPr>
+        <p:txBody>
+          <a:bodyPr wrap="none" lIns="0" tIns="0" rIns="0" bIns="0" rtlCol="0">
+            <a:spAutoFit/>
+          </a:bodyPr>
+          <a:lstStyle/>
+          <a:p>
+            <a:r>
+              <a:rPr kumimoji="1" lang="en-US" altLang="ja-JP" b="0" dirty="0" smtClean="0"/>
+              <a:t>+</a:t>
+            </a:r>
+          </a:p>
+          <a:p>
+            <a:endParaRPr kumimoji="1" lang="ja-JP" altLang="en-US" dirty="0"/>
+          </a:p>
+        </p:txBody>
+      </p:sp>
+      <mc:AlternateContent xmlns:mc="http://schemas.openxmlformats.org/markup-compatibility/2006" xmlns:a14="http://schemas.microsoft.com/office/drawing/2010/main">
+        <mc:Choice Requires="a14">
+          <p:sp>
+            <p:nvSpPr>
+              <p:cNvPr id="30" name="テキスト ボックス 29"/>
+              <p:cNvSpPr txBox="1"/>
+              <p:nvPr/>
+            </p:nvSpPr>
+            <p:spPr>
+              <a:xfrm>
+                <a:off x="2435258" y="2749098"/>
+                <a:ext cx="330801" cy="830997"/>
+              </a:xfrm>
+              <a:prstGeom prst="rect">
+                <a:avLst/>
+              </a:prstGeom>
+              <a:noFill/>
+            </p:spPr>
+            <p:txBody>
+              <a:bodyPr wrap="square" lIns="0" tIns="0" rIns="0" bIns="0" rtlCol="0">
+                <a:spAutoFit/>
+              </a:bodyPr>
+              <a:lstStyle/>
+              <a:p>
+                <a:pPr/>
+                <a14:m>
+                  <m:oMathPara xmlns:m="http://schemas.openxmlformats.org/officeDocument/2006/math">
+                    <m:oMathParaPr>
+                      <m:jc m:val="centerGroup"/>
+                    </m:oMathParaPr>
+                    <m:oMath xmlns:m="http://schemas.openxmlformats.org/officeDocument/2006/math">
+                      <m:r>
+                        <a:rPr kumimoji="1" lang="en-US" altLang="ja-JP" b="0" i="1" smtClean="0">
+                          <a:latin typeface="Cambria Math" panose="02040503050406030204" pitchFamily="18" charset="0"/>
+                        </a:rPr>
+                        <m:t>−</m:t>
+                      </m:r>
+                    </m:oMath>
+                  </m:oMathPara>
+                </a14:m>
+                <a:endParaRPr kumimoji="1" lang="en-US" altLang="ja-JP" b="0" dirty="0" smtClean="0"/>
+              </a:p>
+              <a:p>
+                <a:endParaRPr kumimoji="1" lang="en-US" altLang="ja-JP" b="0" dirty="0" smtClean="0"/>
+              </a:p>
+              <a:p>
+                <a:endParaRPr kumimoji="1" lang="ja-JP" altLang="en-US" dirty="0"/>
+              </a:p>
+            </p:txBody>
+          </p:sp>
+        </mc:Choice>
+        <mc:Fallback xmlns="">
+          <p:sp>
+            <p:nvSpPr>
+              <p:cNvPr id="30" name="テキスト ボックス 29"/>
+              <p:cNvSpPr txBox="1">
+                <a:spLocks noRot="1" noChangeAspect="1" noMove="1" noResize="1" noEditPoints="1" noAdjustHandles="1" noChangeArrowheads="1" noChangeShapeType="1" noTextEdit="1"/>
+              </p:cNvSpPr>
+              <p:nvPr/>
+            </p:nvSpPr>
+            <p:spPr>
+              <a:xfrm>
+                <a:off x="2435258" y="2749098"/>
+                <a:ext cx="330801" cy="830997"/>
+              </a:xfrm>
+              <a:prstGeom prst="rect">
+                <a:avLst/>
+              </a:prstGeom>
+              <a:blipFill>
+                <a:blip r:embed="rId4"/>
+                <a:stretch>
+                  <a:fillRect/>
+                </a:stretch>
+              </a:blipFill>
+            </p:spPr>
+            <p:txBody>
+              <a:bodyPr/>
+              <a:lstStyle/>
+              <a:p>
+                <a:r>
+                  <a:rPr lang="ja-JP" altLang="en-US">
+                    <a:noFill/>
+                  </a:rPr>
+                  <a:t> </a:t>
+                </a:r>
+              </a:p>
+            </p:txBody>
+          </p:sp>
+        </mc:Fallback>
+      </mc:AlternateContent>
+      <mc:AlternateContent xmlns:mc="http://schemas.openxmlformats.org/markup-compatibility/2006">
+        <mc:Choice xmlns:a14="http://schemas.microsoft.com/office/drawing/2010/main" Requires="a14">
+          <p:sp>
+            <p:nvSpPr>
+              <p:cNvPr id="8" name="テキスト ボックス 7"/>
+              <p:cNvSpPr txBox="1"/>
+              <p:nvPr/>
+            </p:nvSpPr>
+            <p:spPr>
+              <a:xfrm>
+                <a:off x="3458172" y="2425931"/>
+                <a:ext cx="428027" cy="646331"/>
+              </a:xfrm>
+              <a:prstGeom prst="rect">
+                <a:avLst/>
+              </a:prstGeom>
+              <a:noFill/>
+            </p:spPr>
+            <p:txBody>
+              <a:bodyPr wrap="square" lIns="0" tIns="0" rIns="0" bIns="0" rtlCol="0">
+                <a:spAutoFit/>
+              </a:bodyPr>
+              <a:lstStyle/>
+              <a:p>
+                <a14:m>
+                  <m:oMathPara xmlns:m="http://schemas.openxmlformats.org/officeDocument/2006/math">
+                    <m:oMathParaPr>
+                      <m:jc m:val="centerGroup"/>
+                    </m:oMathParaPr>
+                    <m:oMath xmlns:m="http://schemas.openxmlformats.org/officeDocument/2006/math">
+                      <m:sSub>
+                        <m:sSubPr>
+                          <m:ctrlPr>
+                            <a:rPr kumimoji="1" lang="en-US" altLang="ja-JP" sz="2400" b="0" i="1" smtClean="0">
+                              <a:latin typeface="Cambria Math" panose="02040503050406030204" pitchFamily="18" charset="0"/>
+                            </a:rPr>
+                          </m:ctrlPr>
+                        </m:sSubPr>
+                        <m:e>
+                          <m:r>
+                            <a:rPr kumimoji="1" lang="en-US" altLang="ja-JP" sz="2400" b="0" i="1" smtClean="0">
+                              <a:latin typeface="Cambria Math" panose="02040503050406030204" pitchFamily="18" charset="0"/>
+                            </a:rPr>
+                            <m:t>𝑘</m:t>
+                          </m:r>
+                        </m:e>
+                        <m:sub>
+                          <m:r>
+                            <a:rPr kumimoji="1" lang="en-US" altLang="ja-JP" sz="2400" b="0" i="1" smtClean="0">
+                              <a:latin typeface="Cambria Math" panose="02040503050406030204" pitchFamily="18" charset="0"/>
+                            </a:rPr>
+                            <m:t>𝑐</m:t>
+                          </m:r>
+                        </m:sub>
+                      </m:sSub>
+                    </m:oMath>
+                  </m:oMathPara>
+                </a14:m>
+                <a:endParaRPr kumimoji="1" lang="en-US" altLang="ja-JP" b="0" dirty="0" smtClean="0"/>
+              </a:p>
+              <a:p>
+                <a:endParaRPr kumimoji="1" lang="ja-JP" altLang="en-US" dirty="0"/>
+              </a:p>
+            </p:txBody>
+          </p:sp>
+        </mc:Choice>
+        <mc:Fallback>
+          <p:sp>
+            <p:nvSpPr>
+              <p:cNvPr id="8" name="テキスト ボックス 7"/>
+              <p:cNvSpPr txBox="1">
+                <a:spLocks noRot="1" noChangeAspect="1" noMove="1" noResize="1" noEditPoints="1" noAdjustHandles="1" noChangeArrowheads="1" noChangeShapeType="1" noTextEdit="1"/>
+              </p:cNvSpPr>
+              <p:nvPr/>
+            </p:nvSpPr>
+            <p:spPr>
+              <a:xfrm>
+                <a:off x="3458172" y="2425931"/>
+                <a:ext cx="428027" cy="646331"/>
+              </a:xfrm>
+              <a:prstGeom prst="rect">
+                <a:avLst/>
+              </a:prstGeom>
+              <a:blipFill>
+                <a:blip r:embed="rId5"/>
+                <a:stretch>
+                  <a:fillRect l="-11429"/>
+                </a:stretch>
+              </a:blipFill>
+            </p:spPr>
+            <p:txBody>
+              <a:bodyPr/>
+              <a:lstStyle/>
+              <a:p>
+                <a:r>
+                  <a:rPr lang="ja-JP" altLang="en-US">
+                    <a:noFill/>
+                  </a:rPr>
+                  <a:t> </a:t>
+                </a:r>
+              </a:p>
+            </p:txBody>
+          </p:sp>
+        </mc:Fallback>
+      </mc:AlternateContent>
+      <p:sp>
+        <p:nvSpPr>
+          <p:cNvPr id="35" name="正方形/長方形 34"/>
+          <p:cNvSpPr/>
+          <p:nvPr/>
+        </p:nvSpPr>
+        <p:spPr>
+          <a:xfrm>
+            <a:off x="5237798" y="2343951"/>
+            <a:ext cx="882127" cy="613186"/>
+          </a:xfrm>
+          <a:prstGeom prst="rect">
+            <a:avLst/>
+          </a:prstGeom>
+          <a:solidFill>
+            <a:schemeClr val="bg1"/>
+          </a:solidFill>
+          <a:ln w="25400">
+            <a:solidFill>
+              <a:schemeClr val="tx1"/>
+            </a:solidFill>
+          </a:ln>
+        </p:spPr>
+        <p:style>
+          <a:lnRef idx="2">
+            <a:schemeClr val="accent1">
+              <a:shade val="50000"/>
+            </a:schemeClr>
+          </a:lnRef>
+          <a:fillRef idx="1">
+            <a:schemeClr val="accent1"/>
+          </a:fillRef>
+          <a:effectRef idx="0">
+            <a:schemeClr val="accent1"/>
+          </a:effectRef>
+          <a:fontRef idx="minor">
+            <a:schemeClr val="lt1"/>
+          </a:fontRef>
+        </p:style>
+        <p:txBody>
+          <a:bodyPr rtlCol="0" anchor="ctr"/>
+          <a:lstStyle/>
+          <a:p>
+            <a:pPr algn="ctr"/>
+            <a:r>
+              <a:rPr lang="ja-JP" altLang="en-US" dirty="0" smtClean="0">
+                <a:solidFill>
+                  <a:schemeClr val="tx1"/>
+                </a:solidFill>
+              </a:rPr>
+              <a:t>飽和</a:t>
+            </a:r>
+            <a:r>
+              <a:rPr lang="ja-JP" altLang="en-US" dirty="0">
+                <a:solidFill>
+                  <a:schemeClr val="tx1"/>
+                </a:solidFill>
+              </a:rPr>
+              <a:t>器</a:t>
+            </a:r>
+            <a:endParaRPr kumimoji="1" lang="en-US" altLang="ja-JP" dirty="0" smtClean="0">
+              <a:solidFill>
+                <a:schemeClr val="tx1"/>
+              </a:solidFill>
+            </a:endParaRPr>
+          </a:p>
+        </p:txBody>
+      </p:sp>
+      <p:cxnSp>
+        <p:nvCxnSpPr>
+          <p:cNvPr id="36" name="直線矢印コネクタ 35"/>
+          <p:cNvCxnSpPr>
+            <a:endCxn id="4" idx="1"/>
+          </p:cNvCxnSpPr>
+          <p:nvPr/>
+        </p:nvCxnSpPr>
+        <p:spPr>
+          <a:xfrm>
+            <a:off x="6132513" y="2650544"/>
+            <a:ext cx="655282" cy="0"/>
+          </a:xfrm>
+          <a:prstGeom prst="straightConnector1">
+            <a:avLst/>
+          </a:prstGeom>
+          <a:ln w="38100">
+            <a:solidFill>
+              <a:schemeClr val="tx1"/>
+            </a:solidFill>
+            <a:tailEnd type="triangle"/>
+          </a:ln>
+        </p:spPr>
+        <p:style>
+          <a:lnRef idx="1">
+            <a:schemeClr val="accent1"/>
+          </a:lnRef>
+          <a:fillRef idx="0">
+            <a:schemeClr val="accent1"/>
+          </a:fillRef>
+          <a:effectRef idx="0">
+            <a:schemeClr val="accent1"/>
+          </a:effectRef>
+          <a:fontRef idx="minor">
+            <a:schemeClr val="tx1"/>
+          </a:fontRef>
+        </p:style>
+      </p:cxnSp>
+    </p:spTree>
+    <p:extLst>
+      <p:ext uri="{BB962C8B-B14F-4D97-AF65-F5344CB8AC3E}">
+        <p14:creationId xmlns:p14="http://schemas.microsoft.com/office/powerpoint/2010/main" val="644431265"/>
+      </p:ext>
+    </p:extLst>
+  </p:cSld>
+  <p:clrMapOvr>
+    <a:masterClrMapping/>
+  </p:clrMapOvr>
+</p:sld>
+</file>
+
+<file path=ppt/slides/slide11.xml><?xml version="1.0" encoding="utf-8"?>
+<p:sld xmlns:a="http://schemas.openxmlformats.org/drawingml/2006/main" xmlns:r="http://schemas.openxmlformats.org/officeDocument/2006/relationships" xmlns:p="http://schemas.openxmlformats.org/presentationml/2006/main">
+  <p:cSld>
+    <p:spTree>
+      <p:nvGrpSpPr>
+        <p:cNvPr id="1" name=""/>
+        <p:cNvGrpSpPr/>
+        <p:nvPr/>
+      </p:nvGrpSpPr>
+      <p:grpSpPr>
+        <a:xfrm>
+          <a:off x="0" y="0"/>
+          <a:ext cx="0" cy="0"/>
+          <a:chOff x="0" y="0"/>
+          <a:chExt cx="0" cy="0"/>
+        </a:xfrm>
+      </p:grpSpPr>
+      <p:sp>
+        <p:nvSpPr>
+          <p:cNvPr id="2" name="正方形/長方形 1"/>
+          <p:cNvSpPr/>
+          <p:nvPr/>
+        </p:nvSpPr>
+        <p:spPr>
+          <a:xfrm>
+            <a:off x="3218329" y="2323652"/>
+            <a:ext cx="882127" cy="613186"/>
+          </a:xfrm>
+          <a:prstGeom prst="rect">
+            <a:avLst/>
+          </a:prstGeom>
+          <a:solidFill>
+            <a:schemeClr val="bg1"/>
+          </a:solidFill>
+          <a:ln w="25400">
+            <a:solidFill>
+              <a:schemeClr val="tx1"/>
+            </a:solidFill>
+          </a:ln>
+        </p:spPr>
+        <p:style>
+          <a:lnRef idx="2">
+            <a:schemeClr val="accent1">
+              <a:shade val="50000"/>
+            </a:schemeClr>
+          </a:lnRef>
+          <a:fillRef idx="1">
+            <a:schemeClr val="accent1"/>
+          </a:fillRef>
+          <a:effectRef idx="0">
+            <a:schemeClr val="accent1"/>
+          </a:effectRef>
+          <a:fontRef idx="minor">
+            <a:schemeClr val="lt1"/>
+          </a:fontRef>
+        </p:style>
+        <p:txBody>
+          <a:bodyPr rtlCol="0" anchor="ctr"/>
+          <a:lstStyle/>
+          <a:p>
+            <a:pPr algn="ctr"/>
             <a:r>
               <a:rPr kumimoji="1" lang="en-US" altLang="ja-JP" dirty="0" smtClean="0">
                 <a:solidFill>
@@ -6964,7 +7940,7 @@
 </p:sld>
 </file>
 
-<file path=ppt/slides/slide11.xml><?xml version="1.0" encoding="utf-8"?>
+<file path=ppt/slides/slide12.xml><?xml version="1.0" encoding="utf-8"?>
 <p:sld xmlns:a="http://schemas.openxmlformats.org/drawingml/2006/main" xmlns:r="http://schemas.openxmlformats.org/officeDocument/2006/relationships" xmlns:p="http://schemas.openxmlformats.org/presentationml/2006/main">
   <p:cSld>
     <p:spTree>
@@ -8571,7 +9547,7 @@
 </p:sld>
 </file>
 
-<file path=ppt/slides/slide12.xml><?xml version="1.0" encoding="utf-8"?>
+<file path=ppt/slides/slide13.xml><?xml version="1.0" encoding="utf-8"?>
 <p:sld xmlns:a="http://schemas.openxmlformats.org/drawingml/2006/main" xmlns:r="http://schemas.openxmlformats.org/officeDocument/2006/relationships" xmlns:p="http://schemas.openxmlformats.org/presentationml/2006/main">
   <p:cSld>
     <p:spTree>
